--- a/L6 Group-1 Pitch 1.pptx
+++ b/L6 Group-1 Pitch 1.pptx
@@ -10,18 +10,19 @@
     <p:sldId id="258" r:id="rId4"/>
     <p:sldId id="259" r:id="rId5"/>
     <p:sldId id="260" r:id="rId6"/>
-    <p:sldId id="261" r:id="rId7"/>
-    <p:sldId id="262" r:id="rId8"/>
-    <p:sldId id="263" r:id="rId9"/>
-    <p:sldId id="264" r:id="rId10"/>
-    <p:sldId id="265" r:id="rId11"/>
-    <p:sldId id="266" r:id="rId12"/>
-    <p:sldId id="267" r:id="rId13"/>
-    <p:sldId id="268" r:id="rId14"/>
-    <p:sldId id="269" r:id="rId15"/>
-    <p:sldId id="270" r:id="rId16"/>
-    <p:sldId id="272" r:id="rId17"/>
-    <p:sldId id="271" r:id="rId18"/>
+    <p:sldId id="272" r:id="rId7"/>
+    <p:sldId id="261" r:id="rId8"/>
+    <p:sldId id="262" r:id="rId9"/>
+    <p:sldId id="263" r:id="rId10"/>
+    <p:sldId id="264" r:id="rId11"/>
+    <p:sldId id="265" r:id="rId12"/>
+    <p:sldId id="266" r:id="rId13"/>
+    <p:sldId id="267" r:id="rId14"/>
+    <p:sldId id="268" r:id="rId15"/>
+    <p:sldId id="269" r:id="rId16"/>
+    <p:sldId id="270" r:id="rId17"/>
+    <p:sldId id="273" r:id="rId18"/>
+    <p:sldId id="271" r:id="rId19"/>
   </p:sldIdLst>
   <p:sldSz cx="9144000" cy="6858000" type="screen4x3"/>
   <p:notesSz cx="6858000" cy="9144000"/>
@@ -120,6 +121,22 @@
       </a:defRPr>
     </a:lvl9pPr>
   </p:defaultTextStyle>
+  <p:extLst>
+    <p:ext uri="{EFAFB233-063F-42B5-8137-9DF3F51BA10A}">
+      <p15:sldGuideLst xmlns:p15="http://schemas.microsoft.com/office/powerpoint/2012/main">
+        <p15:guide id="1" orient="horz" pos="2160">
+          <p15:clr>
+            <a:srgbClr val="A4A3A4"/>
+          </p15:clr>
+        </p15:guide>
+        <p15:guide id="2" pos="2880">
+          <p15:clr>
+            <a:srgbClr val="A4A3A4"/>
+          </p15:clr>
+        </p15:guide>
+      </p15:sldGuideLst>
+    </p:ext>
+  </p:extLst>
 </p:presentation>
 </file>
 
@@ -343,7 +360,7 @@
             <a:fld id="{59890AA0-6485-43C3-A3E1-2183D380AD4D}" type="datetimeFigureOut">
               <a:rPr lang="en-GB" smtClean="0"/>
               <a:pPr/>
-              <a:t>06/10/2017</a:t>
+              <a:t>09/10/2017</a:t>
             </a:fld>
             <a:endParaRPr lang="en-GB"/>
           </a:p>
@@ -532,7 +549,7 @@
             <a:fld id="{59890AA0-6485-43C3-A3E1-2183D380AD4D}" type="datetimeFigureOut">
               <a:rPr lang="en-GB" smtClean="0"/>
               <a:pPr/>
-              <a:t>06/10/2017</a:t>
+              <a:t>09/10/2017</a:t>
             </a:fld>
             <a:endParaRPr lang="en-GB"/>
           </a:p>
@@ -709,7 +726,7 @@
             <a:fld id="{59890AA0-6485-43C3-A3E1-2183D380AD4D}" type="datetimeFigureOut">
               <a:rPr lang="en-GB" smtClean="0"/>
               <a:pPr/>
-              <a:t>06/10/2017</a:t>
+              <a:t>09/10/2017</a:t>
             </a:fld>
             <a:endParaRPr lang="en-GB"/>
           </a:p>
@@ -891,7 +908,7 @@
             <a:fld id="{59890AA0-6485-43C3-A3E1-2183D380AD4D}" type="datetimeFigureOut">
               <a:rPr lang="en-GB" smtClean="0"/>
               <a:pPr/>
-              <a:t>06/10/2017</a:t>
+              <a:t>09/10/2017</a:t>
             </a:fld>
             <a:endParaRPr lang="en-GB"/>
           </a:p>
@@ -1140,7 +1157,7 @@
             <a:fld id="{59890AA0-6485-43C3-A3E1-2183D380AD4D}" type="datetimeFigureOut">
               <a:rPr lang="en-GB" smtClean="0"/>
               <a:pPr/>
-              <a:t>06/10/2017</a:t>
+              <a:t>09/10/2017</a:t>
             </a:fld>
             <a:endParaRPr lang="en-GB"/>
           </a:p>
@@ -1616,7 +1633,7 @@
             <a:fld id="{59890AA0-6485-43C3-A3E1-2183D380AD4D}" type="datetimeFigureOut">
               <a:rPr lang="en-GB" smtClean="0"/>
               <a:pPr/>
-              <a:t>06/10/2017</a:t>
+              <a:t>09/10/2017</a:t>
             </a:fld>
             <a:endParaRPr lang="en-GB"/>
           </a:p>
@@ -2033,7 +2050,7 @@
             <a:fld id="{59890AA0-6485-43C3-A3E1-2183D380AD4D}" type="datetimeFigureOut">
               <a:rPr lang="en-GB" smtClean="0"/>
               <a:pPr/>
-              <a:t>06/10/2017</a:t>
+              <a:t>09/10/2017</a:t>
             </a:fld>
             <a:endParaRPr lang="en-GB"/>
           </a:p>
@@ -2166,7 +2183,7 @@
             <a:fld id="{59890AA0-6485-43C3-A3E1-2183D380AD4D}" type="datetimeFigureOut">
               <a:rPr lang="en-GB" smtClean="0"/>
               <a:pPr/>
-              <a:t>06/10/2017</a:t>
+              <a:t>09/10/2017</a:t>
             </a:fld>
             <a:endParaRPr lang="en-GB"/>
           </a:p>
@@ -2263,7 +2280,7 @@
             <a:fld id="{59890AA0-6485-43C3-A3E1-2183D380AD4D}" type="datetimeFigureOut">
               <a:rPr lang="en-GB" smtClean="0"/>
               <a:pPr/>
-              <a:t>06/10/2017</a:t>
+              <a:t>09/10/2017</a:t>
             </a:fld>
             <a:endParaRPr lang="en-GB"/>
           </a:p>
@@ -2543,7 +2560,7 @@
             <a:fld id="{59890AA0-6485-43C3-A3E1-2183D380AD4D}" type="datetimeFigureOut">
               <a:rPr lang="en-GB" smtClean="0"/>
               <a:pPr/>
-              <a:t>06/10/2017</a:t>
+              <a:t>09/10/2017</a:t>
             </a:fld>
             <a:endParaRPr lang="en-GB"/>
           </a:p>
@@ -2797,7 +2814,7 @@
             <a:fld id="{59890AA0-6485-43C3-A3E1-2183D380AD4D}" type="datetimeFigureOut">
               <a:rPr lang="en-GB" smtClean="0"/>
               <a:pPr/>
-              <a:t>06/10/2017</a:t>
+              <a:t>09/10/2017</a:t>
             </a:fld>
             <a:endParaRPr lang="en-GB"/>
           </a:p>
@@ -3171,7 +3188,7 @@
             <a:fld id="{59890AA0-6485-43C3-A3E1-2183D380AD4D}" type="datetimeFigureOut">
               <a:rPr lang="en-GB" smtClean="0"/>
               <a:pPr/>
-              <a:t>06/10/2017</a:t>
+              <a:t>09/10/2017</a:t>
             </a:fld>
             <a:endParaRPr lang="en-GB"/>
           </a:p>
@@ -3645,19 +3662,7 @@
             <a:pPr algn="ctr"/>
             <a:r>
               <a:rPr lang="en-GB" dirty="0" smtClean="0"/>
-              <a:t>Caitlin White, Connor Wilby, Jamie </a:t>
-            </a:r>
-            <a:r>
-              <a:rPr lang="en-GB" dirty="0" smtClean="0"/>
-              <a:t>Chandler </a:t>
-            </a:r>
-            <a:r>
-              <a:rPr lang="en-GB" dirty="0" smtClean="0"/>
-              <a:t>and Jordan </a:t>
-            </a:r>
-            <a:r>
-              <a:rPr lang="en-GB" dirty="0" smtClean="0"/>
-              <a:t>Marks</a:t>
+              <a:t>Caitlin White, Connor Wilby, Jamie Chandler and Jordan Marks</a:t>
             </a:r>
             <a:endParaRPr lang="en-GB" dirty="0"/>
           </a:p>
@@ -3705,7 +3710,7 @@
           <a:p>
             <a:r>
               <a:rPr lang="en-GB" dirty="0" smtClean="0"/>
-              <a:t>Idea 2 – Moodboards and Style Guide</a:t>
+              <a:t>Idea 2 - Challenges </a:t>
             </a:r>
             <a:endParaRPr lang="en-GB" dirty="0"/>
           </a:p>
@@ -3726,7 +3731,40 @@
           <a:bodyPr/>
           <a:lstStyle/>
           <a:p>
-            <a:endParaRPr lang="en-GB"/>
+            <a:r>
+              <a:rPr lang="en-GB" dirty="0" smtClean="0"/>
+              <a:t>Directing characters to matching goal platform</a:t>
+            </a:r>
+          </a:p>
+          <a:p>
+            <a:r>
+              <a:rPr lang="en-GB" dirty="0" smtClean="0"/>
+              <a:t>Multiple characters to direct</a:t>
+            </a:r>
+          </a:p>
+          <a:p>
+            <a:r>
+              <a:rPr lang="en-GB" dirty="0" smtClean="0"/>
+              <a:t>Varying Speed</a:t>
+            </a:r>
+          </a:p>
+          <a:p>
+            <a:r>
+              <a:rPr lang="en-GB" dirty="0" smtClean="0"/>
+              <a:t>Level Complexity</a:t>
+            </a:r>
+          </a:p>
+          <a:p>
+            <a:r>
+              <a:rPr lang="en-GB" dirty="0" smtClean="0"/>
+              <a:t>Varying Platforms</a:t>
+            </a:r>
+          </a:p>
+          <a:p>
+            <a:pPr>
+              <a:buNone/>
+            </a:pPr>
+            <a:endParaRPr lang="en-GB" dirty="0"/>
           </a:p>
         </p:txBody>
       </p:sp>
@@ -3772,7 +3810,7 @@
           <a:p>
             <a:r>
               <a:rPr lang="en-GB" dirty="0" smtClean="0"/>
-              <a:t>Idea 3-</a:t>
+              <a:t>Idea 2 – Moodboards and Style Guide</a:t>
             </a:r>
             <a:endParaRPr lang="en-GB" dirty="0"/>
           </a:p>
@@ -3837,7 +3875,15 @@
           <a:bodyPr/>
           <a:lstStyle/>
           <a:p>
-            <a:endParaRPr lang="en-GB"/>
+            <a:r>
+              <a:rPr lang="en-GB" dirty="0" smtClean="0"/>
+              <a:t>Idea </a:t>
+            </a:r>
+            <a:r>
+              <a:rPr lang="en-GB" dirty="0"/>
+              <a:t>3- Demographic</a:t>
+            </a:r>
+            <a:endParaRPr lang="en-GB" dirty="0"/>
           </a:p>
         </p:txBody>
       </p:sp>
@@ -3856,7 +3902,23 @@
           <a:bodyPr/>
           <a:lstStyle/>
           <a:p>
-            <a:endParaRPr lang="en-GB"/>
+            <a:r>
+              <a:rPr lang="en-GB" dirty="0"/>
+              <a:t>Age: 25-34</a:t>
+            </a:r>
+          </a:p>
+          <a:p>
+            <a:r>
+              <a:rPr lang="en-GB" dirty="0"/>
+              <a:t>Gender: Female</a:t>
+            </a:r>
+          </a:p>
+          <a:p>
+            <a:r>
+              <a:rPr lang="en-GB" dirty="0" smtClean="0"/>
+              <a:t>Hard Fun:</a:t>
+            </a:r>
+            <a:endParaRPr lang="en-GB" dirty="0"/>
           </a:p>
         </p:txBody>
       </p:sp>
@@ -3900,7 +3962,19 @@
           <a:bodyPr/>
           <a:lstStyle/>
           <a:p>
-            <a:endParaRPr lang="en-GB"/>
+            <a:r>
+              <a:rPr lang="en-GB" dirty="0"/>
+              <a:t>Idea 3- </a:t>
+            </a:r>
+            <a:r>
+              <a:rPr lang="en-GB" dirty="0" smtClean="0"/>
+              <a:t>Platform </a:t>
+            </a:r>
+            <a:r>
+              <a:rPr lang="en-GB" dirty="0"/>
+              <a:t>and Genre</a:t>
+            </a:r>
+            <a:endParaRPr lang="en-GB" dirty="0"/>
           </a:p>
         </p:txBody>
       </p:sp>
@@ -3919,7 +3993,30 @@
           <a:bodyPr/>
           <a:lstStyle/>
           <a:p>
-            <a:endParaRPr lang="en-GB"/>
+            <a:r>
+              <a:rPr lang="en-GB" dirty="0"/>
+              <a:t>Platform: Mobile and Tablet</a:t>
+            </a:r>
+          </a:p>
+          <a:p>
+            <a:r>
+              <a:rPr lang="en-GB" dirty="0"/>
+              <a:t>Genre: Puzzle</a:t>
+            </a:r>
+          </a:p>
+          <a:p>
+            <a:r>
+              <a:rPr lang="en-GB" dirty="0"/>
+              <a:t>Duration: 1</a:t>
+            </a:r>
+            <a:r>
+              <a:rPr lang="en-GB" dirty="0" smtClean="0"/>
+              <a:t> minutes per life with up to 6 mins of play when all lives are used at once</a:t>
+            </a:r>
+            <a:endParaRPr lang="en-GB" dirty="0"/>
+          </a:p>
+          <a:p>
+            <a:endParaRPr lang="en-GB" dirty="0"/>
           </a:p>
         </p:txBody>
       </p:sp>
@@ -3963,26 +4060,275 @@
           <a:bodyPr/>
           <a:lstStyle/>
           <a:p>
+            <a:r>
+              <a:rPr lang="en-GB" dirty="0" smtClean="0"/>
+              <a:t>Idea 3- Game </a:t>
+            </a:r>
+            <a:r>
+              <a:rPr lang="en-GB" dirty="0"/>
+              <a:t>Loop</a:t>
+            </a:r>
+            <a:endParaRPr lang="en-GB" dirty="0"/>
+          </a:p>
+        </p:txBody>
+      </p:sp>
+      <p:sp>
+        <p:nvSpPr>
+          <p:cNvPr id="3" name="Content Placeholder 2"/>
+          <p:cNvSpPr>
+            <a:spLocks noGrp="1"/>
+          </p:cNvSpPr>
+          <p:nvPr>
+            <p:ph idx="1"/>
+          </p:nvPr>
+        </p:nvSpPr>
+        <p:spPr>
+          <a:xfrm>
+            <a:off x="457200" y="4105374"/>
+            <a:ext cx="8229600" cy="2491978"/>
+          </a:xfrm>
+        </p:spPr>
+        <p:txBody>
+          <a:bodyPr>
+            <a:normAutofit lnSpcReduction="10000"/>
+          </a:bodyPr>
+          <a:lstStyle/>
+          <a:p>
+            <a:r>
+              <a:rPr lang="en-GB" dirty="0" smtClean="0"/>
+              <a:t>Player’s have a minute to come up with as many words as they can using the giving letters</a:t>
+            </a:r>
+          </a:p>
+          <a:p>
+            <a:r>
+              <a:rPr lang="en-GB" dirty="0" smtClean="0"/>
+              <a:t>Soft </a:t>
+            </a:r>
+            <a:r>
+              <a:rPr lang="en-GB" dirty="0"/>
+              <a:t>Currency – Power Ups</a:t>
+            </a:r>
+          </a:p>
+          <a:p>
+            <a:r>
+              <a:rPr lang="en-GB" dirty="0"/>
+              <a:t>Hard Currency </a:t>
+            </a:r>
+            <a:r>
+              <a:rPr lang="en-GB" dirty="0" smtClean="0"/>
+              <a:t>– Refill your lives</a:t>
+            </a:r>
+            <a:endParaRPr lang="en-GB" dirty="0"/>
+          </a:p>
+        </p:txBody>
+      </p:sp>
+      <p:sp>
+        <p:nvSpPr>
+          <p:cNvPr id="4" name="Bent-Up Arrow 3"/>
+          <p:cNvSpPr/>
+          <p:nvPr/>
+        </p:nvSpPr>
+        <p:spPr>
+          <a:xfrm rot="10800000" flipH="1">
+            <a:off x="5076056" y="1761184"/>
+            <a:ext cx="864096" cy="1296144"/>
+          </a:xfrm>
+          <a:prstGeom prst="bentUpArrow">
+            <a:avLst/>
+          </a:prstGeom>
+        </p:spPr>
+        <p:style>
+          <a:lnRef idx="2">
+            <a:schemeClr val="accent1">
+              <a:shade val="50000"/>
+            </a:schemeClr>
+          </a:lnRef>
+          <a:fillRef idx="1">
+            <a:schemeClr val="accent1"/>
+          </a:fillRef>
+          <a:effectRef idx="0">
+            <a:schemeClr val="accent1"/>
+          </a:effectRef>
+          <a:fontRef idx="minor">
+            <a:schemeClr val="lt1"/>
+          </a:fontRef>
+        </p:style>
+        <p:txBody>
+          <a:bodyPr rtlCol="0" anchor="ctr"/>
+          <a:lstStyle/>
+          <a:p>
+            <a:pPr algn="ctr"/>
             <a:endParaRPr lang="en-GB"/>
           </a:p>
         </p:txBody>
       </p:sp>
       <p:sp>
         <p:nvSpPr>
-          <p:cNvPr id="3" name="Content Placeholder 2"/>
-          <p:cNvSpPr>
-            <a:spLocks noGrp="1"/>
-          </p:cNvSpPr>
-          <p:nvPr>
-            <p:ph idx="1"/>
-          </p:nvPr>
-        </p:nvSpPr>
-        <p:spPr/>
-        <p:txBody>
-          <a:bodyPr/>
-          <a:lstStyle/>
-          <a:p>
+          <p:cNvPr id="5" name="Bent-Up Arrow 4"/>
+          <p:cNvSpPr/>
+          <p:nvPr/>
+        </p:nvSpPr>
+        <p:spPr>
+          <a:xfrm rot="5400000" flipH="1">
+            <a:off x="2475837" y="1941204"/>
+            <a:ext cx="1368152" cy="864096"/>
+          </a:xfrm>
+          <a:prstGeom prst="bentUpArrow">
+            <a:avLst/>
+          </a:prstGeom>
+        </p:spPr>
+        <p:style>
+          <a:lnRef idx="2">
+            <a:schemeClr val="accent1">
+              <a:shade val="50000"/>
+            </a:schemeClr>
+          </a:lnRef>
+          <a:fillRef idx="1">
+            <a:schemeClr val="accent1"/>
+          </a:fillRef>
+          <a:effectRef idx="0">
+            <a:schemeClr val="accent1"/>
+          </a:effectRef>
+          <a:fontRef idx="minor">
+            <a:schemeClr val="lt1"/>
+          </a:fontRef>
+        </p:style>
+        <p:txBody>
+          <a:bodyPr rtlCol="0" anchor="ctr"/>
+          <a:lstStyle/>
+          <a:p>
+            <a:pPr algn="ctr"/>
             <a:endParaRPr lang="en-GB"/>
+          </a:p>
+        </p:txBody>
+      </p:sp>
+      <p:sp>
+        <p:nvSpPr>
+          <p:cNvPr id="6" name="Down Arrow 5"/>
+          <p:cNvSpPr/>
+          <p:nvPr/>
+        </p:nvSpPr>
+        <p:spPr>
+          <a:xfrm rot="5400000">
+            <a:off x="3771981" y="2805300"/>
+            <a:ext cx="504056" cy="1152128"/>
+          </a:xfrm>
+          <a:prstGeom prst="downArrow">
+            <a:avLst/>
+          </a:prstGeom>
+        </p:spPr>
+        <p:style>
+          <a:lnRef idx="2">
+            <a:schemeClr val="accent1">
+              <a:shade val="50000"/>
+            </a:schemeClr>
+          </a:lnRef>
+          <a:fillRef idx="1">
+            <a:schemeClr val="accent1"/>
+          </a:fillRef>
+          <a:effectRef idx="0">
+            <a:schemeClr val="accent1"/>
+          </a:effectRef>
+          <a:fontRef idx="minor">
+            <a:schemeClr val="lt1"/>
+          </a:fontRef>
+        </p:style>
+        <p:txBody>
+          <a:bodyPr rtlCol="0" anchor="ctr"/>
+          <a:lstStyle/>
+          <a:p>
+            <a:pPr algn="ctr"/>
+            <a:endParaRPr lang="en-GB"/>
+          </a:p>
+        </p:txBody>
+      </p:sp>
+      <p:sp>
+        <p:nvSpPr>
+          <p:cNvPr id="10" name="TextBox 9"/>
+          <p:cNvSpPr txBox="1"/>
+          <p:nvPr/>
+        </p:nvSpPr>
+        <p:spPr>
+          <a:xfrm>
+            <a:off x="3613929" y="1689176"/>
+            <a:ext cx="1368152" cy="369332"/>
+          </a:xfrm>
+          <a:prstGeom prst="rect">
+            <a:avLst/>
+          </a:prstGeom>
+          <a:noFill/>
+        </p:spPr>
+        <p:txBody>
+          <a:bodyPr wrap="square" rtlCol="0">
+            <a:spAutoFit/>
+          </a:bodyPr>
+          <a:lstStyle/>
+          <a:p>
+            <a:r>
+              <a:rPr lang="en-GB" dirty="0" smtClean="0"/>
+              <a:t>Use a Life</a:t>
+            </a:r>
+            <a:endParaRPr lang="en-GB" dirty="0"/>
+          </a:p>
+        </p:txBody>
+      </p:sp>
+      <p:sp>
+        <p:nvSpPr>
+          <p:cNvPr id="11" name="TextBox 10"/>
+          <p:cNvSpPr txBox="1"/>
+          <p:nvPr/>
+        </p:nvSpPr>
+        <p:spPr>
+          <a:xfrm>
+            <a:off x="2367825" y="3007413"/>
+            <a:ext cx="1152128" cy="646331"/>
+          </a:xfrm>
+          <a:prstGeom prst="rect">
+            <a:avLst/>
+          </a:prstGeom>
+          <a:noFill/>
+        </p:spPr>
+        <p:txBody>
+          <a:bodyPr wrap="square" rtlCol="0">
+            <a:spAutoFit/>
+          </a:bodyPr>
+          <a:lstStyle/>
+          <a:p>
+            <a:r>
+              <a:rPr lang="en-GB" dirty="0" smtClean="0"/>
+              <a:t>Earn rewards</a:t>
+            </a:r>
+            <a:endParaRPr lang="en-GB" dirty="0"/>
+          </a:p>
+        </p:txBody>
+      </p:sp>
+      <p:sp>
+        <p:nvSpPr>
+          <p:cNvPr id="12" name="TextBox 11"/>
+          <p:cNvSpPr txBox="1"/>
+          <p:nvPr/>
+        </p:nvSpPr>
+        <p:spPr>
+          <a:xfrm>
+            <a:off x="4600073" y="2949987"/>
+            <a:ext cx="2448272" cy="923330"/>
+          </a:xfrm>
+          <a:prstGeom prst="rect">
+            <a:avLst/>
+          </a:prstGeom>
+          <a:noFill/>
+        </p:spPr>
+        <p:txBody>
+          <a:bodyPr wrap="square" rtlCol="0">
+            <a:spAutoFit/>
+          </a:bodyPr>
+          <a:lstStyle/>
+          <a:p>
+            <a:r>
+              <a:rPr lang="en-GB" dirty="0" smtClean="0"/>
+              <a:t>Make as many words as you can in a minute</a:t>
+            </a:r>
+            <a:endParaRPr lang="en-GB" dirty="0"/>
           </a:p>
         </p:txBody>
       </p:sp>
@@ -4026,7 +4372,19 @@
           <a:bodyPr/>
           <a:lstStyle/>
           <a:p>
-            <a:endParaRPr lang="en-GB"/>
+            <a:r>
+              <a:rPr lang="en-GB" dirty="0"/>
+              <a:t>Idea </a:t>
+            </a:r>
+            <a:r>
+              <a:rPr lang="en-GB" dirty="0" smtClean="0"/>
+              <a:t>3 </a:t>
+            </a:r>
+            <a:r>
+              <a:rPr lang="en-GB" dirty="0"/>
+              <a:t>- Challenges</a:t>
+            </a:r>
+            <a:endParaRPr lang="en-GB" dirty="0"/>
           </a:p>
         </p:txBody>
       </p:sp>
@@ -4045,7 +4403,28 @@
           <a:bodyPr/>
           <a:lstStyle/>
           <a:p>
-            <a:endParaRPr lang="en-GB"/>
+            <a:r>
+              <a:rPr lang="en-GB" dirty="0" smtClean="0"/>
+              <a:t>Fast paced</a:t>
+            </a:r>
+          </a:p>
+          <a:p>
+            <a:r>
+              <a:rPr lang="en-GB" dirty="0" smtClean="0"/>
+              <a:t>Mental challenge</a:t>
+            </a:r>
+          </a:p>
+          <a:p>
+            <a:r>
+              <a:rPr lang="en-GB" dirty="0" smtClean="0"/>
+              <a:t>Varying amount of letters</a:t>
+            </a:r>
+          </a:p>
+          <a:p>
+            <a:endParaRPr lang="en-GB" dirty="0" smtClean="0"/>
+          </a:p>
+          <a:p>
+            <a:endParaRPr lang="en-GB" dirty="0" smtClean="0"/>
           </a:p>
         </p:txBody>
       </p:sp>
@@ -4089,7 +4468,27 @@
           <a:bodyPr/>
           <a:lstStyle/>
           <a:p>
-            <a:endParaRPr lang="en-GB"/>
+            <a:r>
+              <a:rPr lang="en-GB" dirty="0"/>
+              <a:t>Idea </a:t>
+            </a:r>
+            <a:r>
+              <a:rPr lang="en-GB" dirty="0" smtClean="0"/>
+              <a:t>3 </a:t>
+            </a:r>
+            <a:r>
+              <a:rPr lang="en-GB" dirty="0"/>
+              <a:t>– </a:t>
+            </a:r>
+            <a:r>
+              <a:rPr lang="en-GB" dirty="0" err="1"/>
+              <a:t>Moodboards</a:t>
+            </a:r>
+            <a:r>
+              <a:rPr lang="en-GB" dirty="0"/>
+              <a:t> and Style Guide</a:t>
+            </a:r>
+            <a:endParaRPr lang="en-GB" dirty="0"/>
           </a:p>
         </p:txBody>
       </p:sp>
@@ -4108,7 +4507,7 @@
           <a:bodyPr/>
           <a:lstStyle/>
           <a:p>
-            <a:endParaRPr lang="en-GB"/>
+            <a:endParaRPr lang="en-GB" dirty="0"/>
           </a:p>
         </p:txBody>
       </p:sp>
@@ -4147,12 +4546,86 @@
             <p:ph type="title"/>
           </p:nvPr>
         </p:nvSpPr>
+        <p:spPr>
+          <a:xfrm>
+            <a:off x="467544" y="2780928"/>
+            <a:ext cx="8229600" cy="1399032"/>
+          </a:xfrm>
+        </p:spPr>
+        <p:txBody>
+          <a:bodyPr/>
+          <a:lstStyle/>
+          <a:p>
+            <a:r>
+              <a:rPr lang="en-GB" dirty="0" smtClean="0">
+                <a:effectLst>
+                  <a:outerShdw blurRad="38100" dist="38100" dir="2700000" algn="tl">
+                    <a:srgbClr val="000000">
+                      <a:alpha val="43137"/>
+                    </a:srgbClr>
+                  </a:outerShdw>
+                </a:effectLst>
+              </a:rPr>
+              <a:t>Questions?</a:t>
+            </a:r>
+            <a:endParaRPr lang="en-GB" dirty="0">
+              <a:effectLst>
+                <a:outerShdw blurRad="38100" dist="38100" dir="2700000" algn="tl">
+                  <a:srgbClr val="000000">
+                    <a:alpha val="43137"/>
+                  </a:srgbClr>
+                </a:outerShdw>
+              </a:effectLst>
+            </a:endParaRPr>
+          </a:p>
+        </p:txBody>
+      </p:sp>
+    </p:spTree>
+    <p:extLst>
+      <p:ext uri="{BB962C8B-B14F-4D97-AF65-F5344CB8AC3E}">
+        <p14:creationId xmlns:p14="http://schemas.microsoft.com/office/powerpoint/2010/main" val="3579189080"/>
+      </p:ext>
+    </p:extLst>
+  </p:cSld>
+  <p:clrMapOvr>
+    <a:masterClrMapping/>
+  </p:clrMapOvr>
+</p:sld>
+</file>
+
+<file path=ppt/slides/slide18.xml><?xml version="1.0" encoding="utf-8"?>
+<p:sld xmlns:a="http://schemas.openxmlformats.org/drawingml/2006/main" xmlns:r="http://schemas.openxmlformats.org/officeDocument/2006/relationships" xmlns:p="http://schemas.openxmlformats.org/presentationml/2006/main">
+  <p:cSld>
+    <p:spTree>
+      <p:nvGrpSpPr>
+        <p:cNvPr id="1" name=""/>
+        <p:cNvGrpSpPr/>
+        <p:nvPr/>
+      </p:nvGrpSpPr>
+      <p:grpSpPr>
+        <a:xfrm>
+          <a:off x="0" y="0"/>
+          <a:ext cx="0" cy="0"/>
+          <a:chOff x="0" y="0"/>
+          <a:chExt cx="0" cy="0"/>
+        </a:xfrm>
+      </p:grpSpPr>
+      <p:sp>
+        <p:nvSpPr>
+          <p:cNvPr id="2" name="Title 1"/>
+          <p:cNvSpPr>
+            <a:spLocks noGrp="1"/>
+          </p:cNvSpPr>
+          <p:nvPr>
+            <p:ph type="title"/>
+          </p:nvPr>
+        </p:nvSpPr>
         <p:spPr/>
         <p:txBody>
           <a:bodyPr/>
           <a:lstStyle/>
           <a:p>
-            <a:endParaRPr lang="en-GB"/>
+            <a:endParaRPr lang="en-GB" dirty="0"/>
           </a:p>
         </p:txBody>
       </p:sp>
@@ -4329,7 +4802,11 @@
           <a:bodyPr/>
           <a:lstStyle/>
           <a:p>
-            <a:endParaRPr lang="en-GB"/>
+            <a:r>
+              <a:rPr lang="en-GB" dirty="0"/>
+              <a:t>Idea 1- </a:t>
+            </a:r>
+            <a:endParaRPr lang="en-GB" dirty="0"/>
           </a:p>
         </p:txBody>
       </p:sp>
@@ -4392,7 +4869,11 @@
           <a:bodyPr/>
           <a:lstStyle/>
           <a:p>
-            <a:endParaRPr lang="en-GB"/>
+            <a:r>
+              <a:rPr lang="en-GB" dirty="0"/>
+              <a:t>Idea 1- </a:t>
+            </a:r>
+            <a:endParaRPr lang="en-GB" dirty="0"/>
           </a:p>
         </p:txBody>
       </p:sp>
@@ -4455,7 +4936,11 @@
           <a:bodyPr/>
           <a:lstStyle/>
           <a:p>
-            <a:endParaRPr lang="en-GB"/>
+            <a:r>
+              <a:rPr lang="en-GB" dirty="0"/>
+              <a:t>Idea 1- </a:t>
+            </a:r>
+            <a:endParaRPr lang="en-GB" dirty="0"/>
           </a:p>
         </p:txBody>
       </p:sp>
@@ -4519,14 +5004,9 @@
           <a:lstStyle/>
           <a:p>
             <a:r>
-              <a:rPr lang="en-GB" dirty="0" smtClean="0"/>
-              <a:t>Idea </a:t>
-            </a:r>
-            <a:r>
-              <a:rPr lang="en-GB" dirty="0" smtClean="0"/>
-              <a:t>2 - Demographic</a:t>
-            </a:r>
-            <a:endParaRPr lang="en-GB" dirty="0"/>
+              <a:rPr lang="en-GB" dirty="0"/>
+              <a:t>Idea 1- </a:t>
+            </a:r>
           </a:p>
         </p:txBody>
       </p:sp>
@@ -4542,152 +5022,19 @@
         </p:nvSpPr>
         <p:spPr/>
         <p:txBody>
-          <a:bodyPr>
-            <a:normAutofit fontScale="62500" lnSpcReduction="20000"/>
-          </a:bodyPr>
-          <a:lstStyle/>
-          <a:p>
-            <a:r>
-              <a:rPr lang="en-GB" dirty="0" smtClean="0"/>
-              <a:t>Age: 25-34</a:t>
-            </a:r>
-          </a:p>
-          <a:p>
-            <a:r>
-              <a:rPr lang="en-GB" dirty="0" smtClean="0"/>
-              <a:t>Gender: Female</a:t>
-            </a:r>
-          </a:p>
-          <a:p>
-            <a:r>
-              <a:rPr lang="en-GB" dirty="0" smtClean="0"/>
-              <a:t>Easy Fun: </a:t>
-            </a:r>
-          </a:p>
-          <a:p>
-            <a:r>
-              <a:rPr lang="en-GB" dirty="0" smtClean="0"/>
-              <a:t>Hard Fun: </a:t>
-            </a:r>
-          </a:p>
-          <a:p>
-            <a:pPr lvl="1"/>
-            <a:r>
-              <a:rPr lang="en-GB" dirty="0" smtClean="0"/>
-              <a:t>Accomplishment</a:t>
-            </a:r>
-          </a:p>
-          <a:p>
-            <a:pPr lvl="1"/>
-            <a:r>
-              <a:rPr lang="en-GB" dirty="0" smtClean="0"/>
-              <a:t>Strategy</a:t>
-            </a:r>
-          </a:p>
-          <a:p>
-            <a:pPr lvl="1"/>
-            <a:r>
-              <a:rPr lang="en-GB" dirty="0" smtClean="0"/>
-              <a:t>Clear Goal</a:t>
-            </a:r>
-          </a:p>
-          <a:p>
-            <a:pPr lvl="1"/>
-            <a:endParaRPr lang="en-GB" dirty="0" smtClean="0"/>
-          </a:p>
-          <a:p>
-            <a:endParaRPr lang="en-GB" dirty="0" smtClean="0"/>
-          </a:p>
-          <a:p>
-            <a:pPr>
-              <a:buNone/>
-            </a:pPr>
-            <a:endParaRPr lang="en-GB" dirty="0"/>
-          </a:p>
-          <a:p>
-            <a:pPr>
-              <a:buNone/>
-            </a:pPr>
-            <a:endParaRPr lang="en-GB" dirty="0" smtClean="0"/>
-          </a:p>
-          <a:p>
-            <a:pPr>
-              <a:buNone/>
-            </a:pPr>
-            <a:endParaRPr lang="en-GB" dirty="0" smtClean="0"/>
-          </a:p>
-          <a:p>
-            <a:pPr>
-              <a:buNone/>
-            </a:pPr>
-            <a:endParaRPr lang="en-GB" dirty="0" smtClean="0"/>
-          </a:p>
-          <a:p>
-            <a:pPr>
-              <a:buNone/>
-            </a:pPr>
-            <a:endParaRPr lang="en-GB" dirty="0" smtClean="0"/>
-          </a:p>
-          <a:p>
-            <a:pPr>
-              <a:buNone/>
-            </a:pPr>
-            <a:endParaRPr lang="en-GB" dirty="0" smtClean="0"/>
-          </a:p>
-          <a:p>
-            <a:pPr>
-              <a:buNone/>
-            </a:pPr>
-            <a:endParaRPr lang="en-GB" sz="1100" dirty="0" smtClean="0"/>
-          </a:p>
-          <a:p>
-            <a:pPr>
-              <a:buNone/>
-            </a:pPr>
-            <a:endParaRPr lang="en-GB" sz="1100" dirty="0" smtClean="0"/>
-          </a:p>
-          <a:p>
-            <a:pPr>
-              <a:buNone/>
-            </a:pPr>
-            <a:r>
-              <a:rPr lang="en-GB" sz="1100" dirty="0" smtClean="0"/>
-              <a:t>Source: http</a:t>
-            </a:r>
-            <a:r>
-              <a:rPr lang="en-GB" sz="1100" dirty="0" smtClean="0"/>
-              <a:t>://www.realitymine.com/myth-busting-mobile-gaming-demographics/</a:t>
-            </a:r>
-          </a:p>
-        </p:txBody>
-      </p:sp>
-      <p:pic>
-        <p:nvPicPr>
-          <p:cNvPr id="24578" name="Picture 2" descr="Mobile gaming: age of mobile gamers"/>
-          <p:cNvPicPr>
-            <a:picLocks noChangeAspect="1" noChangeArrowheads="1"/>
-          </p:cNvPicPr>
-          <p:nvPr/>
-        </p:nvPicPr>
-        <p:blipFill>
-          <a:blip r:embed="rId2" cstate="print"/>
-          <a:srcRect/>
-          <a:stretch>
-            <a:fillRect/>
-          </a:stretch>
-        </p:blipFill>
-        <p:spPr bwMode="auto">
-          <a:xfrm>
-            <a:off x="4499992" y="1934319"/>
-            <a:ext cx="3754047" cy="2286769"/>
-          </a:xfrm>
-          <a:prstGeom prst="rect">
-            <a:avLst/>
-          </a:prstGeom>
-          <a:noFill/>
-        </p:spPr>
-      </p:pic>
+          <a:bodyPr/>
+          <a:lstStyle/>
+          <a:p>
+            <a:endParaRPr lang="en-GB"/>
+          </a:p>
+        </p:txBody>
+      </p:sp>
     </p:spTree>
+    <p:extLst>
+      <p:ext uri="{BB962C8B-B14F-4D97-AF65-F5344CB8AC3E}">
+        <p14:creationId xmlns:p14="http://schemas.microsoft.com/office/powerpoint/2010/main" val="650876939"/>
+      </p:ext>
+    </p:extLst>
   </p:cSld>
   <p:clrMapOvr>
     <a:masterClrMapping/>
@@ -4729,7 +5076,7 @@
           <a:p>
             <a:r>
               <a:rPr lang="en-GB" dirty="0" smtClean="0"/>
-              <a:t>Idea 2 – Platform and Genre</a:t>
+              <a:t>Idea 2 - Demographic</a:t>
             </a:r>
             <a:endParaRPr lang="en-GB" dirty="0"/>
           </a:p>
@@ -4748,34 +5095,54 @@
         <p:spPr/>
         <p:txBody>
           <a:bodyPr>
-            <a:normAutofit/>
+            <a:normAutofit fontScale="55000" lnSpcReduction="20000"/>
           </a:bodyPr>
           <a:lstStyle/>
           <a:p>
             <a:r>
-              <a:rPr lang="en-GB" dirty="0" smtClean="0"/>
-              <a:t>Platform: Mobile and Tablet</a:t>
-            </a:r>
-          </a:p>
-          <a:p>
-            <a:r>
-              <a:rPr lang="en-GB" dirty="0" smtClean="0"/>
-              <a:t>Genre: Puzzle</a:t>
-            </a:r>
-          </a:p>
-          <a:p>
-            <a:r>
-              <a:rPr lang="en-GB" dirty="0" smtClean="0"/>
-              <a:t>Duration: Up to 2 minutes</a:t>
-            </a:r>
-          </a:p>
-          <a:p>
-            <a:endParaRPr lang="en-GB" dirty="0" smtClean="0"/>
-          </a:p>
-          <a:p>
-            <a:endParaRPr lang="en-GB" dirty="0" smtClean="0"/>
-          </a:p>
-          <a:p>
+              <a:rPr lang="en-GB" sz="3800" dirty="0" smtClean="0"/>
+              <a:t>Age: 25-34</a:t>
+            </a:r>
+          </a:p>
+          <a:p>
+            <a:r>
+              <a:rPr lang="en-GB" sz="3800" dirty="0" smtClean="0"/>
+              <a:t>Gender: Female</a:t>
+            </a:r>
+          </a:p>
+          <a:p>
+            <a:r>
+              <a:rPr lang="en-GB" sz="3800" dirty="0" smtClean="0"/>
+              <a:t>Hard </a:t>
+            </a:r>
+            <a:r>
+              <a:rPr lang="en-GB" sz="3800" dirty="0" smtClean="0"/>
+              <a:t>Fun: </a:t>
+            </a:r>
+          </a:p>
+          <a:p>
+            <a:pPr lvl="1"/>
+            <a:r>
+              <a:rPr lang="en-GB" sz="3800" dirty="0" smtClean="0"/>
+              <a:t>Accomplishment</a:t>
+            </a:r>
+          </a:p>
+          <a:p>
+            <a:pPr lvl="1"/>
+            <a:r>
+              <a:rPr lang="en-GB" sz="3800" dirty="0" smtClean="0"/>
+              <a:t>Strategy</a:t>
+            </a:r>
+          </a:p>
+          <a:p>
+            <a:pPr lvl="1"/>
+            <a:r>
+              <a:rPr lang="en-GB" sz="3800" dirty="0" smtClean="0"/>
+              <a:t>Clear Goal</a:t>
+            </a:r>
+          </a:p>
+          <a:p>
+            <a:pPr lvl="1"/>
             <a:endParaRPr lang="en-GB" dirty="0" smtClean="0"/>
           </a:p>
           <a:p>
@@ -4785,44 +5152,64 @@
             <a:pPr>
               <a:buNone/>
             </a:pPr>
-            <a:endParaRPr lang="en-GB" sz="700" dirty="0" smtClean="0"/>
+            <a:endParaRPr lang="en-GB" dirty="0"/>
           </a:p>
           <a:p>
             <a:pPr>
               <a:buNone/>
             </a:pPr>
-            <a:endParaRPr lang="en-GB" sz="700" dirty="0" smtClean="0"/>
+            <a:endParaRPr lang="en-GB" dirty="0" smtClean="0"/>
           </a:p>
           <a:p>
             <a:pPr>
               <a:buNone/>
             </a:pPr>
-            <a:endParaRPr lang="en-GB" sz="700" dirty="0" smtClean="0"/>
+            <a:endParaRPr lang="en-GB" dirty="0" smtClean="0"/>
           </a:p>
           <a:p>
             <a:pPr>
               <a:buNone/>
             </a:pPr>
-            <a:endParaRPr lang="en-GB" sz="700" dirty="0" smtClean="0"/>
+            <a:endParaRPr lang="en-GB" dirty="0" smtClean="0"/>
           </a:p>
           <a:p>
             <a:pPr>
               <a:buNone/>
             </a:pPr>
-            <a:r>
-              <a:rPr lang="en-GB" sz="700" dirty="0" smtClean="0"/>
-              <a:t>Source</a:t>
-            </a:r>
-            <a:r>
-              <a:rPr lang="en-GB" sz="700" dirty="0" smtClean="0"/>
-              <a:t>: http://www.realitymine.com/myth-busting-mobile-gaming-demographics/</a:t>
+            <a:endParaRPr lang="en-GB" dirty="0" smtClean="0"/>
+          </a:p>
+          <a:p>
+            <a:pPr>
+              <a:buNone/>
+            </a:pPr>
+            <a:endParaRPr lang="en-GB" dirty="0" smtClean="0"/>
+          </a:p>
+          <a:p>
+            <a:pPr>
+              <a:buNone/>
+            </a:pPr>
+            <a:endParaRPr lang="en-GB" sz="1100" dirty="0" smtClean="0"/>
+          </a:p>
+          <a:p>
+            <a:pPr>
+              <a:buNone/>
+            </a:pPr>
+            <a:endParaRPr lang="en-GB" sz="1100" dirty="0" smtClean="0"/>
+          </a:p>
+          <a:p>
+            <a:pPr>
+              <a:buNone/>
+            </a:pPr>
+            <a:r>
+              <a:rPr lang="en-GB" sz="1100" dirty="0" smtClean="0"/>
+              <a:t>Source: http://www.realitymine.com/myth-busting-mobile-gaming-demographics/</a:t>
             </a:r>
           </a:p>
         </p:txBody>
       </p:sp>
       <p:pic>
         <p:nvPicPr>
-          <p:cNvPr id="23554" name="Picture 2" descr="Mobile gaming:Daily playing patterns"/>
+          <p:cNvPr id="24578" name="Picture 2" descr="Mobile gaming: age of mobile gamers"/>
           <p:cNvPicPr>
             <a:picLocks noChangeAspect="1" noChangeArrowheads="1"/>
           </p:cNvPicPr>
@@ -4837,8 +5224,8 @@
         </p:blipFill>
         <p:spPr bwMode="auto">
           <a:xfrm>
-            <a:off x="2195736" y="3789040"/>
-            <a:ext cx="4752528" cy="2184214"/>
+            <a:off x="4499992" y="1934319"/>
+            <a:ext cx="3754047" cy="2286769"/>
           </a:xfrm>
           <a:prstGeom prst="rect">
             <a:avLst/>
@@ -4888,6 +5275,161 @@
           <a:p>
             <a:r>
               <a:rPr lang="en-GB" dirty="0" smtClean="0"/>
+              <a:t>Idea 2 – Platform and Genre</a:t>
+            </a:r>
+            <a:endParaRPr lang="en-GB" dirty="0"/>
+          </a:p>
+        </p:txBody>
+      </p:sp>
+      <p:sp>
+        <p:nvSpPr>
+          <p:cNvPr id="3" name="Content Placeholder 2"/>
+          <p:cNvSpPr>
+            <a:spLocks noGrp="1"/>
+          </p:cNvSpPr>
+          <p:nvPr>
+            <p:ph idx="1"/>
+          </p:nvPr>
+        </p:nvSpPr>
+        <p:spPr/>
+        <p:txBody>
+          <a:bodyPr>
+            <a:normAutofit/>
+          </a:bodyPr>
+          <a:lstStyle/>
+          <a:p>
+            <a:r>
+              <a:rPr lang="en-GB" dirty="0" smtClean="0"/>
+              <a:t>Platform: Mobile and Tablet</a:t>
+            </a:r>
+          </a:p>
+          <a:p>
+            <a:r>
+              <a:rPr lang="en-GB" dirty="0" smtClean="0"/>
+              <a:t>Genre: Puzzle</a:t>
+            </a:r>
+          </a:p>
+          <a:p>
+            <a:r>
+              <a:rPr lang="en-GB" dirty="0" smtClean="0"/>
+              <a:t>Duration: Up to 2 minutes</a:t>
+            </a:r>
+          </a:p>
+          <a:p>
+            <a:endParaRPr lang="en-GB" dirty="0" smtClean="0"/>
+          </a:p>
+          <a:p>
+            <a:endParaRPr lang="en-GB" dirty="0" smtClean="0"/>
+          </a:p>
+          <a:p>
+            <a:endParaRPr lang="en-GB" dirty="0" smtClean="0"/>
+          </a:p>
+          <a:p>
+            <a:endParaRPr lang="en-GB" dirty="0" smtClean="0"/>
+          </a:p>
+          <a:p>
+            <a:pPr>
+              <a:buNone/>
+            </a:pPr>
+            <a:endParaRPr lang="en-GB" sz="700" dirty="0" smtClean="0"/>
+          </a:p>
+          <a:p>
+            <a:pPr>
+              <a:buNone/>
+            </a:pPr>
+            <a:endParaRPr lang="en-GB" sz="700" dirty="0" smtClean="0"/>
+          </a:p>
+          <a:p>
+            <a:pPr>
+              <a:buNone/>
+            </a:pPr>
+            <a:endParaRPr lang="en-GB" sz="700" dirty="0" smtClean="0"/>
+          </a:p>
+          <a:p>
+            <a:pPr>
+              <a:buNone/>
+            </a:pPr>
+            <a:endParaRPr lang="en-GB" sz="700" dirty="0" smtClean="0"/>
+          </a:p>
+          <a:p>
+            <a:pPr>
+              <a:buNone/>
+            </a:pPr>
+            <a:r>
+              <a:rPr lang="en-GB" sz="700" dirty="0" smtClean="0"/>
+              <a:t>Source: http://www.realitymine.com/myth-busting-mobile-gaming-demographics/</a:t>
+            </a:r>
+          </a:p>
+        </p:txBody>
+      </p:sp>
+      <p:pic>
+        <p:nvPicPr>
+          <p:cNvPr id="23554" name="Picture 2" descr="Mobile gaming:Daily playing patterns"/>
+          <p:cNvPicPr>
+            <a:picLocks noChangeAspect="1" noChangeArrowheads="1"/>
+          </p:cNvPicPr>
+          <p:nvPr/>
+        </p:nvPicPr>
+        <p:blipFill>
+          <a:blip r:embed="rId2" cstate="print"/>
+          <a:srcRect/>
+          <a:stretch>
+            <a:fillRect/>
+          </a:stretch>
+        </p:blipFill>
+        <p:spPr bwMode="auto">
+          <a:xfrm>
+            <a:off x="1835696" y="3501008"/>
+            <a:ext cx="5760640" cy="2647532"/>
+          </a:xfrm>
+          <a:prstGeom prst="rect">
+            <a:avLst/>
+          </a:prstGeom>
+          <a:noFill/>
+        </p:spPr>
+      </p:pic>
+    </p:spTree>
+  </p:cSld>
+  <p:clrMapOvr>
+    <a:masterClrMapping/>
+  </p:clrMapOvr>
+</p:sld>
+</file>
+
+<file path=ppt/slides/slide9.xml><?xml version="1.0" encoding="utf-8"?>
+<p:sld xmlns:a="http://schemas.openxmlformats.org/drawingml/2006/main" xmlns:r="http://schemas.openxmlformats.org/officeDocument/2006/relationships" xmlns:p="http://schemas.openxmlformats.org/presentationml/2006/main">
+  <p:cSld>
+    <p:spTree>
+      <p:nvGrpSpPr>
+        <p:cNvPr id="1" name=""/>
+        <p:cNvGrpSpPr/>
+        <p:nvPr/>
+      </p:nvGrpSpPr>
+      <p:grpSpPr>
+        <a:xfrm>
+          <a:off x="0" y="0"/>
+          <a:ext cx="0" cy="0"/>
+          <a:chOff x="0" y="0"/>
+          <a:chExt cx="0" cy="0"/>
+        </a:xfrm>
+      </p:grpSpPr>
+      <p:sp>
+        <p:nvSpPr>
+          <p:cNvPr id="2" name="Title 1"/>
+          <p:cNvSpPr>
+            <a:spLocks noGrp="1"/>
+          </p:cNvSpPr>
+          <p:nvPr>
+            <p:ph type="title"/>
+          </p:nvPr>
+        </p:nvSpPr>
+        <p:spPr/>
+        <p:txBody>
+          <a:bodyPr/>
+          <a:lstStyle/>
+          <a:p>
+            <a:r>
+              <a:rPr lang="en-GB" dirty="0" smtClean="0"/>
               <a:t>Idea 2 – Game Loop</a:t>
             </a:r>
             <a:endParaRPr lang="en-GB" dirty="0"/>
@@ -4911,13 +5453,20 @@
           </a:xfrm>
         </p:spPr>
         <p:txBody>
-          <a:bodyPr/>
+          <a:bodyPr>
+            <a:normAutofit fontScale="92500"/>
+          </a:bodyPr>
           <a:lstStyle/>
           <a:p>
             <a:r>
               <a:rPr lang="en-GB" dirty="0" smtClean="0"/>
-              <a:t>Direct character through level to goal</a:t>
-            </a:r>
+              <a:t>Direct character through level to </a:t>
+            </a:r>
+            <a:r>
+              <a:rPr lang="en-GB" dirty="0" smtClean="0"/>
+              <a:t>the goal</a:t>
+            </a:r>
+            <a:endParaRPr lang="en-GB" dirty="0" smtClean="0"/>
           </a:p>
           <a:p>
             <a:r>
@@ -5129,106 +5678,6 @@
           <a:noFill/>
         </p:spPr>
       </p:pic>
-    </p:spTree>
-  </p:cSld>
-  <p:clrMapOvr>
-    <a:masterClrMapping/>
-  </p:clrMapOvr>
-</p:sld>
-</file>
-
-<file path=ppt/slides/slide9.xml><?xml version="1.0" encoding="utf-8"?>
-<p:sld xmlns:a="http://schemas.openxmlformats.org/drawingml/2006/main" xmlns:r="http://schemas.openxmlformats.org/officeDocument/2006/relationships" xmlns:p="http://schemas.openxmlformats.org/presentationml/2006/main">
-  <p:cSld>
-    <p:spTree>
-      <p:nvGrpSpPr>
-        <p:cNvPr id="1" name=""/>
-        <p:cNvGrpSpPr/>
-        <p:nvPr/>
-      </p:nvGrpSpPr>
-      <p:grpSpPr>
-        <a:xfrm>
-          <a:off x="0" y="0"/>
-          <a:ext cx="0" cy="0"/>
-          <a:chOff x="0" y="0"/>
-          <a:chExt cx="0" cy="0"/>
-        </a:xfrm>
-      </p:grpSpPr>
-      <p:sp>
-        <p:nvSpPr>
-          <p:cNvPr id="2" name="Title 1"/>
-          <p:cNvSpPr>
-            <a:spLocks noGrp="1"/>
-          </p:cNvSpPr>
-          <p:nvPr>
-            <p:ph type="title"/>
-          </p:nvPr>
-        </p:nvSpPr>
-        <p:spPr/>
-        <p:txBody>
-          <a:bodyPr/>
-          <a:lstStyle/>
-          <a:p>
-            <a:r>
-              <a:rPr lang="en-GB" dirty="0" smtClean="0"/>
-              <a:t>Idea 2 - Challenges </a:t>
-            </a:r>
-            <a:endParaRPr lang="en-GB" dirty="0"/>
-          </a:p>
-        </p:txBody>
-      </p:sp>
-      <p:sp>
-        <p:nvSpPr>
-          <p:cNvPr id="3" name="Content Placeholder 2"/>
-          <p:cNvSpPr>
-            <a:spLocks noGrp="1"/>
-          </p:cNvSpPr>
-          <p:nvPr>
-            <p:ph idx="1"/>
-          </p:nvPr>
-        </p:nvSpPr>
-        <p:spPr/>
-        <p:txBody>
-          <a:bodyPr/>
-          <a:lstStyle/>
-          <a:p>
-            <a:r>
-              <a:rPr lang="en-GB" dirty="0" smtClean="0"/>
-              <a:t>Directing characters to matching goal platform</a:t>
-            </a:r>
-          </a:p>
-          <a:p>
-            <a:r>
-              <a:rPr lang="en-GB" dirty="0" smtClean="0"/>
-              <a:t>Multiple characters to direct</a:t>
-            </a:r>
-          </a:p>
-          <a:p>
-            <a:r>
-              <a:rPr lang="en-GB" dirty="0" smtClean="0"/>
-              <a:t>Varying Speed</a:t>
-            </a:r>
-          </a:p>
-          <a:p>
-            <a:r>
-              <a:rPr lang="en-GB" dirty="0" smtClean="0"/>
-              <a:t>Level Complexity</a:t>
-            </a:r>
-          </a:p>
-          <a:p>
-            <a:r>
-              <a:rPr lang="en-GB" dirty="0" smtClean="0"/>
-              <a:t>Varying Platforms</a:t>
-            </a:r>
-          </a:p>
-          <a:p>
-            <a:pPr>
-              <a:buNone/>
-            </a:pPr>
-            <a:endParaRPr lang="en-GB" dirty="0"/>
-          </a:p>
-        </p:txBody>
-      </p:sp>
     </p:spTree>
   </p:cSld>
   <p:clrMapOvr>

--- a/L6 Group-1 Pitch 1.pptx
+++ b/L6 Group-1 Pitch 1.pptx
@@ -11,18 +11,20 @@
     <p:sldId id="259" r:id="rId5"/>
     <p:sldId id="260" r:id="rId6"/>
     <p:sldId id="272" r:id="rId7"/>
-    <p:sldId id="261" r:id="rId8"/>
-    <p:sldId id="262" r:id="rId9"/>
-    <p:sldId id="263" r:id="rId10"/>
-    <p:sldId id="264" r:id="rId11"/>
-    <p:sldId id="265" r:id="rId12"/>
-    <p:sldId id="266" r:id="rId13"/>
-    <p:sldId id="267" r:id="rId14"/>
-    <p:sldId id="268" r:id="rId15"/>
-    <p:sldId id="269" r:id="rId16"/>
-    <p:sldId id="270" r:id="rId17"/>
-    <p:sldId id="273" r:id="rId18"/>
-    <p:sldId id="271" r:id="rId19"/>
+    <p:sldId id="274" r:id="rId8"/>
+    <p:sldId id="261" r:id="rId9"/>
+    <p:sldId id="262" r:id="rId10"/>
+    <p:sldId id="263" r:id="rId11"/>
+    <p:sldId id="264" r:id="rId12"/>
+    <p:sldId id="265" r:id="rId13"/>
+    <p:sldId id="275" r:id="rId14"/>
+    <p:sldId id="266" r:id="rId15"/>
+    <p:sldId id="267" r:id="rId16"/>
+    <p:sldId id="268" r:id="rId17"/>
+    <p:sldId id="269" r:id="rId18"/>
+    <p:sldId id="270" r:id="rId19"/>
+    <p:sldId id="273" r:id="rId20"/>
+    <p:sldId id="271" r:id="rId21"/>
   </p:sldIdLst>
   <p:sldSz cx="9144000" cy="6858000" type="screen4x3"/>
   <p:notesSz cx="6858000" cy="9144000"/>
@@ -123,7 +125,7 @@
   </p:defaultTextStyle>
   <p:extLst>
     <p:ext uri="{EFAFB233-063F-42B5-8137-9DF3F51BA10A}">
-      <p15:sldGuideLst xmlns:p15="http://schemas.microsoft.com/office/powerpoint/2012/main">
+      <p15:sldGuideLst xmlns:p15="http://schemas.microsoft.com/office/powerpoint/2012/main" xmlns="">
         <p15:guide id="1" orient="horz" pos="2160">
           <p15:clr>
             <a:srgbClr val="A4A3A4"/>
@@ -3710,1726 +3712,6 @@
           <a:p>
             <a:r>
               <a:rPr lang="en-GB" dirty="0" smtClean="0"/>
-              <a:t>Idea 2 - Challenges </a:t>
-            </a:r>
-            <a:endParaRPr lang="en-GB" dirty="0"/>
-          </a:p>
-        </p:txBody>
-      </p:sp>
-      <p:sp>
-        <p:nvSpPr>
-          <p:cNvPr id="3" name="Content Placeholder 2"/>
-          <p:cNvSpPr>
-            <a:spLocks noGrp="1"/>
-          </p:cNvSpPr>
-          <p:nvPr>
-            <p:ph idx="1"/>
-          </p:nvPr>
-        </p:nvSpPr>
-        <p:spPr/>
-        <p:txBody>
-          <a:bodyPr/>
-          <a:lstStyle/>
-          <a:p>
-            <a:r>
-              <a:rPr lang="en-GB" dirty="0" smtClean="0"/>
-              <a:t>Directing characters to matching goal platform</a:t>
-            </a:r>
-          </a:p>
-          <a:p>
-            <a:r>
-              <a:rPr lang="en-GB" dirty="0" smtClean="0"/>
-              <a:t>Multiple characters to direct</a:t>
-            </a:r>
-          </a:p>
-          <a:p>
-            <a:r>
-              <a:rPr lang="en-GB" dirty="0" smtClean="0"/>
-              <a:t>Varying Speed</a:t>
-            </a:r>
-          </a:p>
-          <a:p>
-            <a:r>
-              <a:rPr lang="en-GB" dirty="0" smtClean="0"/>
-              <a:t>Level Complexity</a:t>
-            </a:r>
-          </a:p>
-          <a:p>
-            <a:r>
-              <a:rPr lang="en-GB" dirty="0" smtClean="0"/>
-              <a:t>Varying Platforms</a:t>
-            </a:r>
-          </a:p>
-          <a:p>
-            <a:pPr>
-              <a:buNone/>
-            </a:pPr>
-            <a:endParaRPr lang="en-GB" dirty="0"/>
-          </a:p>
-        </p:txBody>
-      </p:sp>
-    </p:spTree>
-  </p:cSld>
-  <p:clrMapOvr>
-    <a:masterClrMapping/>
-  </p:clrMapOvr>
-</p:sld>
-</file>
-
-<file path=ppt/slides/slide11.xml><?xml version="1.0" encoding="utf-8"?>
-<p:sld xmlns:a="http://schemas.openxmlformats.org/drawingml/2006/main" xmlns:r="http://schemas.openxmlformats.org/officeDocument/2006/relationships" xmlns:p="http://schemas.openxmlformats.org/presentationml/2006/main">
-  <p:cSld>
-    <p:spTree>
-      <p:nvGrpSpPr>
-        <p:cNvPr id="1" name=""/>
-        <p:cNvGrpSpPr/>
-        <p:nvPr/>
-      </p:nvGrpSpPr>
-      <p:grpSpPr>
-        <a:xfrm>
-          <a:off x="0" y="0"/>
-          <a:ext cx="0" cy="0"/>
-          <a:chOff x="0" y="0"/>
-          <a:chExt cx="0" cy="0"/>
-        </a:xfrm>
-      </p:grpSpPr>
-      <p:sp>
-        <p:nvSpPr>
-          <p:cNvPr id="2" name="Title 1"/>
-          <p:cNvSpPr>
-            <a:spLocks noGrp="1"/>
-          </p:cNvSpPr>
-          <p:nvPr>
-            <p:ph type="title"/>
-          </p:nvPr>
-        </p:nvSpPr>
-        <p:spPr/>
-        <p:txBody>
-          <a:bodyPr/>
-          <a:lstStyle/>
-          <a:p>
-            <a:r>
-              <a:rPr lang="en-GB" dirty="0" smtClean="0"/>
-              <a:t>Idea 2 – Moodboards and Style Guide</a:t>
-            </a:r>
-            <a:endParaRPr lang="en-GB" dirty="0"/>
-          </a:p>
-        </p:txBody>
-      </p:sp>
-      <p:sp>
-        <p:nvSpPr>
-          <p:cNvPr id="3" name="Content Placeholder 2"/>
-          <p:cNvSpPr>
-            <a:spLocks noGrp="1"/>
-          </p:cNvSpPr>
-          <p:nvPr>
-            <p:ph idx="1"/>
-          </p:nvPr>
-        </p:nvSpPr>
-        <p:spPr/>
-        <p:txBody>
-          <a:bodyPr/>
-          <a:lstStyle/>
-          <a:p>
-            <a:endParaRPr lang="en-GB"/>
-          </a:p>
-        </p:txBody>
-      </p:sp>
-    </p:spTree>
-  </p:cSld>
-  <p:clrMapOvr>
-    <a:masterClrMapping/>
-  </p:clrMapOvr>
-</p:sld>
-</file>
-
-<file path=ppt/slides/slide12.xml><?xml version="1.0" encoding="utf-8"?>
-<p:sld xmlns:a="http://schemas.openxmlformats.org/drawingml/2006/main" xmlns:r="http://schemas.openxmlformats.org/officeDocument/2006/relationships" xmlns:p="http://schemas.openxmlformats.org/presentationml/2006/main">
-  <p:cSld>
-    <p:spTree>
-      <p:nvGrpSpPr>
-        <p:cNvPr id="1" name=""/>
-        <p:cNvGrpSpPr/>
-        <p:nvPr/>
-      </p:nvGrpSpPr>
-      <p:grpSpPr>
-        <a:xfrm>
-          <a:off x="0" y="0"/>
-          <a:ext cx="0" cy="0"/>
-          <a:chOff x="0" y="0"/>
-          <a:chExt cx="0" cy="0"/>
-        </a:xfrm>
-      </p:grpSpPr>
-      <p:sp>
-        <p:nvSpPr>
-          <p:cNvPr id="2" name="Title 1"/>
-          <p:cNvSpPr>
-            <a:spLocks noGrp="1"/>
-          </p:cNvSpPr>
-          <p:nvPr>
-            <p:ph type="title"/>
-          </p:nvPr>
-        </p:nvSpPr>
-        <p:spPr/>
-        <p:txBody>
-          <a:bodyPr/>
-          <a:lstStyle/>
-          <a:p>
-            <a:r>
-              <a:rPr lang="en-GB" dirty="0" smtClean="0"/>
-              <a:t>Idea </a:t>
-            </a:r>
-            <a:r>
-              <a:rPr lang="en-GB" dirty="0"/>
-              <a:t>3- Demographic</a:t>
-            </a:r>
-            <a:endParaRPr lang="en-GB" dirty="0"/>
-          </a:p>
-        </p:txBody>
-      </p:sp>
-      <p:sp>
-        <p:nvSpPr>
-          <p:cNvPr id="3" name="Content Placeholder 2"/>
-          <p:cNvSpPr>
-            <a:spLocks noGrp="1"/>
-          </p:cNvSpPr>
-          <p:nvPr>
-            <p:ph idx="1"/>
-          </p:nvPr>
-        </p:nvSpPr>
-        <p:spPr/>
-        <p:txBody>
-          <a:bodyPr/>
-          <a:lstStyle/>
-          <a:p>
-            <a:r>
-              <a:rPr lang="en-GB" dirty="0"/>
-              <a:t>Age: 25-34</a:t>
-            </a:r>
-          </a:p>
-          <a:p>
-            <a:r>
-              <a:rPr lang="en-GB" dirty="0"/>
-              <a:t>Gender: Female</a:t>
-            </a:r>
-          </a:p>
-          <a:p>
-            <a:r>
-              <a:rPr lang="en-GB" dirty="0" smtClean="0"/>
-              <a:t>Hard Fun:</a:t>
-            </a:r>
-            <a:endParaRPr lang="en-GB" dirty="0"/>
-          </a:p>
-        </p:txBody>
-      </p:sp>
-    </p:spTree>
-  </p:cSld>
-  <p:clrMapOvr>
-    <a:masterClrMapping/>
-  </p:clrMapOvr>
-</p:sld>
-</file>
-
-<file path=ppt/slides/slide13.xml><?xml version="1.0" encoding="utf-8"?>
-<p:sld xmlns:a="http://schemas.openxmlformats.org/drawingml/2006/main" xmlns:r="http://schemas.openxmlformats.org/officeDocument/2006/relationships" xmlns:p="http://schemas.openxmlformats.org/presentationml/2006/main">
-  <p:cSld>
-    <p:spTree>
-      <p:nvGrpSpPr>
-        <p:cNvPr id="1" name=""/>
-        <p:cNvGrpSpPr/>
-        <p:nvPr/>
-      </p:nvGrpSpPr>
-      <p:grpSpPr>
-        <a:xfrm>
-          <a:off x="0" y="0"/>
-          <a:ext cx="0" cy="0"/>
-          <a:chOff x="0" y="0"/>
-          <a:chExt cx="0" cy="0"/>
-        </a:xfrm>
-      </p:grpSpPr>
-      <p:sp>
-        <p:nvSpPr>
-          <p:cNvPr id="2" name="Title 1"/>
-          <p:cNvSpPr>
-            <a:spLocks noGrp="1"/>
-          </p:cNvSpPr>
-          <p:nvPr>
-            <p:ph type="title"/>
-          </p:nvPr>
-        </p:nvSpPr>
-        <p:spPr/>
-        <p:txBody>
-          <a:bodyPr/>
-          <a:lstStyle/>
-          <a:p>
-            <a:r>
-              <a:rPr lang="en-GB" dirty="0"/>
-              <a:t>Idea 3- </a:t>
-            </a:r>
-            <a:r>
-              <a:rPr lang="en-GB" dirty="0" smtClean="0"/>
-              <a:t>Platform </a:t>
-            </a:r>
-            <a:r>
-              <a:rPr lang="en-GB" dirty="0"/>
-              <a:t>and Genre</a:t>
-            </a:r>
-            <a:endParaRPr lang="en-GB" dirty="0"/>
-          </a:p>
-        </p:txBody>
-      </p:sp>
-      <p:sp>
-        <p:nvSpPr>
-          <p:cNvPr id="3" name="Content Placeholder 2"/>
-          <p:cNvSpPr>
-            <a:spLocks noGrp="1"/>
-          </p:cNvSpPr>
-          <p:nvPr>
-            <p:ph idx="1"/>
-          </p:nvPr>
-        </p:nvSpPr>
-        <p:spPr/>
-        <p:txBody>
-          <a:bodyPr/>
-          <a:lstStyle/>
-          <a:p>
-            <a:r>
-              <a:rPr lang="en-GB" dirty="0"/>
-              <a:t>Platform: Mobile and Tablet</a:t>
-            </a:r>
-          </a:p>
-          <a:p>
-            <a:r>
-              <a:rPr lang="en-GB" dirty="0"/>
-              <a:t>Genre: Puzzle</a:t>
-            </a:r>
-          </a:p>
-          <a:p>
-            <a:r>
-              <a:rPr lang="en-GB" dirty="0"/>
-              <a:t>Duration: 1</a:t>
-            </a:r>
-            <a:r>
-              <a:rPr lang="en-GB" dirty="0" smtClean="0"/>
-              <a:t> minutes per life with up to 6 mins of play when all lives are used at once</a:t>
-            </a:r>
-            <a:endParaRPr lang="en-GB" dirty="0"/>
-          </a:p>
-          <a:p>
-            <a:endParaRPr lang="en-GB" dirty="0"/>
-          </a:p>
-        </p:txBody>
-      </p:sp>
-    </p:spTree>
-  </p:cSld>
-  <p:clrMapOvr>
-    <a:masterClrMapping/>
-  </p:clrMapOvr>
-</p:sld>
-</file>
-
-<file path=ppt/slides/slide14.xml><?xml version="1.0" encoding="utf-8"?>
-<p:sld xmlns:a="http://schemas.openxmlformats.org/drawingml/2006/main" xmlns:r="http://schemas.openxmlformats.org/officeDocument/2006/relationships" xmlns:p="http://schemas.openxmlformats.org/presentationml/2006/main">
-  <p:cSld>
-    <p:spTree>
-      <p:nvGrpSpPr>
-        <p:cNvPr id="1" name=""/>
-        <p:cNvGrpSpPr/>
-        <p:nvPr/>
-      </p:nvGrpSpPr>
-      <p:grpSpPr>
-        <a:xfrm>
-          <a:off x="0" y="0"/>
-          <a:ext cx="0" cy="0"/>
-          <a:chOff x="0" y="0"/>
-          <a:chExt cx="0" cy="0"/>
-        </a:xfrm>
-      </p:grpSpPr>
-      <p:sp>
-        <p:nvSpPr>
-          <p:cNvPr id="2" name="Title 1"/>
-          <p:cNvSpPr>
-            <a:spLocks noGrp="1"/>
-          </p:cNvSpPr>
-          <p:nvPr>
-            <p:ph type="title"/>
-          </p:nvPr>
-        </p:nvSpPr>
-        <p:spPr/>
-        <p:txBody>
-          <a:bodyPr/>
-          <a:lstStyle/>
-          <a:p>
-            <a:r>
-              <a:rPr lang="en-GB" dirty="0" smtClean="0"/>
-              <a:t>Idea 3- Game </a:t>
-            </a:r>
-            <a:r>
-              <a:rPr lang="en-GB" dirty="0"/>
-              <a:t>Loop</a:t>
-            </a:r>
-            <a:endParaRPr lang="en-GB" dirty="0"/>
-          </a:p>
-        </p:txBody>
-      </p:sp>
-      <p:sp>
-        <p:nvSpPr>
-          <p:cNvPr id="3" name="Content Placeholder 2"/>
-          <p:cNvSpPr>
-            <a:spLocks noGrp="1"/>
-          </p:cNvSpPr>
-          <p:nvPr>
-            <p:ph idx="1"/>
-          </p:nvPr>
-        </p:nvSpPr>
-        <p:spPr>
-          <a:xfrm>
-            <a:off x="457200" y="4105374"/>
-            <a:ext cx="8229600" cy="2491978"/>
-          </a:xfrm>
-        </p:spPr>
-        <p:txBody>
-          <a:bodyPr>
-            <a:normAutofit lnSpcReduction="10000"/>
-          </a:bodyPr>
-          <a:lstStyle/>
-          <a:p>
-            <a:r>
-              <a:rPr lang="en-GB" dirty="0" smtClean="0"/>
-              <a:t>Player’s have a minute to come up with as many words as they can using the giving letters</a:t>
-            </a:r>
-          </a:p>
-          <a:p>
-            <a:r>
-              <a:rPr lang="en-GB" dirty="0" smtClean="0"/>
-              <a:t>Soft </a:t>
-            </a:r>
-            <a:r>
-              <a:rPr lang="en-GB" dirty="0"/>
-              <a:t>Currency – Power Ups</a:t>
-            </a:r>
-          </a:p>
-          <a:p>
-            <a:r>
-              <a:rPr lang="en-GB" dirty="0"/>
-              <a:t>Hard Currency </a:t>
-            </a:r>
-            <a:r>
-              <a:rPr lang="en-GB" dirty="0" smtClean="0"/>
-              <a:t>– Refill your lives</a:t>
-            </a:r>
-            <a:endParaRPr lang="en-GB" dirty="0"/>
-          </a:p>
-        </p:txBody>
-      </p:sp>
-      <p:sp>
-        <p:nvSpPr>
-          <p:cNvPr id="4" name="Bent-Up Arrow 3"/>
-          <p:cNvSpPr/>
-          <p:nvPr/>
-        </p:nvSpPr>
-        <p:spPr>
-          <a:xfrm rot="10800000" flipH="1">
-            <a:off x="5076056" y="1761184"/>
-            <a:ext cx="864096" cy="1296144"/>
-          </a:xfrm>
-          <a:prstGeom prst="bentUpArrow">
-            <a:avLst/>
-          </a:prstGeom>
-        </p:spPr>
-        <p:style>
-          <a:lnRef idx="2">
-            <a:schemeClr val="accent1">
-              <a:shade val="50000"/>
-            </a:schemeClr>
-          </a:lnRef>
-          <a:fillRef idx="1">
-            <a:schemeClr val="accent1"/>
-          </a:fillRef>
-          <a:effectRef idx="0">
-            <a:schemeClr val="accent1"/>
-          </a:effectRef>
-          <a:fontRef idx="minor">
-            <a:schemeClr val="lt1"/>
-          </a:fontRef>
-        </p:style>
-        <p:txBody>
-          <a:bodyPr rtlCol="0" anchor="ctr"/>
-          <a:lstStyle/>
-          <a:p>
-            <a:pPr algn="ctr"/>
-            <a:endParaRPr lang="en-GB"/>
-          </a:p>
-        </p:txBody>
-      </p:sp>
-      <p:sp>
-        <p:nvSpPr>
-          <p:cNvPr id="5" name="Bent-Up Arrow 4"/>
-          <p:cNvSpPr/>
-          <p:nvPr/>
-        </p:nvSpPr>
-        <p:spPr>
-          <a:xfrm rot="5400000" flipH="1">
-            <a:off x="2475837" y="1941204"/>
-            <a:ext cx="1368152" cy="864096"/>
-          </a:xfrm>
-          <a:prstGeom prst="bentUpArrow">
-            <a:avLst/>
-          </a:prstGeom>
-        </p:spPr>
-        <p:style>
-          <a:lnRef idx="2">
-            <a:schemeClr val="accent1">
-              <a:shade val="50000"/>
-            </a:schemeClr>
-          </a:lnRef>
-          <a:fillRef idx="1">
-            <a:schemeClr val="accent1"/>
-          </a:fillRef>
-          <a:effectRef idx="0">
-            <a:schemeClr val="accent1"/>
-          </a:effectRef>
-          <a:fontRef idx="minor">
-            <a:schemeClr val="lt1"/>
-          </a:fontRef>
-        </p:style>
-        <p:txBody>
-          <a:bodyPr rtlCol="0" anchor="ctr"/>
-          <a:lstStyle/>
-          <a:p>
-            <a:pPr algn="ctr"/>
-            <a:endParaRPr lang="en-GB"/>
-          </a:p>
-        </p:txBody>
-      </p:sp>
-      <p:sp>
-        <p:nvSpPr>
-          <p:cNvPr id="6" name="Down Arrow 5"/>
-          <p:cNvSpPr/>
-          <p:nvPr/>
-        </p:nvSpPr>
-        <p:spPr>
-          <a:xfrm rot="5400000">
-            <a:off x="3771981" y="2805300"/>
-            <a:ext cx="504056" cy="1152128"/>
-          </a:xfrm>
-          <a:prstGeom prst="downArrow">
-            <a:avLst/>
-          </a:prstGeom>
-        </p:spPr>
-        <p:style>
-          <a:lnRef idx="2">
-            <a:schemeClr val="accent1">
-              <a:shade val="50000"/>
-            </a:schemeClr>
-          </a:lnRef>
-          <a:fillRef idx="1">
-            <a:schemeClr val="accent1"/>
-          </a:fillRef>
-          <a:effectRef idx="0">
-            <a:schemeClr val="accent1"/>
-          </a:effectRef>
-          <a:fontRef idx="minor">
-            <a:schemeClr val="lt1"/>
-          </a:fontRef>
-        </p:style>
-        <p:txBody>
-          <a:bodyPr rtlCol="0" anchor="ctr"/>
-          <a:lstStyle/>
-          <a:p>
-            <a:pPr algn="ctr"/>
-            <a:endParaRPr lang="en-GB"/>
-          </a:p>
-        </p:txBody>
-      </p:sp>
-      <p:sp>
-        <p:nvSpPr>
-          <p:cNvPr id="10" name="TextBox 9"/>
-          <p:cNvSpPr txBox="1"/>
-          <p:nvPr/>
-        </p:nvSpPr>
-        <p:spPr>
-          <a:xfrm>
-            <a:off x="3613929" y="1689176"/>
-            <a:ext cx="1368152" cy="369332"/>
-          </a:xfrm>
-          <a:prstGeom prst="rect">
-            <a:avLst/>
-          </a:prstGeom>
-          <a:noFill/>
-        </p:spPr>
-        <p:txBody>
-          <a:bodyPr wrap="square" rtlCol="0">
-            <a:spAutoFit/>
-          </a:bodyPr>
-          <a:lstStyle/>
-          <a:p>
-            <a:r>
-              <a:rPr lang="en-GB" dirty="0" smtClean="0"/>
-              <a:t>Use a Life</a:t>
-            </a:r>
-            <a:endParaRPr lang="en-GB" dirty="0"/>
-          </a:p>
-        </p:txBody>
-      </p:sp>
-      <p:sp>
-        <p:nvSpPr>
-          <p:cNvPr id="11" name="TextBox 10"/>
-          <p:cNvSpPr txBox="1"/>
-          <p:nvPr/>
-        </p:nvSpPr>
-        <p:spPr>
-          <a:xfrm>
-            <a:off x="2367825" y="3007413"/>
-            <a:ext cx="1152128" cy="646331"/>
-          </a:xfrm>
-          <a:prstGeom prst="rect">
-            <a:avLst/>
-          </a:prstGeom>
-          <a:noFill/>
-        </p:spPr>
-        <p:txBody>
-          <a:bodyPr wrap="square" rtlCol="0">
-            <a:spAutoFit/>
-          </a:bodyPr>
-          <a:lstStyle/>
-          <a:p>
-            <a:r>
-              <a:rPr lang="en-GB" dirty="0" smtClean="0"/>
-              <a:t>Earn rewards</a:t>
-            </a:r>
-            <a:endParaRPr lang="en-GB" dirty="0"/>
-          </a:p>
-        </p:txBody>
-      </p:sp>
-      <p:sp>
-        <p:nvSpPr>
-          <p:cNvPr id="12" name="TextBox 11"/>
-          <p:cNvSpPr txBox="1"/>
-          <p:nvPr/>
-        </p:nvSpPr>
-        <p:spPr>
-          <a:xfrm>
-            <a:off x="4600073" y="2949987"/>
-            <a:ext cx="2448272" cy="923330"/>
-          </a:xfrm>
-          <a:prstGeom prst="rect">
-            <a:avLst/>
-          </a:prstGeom>
-          <a:noFill/>
-        </p:spPr>
-        <p:txBody>
-          <a:bodyPr wrap="square" rtlCol="0">
-            <a:spAutoFit/>
-          </a:bodyPr>
-          <a:lstStyle/>
-          <a:p>
-            <a:r>
-              <a:rPr lang="en-GB" dirty="0" smtClean="0"/>
-              <a:t>Make as many words as you can in a minute</a:t>
-            </a:r>
-            <a:endParaRPr lang="en-GB" dirty="0"/>
-          </a:p>
-        </p:txBody>
-      </p:sp>
-    </p:spTree>
-  </p:cSld>
-  <p:clrMapOvr>
-    <a:masterClrMapping/>
-  </p:clrMapOvr>
-</p:sld>
-</file>
-
-<file path=ppt/slides/slide15.xml><?xml version="1.0" encoding="utf-8"?>
-<p:sld xmlns:a="http://schemas.openxmlformats.org/drawingml/2006/main" xmlns:r="http://schemas.openxmlformats.org/officeDocument/2006/relationships" xmlns:p="http://schemas.openxmlformats.org/presentationml/2006/main">
-  <p:cSld>
-    <p:spTree>
-      <p:nvGrpSpPr>
-        <p:cNvPr id="1" name=""/>
-        <p:cNvGrpSpPr/>
-        <p:nvPr/>
-      </p:nvGrpSpPr>
-      <p:grpSpPr>
-        <a:xfrm>
-          <a:off x="0" y="0"/>
-          <a:ext cx="0" cy="0"/>
-          <a:chOff x="0" y="0"/>
-          <a:chExt cx="0" cy="0"/>
-        </a:xfrm>
-      </p:grpSpPr>
-      <p:sp>
-        <p:nvSpPr>
-          <p:cNvPr id="2" name="Title 1"/>
-          <p:cNvSpPr>
-            <a:spLocks noGrp="1"/>
-          </p:cNvSpPr>
-          <p:nvPr>
-            <p:ph type="title"/>
-          </p:nvPr>
-        </p:nvSpPr>
-        <p:spPr/>
-        <p:txBody>
-          <a:bodyPr/>
-          <a:lstStyle/>
-          <a:p>
-            <a:r>
-              <a:rPr lang="en-GB" dirty="0"/>
-              <a:t>Idea </a:t>
-            </a:r>
-            <a:r>
-              <a:rPr lang="en-GB" dirty="0" smtClean="0"/>
-              <a:t>3 </a:t>
-            </a:r>
-            <a:r>
-              <a:rPr lang="en-GB" dirty="0"/>
-              <a:t>- Challenges</a:t>
-            </a:r>
-            <a:endParaRPr lang="en-GB" dirty="0"/>
-          </a:p>
-        </p:txBody>
-      </p:sp>
-      <p:sp>
-        <p:nvSpPr>
-          <p:cNvPr id="3" name="Content Placeholder 2"/>
-          <p:cNvSpPr>
-            <a:spLocks noGrp="1"/>
-          </p:cNvSpPr>
-          <p:nvPr>
-            <p:ph idx="1"/>
-          </p:nvPr>
-        </p:nvSpPr>
-        <p:spPr/>
-        <p:txBody>
-          <a:bodyPr/>
-          <a:lstStyle/>
-          <a:p>
-            <a:r>
-              <a:rPr lang="en-GB" dirty="0" smtClean="0"/>
-              <a:t>Fast paced</a:t>
-            </a:r>
-          </a:p>
-          <a:p>
-            <a:r>
-              <a:rPr lang="en-GB" dirty="0" smtClean="0"/>
-              <a:t>Mental challenge</a:t>
-            </a:r>
-          </a:p>
-          <a:p>
-            <a:r>
-              <a:rPr lang="en-GB" dirty="0" smtClean="0"/>
-              <a:t>Varying amount of letters</a:t>
-            </a:r>
-          </a:p>
-          <a:p>
-            <a:endParaRPr lang="en-GB" dirty="0" smtClean="0"/>
-          </a:p>
-          <a:p>
-            <a:endParaRPr lang="en-GB" dirty="0" smtClean="0"/>
-          </a:p>
-        </p:txBody>
-      </p:sp>
-    </p:spTree>
-  </p:cSld>
-  <p:clrMapOvr>
-    <a:masterClrMapping/>
-  </p:clrMapOvr>
-</p:sld>
-</file>
-
-<file path=ppt/slides/slide16.xml><?xml version="1.0" encoding="utf-8"?>
-<p:sld xmlns:a="http://schemas.openxmlformats.org/drawingml/2006/main" xmlns:r="http://schemas.openxmlformats.org/officeDocument/2006/relationships" xmlns:p="http://schemas.openxmlformats.org/presentationml/2006/main">
-  <p:cSld>
-    <p:spTree>
-      <p:nvGrpSpPr>
-        <p:cNvPr id="1" name=""/>
-        <p:cNvGrpSpPr/>
-        <p:nvPr/>
-      </p:nvGrpSpPr>
-      <p:grpSpPr>
-        <a:xfrm>
-          <a:off x="0" y="0"/>
-          <a:ext cx="0" cy="0"/>
-          <a:chOff x="0" y="0"/>
-          <a:chExt cx="0" cy="0"/>
-        </a:xfrm>
-      </p:grpSpPr>
-      <p:sp>
-        <p:nvSpPr>
-          <p:cNvPr id="2" name="Title 1"/>
-          <p:cNvSpPr>
-            <a:spLocks noGrp="1"/>
-          </p:cNvSpPr>
-          <p:nvPr>
-            <p:ph type="title"/>
-          </p:nvPr>
-        </p:nvSpPr>
-        <p:spPr/>
-        <p:txBody>
-          <a:bodyPr/>
-          <a:lstStyle/>
-          <a:p>
-            <a:r>
-              <a:rPr lang="en-GB" dirty="0"/>
-              <a:t>Idea </a:t>
-            </a:r>
-            <a:r>
-              <a:rPr lang="en-GB" dirty="0" smtClean="0"/>
-              <a:t>3 </a:t>
-            </a:r>
-            <a:r>
-              <a:rPr lang="en-GB" dirty="0"/>
-              <a:t>– </a:t>
-            </a:r>
-            <a:r>
-              <a:rPr lang="en-GB" dirty="0" err="1"/>
-              <a:t>Moodboards</a:t>
-            </a:r>
-            <a:r>
-              <a:rPr lang="en-GB" dirty="0"/>
-              <a:t> and Style Guide</a:t>
-            </a:r>
-            <a:endParaRPr lang="en-GB" dirty="0"/>
-          </a:p>
-        </p:txBody>
-      </p:sp>
-      <p:sp>
-        <p:nvSpPr>
-          <p:cNvPr id="3" name="Content Placeholder 2"/>
-          <p:cNvSpPr>
-            <a:spLocks noGrp="1"/>
-          </p:cNvSpPr>
-          <p:nvPr>
-            <p:ph idx="1"/>
-          </p:nvPr>
-        </p:nvSpPr>
-        <p:spPr/>
-        <p:txBody>
-          <a:bodyPr/>
-          <a:lstStyle/>
-          <a:p>
-            <a:endParaRPr lang="en-GB" dirty="0"/>
-          </a:p>
-        </p:txBody>
-      </p:sp>
-    </p:spTree>
-  </p:cSld>
-  <p:clrMapOvr>
-    <a:masterClrMapping/>
-  </p:clrMapOvr>
-</p:sld>
-</file>
-
-<file path=ppt/slides/slide17.xml><?xml version="1.0" encoding="utf-8"?>
-<p:sld xmlns:a="http://schemas.openxmlformats.org/drawingml/2006/main" xmlns:r="http://schemas.openxmlformats.org/officeDocument/2006/relationships" xmlns:p="http://schemas.openxmlformats.org/presentationml/2006/main">
-  <p:cSld>
-    <p:spTree>
-      <p:nvGrpSpPr>
-        <p:cNvPr id="1" name=""/>
-        <p:cNvGrpSpPr/>
-        <p:nvPr/>
-      </p:nvGrpSpPr>
-      <p:grpSpPr>
-        <a:xfrm>
-          <a:off x="0" y="0"/>
-          <a:ext cx="0" cy="0"/>
-          <a:chOff x="0" y="0"/>
-          <a:chExt cx="0" cy="0"/>
-        </a:xfrm>
-      </p:grpSpPr>
-      <p:sp>
-        <p:nvSpPr>
-          <p:cNvPr id="2" name="Title 1"/>
-          <p:cNvSpPr>
-            <a:spLocks noGrp="1"/>
-          </p:cNvSpPr>
-          <p:nvPr>
-            <p:ph type="title"/>
-          </p:nvPr>
-        </p:nvSpPr>
-        <p:spPr>
-          <a:xfrm>
-            <a:off x="467544" y="2780928"/>
-            <a:ext cx="8229600" cy="1399032"/>
-          </a:xfrm>
-        </p:spPr>
-        <p:txBody>
-          <a:bodyPr/>
-          <a:lstStyle/>
-          <a:p>
-            <a:r>
-              <a:rPr lang="en-GB" dirty="0" smtClean="0">
-                <a:effectLst>
-                  <a:outerShdw blurRad="38100" dist="38100" dir="2700000" algn="tl">
-                    <a:srgbClr val="000000">
-                      <a:alpha val="43137"/>
-                    </a:srgbClr>
-                  </a:outerShdw>
-                </a:effectLst>
-              </a:rPr>
-              <a:t>Questions?</a:t>
-            </a:r>
-            <a:endParaRPr lang="en-GB" dirty="0">
-              <a:effectLst>
-                <a:outerShdw blurRad="38100" dist="38100" dir="2700000" algn="tl">
-                  <a:srgbClr val="000000">
-                    <a:alpha val="43137"/>
-                  </a:srgbClr>
-                </a:outerShdw>
-              </a:effectLst>
-            </a:endParaRPr>
-          </a:p>
-        </p:txBody>
-      </p:sp>
-    </p:spTree>
-    <p:extLst>
-      <p:ext uri="{BB962C8B-B14F-4D97-AF65-F5344CB8AC3E}">
-        <p14:creationId xmlns:p14="http://schemas.microsoft.com/office/powerpoint/2010/main" val="3579189080"/>
-      </p:ext>
-    </p:extLst>
-  </p:cSld>
-  <p:clrMapOvr>
-    <a:masterClrMapping/>
-  </p:clrMapOvr>
-</p:sld>
-</file>
-
-<file path=ppt/slides/slide18.xml><?xml version="1.0" encoding="utf-8"?>
-<p:sld xmlns:a="http://schemas.openxmlformats.org/drawingml/2006/main" xmlns:r="http://schemas.openxmlformats.org/officeDocument/2006/relationships" xmlns:p="http://schemas.openxmlformats.org/presentationml/2006/main">
-  <p:cSld>
-    <p:spTree>
-      <p:nvGrpSpPr>
-        <p:cNvPr id="1" name=""/>
-        <p:cNvGrpSpPr/>
-        <p:nvPr/>
-      </p:nvGrpSpPr>
-      <p:grpSpPr>
-        <a:xfrm>
-          <a:off x="0" y="0"/>
-          <a:ext cx="0" cy="0"/>
-          <a:chOff x="0" y="0"/>
-          <a:chExt cx="0" cy="0"/>
-        </a:xfrm>
-      </p:grpSpPr>
-      <p:sp>
-        <p:nvSpPr>
-          <p:cNvPr id="2" name="Title 1"/>
-          <p:cNvSpPr>
-            <a:spLocks noGrp="1"/>
-          </p:cNvSpPr>
-          <p:nvPr>
-            <p:ph type="title"/>
-          </p:nvPr>
-        </p:nvSpPr>
-        <p:spPr/>
-        <p:txBody>
-          <a:bodyPr/>
-          <a:lstStyle/>
-          <a:p>
-            <a:endParaRPr lang="en-GB" dirty="0"/>
-          </a:p>
-        </p:txBody>
-      </p:sp>
-      <p:sp>
-        <p:nvSpPr>
-          <p:cNvPr id="3" name="Content Placeholder 2"/>
-          <p:cNvSpPr>
-            <a:spLocks noGrp="1"/>
-          </p:cNvSpPr>
-          <p:nvPr>
-            <p:ph idx="1"/>
-          </p:nvPr>
-        </p:nvSpPr>
-        <p:spPr/>
-        <p:txBody>
-          <a:bodyPr>
-            <a:normAutofit fontScale="92500" lnSpcReduction="20000"/>
-          </a:bodyPr>
-          <a:lstStyle/>
-          <a:p>
-            <a:r>
-              <a:rPr lang="en-GB" dirty="0" smtClean="0">
-                <a:hlinkClick r:id="rId2"/>
-              </a:rPr>
-              <a:t>http://www.ampush.com/blog/the-fastest-growing-mobile-gaming-audience-women/</a:t>
-            </a:r>
-            <a:endParaRPr lang="en-GB" dirty="0" smtClean="0"/>
-          </a:p>
-          <a:p>
-            <a:r>
-              <a:rPr lang="en-GB" dirty="0" smtClean="0">
-                <a:hlinkClick r:id="rId3"/>
-              </a:rPr>
-              <a:t>http://www.realitymine.com/myth-busting-mobile-gaming-demographics/</a:t>
-            </a:r>
-            <a:endParaRPr lang="en-GB" dirty="0" smtClean="0"/>
-          </a:p>
-          <a:p>
-            <a:r>
-              <a:rPr lang="en-GB" dirty="0" smtClean="0">
-                <a:hlinkClick r:id="rId4"/>
-              </a:rPr>
-              <a:t>http://www.adweek.com/brand-marketing/infographic-how-mobile-use-varies-across-generations-166426/</a:t>
-            </a:r>
-            <a:endParaRPr lang="en-GB" dirty="0" smtClean="0"/>
-          </a:p>
-          <a:p>
-            <a:r>
-              <a:rPr lang="en-GB" dirty="0" smtClean="0">
-                <a:hlinkClick r:id="rId5"/>
-              </a:rPr>
-              <a:t>https://www.nyfa.edu/student-resources/learning-from-the-best-puzzle-games/</a:t>
-            </a:r>
-            <a:endParaRPr lang="en-GB" dirty="0" smtClean="0"/>
-          </a:p>
-          <a:p>
-            <a:r>
-              <a:rPr lang="en-GB" dirty="0" smtClean="0">
-                <a:hlinkClick r:id="rId6"/>
-              </a:rPr>
-              <a:t>https://vungle.com/blog/2015/04/27/the-6-rules-of-a-hit-puzzle-game/</a:t>
-            </a:r>
-            <a:endParaRPr lang="en-GB" dirty="0" smtClean="0"/>
-          </a:p>
-          <a:p>
-            <a:endParaRPr lang="en-GB" dirty="0"/>
-          </a:p>
-        </p:txBody>
-      </p:sp>
-    </p:spTree>
-  </p:cSld>
-  <p:clrMapOvr>
-    <a:masterClrMapping/>
-  </p:clrMapOvr>
-</p:sld>
-</file>
-
-<file path=ppt/slides/slide2.xml><?xml version="1.0" encoding="utf-8"?>
-<p:sld xmlns:a="http://schemas.openxmlformats.org/drawingml/2006/main" xmlns:r="http://schemas.openxmlformats.org/officeDocument/2006/relationships" xmlns:p="http://schemas.openxmlformats.org/presentationml/2006/main">
-  <p:cSld>
-    <p:spTree>
-      <p:nvGrpSpPr>
-        <p:cNvPr id="1" name=""/>
-        <p:cNvGrpSpPr/>
-        <p:nvPr/>
-      </p:nvGrpSpPr>
-      <p:grpSpPr>
-        <a:xfrm>
-          <a:off x="0" y="0"/>
-          <a:ext cx="0" cy="0"/>
-          <a:chOff x="0" y="0"/>
-          <a:chExt cx="0" cy="0"/>
-        </a:xfrm>
-      </p:grpSpPr>
-      <p:sp>
-        <p:nvSpPr>
-          <p:cNvPr id="2" name="Title 1"/>
-          <p:cNvSpPr>
-            <a:spLocks noGrp="1"/>
-          </p:cNvSpPr>
-          <p:nvPr>
-            <p:ph type="title"/>
-          </p:nvPr>
-        </p:nvSpPr>
-        <p:spPr/>
-        <p:txBody>
-          <a:bodyPr/>
-          <a:lstStyle/>
-          <a:p>
-            <a:r>
-              <a:rPr lang="en-GB" dirty="0" smtClean="0"/>
-              <a:t>Idea 1- </a:t>
-            </a:r>
-            <a:endParaRPr lang="en-GB" dirty="0"/>
-          </a:p>
-        </p:txBody>
-      </p:sp>
-      <p:sp>
-        <p:nvSpPr>
-          <p:cNvPr id="3" name="Content Placeholder 2"/>
-          <p:cNvSpPr>
-            <a:spLocks noGrp="1"/>
-          </p:cNvSpPr>
-          <p:nvPr>
-            <p:ph idx="1"/>
-          </p:nvPr>
-        </p:nvSpPr>
-        <p:spPr/>
-        <p:txBody>
-          <a:bodyPr/>
-          <a:lstStyle/>
-          <a:p>
-            <a:endParaRPr lang="en-GB" dirty="0"/>
-          </a:p>
-        </p:txBody>
-      </p:sp>
-    </p:spTree>
-  </p:cSld>
-  <p:clrMapOvr>
-    <a:masterClrMapping/>
-  </p:clrMapOvr>
-</p:sld>
-</file>
-
-<file path=ppt/slides/slide3.xml><?xml version="1.0" encoding="utf-8"?>
-<p:sld xmlns:a="http://schemas.openxmlformats.org/drawingml/2006/main" xmlns:r="http://schemas.openxmlformats.org/officeDocument/2006/relationships" xmlns:p="http://schemas.openxmlformats.org/presentationml/2006/main">
-  <p:cSld>
-    <p:spTree>
-      <p:nvGrpSpPr>
-        <p:cNvPr id="1" name=""/>
-        <p:cNvGrpSpPr/>
-        <p:nvPr/>
-      </p:nvGrpSpPr>
-      <p:grpSpPr>
-        <a:xfrm>
-          <a:off x="0" y="0"/>
-          <a:ext cx="0" cy="0"/>
-          <a:chOff x="0" y="0"/>
-          <a:chExt cx="0" cy="0"/>
-        </a:xfrm>
-      </p:grpSpPr>
-      <p:sp>
-        <p:nvSpPr>
-          <p:cNvPr id="2" name="Title 1"/>
-          <p:cNvSpPr>
-            <a:spLocks noGrp="1"/>
-          </p:cNvSpPr>
-          <p:nvPr>
-            <p:ph type="title"/>
-          </p:nvPr>
-        </p:nvSpPr>
-        <p:spPr/>
-        <p:txBody>
-          <a:bodyPr/>
-          <a:lstStyle/>
-          <a:p>
-            <a:r>
-              <a:rPr lang="en-GB" dirty="0"/>
-              <a:t>Idea 1- </a:t>
-            </a:r>
-            <a:endParaRPr lang="en-GB" dirty="0"/>
-          </a:p>
-        </p:txBody>
-      </p:sp>
-      <p:sp>
-        <p:nvSpPr>
-          <p:cNvPr id="3" name="Content Placeholder 2"/>
-          <p:cNvSpPr>
-            <a:spLocks noGrp="1"/>
-          </p:cNvSpPr>
-          <p:nvPr>
-            <p:ph idx="1"/>
-          </p:nvPr>
-        </p:nvSpPr>
-        <p:spPr/>
-        <p:txBody>
-          <a:bodyPr/>
-          <a:lstStyle/>
-          <a:p>
-            <a:endParaRPr lang="en-GB"/>
-          </a:p>
-        </p:txBody>
-      </p:sp>
-    </p:spTree>
-  </p:cSld>
-  <p:clrMapOvr>
-    <a:masterClrMapping/>
-  </p:clrMapOvr>
-</p:sld>
-</file>
-
-<file path=ppt/slides/slide4.xml><?xml version="1.0" encoding="utf-8"?>
-<p:sld xmlns:a="http://schemas.openxmlformats.org/drawingml/2006/main" xmlns:r="http://schemas.openxmlformats.org/officeDocument/2006/relationships" xmlns:p="http://schemas.openxmlformats.org/presentationml/2006/main">
-  <p:cSld>
-    <p:spTree>
-      <p:nvGrpSpPr>
-        <p:cNvPr id="1" name=""/>
-        <p:cNvGrpSpPr/>
-        <p:nvPr/>
-      </p:nvGrpSpPr>
-      <p:grpSpPr>
-        <a:xfrm>
-          <a:off x="0" y="0"/>
-          <a:ext cx="0" cy="0"/>
-          <a:chOff x="0" y="0"/>
-          <a:chExt cx="0" cy="0"/>
-        </a:xfrm>
-      </p:grpSpPr>
-      <p:sp>
-        <p:nvSpPr>
-          <p:cNvPr id="2" name="Title 1"/>
-          <p:cNvSpPr>
-            <a:spLocks noGrp="1"/>
-          </p:cNvSpPr>
-          <p:nvPr>
-            <p:ph type="title"/>
-          </p:nvPr>
-        </p:nvSpPr>
-        <p:spPr/>
-        <p:txBody>
-          <a:bodyPr/>
-          <a:lstStyle/>
-          <a:p>
-            <a:r>
-              <a:rPr lang="en-GB" dirty="0"/>
-              <a:t>Idea 1- </a:t>
-            </a:r>
-            <a:endParaRPr lang="en-GB" dirty="0"/>
-          </a:p>
-        </p:txBody>
-      </p:sp>
-      <p:sp>
-        <p:nvSpPr>
-          <p:cNvPr id="3" name="Content Placeholder 2"/>
-          <p:cNvSpPr>
-            <a:spLocks noGrp="1"/>
-          </p:cNvSpPr>
-          <p:nvPr>
-            <p:ph idx="1"/>
-          </p:nvPr>
-        </p:nvSpPr>
-        <p:spPr/>
-        <p:txBody>
-          <a:bodyPr/>
-          <a:lstStyle/>
-          <a:p>
-            <a:endParaRPr lang="en-GB"/>
-          </a:p>
-        </p:txBody>
-      </p:sp>
-    </p:spTree>
-  </p:cSld>
-  <p:clrMapOvr>
-    <a:masterClrMapping/>
-  </p:clrMapOvr>
-</p:sld>
-</file>
-
-<file path=ppt/slides/slide5.xml><?xml version="1.0" encoding="utf-8"?>
-<p:sld xmlns:a="http://schemas.openxmlformats.org/drawingml/2006/main" xmlns:r="http://schemas.openxmlformats.org/officeDocument/2006/relationships" xmlns:p="http://schemas.openxmlformats.org/presentationml/2006/main">
-  <p:cSld>
-    <p:spTree>
-      <p:nvGrpSpPr>
-        <p:cNvPr id="1" name=""/>
-        <p:cNvGrpSpPr/>
-        <p:nvPr/>
-      </p:nvGrpSpPr>
-      <p:grpSpPr>
-        <a:xfrm>
-          <a:off x="0" y="0"/>
-          <a:ext cx="0" cy="0"/>
-          <a:chOff x="0" y="0"/>
-          <a:chExt cx="0" cy="0"/>
-        </a:xfrm>
-      </p:grpSpPr>
-      <p:sp>
-        <p:nvSpPr>
-          <p:cNvPr id="2" name="Title 1"/>
-          <p:cNvSpPr>
-            <a:spLocks noGrp="1"/>
-          </p:cNvSpPr>
-          <p:nvPr>
-            <p:ph type="title"/>
-          </p:nvPr>
-        </p:nvSpPr>
-        <p:spPr/>
-        <p:txBody>
-          <a:bodyPr/>
-          <a:lstStyle/>
-          <a:p>
-            <a:r>
-              <a:rPr lang="en-GB" dirty="0"/>
-              <a:t>Idea 1- </a:t>
-            </a:r>
-            <a:endParaRPr lang="en-GB" dirty="0"/>
-          </a:p>
-        </p:txBody>
-      </p:sp>
-      <p:sp>
-        <p:nvSpPr>
-          <p:cNvPr id="3" name="Content Placeholder 2"/>
-          <p:cNvSpPr>
-            <a:spLocks noGrp="1"/>
-          </p:cNvSpPr>
-          <p:nvPr>
-            <p:ph idx="1"/>
-          </p:nvPr>
-        </p:nvSpPr>
-        <p:spPr/>
-        <p:txBody>
-          <a:bodyPr/>
-          <a:lstStyle/>
-          <a:p>
-            <a:endParaRPr lang="en-GB"/>
-          </a:p>
-        </p:txBody>
-      </p:sp>
-    </p:spTree>
-  </p:cSld>
-  <p:clrMapOvr>
-    <a:masterClrMapping/>
-  </p:clrMapOvr>
-</p:sld>
-</file>
-
-<file path=ppt/slides/slide6.xml><?xml version="1.0" encoding="utf-8"?>
-<p:sld xmlns:a="http://schemas.openxmlformats.org/drawingml/2006/main" xmlns:r="http://schemas.openxmlformats.org/officeDocument/2006/relationships" xmlns:p="http://schemas.openxmlformats.org/presentationml/2006/main">
-  <p:cSld>
-    <p:spTree>
-      <p:nvGrpSpPr>
-        <p:cNvPr id="1" name=""/>
-        <p:cNvGrpSpPr/>
-        <p:nvPr/>
-      </p:nvGrpSpPr>
-      <p:grpSpPr>
-        <a:xfrm>
-          <a:off x="0" y="0"/>
-          <a:ext cx="0" cy="0"/>
-          <a:chOff x="0" y="0"/>
-          <a:chExt cx="0" cy="0"/>
-        </a:xfrm>
-      </p:grpSpPr>
-      <p:sp>
-        <p:nvSpPr>
-          <p:cNvPr id="2" name="Title 1"/>
-          <p:cNvSpPr>
-            <a:spLocks noGrp="1"/>
-          </p:cNvSpPr>
-          <p:nvPr>
-            <p:ph type="title"/>
-          </p:nvPr>
-        </p:nvSpPr>
-        <p:spPr/>
-        <p:txBody>
-          <a:bodyPr/>
-          <a:lstStyle/>
-          <a:p>
-            <a:r>
-              <a:rPr lang="en-GB" dirty="0"/>
-              <a:t>Idea 1- </a:t>
-            </a:r>
-          </a:p>
-        </p:txBody>
-      </p:sp>
-      <p:sp>
-        <p:nvSpPr>
-          <p:cNvPr id="3" name="Content Placeholder 2"/>
-          <p:cNvSpPr>
-            <a:spLocks noGrp="1"/>
-          </p:cNvSpPr>
-          <p:nvPr>
-            <p:ph idx="1"/>
-          </p:nvPr>
-        </p:nvSpPr>
-        <p:spPr/>
-        <p:txBody>
-          <a:bodyPr/>
-          <a:lstStyle/>
-          <a:p>
-            <a:endParaRPr lang="en-GB"/>
-          </a:p>
-        </p:txBody>
-      </p:sp>
-    </p:spTree>
-    <p:extLst>
-      <p:ext uri="{BB962C8B-B14F-4D97-AF65-F5344CB8AC3E}">
-        <p14:creationId xmlns:p14="http://schemas.microsoft.com/office/powerpoint/2010/main" val="650876939"/>
-      </p:ext>
-    </p:extLst>
-  </p:cSld>
-  <p:clrMapOvr>
-    <a:masterClrMapping/>
-  </p:clrMapOvr>
-</p:sld>
-</file>
-
-<file path=ppt/slides/slide7.xml><?xml version="1.0" encoding="utf-8"?>
-<p:sld xmlns:a="http://schemas.openxmlformats.org/drawingml/2006/main" xmlns:r="http://schemas.openxmlformats.org/officeDocument/2006/relationships" xmlns:p="http://schemas.openxmlformats.org/presentationml/2006/main">
-  <p:cSld>
-    <p:spTree>
-      <p:nvGrpSpPr>
-        <p:cNvPr id="1" name=""/>
-        <p:cNvGrpSpPr/>
-        <p:nvPr/>
-      </p:nvGrpSpPr>
-      <p:grpSpPr>
-        <a:xfrm>
-          <a:off x="0" y="0"/>
-          <a:ext cx="0" cy="0"/>
-          <a:chOff x="0" y="0"/>
-          <a:chExt cx="0" cy="0"/>
-        </a:xfrm>
-      </p:grpSpPr>
-      <p:sp>
-        <p:nvSpPr>
-          <p:cNvPr id="2" name="Title 1"/>
-          <p:cNvSpPr>
-            <a:spLocks noGrp="1"/>
-          </p:cNvSpPr>
-          <p:nvPr>
-            <p:ph type="title"/>
-          </p:nvPr>
-        </p:nvSpPr>
-        <p:spPr/>
-        <p:txBody>
-          <a:bodyPr/>
-          <a:lstStyle/>
-          <a:p>
-            <a:r>
-              <a:rPr lang="en-GB" dirty="0" smtClean="0"/>
-              <a:t>Idea 2 - Demographic</a:t>
-            </a:r>
-            <a:endParaRPr lang="en-GB" dirty="0"/>
-          </a:p>
-        </p:txBody>
-      </p:sp>
-      <p:sp>
-        <p:nvSpPr>
-          <p:cNvPr id="3" name="Content Placeholder 2"/>
-          <p:cNvSpPr>
-            <a:spLocks noGrp="1"/>
-          </p:cNvSpPr>
-          <p:nvPr>
-            <p:ph idx="1"/>
-          </p:nvPr>
-        </p:nvSpPr>
-        <p:spPr/>
-        <p:txBody>
-          <a:bodyPr>
-            <a:normAutofit fontScale="55000" lnSpcReduction="20000"/>
-          </a:bodyPr>
-          <a:lstStyle/>
-          <a:p>
-            <a:r>
-              <a:rPr lang="en-GB" sz="3800" dirty="0" smtClean="0"/>
-              <a:t>Age: 25-34</a:t>
-            </a:r>
-          </a:p>
-          <a:p>
-            <a:r>
-              <a:rPr lang="en-GB" sz="3800" dirty="0" smtClean="0"/>
-              <a:t>Gender: Female</a:t>
-            </a:r>
-          </a:p>
-          <a:p>
-            <a:r>
-              <a:rPr lang="en-GB" sz="3800" dirty="0" smtClean="0"/>
-              <a:t>Hard </a:t>
-            </a:r>
-            <a:r>
-              <a:rPr lang="en-GB" sz="3800" dirty="0" smtClean="0"/>
-              <a:t>Fun: </a:t>
-            </a:r>
-          </a:p>
-          <a:p>
-            <a:pPr lvl="1"/>
-            <a:r>
-              <a:rPr lang="en-GB" sz="3800" dirty="0" smtClean="0"/>
-              <a:t>Accomplishment</a:t>
-            </a:r>
-          </a:p>
-          <a:p>
-            <a:pPr lvl="1"/>
-            <a:r>
-              <a:rPr lang="en-GB" sz="3800" dirty="0" smtClean="0"/>
-              <a:t>Strategy</a:t>
-            </a:r>
-          </a:p>
-          <a:p>
-            <a:pPr lvl="1"/>
-            <a:r>
-              <a:rPr lang="en-GB" sz="3800" dirty="0" smtClean="0"/>
-              <a:t>Clear Goal</a:t>
-            </a:r>
-          </a:p>
-          <a:p>
-            <a:pPr lvl="1"/>
-            <a:endParaRPr lang="en-GB" dirty="0" smtClean="0"/>
-          </a:p>
-          <a:p>
-            <a:endParaRPr lang="en-GB" dirty="0" smtClean="0"/>
-          </a:p>
-          <a:p>
-            <a:pPr>
-              <a:buNone/>
-            </a:pPr>
-            <a:endParaRPr lang="en-GB" dirty="0"/>
-          </a:p>
-          <a:p>
-            <a:pPr>
-              <a:buNone/>
-            </a:pPr>
-            <a:endParaRPr lang="en-GB" dirty="0" smtClean="0"/>
-          </a:p>
-          <a:p>
-            <a:pPr>
-              <a:buNone/>
-            </a:pPr>
-            <a:endParaRPr lang="en-GB" dirty="0" smtClean="0"/>
-          </a:p>
-          <a:p>
-            <a:pPr>
-              <a:buNone/>
-            </a:pPr>
-            <a:endParaRPr lang="en-GB" dirty="0" smtClean="0"/>
-          </a:p>
-          <a:p>
-            <a:pPr>
-              <a:buNone/>
-            </a:pPr>
-            <a:endParaRPr lang="en-GB" dirty="0" smtClean="0"/>
-          </a:p>
-          <a:p>
-            <a:pPr>
-              <a:buNone/>
-            </a:pPr>
-            <a:endParaRPr lang="en-GB" dirty="0" smtClean="0"/>
-          </a:p>
-          <a:p>
-            <a:pPr>
-              <a:buNone/>
-            </a:pPr>
-            <a:endParaRPr lang="en-GB" sz="1100" dirty="0" smtClean="0"/>
-          </a:p>
-          <a:p>
-            <a:pPr>
-              <a:buNone/>
-            </a:pPr>
-            <a:endParaRPr lang="en-GB" sz="1100" dirty="0" smtClean="0"/>
-          </a:p>
-          <a:p>
-            <a:pPr>
-              <a:buNone/>
-            </a:pPr>
-            <a:r>
-              <a:rPr lang="en-GB" sz="1100" dirty="0" smtClean="0"/>
-              <a:t>Source: http://www.realitymine.com/myth-busting-mobile-gaming-demographics/</a:t>
-            </a:r>
-          </a:p>
-        </p:txBody>
-      </p:sp>
-      <p:pic>
-        <p:nvPicPr>
-          <p:cNvPr id="24578" name="Picture 2" descr="Mobile gaming: age of mobile gamers"/>
-          <p:cNvPicPr>
-            <a:picLocks noChangeAspect="1" noChangeArrowheads="1"/>
-          </p:cNvPicPr>
-          <p:nvPr/>
-        </p:nvPicPr>
-        <p:blipFill>
-          <a:blip r:embed="rId2" cstate="print"/>
-          <a:srcRect/>
-          <a:stretch>
-            <a:fillRect/>
-          </a:stretch>
-        </p:blipFill>
-        <p:spPr bwMode="auto">
-          <a:xfrm>
-            <a:off x="4499992" y="1934319"/>
-            <a:ext cx="3754047" cy="2286769"/>
-          </a:xfrm>
-          <a:prstGeom prst="rect">
-            <a:avLst/>
-          </a:prstGeom>
-          <a:noFill/>
-        </p:spPr>
-      </p:pic>
-    </p:spTree>
-  </p:cSld>
-  <p:clrMapOvr>
-    <a:masterClrMapping/>
-  </p:clrMapOvr>
-</p:sld>
-</file>
-
-<file path=ppt/slides/slide8.xml><?xml version="1.0" encoding="utf-8"?>
-<p:sld xmlns:a="http://schemas.openxmlformats.org/drawingml/2006/main" xmlns:r="http://schemas.openxmlformats.org/officeDocument/2006/relationships" xmlns:p="http://schemas.openxmlformats.org/presentationml/2006/main">
-  <p:cSld>
-    <p:spTree>
-      <p:nvGrpSpPr>
-        <p:cNvPr id="1" name=""/>
-        <p:cNvGrpSpPr/>
-        <p:nvPr/>
-      </p:nvGrpSpPr>
-      <p:grpSpPr>
-        <a:xfrm>
-          <a:off x="0" y="0"/>
-          <a:ext cx="0" cy="0"/>
-          <a:chOff x="0" y="0"/>
-          <a:chExt cx="0" cy="0"/>
-        </a:xfrm>
-      </p:grpSpPr>
-      <p:sp>
-        <p:nvSpPr>
-          <p:cNvPr id="2" name="Title 1"/>
-          <p:cNvSpPr>
-            <a:spLocks noGrp="1"/>
-          </p:cNvSpPr>
-          <p:nvPr>
-            <p:ph type="title"/>
-          </p:nvPr>
-        </p:nvSpPr>
-        <p:spPr/>
-        <p:txBody>
-          <a:bodyPr/>
-          <a:lstStyle/>
-          <a:p>
-            <a:r>
-              <a:rPr lang="en-GB" dirty="0" smtClean="0"/>
-              <a:t>Idea 2 – Platform and Genre</a:t>
-            </a:r>
-            <a:endParaRPr lang="en-GB" dirty="0"/>
-          </a:p>
-        </p:txBody>
-      </p:sp>
-      <p:sp>
-        <p:nvSpPr>
-          <p:cNvPr id="3" name="Content Placeholder 2"/>
-          <p:cNvSpPr>
-            <a:spLocks noGrp="1"/>
-          </p:cNvSpPr>
-          <p:nvPr>
-            <p:ph idx="1"/>
-          </p:nvPr>
-        </p:nvSpPr>
-        <p:spPr/>
-        <p:txBody>
-          <a:bodyPr>
-            <a:normAutofit/>
-          </a:bodyPr>
-          <a:lstStyle/>
-          <a:p>
-            <a:r>
-              <a:rPr lang="en-GB" dirty="0" smtClean="0"/>
-              <a:t>Platform: Mobile and Tablet</a:t>
-            </a:r>
-          </a:p>
-          <a:p>
-            <a:r>
-              <a:rPr lang="en-GB" dirty="0" smtClean="0"/>
-              <a:t>Genre: Puzzle</a:t>
-            </a:r>
-          </a:p>
-          <a:p>
-            <a:r>
-              <a:rPr lang="en-GB" dirty="0" smtClean="0"/>
-              <a:t>Duration: Up to 2 minutes</a:t>
-            </a:r>
-          </a:p>
-          <a:p>
-            <a:endParaRPr lang="en-GB" dirty="0" smtClean="0"/>
-          </a:p>
-          <a:p>
-            <a:endParaRPr lang="en-GB" dirty="0" smtClean="0"/>
-          </a:p>
-          <a:p>
-            <a:endParaRPr lang="en-GB" dirty="0" smtClean="0"/>
-          </a:p>
-          <a:p>
-            <a:endParaRPr lang="en-GB" dirty="0" smtClean="0"/>
-          </a:p>
-          <a:p>
-            <a:pPr>
-              <a:buNone/>
-            </a:pPr>
-            <a:endParaRPr lang="en-GB" sz="700" dirty="0" smtClean="0"/>
-          </a:p>
-          <a:p>
-            <a:pPr>
-              <a:buNone/>
-            </a:pPr>
-            <a:endParaRPr lang="en-GB" sz="700" dirty="0" smtClean="0"/>
-          </a:p>
-          <a:p>
-            <a:pPr>
-              <a:buNone/>
-            </a:pPr>
-            <a:endParaRPr lang="en-GB" sz="700" dirty="0" smtClean="0"/>
-          </a:p>
-          <a:p>
-            <a:pPr>
-              <a:buNone/>
-            </a:pPr>
-            <a:endParaRPr lang="en-GB" sz="700" dirty="0" smtClean="0"/>
-          </a:p>
-          <a:p>
-            <a:pPr>
-              <a:buNone/>
-            </a:pPr>
-            <a:r>
-              <a:rPr lang="en-GB" sz="700" dirty="0" smtClean="0"/>
-              <a:t>Source: http://www.realitymine.com/myth-busting-mobile-gaming-demographics/</a:t>
-            </a:r>
-          </a:p>
-        </p:txBody>
-      </p:sp>
-      <p:pic>
-        <p:nvPicPr>
-          <p:cNvPr id="23554" name="Picture 2" descr="Mobile gaming:Daily playing patterns"/>
-          <p:cNvPicPr>
-            <a:picLocks noChangeAspect="1" noChangeArrowheads="1"/>
-          </p:cNvPicPr>
-          <p:nvPr/>
-        </p:nvPicPr>
-        <p:blipFill>
-          <a:blip r:embed="rId2" cstate="print"/>
-          <a:srcRect/>
-          <a:stretch>
-            <a:fillRect/>
-          </a:stretch>
-        </p:blipFill>
-        <p:spPr bwMode="auto">
-          <a:xfrm>
-            <a:off x="1835696" y="3501008"/>
-            <a:ext cx="5760640" cy="2647532"/>
-          </a:xfrm>
-          <a:prstGeom prst="rect">
-            <a:avLst/>
-          </a:prstGeom>
-          <a:noFill/>
-        </p:spPr>
-      </p:pic>
-    </p:spTree>
-  </p:cSld>
-  <p:clrMapOvr>
-    <a:masterClrMapping/>
-  </p:clrMapOvr>
-</p:sld>
-</file>
-
-<file path=ppt/slides/slide9.xml><?xml version="1.0" encoding="utf-8"?>
-<p:sld xmlns:a="http://schemas.openxmlformats.org/drawingml/2006/main" xmlns:r="http://schemas.openxmlformats.org/officeDocument/2006/relationships" xmlns:p="http://schemas.openxmlformats.org/presentationml/2006/main">
-  <p:cSld>
-    <p:spTree>
-      <p:nvGrpSpPr>
-        <p:cNvPr id="1" name=""/>
-        <p:cNvGrpSpPr/>
-        <p:nvPr/>
-      </p:nvGrpSpPr>
-      <p:grpSpPr>
-        <a:xfrm>
-          <a:off x="0" y="0"/>
-          <a:ext cx="0" cy="0"/>
-          <a:chOff x="0" y="0"/>
-          <a:chExt cx="0" cy="0"/>
-        </a:xfrm>
-      </p:grpSpPr>
-      <p:sp>
-        <p:nvSpPr>
-          <p:cNvPr id="2" name="Title 1"/>
-          <p:cNvSpPr>
-            <a:spLocks noGrp="1"/>
-          </p:cNvSpPr>
-          <p:nvPr>
-            <p:ph type="title"/>
-          </p:nvPr>
-        </p:nvSpPr>
-        <p:spPr/>
-        <p:txBody>
-          <a:bodyPr/>
-          <a:lstStyle/>
-          <a:p>
-            <a:r>
-              <a:rPr lang="en-GB" dirty="0" smtClean="0"/>
               <a:t>Idea 2 – Game Loop</a:t>
             </a:r>
             <a:endParaRPr lang="en-GB" dirty="0"/>
@@ -5460,13 +3742,8 @@
           <a:p>
             <a:r>
               <a:rPr lang="en-GB" dirty="0" smtClean="0"/>
-              <a:t>Direct character through level to </a:t>
-            </a:r>
-            <a:r>
-              <a:rPr lang="en-GB" dirty="0" smtClean="0"/>
-              <a:t>the goal</a:t>
-            </a:r>
-            <a:endParaRPr lang="en-GB" dirty="0" smtClean="0"/>
+              <a:t>Direct character through level to the goal</a:t>
+            </a:r>
           </a:p>
           <a:p>
             <a:r>
@@ -5671,6 +3948,1898 @@
           <a:xfrm>
             <a:off x="4355976" y="1124744"/>
             <a:ext cx="4526880" cy="3292276"/>
+          </a:xfrm>
+          <a:prstGeom prst="rect">
+            <a:avLst/>
+          </a:prstGeom>
+          <a:noFill/>
+        </p:spPr>
+      </p:pic>
+    </p:spTree>
+  </p:cSld>
+  <p:clrMapOvr>
+    <a:masterClrMapping/>
+  </p:clrMapOvr>
+</p:sld>
+</file>
+
+<file path=ppt/slides/slide11.xml><?xml version="1.0" encoding="utf-8"?>
+<p:sld xmlns:a="http://schemas.openxmlformats.org/drawingml/2006/main" xmlns:r="http://schemas.openxmlformats.org/officeDocument/2006/relationships" xmlns:p="http://schemas.openxmlformats.org/presentationml/2006/main">
+  <p:cSld>
+    <p:spTree>
+      <p:nvGrpSpPr>
+        <p:cNvPr id="1" name=""/>
+        <p:cNvGrpSpPr/>
+        <p:nvPr/>
+      </p:nvGrpSpPr>
+      <p:grpSpPr>
+        <a:xfrm>
+          <a:off x="0" y="0"/>
+          <a:ext cx="0" cy="0"/>
+          <a:chOff x="0" y="0"/>
+          <a:chExt cx="0" cy="0"/>
+        </a:xfrm>
+      </p:grpSpPr>
+      <p:sp>
+        <p:nvSpPr>
+          <p:cNvPr id="2" name="Title 1"/>
+          <p:cNvSpPr>
+            <a:spLocks noGrp="1"/>
+          </p:cNvSpPr>
+          <p:nvPr>
+            <p:ph type="title"/>
+          </p:nvPr>
+        </p:nvSpPr>
+        <p:spPr/>
+        <p:txBody>
+          <a:bodyPr/>
+          <a:lstStyle/>
+          <a:p>
+            <a:r>
+              <a:rPr lang="en-GB" dirty="0" smtClean="0"/>
+              <a:t>Idea 2 - Challenges </a:t>
+            </a:r>
+            <a:endParaRPr lang="en-GB" dirty="0"/>
+          </a:p>
+        </p:txBody>
+      </p:sp>
+      <p:sp>
+        <p:nvSpPr>
+          <p:cNvPr id="3" name="Content Placeholder 2"/>
+          <p:cNvSpPr>
+            <a:spLocks noGrp="1"/>
+          </p:cNvSpPr>
+          <p:nvPr>
+            <p:ph idx="1"/>
+          </p:nvPr>
+        </p:nvSpPr>
+        <p:spPr/>
+        <p:txBody>
+          <a:bodyPr/>
+          <a:lstStyle/>
+          <a:p>
+            <a:r>
+              <a:rPr lang="en-GB" dirty="0" smtClean="0"/>
+              <a:t>Directing characters to matching goal platform</a:t>
+            </a:r>
+          </a:p>
+          <a:p>
+            <a:r>
+              <a:rPr lang="en-GB" dirty="0" smtClean="0"/>
+              <a:t>Multiple characters to direct</a:t>
+            </a:r>
+          </a:p>
+          <a:p>
+            <a:r>
+              <a:rPr lang="en-GB" dirty="0" smtClean="0"/>
+              <a:t>Varying Speed</a:t>
+            </a:r>
+          </a:p>
+          <a:p>
+            <a:r>
+              <a:rPr lang="en-GB" dirty="0" smtClean="0"/>
+              <a:t>Level Complexity</a:t>
+            </a:r>
+          </a:p>
+          <a:p>
+            <a:r>
+              <a:rPr lang="en-GB" dirty="0" smtClean="0"/>
+              <a:t>Varying Platforms</a:t>
+            </a:r>
+          </a:p>
+          <a:p>
+            <a:pPr>
+              <a:buNone/>
+            </a:pPr>
+            <a:endParaRPr lang="en-GB" dirty="0"/>
+          </a:p>
+        </p:txBody>
+      </p:sp>
+    </p:spTree>
+  </p:cSld>
+  <p:clrMapOvr>
+    <a:masterClrMapping/>
+  </p:clrMapOvr>
+</p:sld>
+</file>
+
+<file path=ppt/slides/slide12.xml><?xml version="1.0" encoding="utf-8"?>
+<p:sld xmlns:a="http://schemas.openxmlformats.org/drawingml/2006/main" xmlns:r="http://schemas.openxmlformats.org/officeDocument/2006/relationships" xmlns:p="http://schemas.openxmlformats.org/presentationml/2006/main">
+  <p:cSld>
+    <p:spTree>
+      <p:nvGrpSpPr>
+        <p:cNvPr id="1" name=""/>
+        <p:cNvGrpSpPr/>
+        <p:nvPr/>
+      </p:nvGrpSpPr>
+      <p:grpSpPr>
+        <a:xfrm>
+          <a:off x="0" y="0"/>
+          <a:ext cx="0" cy="0"/>
+          <a:chOff x="0" y="0"/>
+          <a:chExt cx="0" cy="0"/>
+        </a:xfrm>
+      </p:grpSpPr>
+      <p:sp>
+        <p:nvSpPr>
+          <p:cNvPr id="2" name="Title 1"/>
+          <p:cNvSpPr>
+            <a:spLocks noGrp="1"/>
+          </p:cNvSpPr>
+          <p:nvPr>
+            <p:ph type="title"/>
+          </p:nvPr>
+        </p:nvSpPr>
+        <p:spPr/>
+        <p:txBody>
+          <a:bodyPr/>
+          <a:lstStyle/>
+          <a:p>
+            <a:r>
+              <a:rPr lang="en-GB" dirty="0" smtClean="0"/>
+              <a:t>Idea 2 – Moodboards and Style Guide</a:t>
+            </a:r>
+            <a:endParaRPr lang="en-GB" dirty="0"/>
+          </a:p>
+        </p:txBody>
+      </p:sp>
+      <p:sp>
+        <p:nvSpPr>
+          <p:cNvPr id="3" name="Content Placeholder 2"/>
+          <p:cNvSpPr>
+            <a:spLocks noGrp="1"/>
+          </p:cNvSpPr>
+          <p:nvPr>
+            <p:ph idx="1"/>
+          </p:nvPr>
+        </p:nvSpPr>
+        <p:spPr/>
+        <p:txBody>
+          <a:bodyPr/>
+          <a:lstStyle/>
+          <a:p>
+            <a:endParaRPr lang="en-GB"/>
+          </a:p>
+        </p:txBody>
+      </p:sp>
+    </p:spTree>
+  </p:cSld>
+  <p:clrMapOvr>
+    <a:masterClrMapping/>
+  </p:clrMapOvr>
+</p:sld>
+</file>
+
+<file path=ppt/slides/slide13.xml><?xml version="1.0" encoding="utf-8"?>
+<p:sld xmlns:a="http://schemas.openxmlformats.org/drawingml/2006/main" xmlns:r="http://schemas.openxmlformats.org/officeDocument/2006/relationships" xmlns:p="http://schemas.openxmlformats.org/presentationml/2006/main">
+  <p:cSld>
+    <p:spTree>
+      <p:nvGrpSpPr>
+        <p:cNvPr id="1" name=""/>
+        <p:cNvGrpSpPr/>
+        <p:nvPr/>
+      </p:nvGrpSpPr>
+      <p:grpSpPr>
+        <a:xfrm>
+          <a:off x="0" y="0"/>
+          <a:ext cx="0" cy="0"/>
+          <a:chOff x="0" y="0"/>
+          <a:chExt cx="0" cy="0"/>
+        </a:xfrm>
+      </p:grpSpPr>
+      <p:sp>
+        <p:nvSpPr>
+          <p:cNvPr id="2" name="Title 1"/>
+          <p:cNvSpPr>
+            <a:spLocks noGrp="1"/>
+          </p:cNvSpPr>
+          <p:nvPr>
+            <p:ph type="title"/>
+          </p:nvPr>
+        </p:nvSpPr>
+        <p:spPr/>
+        <p:txBody>
+          <a:bodyPr/>
+          <a:lstStyle/>
+          <a:p>
+            <a:r>
+              <a:rPr lang="en-GB"/>
+              <a:t>Idea </a:t>
+            </a:r>
+            <a:r>
+              <a:rPr lang="en-GB" smtClean="0"/>
+              <a:t>3- </a:t>
+            </a:r>
+            <a:r>
+              <a:rPr lang="en-GB" dirty="0" smtClean="0"/>
+              <a:t>Game?</a:t>
+            </a:r>
+            <a:endParaRPr lang="en-GB" dirty="0"/>
+          </a:p>
+        </p:txBody>
+      </p:sp>
+      <p:sp>
+        <p:nvSpPr>
+          <p:cNvPr id="3" name="Content Placeholder 2"/>
+          <p:cNvSpPr>
+            <a:spLocks noGrp="1"/>
+          </p:cNvSpPr>
+          <p:nvPr>
+            <p:ph idx="1"/>
+          </p:nvPr>
+        </p:nvSpPr>
+        <p:spPr/>
+        <p:txBody>
+          <a:bodyPr/>
+          <a:lstStyle/>
+          <a:p>
+            <a:endParaRPr lang="en-GB"/>
+          </a:p>
+        </p:txBody>
+      </p:sp>
+    </p:spTree>
+    <p:extLst>
+      <p:ext uri="{BB962C8B-B14F-4D97-AF65-F5344CB8AC3E}">
+        <p14:creationId xmlns:p14="http://schemas.microsoft.com/office/powerpoint/2010/main" xmlns="" val="650876939"/>
+      </p:ext>
+    </p:extLst>
+  </p:cSld>
+  <p:clrMapOvr>
+    <a:masterClrMapping/>
+  </p:clrMapOvr>
+</p:sld>
+</file>
+
+<file path=ppt/slides/slide14.xml><?xml version="1.0" encoding="utf-8"?>
+<p:sld xmlns:a="http://schemas.openxmlformats.org/drawingml/2006/main" xmlns:r="http://schemas.openxmlformats.org/officeDocument/2006/relationships" xmlns:p="http://schemas.openxmlformats.org/presentationml/2006/main">
+  <p:cSld>
+    <p:spTree>
+      <p:nvGrpSpPr>
+        <p:cNvPr id="1" name=""/>
+        <p:cNvGrpSpPr/>
+        <p:nvPr/>
+      </p:nvGrpSpPr>
+      <p:grpSpPr>
+        <a:xfrm>
+          <a:off x="0" y="0"/>
+          <a:ext cx="0" cy="0"/>
+          <a:chOff x="0" y="0"/>
+          <a:chExt cx="0" cy="0"/>
+        </a:xfrm>
+      </p:grpSpPr>
+      <p:sp>
+        <p:nvSpPr>
+          <p:cNvPr id="2" name="Title 1"/>
+          <p:cNvSpPr>
+            <a:spLocks noGrp="1"/>
+          </p:cNvSpPr>
+          <p:nvPr>
+            <p:ph type="title"/>
+          </p:nvPr>
+        </p:nvSpPr>
+        <p:spPr/>
+        <p:txBody>
+          <a:bodyPr/>
+          <a:lstStyle/>
+          <a:p>
+            <a:r>
+              <a:rPr lang="en-GB" dirty="0" smtClean="0"/>
+              <a:t>Idea </a:t>
+            </a:r>
+            <a:r>
+              <a:rPr lang="en-GB" dirty="0"/>
+              <a:t>3- Demographic</a:t>
+            </a:r>
+          </a:p>
+        </p:txBody>
+      </p:sp>
+      <p:sp>
+        <p:nvSpPr>
+          <p:cNvPr id="3" name="Content Placeholder 2"/>
+          <p:cNvSpPr>
+            <a:spLocks noGrp="1"/>
+          </p:cNvSpPr>
+          <p:nvPr>
+            <p:ph idx="1"/>
+          </p:nvPr>
+        </p:nvSpPr>
+        <p:spPr/>
+        <p:txBody>
+          <a:bodyPr/>
+          <a:lstStyle/>
+          <a:p>
+            <a:r>
+              <a:rPr lang="en-GB" dirty="0"/>
+              <a:t>Age: 25-34</a:t>
+            </a:r>
+          </a:p>
+          <a:p>
+            <a:r>
+              <a:rPr lang="en-GB" dirty="0"/>
+              <a:t>Gender: Female</a:t>
+            </a:r>
+          </a:p>
+          <a:p>
+            <a:r>
+              <a:rPr lang="en-GB" dirty="0" smtClean="0"/>
+              <a:t>Hard Fun:</a:t>
+            </a:r>
+            <a:endParaRPr lang="en-GB" dirty="0"/>
+          </a:p>
+        </p:txBody>
+      </p:sp>
+    </p:spTree>
+  </p:cSld>
+  <p:clrMapOvr>
+    <a:masterClrMapping/>
+  </p:clrMapOvr>
+</p:sld>
+</file>
+
+<file path=ppt/slides/slide15.xml><?xml version="1.0" encoding="utf-8"?>
+<p:sld xmlns:a="http://schemas.openxmlformats.org/drawingml/2006/main" xmlns:r="http://schemas.openxmlformats.org/officeDocument/2006/relationships" xmlns:p="http://schemas.openxmlformats.org/presentationml/2006/main">
+  <p:cSld>
+    <p:spTree>
+      <p:nvGrpSpPr>
+        <p:cNvPr id="1" name=""/>
+        <p:cNvGrpSpPr/>
+        <p:nvPr/>
+      </p:nvGrpSpPr>
+      <p:grpSpPr>
+        <a:xfrm>
+          <a:off x="0" y="0"/>
+          <a:ext cx="0" cy="0"/>
+          <a:chOff x="0" y="0"/>
+          <a:chExt cx="0" cy="0"/>
+        </a:xfrm>
+      </p:grpSpPr>
+      <p:sp>
+        <p:nvSpPr>
+          <p:cNvPr id="2" name="Title 1"/>
+          <p:cNvSpPr>
+            <a:spLocks noGrp="1"/>
+          </p:cNvSpPr>
+          <p:nvPr>
+            <p:ph type="title"/>
+          </p:nvPr>
+        </p:nvSpPr>
+        <p:spPr/>
+        <p:txBody>
+          <a:bodyPr/>
+          <a:lstStyle/>
+          <a:p>
+            <a:r>
+              <a:rPr lang="en-GB" dirty="0"/>
+              <a:t>Idea 3- </a:t>
+            </a:r>
+            <a:r>
+              <a:rPr lang="en-GB" dirty="0" smtClean="0"/>
+              <a:t>Platform </a:t>
+            </a:r>
+            <a:r>
+              <a:rPr lang="en-GB" dirty="0"/>
+              <a:t>and Genre</a:t>
+            </a:r>
+          </a:p>
+        </p:txBody>
+      </p:sp>
+      <p:sp>
+        <p:nvSpPr>
+          <p:cNvPr id="3" name="Content Placeholder 2"/>
+          <p:cNvSpPr>
+            <a:spLocks noGrp="1"/>
+          </p:cNvSpPr>
+          <p:nvPr>
+            <p:ph idx="1"/>
+          </p:nvPr>
+        </p:nvSpPr>
+        <p:spPr/>
+        <p:txBody>
+          <a:bodyPr/>
+          <a:lstStyle/>
+          <a:p>
+            <a:r>
+              <a:rPr lang="en-GB" dirty="0"/>
+              <a:t>Platform: Mobile and Tablet</a:t>
+            </a:r>
+          </a:p>
+          <a:p>
+            <a:r>
+              <a:rPr lang="en-GB" dirty="0"/>
+              <a:t>Genre: Puzzle</a:t>
+            </a:r>
+          </a:p>
+          <a:p>
+            <a:r>
+              <a:rPr lang="en-GB" dirty="0"/>
+              <a:t>Duration: 1</a:t>
+            </a:r>
+            <a:r>
+              <a:rPr lang="en-GB" dirty="0" smtClean="0"/>
+              <a:t> minutes per life with up to 6 mins of play when all lives are used at once</a:t>
+            </a:r>
+            <a:endParaRPr lang="en-GB" dirty="0"/>
+          </a:p>
+          <a:p>
+            <a:endParaRPr lang="en-GB" dirty="0"/>
+          </a:p>
+        </p:txBody>
+      </p:sp>
+    </p:spTree>
+  </p:cSld>
+  <p:clrMapOvr>
+    <a:masterClrMapping/>
+  </p:clrMapOvr>
+</p:sld>
+</file>
+
+<file path=ppt/slides/slide16.xml><?xml version="1.0" encoding="utf-8"?>
+<p:sld xmlns:a="http://schemas.openxmlformats.org/drawingml/2006/main" xmlns:r="http://schemas.openxmlformats.org/officeDocument/2006/relationships" xmlns:p="http://schemas.openxmlformats.org/presentationml/2006/main">
+  <p:cSld>
+    <p:spTree>
+      <p:nvGrpSpPr>
+        <p:cNvPr id="1" name=""/>
+        <p:cNvGrpSpPr/>
+        <p:nvPr/>
+      </p:nvGrpSpPr>
+      <p:grpSpPr>
+        <a:xfrm>
+          <a:off x="0" y="0"/>
+          <a:ext cx="0" cy="0"/>
+          <a:chOff x="0" y="0"/>
+          <a:chExt cx="0" cy="0"/>
+        </a:xfrm>
+      </p:grpSpPr>
+      <p:sp>
+        <p:nvSpPr>
+          <p:cNvPr id="2" name="Title 1"/>
+          <p:cNvSpPr>
+            <a:spLocks noGrp="1"/>
+          </p:cNvSpPr>
+          <p:nvPr>
+            <p:ph type="title"/>
+          </p:nvPr>
+        </p:nvSpPr>
+        <p:spPr/>
+        <p:txBody>
+          <a:bodyPr/>
+          <a:lstStyle/>
+          <a:p>
+            <a:r>
+              <a:rPr lang="en-GB" dirty="0" smtClean="0"/>
+              <a:t>Idea 3- Game </a:t>
+            </a:r>
+            <a:r>
+              <a:rPr lang="en-GB" dirty="0"/>
+              <a:t>Loop</a:t>
+            </a:r>
+          </a:p>
+        </p:txBody>
+      </p:sp>
+      <p:sp>
+        <p:nvSpPr>
+          <p:cNvPr id="3" name="Content Placeholder 2"/>
+          <p:cNvSpPr>
+            <a:spLocks noGrp="1"/>
+          </p:cNvSpPr>
+          <p:nvPr>
+            <p:ph idx="1"/>
+          </p:nvPr>
+        </p:nvSpPr>
+        <p:spPr>
+          <a:xfrm>
+            <a:off x="457200" y="4105374"/>
+            <a:ext cx="8229600" cy="2491978"/>
+          </a:xfrm>
+        </p:spPr>
+        <p:txBody>
+          <a:bodyPr>
+            <a:normAutofit lnSpcReduction="10000"/>
+          </a:bodyPr>
+          <a:lstStyle/>
+          <a:p>
+            <a:r>
+              <a:rPr lang="en-GB" dirty="0" smtClean="0"/>
+              <a:t>Player’s have a minute to come up with as many words as they can using the giving letters</a:t>
+            </a:r>
+          </a:p>
+          <a:p>
+            <a:r>
+              <a:rPr lang="en-GB" dirty="0" smtClean="0"/>
+              <a:t>Soft </a:t>
+            </a:r>
+            <a:r>
+              <a:rPr lang="en-GB" dirty="0"/>
+              <a:t>Currency – Power Ups</a:t>
+            </a:r>
+          </a:p>
+          <a:p>
+            <a:r>
+              <a:rPr lang="en-GB" dirty="0"/>
+              <a:t>Hard Currency </a:t>
+            </a:r>
+            <a:r>
+              <a:rPr lang="en-GB" dirty="0" smtClean="0"/>
+              <a:t>– Refill your lives</a:t>
+            </a:r>
+            <a:endParaRPr lang="en-GB" dirty="0"/>
+          </a:p>
+        </p:txBody>
+      </p:sp>
+      <p:sp>
+        <p:nvSpPr>
+          <p:cNvPr id="4" name="Bent-Up Arrow 3"/>
+          <p:cNvSpPr/>
+          <p:nvPr/>
+        </p:nvSpPr>
+        <p:spPr>
+          <a:xfrm rot="10800000" flipH="1">
+            <a:off x="5076056" y="1761184"/>
+            <a:ext cx="864096" cy="1296144"/>
+          </a:xfrm>
+          <a:prstGeom prst="bentUpArrow">
+            <a:avLst/>
+          </a:prstGeom>
+        </p:spPr>
+        <p:style>
+          <a:lnRef idx="2">
+            <a:schemeClr val="accent1">
+              <a:shade val="50000"/>
+            </a:schemeClr>
+          </a:lnRef>
+          <a:fillRef idx="1">
+            <a:schemeClr val="accent1"/>
+          </a:fillRef>
+          <a:effectRef idx="0">
+            <a:schemeClr val="accent1"/>
+          </a:effectRef>
+          <a:fontRef idx="minor">
+            <a:schemeClr val="lt1"/>
+          </a:fontRef>
+        </p:style>
+        <p:txBody>
+          <a:bodyPr rtlCol="0" anchor="ctr"/>
+          <a:lstStyle/>
+          <a:p>
+            <a:pPr algn="ctr"/>
+            <a:endParaRPr lang="en-GB"/>
+          </a:p>
+        </p:txBody>
+      </p:sp>
+      <p:sp>
+        <p:nvSpPr>
+          <p:cNvPr id="5" name="Bent-Up Arrow 4"/>
+          <p:cNvSpPr/>
+          <p:nvPr/>
+        </p:nvSpPr>
+        <p:spPr>
+          <a:xfrm rot="5400000" flipH="1">
+            <a:off x="2475837" y="1941204"/>
+            <a:ext cx="1368152" cy="864096"/>
+          </a:xfrm>
+          <a:prstGeom prst="bentUpArrow">
+            <a:avLst/>
+          </a:prstGeom>
+        </p:spPr>
+        <p:style>
+          <a:lnRef idx="2">
+            <a:schemeClr val="accent1">
+              <a:shade val="50000"/>
+            </a:schemeClr>
+          </a:lnRef>
+          <a:fillRef idx="1">
+            <a:schemeClr val="accent1"/>
+          </a:fillRef>
+          <a:effectRef idx="0">
+            <a:schemeClr val="accent1"/>
+          </a:effectRef>
+          <a:fontRef idx="minor">
+            <a:schemeClr val="lt1"/>
+          </a:fontRef>
+        </p:style>
+        <p:txBody>
+          <a:bodyPr rtlCol="0" anchor="ctr"/>
+          <a:lstStyle/>
+          <a:p>
+            <a:pPr algn="ctr"/>
+            <a:endParaRPr lang="en-GB"/>
+          </a:p>
+        </p:txBody>
+      </p:sp>
+      <p:sp>
+        <p:nvSpPr>
+          <p:cNvPr id="6" name="Down Arrow 5"/>
+          <p:cNvSpPr/>
+          <p:nvPr/>
+        </p:nvSpPr>
+        <p:spPr>
+          <a:xfrm rot="5400000">
+            <a:off x="3771981" y="2805300"/>
+            <a:ext cx="504056" cy="1152128"/>
+          </a:xfrm>
+          <a:prstGeom prst="downArrow">
+            <a:avLst/>
+          </a:prstGeom>
+        </p:spPr>
+        <p:style>
+          <a:lnRef idx="2">
+            <a:schemeClr val="accent1">
+              <a:shade val="50000"/>
+            </a:schemeClr>
+          </a:lnRef>
+          <a:fillRef idx="1">
+            <a:schemeClr val="accent1"/>
+          </a:fillRef>
+          <a:effectRef idx="0">
+            <a:schemeClr val="accent1"/>
+          </a:effectRef>
+          <a:fontRef idx="minor">
+            <a:schemeClr val="lt1"/>
+          </a:fontRef>
+        </p:style>
+        <p:txBody>
+          <a:bodyPr rtlCol="0" anchor="ctr"/>
+          <a:lstStyle/>
+          <a:p>
+            <a:pPr algn="ctr"/>
+            <a:endParaRPr lang="en-GB"/>
+          </a:p>
+        </p:txBody>
+      </p:sp>
+      <p:sp>
+        <p:nvSpPr>
+          <p:cNvPr id="10" name="TextBox 9"/>
+          <p:cNvSpPr txBox="1"/>
+          <p:nvPr/>
+        </p:nvSpPr>
+        <p:spPr>
+          <a:xfrm>
+            <a:off x="3613929" y="1689176"/>
+            <a:ext cx="1368152" cy="369332"/>
+          </a:xfrm>
+          <a:prstGeom prst="rect">
+            <a:avLst/>
+          </a:prstGeom>
+          <a:noFill/>
+        </p:spPr>
+        <p:txBody>
+          <a:bodyPr wrap="square" rtlCol="0">
+            <a:spAutoFit/>
+          </a:bodyPr>
+          <a:lstStyle/>
+          <a:p>
+            <a:r>
+              <a:rPr lang="en-GB" dirty="0" smtClean="0"/>
+              <a:t>Use a Life</a:t>
+            </a:r>
+            <a:endParaRPr lang="en-GB" dirty="0"/>
+          </a:p>
+        </p:txBody>
+      </p:sp>
+      <p:sp>
+        <p:nvSpPr>
+          <p:cNvPr id="11" name="TextBox 10"/>
+          <p:cNvSpPr txBox="1"/>
+          <p:nvPr/>
+        </p:nvSpPr>
+        <p:spPr>
+          <a:xfrm>
+            <a:off x="2367825" y="3007413"/>
+            <a:ext cx="1152128" cy="646331"/>
+          </a:xfrm>
+          <a:prstGeom prst="rect">
+            <a:avLst/>
+          </a:prstGeom>
+          <a:noFill/>
+        </p:spPr>
+        <p:txBody>
+          <a:bodyPr wrap="square" rtlCol="0">
+            <a:spAutoFit/>
+          </a:bodyPr>
+          <a:lstStyle/>
+          <a:p>
+            <a:r>
+              <a:rPr lang="en-GB" dirty="0" smtClean="0"/>
+              <a:t>Earn rewards</a:t>
+            </a:r>
+            <a:endParaRPr lang="en-GB" dirty="0"/>
+          </a:p>
+        </p:txBody>
+      </p:sp>
+      <p:sp>
+        <p:nvSpPr>
+          <p:cNvPr id="12" name="TextBox 11"/>
+          <p:cNvSpPr txBox="1"/>
+          <p:nvPr/>
+        </p:nvSpPr>
+        <p:spPr>
+          <a:xfrm>
+            <a:off x="4600073" y="2949987"/>
+            <a:ext cx="2448272" cy="923330"/>
+          </a:xfrm>
+          <a:prstGeom prst="rect">
+            <a:avLst/>
+          </a:prstGeom>
+          <a:noFill/>
+        </p:spPr>
+        <p:txBody>
+          <a:bodyPr wrap="square" rtlCol="0">
+            <a:spAutoFit/>
+          </a:bodyPr>
+          <a:lstStyle/>
+          <a:p>
+            <a:r>
+              <a:rPr lang="en-GB" dirty="0" smtClean="0"/>
+              <a:t>Make as many words as you can in a minute</a:t>
+            </a:r>
+            <a:endParaRPr lang="en-GB" dirty="0"/>
+          </a:p>
+        </p:txBody>
+      </p:sp>
+    </p:spTree>
+  </p:cSld>
+  <p:clrMapOvr>
+    <a:masterClrMapping/>
+  </p:clrMapOvr>
+</p:sld>
+</file>
+
+<file path=ppt/slides/slide17.xml><?xml version="1.0" encoding="utf-8"?>
+<p:sld xmlns:a="http://schemas.openxmlformats.org/drawingml/2006/main" xmlns:r="http://schemas.openxmlformats.org/officeDocument/2006/relationships" xmlns:p="http://schemas.openxmlformats.org/presentationml/2006/main">
+  <p:cSld>
+    <p:spTree>
+      <p:nvGrpSpPr>
+        <p:cNvPr id="1" name=""/>
+        <p:cNvGrpSpPr/>
+        <p:nvPr/>
+      </p:nvGrpSpPr>
+      <p:grpSpPr>
+        <a:xfrm>
+          <a:off x="0" y="0"/>
+          <a:ext cx="0" cy="0"/>
+          <a:chOff x="0" y="0"/>
+          <a:chExt cx="0" cy="0"/>
+        </a:xfrm>
+      </p:grpSpPr>
+      <p:sp>
+        <p:nvSpPr>
+          <p:cNvPr id="2" name="Title 1"/>
+          <p:cNvSpPr>
+            <a:spLocks noGrp="1"/>
+          </p:cNvSpPr>
+          <p:nvPr>
+            <p:ph type="title"/>
+          </p:nvPr>
+        </p:nvSpPr>
+        <p:spPr/>
+        <p:txBody>
+          <a:bodyPr/>
+          <a:lstStyle/>
+          <a:p>
+            <a:r>
+              <a:rPr lang="en-GB" dirty="0"/>
+              <a:t>Idea </a:t>
+            </a:r>
+            <a:r>
+              <a:rPr lang="en-GB" dirty="0" smtClean="0"/>
+              <a:t>3 </a:t>
+            </a:r>
+            <a:r>
+              <a:rPr lang="en-GB" dirty="0"/>
+              <a:t>- Challenges</a:t>
+            </a:r>
+          </a:p>
+        </p:txBody>
+      </p:sp>
+      <p:sp>
+        <p:nvSpPr>
+          <p:cNvPr id="3" name="Content Placeholder 2"/>
+          <p:cNvSpPr>
+            <a:spLocks noGrp="1"/>
+          </p:cNvSpPr>
+          <p:nvPr>
+            <p:ph idx="1"/>
+          </p:nvPr>
+        </p:nvSpPr>
+        <p:spPr/>
+        <p:txBody>
+          <a:bodyPr/>
+          <a:lstStyle/>
+          <a:p>
+            <a:r>
+              <a:rPr lang="en-GB" dirty="0" smtClean="0"/>
+              <a:t>Fast paced</a:t>
+            </a:r>
+          </a:p>
+          <a:p>
+            <a:r>
+              <a:rPr lang="en-GB" dirty="0" smtClean="0"/>
+              <a:t>Mental challenge</a:t>
+            </a:r>
+          </a:p>
+          <a:p>
+            <a:r>
+              <a:rPr lang="en-GB" dirty="0" smtClean="0"/>
+              <a:t>Varying amount of letters</a:t>
+            </a:r>
+          </a:p>
+          <a:p>
+            <a:endParaRPr lang="en-GB" dirty="0" smtClean="0"/>
+          </a:p>
+          <a:p>
+            <a:endParaRPr lang="en-GB" dirty="0" smtClean="0"/>
+          </a:p>
+        </p:txBody>
+      </p:sp>
+    </p:spTree>
+  </p:cSld>
+  <p:clrMapOvr>
+    <a:masterClrMapping/>
+  </p:clrMapOvr>
+</p:sld>
+</file>
+
+<file path=ppt/slides/slide18.xml><?xml version="1.0" encoding="utf-8"?>
+<p:sld xmlns:a="http://schemas.openxmlformats.org/drawingml/2006/main" xmlns:r="http://schemas.openxmlformats.org/officeDocument/2006/relationships" xmlns:p="http://schemas.openxmlformats.org/presentationml/2006/main">
+  <p:cSld>
+    <p:spTree>
+      <p:nvGrpSpPr>
+        <p:cNvPr id="1" name=""/>
+        <p:cNvGrpSpPr/>
+        <p:nvPr/>
+      </p:nvGrpSpPr>
+      <p:grpSpPr>
+        <a:xfrm>
+          <a:off x="0" y="0"/>
+          <a:ext cx="0" cy="0"/>
+          <a:chOff x="0" y="0"/>
+          <a:chExt cx="0" cy="0"/>
+        </a:xfrm>
+      </p:grpSpPr>
+      <p:sp>
+        <p:nvSpPr>
+          <p:cNvPr id="2" name="Title 1"/>
+          <p:cNvSpPr>
+            <a:spLocks noGrp="1"/>
+          </p:cNvSpPr>
+          <p:nvPr>
+            <p:ph type="title"/>
+          </p:nvPr>
+        </p:nvSpPr>
+        <p:spPr/>
+        <p:txBody>
+          <a:bodyPr/>
+          <a:lstStyle/>
+          <a:p>
+            <a:r>
+              <a:rPr lang="en-GB" dirty="0"/>
+              <a:t>Idea </a:t>
+            </a:r>
+            <a:r>
+              <a:rPr lang="en-GB" dirty="0" smtClean="0"/>
+              <a:t>3 </a:t>
+            </a:r>
+            <a:r>
+              <a:rPr lang="en-GB" dirty="0"/>
+              <a:t>– </a:t>
+            </a:r>
+            <a:r>
+              <a:rPr lang="en-GB" dirty="0" err="1"/>
+              <a:t>Moodboards</a:t>
+            </a:r>
+            <a:r>
+              <a:rPr lang="en-GB" dirty="0"/>
+              <a:t> and Style Guide</a:t>
+            </a:r>
+          </a:p>
+        </p:txBody>
+      </p:sp>
+      <p:sp>
+        <p:nvSpPr>
+          <p:cNvPr id="3" name="Content Placeholder 2"/>
+          <p:cNvSpPr>
+            <a:spLocks noGrp="1"/>
+          </p:cNvSpPr>
+          <p:nvPr>
+            <p:ph idx="1"/>
+          </p:nvPr>
+        </p:nvSpPr>
+        <p:spPr/>
+        <p:txBody>
+          <a:bodyPr/>
+          <a:lstStyle/>
+          <a:p>
+            <a:endParaRPr lang="en-GB" dirty="0"/>
+          </a:p>
+        </p:txBody>
+      </p:sp>
+    </p:spTree>
+  </p:cSld>
+  <p:clrMapOvr>
+    <a:masterClrMapping/>
+  </p:clrMapOvr>
+</p:sld>
+</file>
+
+<file path=ppt/slides/slide19.xml><?xml version="1.0" encoding="utf-8"?>
+<p:sld xmlns:a="http://schemas.openxmlformats.org/drawingml/2006/main" xmlns:r="http://schemas.openxmlformats.org/officeDocument/2006/relationships" xmlns:p="http://schemas.openxmlformats.org/presentationml/2006/main">
+  <p:cSld>
+    <p:spTree>
+      <p:nvGrpSpPr>
+        <p:cNvPr id="1" name=""/>
+        <p:cNvGrpSpPr/>
+        <p:nvPr/>
+      </p:nvGrpSpPr>
+      <p:grpSpPr>
+        <a:xfrm>
+          <a:off x="0" y="0"/>
+          <a:ext cx="0" cy="0"/>
+          <a:chOff x="0" y="0"/>
+          <a:chExt cx="0" cy="0"/>
+        </a:xfrm>
+      </p:grpSpPr>
+      <p:sp>
+        <p:nvSpPr>
+          <p:cNvPr id="2" name="Title 1"/>
+          <p:cNvSpPr>
+            <a:spLocks noGrp="1"/>
+          </p:cNvSpPr>
+          <p:nvPr>
+            <p:ph type="title"/>
+          </p:nvPr>
+        </p:nvSpPr>
+        <p:spPr>
+          <a:xfrm>
+            <a:off x="467544" y="2780928"/>
+            <a:ext cx="8229600" cy="1399032"/>
+          </a:xfrm>
+        </p:spPr>
+        <p:txBody>
+          <a:bodyPr/>
+          <a:lstStyle/>
+          <a:p>
+            <a:r>
+              <a:rPr lang="en-GB" dirty="0" smtClean="0">
+                <a:effectLst>
+                  <a:outerShdw blurRad="38100" dist="38100" dir="2700000" algn="tl">
+                    <a:srgbClr val="000000">
+                      <a:alpha val="43137"/>
+                    </a:srgbClr>
+                  </a:outerShdw>
+                </a:effectLst>
+              </a:rPr>
+              <a:t>Questions?</a:t>
+            </a:r>
+            <a:endParaRPr lang="en-GB" dirty="0">
+              <a:effectLst>
+                <a:outerShdw blurRad="38100" dist="38100" dir="2700000" algn="tl">
+                  <a:srgbClr val="000000">
+                    <a:alpha val="43137"/>
+                  </a:srgbClr>
+                </a:outerShdw>
+              </a:effectLst>
+            </a:endParaRPr>
+          </a:p>
+        </p:txBody>
+      </p:sp>
+    </p:spTree>
+    <p:extLst>
+      <p:ext uri="{BB962C8B-B14F-4D97-AF65-F5344CB8AC3E}">
+        <p14:creationId xmlns:p14="http://schemas.microsoft.com/office/powerpoint/2010/main" xmlns="" val="3579189080"/>
+      </p:ext>
+    </p:extLst>
+  </p:cSld>
+  <p:clrMapOvr>
+    <a:masterClrMapping/>
+  </p:clrMapOvr>
+</p:sld>
+</file>
+
+<file path=ppt/slides/slide2.xml><?xml version="1.0" encoding="utf-8"?>
+<p:sld xmlns:a="http://schemas.openxmlformats.org/drawingml/2006/main" xmlns:r="http://schemas.openxmlformats.org/officeDocument/2006/relationships" xmlns:p="http://schemas.openxmlformats.org/presentationml/2006/main">
+  <p:cSld>
+    <p:spTree>
+      <p:nvGrpSpPr>
+        <p:cNvPr id="1" name=""/>
+        <p:cNvGrpSpPr/>
+        <p:nvPr/>
+      </p:nvGrpSpPr>
+      <p:grpSpPr>
+        <a:xfrm>
+          <a:off x="0" y="0"/>
+          <a:ext cx="0" cy="0"/>
+          <a:chOff x="0" y="0"/>
+          <a:chExt cx="0" cy="0"/>
+        </a:xfrm>
+      </p:grpSpPr>
+      <p:sp>
+        <p:nvSpPr>
+          <p:cNvPr id="2" name="Title 1"/>
+          <p:cNvSpPr>
+            <a:spLocks noGrp="1"/>
+          </p:cNvSpPr>
+          <p:nvPr>
+            <p:ph type="title"/>
+          </p:nvPr>
+        </p:nvSpPr>
+        <p:spPr/>
+        <p:txBody>
+          <a:bodyPr/>
+          <a:lstStyle/>
+          <a:p>
+            <a:r>
+              <a:rPr lang="en-GB" dirty="0" smtClean="0"/>
+              <a:t>Idea 1- </a:t>
+            </a:r>
+            <a:r>
+              <a:rPr lang="en-GB" dirty="0" smtClean="0"/>
+              <a:t>Hex Switching</a:t>
+            </a:r>
+            <a:endParaRPr lang="en-GB" dirty="0"/>
+          </a:p>
+        </p:txBody>
+      </p:sp>
+      <p:sp>
+        <p:nvSpPr>
+          <p:cNvPr id="3" name="Content Placeholder 2"/>
+          <p:cNvSpPr>
+            <a:spLocks noGrp="1"/>
+          </p:cNvSpPr>
+          <p:nvPr>
+            <p:ph idx="1"/>
+          </p:nvPr>
+        </p:nvSpPr>
+        <p:spPr/>
+        <p:txBody>
+          <a:bodyPr/>
+          <a:lstStyle/>
+          <a:p>
+            <a:endParaRPr lang="en-GB" dirty="0"/>
+          </a:p>
+        </p:txBody>
+      </p:sp>
+    </p:spTree>
+  </p:cSld>
+  <p:clrMapOvr>
+    <a:masterClrMapping/>
+  </p:clrMapOvr>
+</p:sld>
+</file>
+
+<file path=ppt/slides/slide20.xml><?xml version="1.0" encoding="utf-8"?>
+<p:sld xmlns:a="http://schemas.openxmlformats.org/drawingml/2006/main" xmlns:r="http://schemas.openxmlformats.org/officeDocument/2006/relationships" xmlns:p="http://schemas.openxmlformats.org/presentationml/2006/main">
+  <p:cSld>
+    <p:spTree>
+      <p:nvGrpSpPr>
+        <p:cNvPr id="1" name=""/>
+        <p:cNvGrpSpPr/>
+        <p:nvPr/>
+      </p:nvGrpSpPr>
+      <p:grpSpPr>
+        <a:xfrm>
+          <a:off x="0" y="0"/>
+          <a:ext cx="0" cy="0"/>
+          <a:chOff x="0" y="0"/>
+          <a:chExt cx="0" cy="0"/>
+        </a:xfrm>
+      </p:grpSpPr>
+      <p:sp>
+        <p:nvSpPr>
+          <p:cNvPr id="2" name="Title 1"/>
+          <p:cNvSpPr>
+            <a:spLocks noGrp="1"/>
+          </p:cNvSpPr>
+          <p:nvPr>
+            <p:ph type="title"/>
+          </p:nvPr>
+        </p:nvSpPr>
+        <p:spPr/>
+        <p:txBody>
+          <a:bodyPr/>
+          <a:lstStyle/>
+          <a:p>
+            <a:endParaRPr lang="en-GB" dirty="0"/>
+          </a:p>
+        </p:txBody>
+      </p:sp>
+      <p:sp>
+        <p:nvSpPr>
+          <p:cNvPr id="3" name="Content Placeholder 2"/>
+          <p:cNvSpPr>
+            <a:spLocks noGrp="1"/>
+          </p:cNvSpPr>
+          <p:nvPr>
+            <p:ph idx="1"/>
+          </p:nvPr>
+        </p:nvSpPr>
+        <p:spPr/>
+        <p:txBody>
+          <a:bodyPr>
+            <a:normAutofit fontScale="92500" lnSpcReduction="20000"/>
+          </a:bodyPr>
+          <a:lstStyle/>
+          <a:p>
+            <a:r>
+              <a:rPr lang="en-GB" dirty="0" smtClean="0">
+                <a:hlinkClick r:id="rId2"/>
+              </a:rPr>
+              <a:t>http://www.ampush.com/blog/the-fastest-growing-mobile-gaming-audience-women/</a:t>
+            </a:r>
+            <a:endParaRPr lang="en-GB" dirty="0" smtClean="0"/>
+          </a:p>
+          <a:p>
+            <a:r>
+              <a:rPr lang="en-GB" dirty="0" smtClean="0">
+                <a:hlinkClick r:id="rId3"/>
+              </a:rPr>
+              <a:t>http://www.realitymine.com/myth-busting-mobile-gaming-demographics/</a:t>
+            </a:r>
+            <a:endParaRPr lang="en-GB" dirty="0" smtClean="0"/>
+          </a:p>
+          <a:p>
+            <a:r>
+              <a:rPr lang="en-GB" dirty="0" smtClean="0">
+                <a:hlinkClick r:id="rId4"/>
+              </a:rPr>
+              <a:t>http://www.adweek.com/brand-marketing/infographic-how-mobile-use-varies-across-generations-166426/</a:t>
+            </a:r>
+            <a:endParaRPr lang="en-GB" dirty="0" smtClean="0"/>
+          </a:p>
+          <a:p>
+            <a:r>
+              <a:rPr lang="en-GB" dirty="0" smtClean="0">
+                <a:hlinkClick r:id="rId5"/>
+              </a:rPr>
+              <a:t>https://www.nyfa.edu/student-resources/learning-from-the-best-puzzle-games/</a:t>
+            </a:r>
+            <a:endParaRPr lang="en-GB" dirty="0" smtClean="0"/>
+          </a:p>
+          <a:p>
+            <a:r>
+              <a:rPr lang="en-GB" dirty="0" smtClean="0">
+                <a:hlinkClick r:id="rId6"/>
+              </a:rPr>
+              <a:t>https://vungle.com/blog/2015/04/27/the-6-rules-of-a-hit-puzzle-game/</a:t>
+            </a:r>
+            <a:endParaRPr lang="en-GB" dirty="0" smtClean="0"/>
+          </a:p>
+          <a:p>
+            <a:endParaRPr lang="en-GB" dirty="0"/>
+          </a:p>
+        </p:txBody>
+      </p:sp>
+    </p:spTree>
+  </p:cSld>
+  <p:clrMapOvr>
+    <a:masterClrMapping/>
+  </p:clrMapOvr>
+</p:sld>
+</file>
+
+<file path=ppt/slides/slide3.xml><?xml version="1.0" encoding="utf-8"?>
+<p:sld xmlns:a="http://schemas.openxmlformats.org/drawingml/2006/main" xmlns:r="http://schemas.openxmlformats.org/officeDocument/2006/relationships" xmlns:p="http://schemas.openxmlformats.org/presentationml/2006/main">
+  <p:cSld>
+    <p:spTree>
+      <p:nvGrpSpPr>
+        <p:cNvPr id="1" name=""/>
+        <p:cNvGrpSpPr/>
+        <p:nvPr/>
+      </p:nvGrpSpPr>
+      <p:grpSpPr>
+        <a:xfrm>
+          <a:off x="0" y="0"/>
+          <a:ext cx="0" cy="0"/>
+          <a:chOff x="0" y="0"/>
+          <a:chExt cx="0" cy="0"/>
+        </a:xfrm>
+      </p:grpSpPr>
+      <p:sp>
+        <p:nvSpPr>
+          <p:cNvPr id="2" name="Title 1"/>
+          <p:cNvSpPr>
+            <a:spLocks noGrp="1"/>
+          </p:cNvSpPr>
+          <p:nvPr>
+            <p:ph type="title"/>
+          </p:nvPr>
+        </p:nvSpPr>
+        <p:spPr/>
+        <p:txBody>
+          <a:bodyPr/>
+          <a:lstStyle/>
+          <a:p>
+            <a:r>
+              <a:rPr lang="en-GB" dirty="0"/>
+              <a:t>Idea 1- </a:t>
+            </a:r>
+            <a:r>
+              <a:rPr lang="en-GB" dirty="0" smtClean="0"/>
+              <a:t>Demographic</a:t>
+            </a:r>
+            <a:endParaRPr lang="en-GB" dirty="0"/>
+          </a:p>
+        </p:txBody>
+      </p:sp>
+      <p:sp>
+        <p:nvSpPr>
+          <p:cNvPr id="3" name="Content Placeholder 2"/>
+          <p:cNvSpPr>
+            <a:spLocks noGrp="1"/>
+          </p:cNvSpPr>
+          <p:nvPr>
+            <p:ph idx="1"/>
+          </p:nvPr>
+        </p:nvSpPr>
+        <p:spPr/>
+        <p:txBody>
+          <a:bodyPr/>
+          <a:lstStyle/>
+          <a:p>
+            <a:endParaRPr lang="en-GB"/>
+          </a:p>
+        </p:txBody>
+      </p:sp>
+    </p:spTree>
+  </p:cSld>
+  <p:clrMapOvr>
+    <a:masterClrMapping/>
+  </p:clrMapOvr>
+</p:sld>
+</file>
+
+<file path=ppt/slides/slide4.xml><?xml version="1.0" encoding="utf-8"?>
+<p:sld xmlns:a="http://schemas.openxmlformats.org/drawingml/2006/main" xmlns:r="http://schemas.openxmlformats.org/officeDocument/2006/relationships" xmlns:p="http://schemas.openxmlformats.org/presentationml/2006/main">
+  <p:cSld>
+    <p:spTree>
+      <p:nvGrpSpPr>
+        <p:cNvPr id="1" name=""/>
+        <p:cNvGrpSpPr/>
+        <p:nvPr/>
+      </p:nvGrpSpPr>
+      <p:grpSpPr>
+        <a:xfrm>
+          <a:off x="0" y="0"/>
+          <a:ext cx="0" cy="0"/>
+          <a:chOff x="0" y="0"/>
+          <a:chExt cx="0" cy="0"/>
+        </a:xfrm>
+      </p:grpSpPr>
+      <p:sp>
+        <p:nvSpPr>
+          <p:cNvPr id="2" name="Title 1"/>
+          <p:cNvSpPr>
+            <a:spLocks noGrp="1"/>
+          </p:cNvSpPr>
+          <p:nvPr>
+            <p:ph type="title"/>
+          </p:nvPr>
+        </p:nvSpPr>
+        <p:spPr/>
+        <p:txBody>
+          <a:bodyPr/>
+          <a:lstStyle/>
+          <a:p>
+            <a:r>
+              <a:rPr lang="en-GB" dirty="0"/>
+              <a:t>Idea 1- </a:t>
+            </a:r>
+            <a:r>
+              <a:rPr lang="en-GB" dirty="0" smtClean="0"/>
+              <a:t>Platform and Genre</a:t>
+            </a:r>
+            <a:endParaRPr lang="en-GB" dirty="0"/>
+          </a:p>
+        </p:txBody>
+      </p:sp>
+      <p:sp>
+        <p:nvSpPr>
+          <p:cNvPr id="3" name="Content Placeholder 2"/>
+          <p:cNvSpPr>
+            <a:spLocks noGrp="1"/>
+          </p:cNvSpPr>
+          <p:nvPr>
+            <p:ph idx="1"/>
+          </p:nvPr>
+        </p:nvSpPr>
+        <p:spPr/>
+        <p:txBody>
+          <a:bodyPr/>
+          <a:lstStyle/>
+          <a:p>
+            <a:endParaRPr lang="en-GB"/>
+          </a:p>
+        </p:txBody>
+      </p:sp>
+    </p:spTree>
+  </p:cSld>
+  <p:clrMapOvr>
+    <a:masterClrMapping/>
+  </p:clrMapOvr>
+</p:sld>
+</file>
+
+<file path=ppt/slides/slide5.xml><?xml version="1.0" encoding="utf-8"?>
+<p:sld xmlns:a="http://schemas.openxmlformats.org/drawingml/2006/main" xmlns:r="http://schemas.openxmlformats.org/officeDocument/2006/relationships" xmlns:p="http://schemas.openxmlformats.org/presentationml/2006/main">
+  <p:cSld>
+    <p:spTree>
+      <p:nvGrpSpPr>
+        <p:cNvPr id="1" name=""/>
+        <p:cNvGrpSpPr/>
+        <p:nvPr/>
+      </p:nvGrpSpPr>
+      <p:grpSpPr>
+        <a:xfrm>
+          <a:off x="0" y="0"/>
+          <a:ext cx="0" cy="0"/>
+          <a:chOff x="0" y="0"/>
+          <a:chExt cx="0" cy="0"/>
+        </a:xfrm>
+      </p:grpSpPr>
+      <p:sp>
+        <p:nvSpPr>
+          <p:cNvPr id="2" name="Title 1"/>
+          <p:cNvSpPr>
+            <a:spLocks noGrp="1"/>
+          </p:cNvSpPr>
+          <p:nvPr>
+            <p:ph type="title"/>
+          </p:nvPr>
+        </p:nvSpPr>
+        <p:spPr/>
+        <p:txBody>
+          <a:bodyPr/>
+          <a:lstStyle/>
+          <a:p>
+            <a:r>
+              <a:rPr lang="en-GB" dirty="0"/>
+              <a:t>Idea 1- </a:t>
+            </a:r>
+            <a:r>
+              <a:rPr lang="en-GB" dirty="0" smtClean="0"/>
+              <a:t>Game Loop</a:t>
+            </a:r>
+            <a:endParaRPr lang="en-GB" dirty="0"/>
+          </a:p>
+        </p:txBody>
+      </p:sp>
+      <p:sp>
+        <p:nvSpPr>
+          <p:cNvPr id="3" name="Content Placeholder 2"/>
+          <p:cNvSpPr>
+            <a:spLocks noGrp="1"/>
+          </p:cNvSpPr>
+          <p:nvPr>
+            <p:ph idx="1"/>
+          </p:nvPr>
+        </p:nvSpPr>
+        <p:spPr/>
+        <p:txBody>
+          <a:bodyPr/>
+          <a:lstStyle/>
+          <a:p>
+            <a:endParaRPr lang="en-GB"/>
+          </a:p>
+        </p:txBody>
+      </p:sp>
+    </p:spTree>
+  </p:cSld>
+  <p:clrMapOvr>
+    <a:masterClrMapping/>
+  </p:clrMapOvr>
+</p:sld>
+</file>
+
+<file path=ppt/slides/slide6.xml><?xml version="1.0" encoding="utf-8"?>
+<p:sld xmlns:a="http://schemas.openxmlformats.org/drawingml/2006/main" xmlns:r="http://schemas.openxmlformats.org/officeDocument/2006/relationships" xmlns:p="http://schemas.openxmlformats.org/presentationml/2006/main">
+  <p:cSld>
+    <p:spTree>
+      <p:nvGrpSpPr>
+        <p:cNvPr id="1" name=""/>
+        <p:cNvGrpSpPr/>
+        <p:nvPr/>
+      </p:nvGrpSpPr>
+      <p:grpSpPr>
+        <a:xfrm>
+          <a:off x="0" y="0"/>
+          <a:ext cx="0" cy="0"/>
+          <a:chOff x="0" y="0"/>
+          <a:chExt cx="0" cy="0"/>
+        </a:xfrm>
+      </p:grpSpPr>
+      <p:sp>
+        <p:nvSpPr>
+          <p:cNvPr id="2" name="Title 1"/>
+          <p:cNvSpPr>
+            <a:spLocks noGrp="1"/>
+          </p:cNvSpPr>
+          <p:nvPr>
+            <p:ph type="title"/>
+          </p:nvPr>
+        </p:nvSpPr>
+        <p:spPr/>
+        <p:txBody>
+          <a:bodyPr/>
+          <a:lstStyle/>
+          <a:p>
+            <a:r>
+              <a:rPr lang="en-GB" dirty="0"/>
+              <a:t>Idea 1- </a:t>
+            </a:r>
+            <a:r>
+              <a:rPr lang="en-GB" dirty="0" smtClean="0"/>
+              <a:t>Challenges</a:t>
+            </a:r>
+            <a:endParaRPr lang="en-GB" dirty="0"/>
+          </a:p>
+        </p:txBody>
+      </p:sp>
+      <p:sp>
+        <p:nvSpPr>
+          <p:cNvPr id="3" name="Content Placeholder 2"/>
+          <p:cNvSpPr>
+            <a:spLocks noGrp="1"/>
+          </p:cNvSpPr>
+          <p:nvPr>
+            <p:ph idx="1"/>
+          </p:nvPr>
+        </p:nvSpPr>
+        <p:spPr/>
+        <p:txBody>
+          <a:bodyPr/>
+          <a:lstStyle/>
+          <a:p>
+            <a:endParaRPr lang="en-GB"/>
+          </a:p>
+        </p:txBody>
+      </p:sp>
+    </p:spTree>
+    <p:extLst>
+      <p:ext uri="{BB962C8B-B14F-4D97-AF65-F5344CB8AC3E}">
+        <p14:creationId xmlns:p14="http://schemas.microsoft.com/office/powerpoint/2010/main" xmlns="" val="650876939"/>
+      </p:ext>
+    </p:extLst>
+  </p:cSld>
+  <p:clrMapOvr>
+    <a:masterClrMapping/>
+  </p:clrMapOvr>
+</p:sld>
+</file>
+
+<file path=ppt/slides/slide7.xml><?xml version="1.0" encoding="utf-8"?>
+<p:sld xmlns:a="http://schemas.openxmlformats.org/drawingml/2006/main" xmlns:r="http://schemas.openxmlformats.org/officeDocument/2006/relationships" xmlns:p="http://schemas.openxmlformats.org/presentationml/2006/main">
+  <p:cSld>
+    <p:spTree>
+      <p:nvGrpSpPr>
+        <p:cNvPr id="1" name=""/>
+        <p:cNvGrpSpPr/>
+        <p:nvPr/>
+      </p:nvGrpSpPr>
+      <p:grpSpPr>
+        <a:xfrm>
+          <a:off x="0" y="0"/>
+          <a:ext cx="0" cy="0"/>
+          <a:chOff x="0" y="0"/>
+          <a:chExt cx="0" cy="0"/>
+        </a:xfrm>
+      </p:grpSpPr>
+      <p:sp>
+        <p:nvSpPr>
+          <p:cNvPr id="2" name="Title 1"/>
+          <p:cNvSpPr>
+            <a:spLocks noGrp="1"/>
+          </p:cNvSpPr>
+          <p:nvPr>
+            <p:ph type="title"/>
+          </p:nvPr>
+        </p:nvSpPr>
+        <p:spPr/>
+        <p:txBody>
+          <a:bodyPr/>
+          <a:lstStyle/>
+          <a:p>
+            <a:r>
+              <a:rPr lang="en-GB" dirty="0"/>
+              <a:t>Idea </a:t>
+            </a:r>
+            <a:r>
+              <a:rPr lang="en-GB" dirty="0" smtClean="0"/>
+              <a:t>2- </a:t>
+            </a:r>
+            <a:r>
+              <a:rPr lang="en-GB" dirty="0" smtClean="0"/>
+              <a:t>Game?</a:t>
+            </a:r>
+            <a:endParaRPr lang="en-GB" dirty="0"/>
+          </a:p>
+        </p:txBody>
+      </p:sp>
+      <p:sp>
+        <p:nvSpPr>
+          <p:cNvPr id="3" name="Content Placeholder 2"/>
+          <p:cNvSpPr>
+            <a:spLocks noGrp="1"/>
+          </p:cNvSpPr>
+          <p:nvPr>
+            <p:ph idx="1"/>
+          </p:nvPr>
+        </p:nvSpPr>
+        <p:spPr/>
+        <p:txBody>
+          <a:bodyPr/>
+          <a:lstStyle/>
+          <a:p>
+            <a:endParaRPr lang="en-GB"/>
+          </a:p>
+        </p:txBody>
+      </p:sp>
+    </p:spTree>
+    <p:extLst>
+      <p:ext uri="{BB962C8B-B14F-4D97-AF65-F5344CB8AC3E}">
+        <p14:creationId xmlns:p14="http://schemas.microsoft.com/office/powerpoint/2010/main" xmlns="" val="650876939"/>
+      </p:ext>
+    </p:extLst>
+  </p:cSld>
+  <p:clrMapOvr>
+    <a:masterClrMapping/>
+  </p:clrMapOvr>
+</p:sld>
+</file>
+
+<file path=ppt/slides/slide8.xml><?xml version="1.0" encoding="utf-8"?>
+<p:sld xmlns:a="http://schemas.openxmlformats.org/drawingml/2006/main" xmlns:r="http://schemas.openxmlformats.org/officeDocument/2006/relationships" xmlns:p="http://schemas.openxmlformats.org/presentationml/2006/main">
+  <p:cSld>
+    <p:spTree>
+      <p:nvGrpSpPr>
+        <p:cNvPr id="1" name=""/>
+        <p:cNvGrpSpPr/>
+        <p:nvPr/>
+      </p:nvGrpSpPr>
+      <p:grpSpPr>
+        <a:xfrm>
+          <a:off x="0" y="0"/>
+          <a:ext cx="0" cy="0"/>
+          <a:chOff x="0" y="0"/>
+          <a:chExt cx="0" cy="0"/>
+        </a:xfrm>
+      </p:grpSpPr>
+      <p:sp>
+        <p:nvSpPr>
+          <p:cNvPr id="2" name="Title 1"/>
+          <p:cNvSpPr>
+            <a:spLocks noGrp="1"/>
+          </p:cNvSpPr>
+          <p:nvPr>
+            <p:ph type="title"/>
+          </p:nvPr>
+        </p:nvSpPr>
+        <p:spPr/>
+        <p:txBody>
+          <a:bodyPr/>
+          <a:lstStyle/>
+          <a:p>
+            <a:r>
+              <a:rPr lang="en-GB" dirty="0" smtClean="0"/>
+              <a:t>Idea 2 - Demographic</a:t>
+            </a:r>
+            <a:endParaRPr lang="en-GB" dirty="0"/>
+          </a:p>
+        </p:txBody>
+      </p:sp>
+      <p:sp>
+        <p:nvSpPr>
+          <p:cNvPr id="3" name="Content Placeholder 2"/>
+          <p:cNvSpPr>
+            <a:spLocks noGrp="1"/>
+          </p:cNvSpPr>
+          <p:nvPr>
+            <p:ph idx="1"/>
+          </p:nvPr>
+        </p:nvSpPr>
+        <p:spPr/>
+        <p:txBody>
+          <a:bodyPr>
+            <a:normAutofit fontScale="55000" lnSpcReduction="20000"/>
+          </a:bodyPr>
+          <a:lstStyle/>
+          <a:p>
+            <a:r>
+              <a:rPr lang="en-GB" sz="3800" dirty="0" smtClean="0"/>
+              <a:t>Age: 25-34</a:t>
+            </a:r>
+          </a:p>
+          <a:p>
+            <a:r>
+              <a:rPr lang="en-GB" sz="3800" dirty="0" smtClean="0"/>
+              <a:t>Gender: Female</a:t>
+            </a:r>
+          </a:p>
+          <a:p>
+            <a:r>
+              <a:rPr lang="en-GB" sz="3800" dirty="0" smtClean="0"/>
+              <a:t>Hard Fun: </a:t>
+            </a:r>
+          </a:p>
+          <a:p>
+            <a:pPr lvl="1"/>
+            <a:r>
+              <a:rPr lang="en-GB" sz="3800" dirty="0" smtClean="0"/>
+              <a:t>Accomplishment</a:t>
+            </a:r>
+          </a:p>
+          <a:p>
+            <a:pPr lvl="1"/>
+            <a:r>
+              <a:rPr lang="en-GB" sz="3800" dirty="0" smtClean="0"/>
+              <a:t>Strategy</a:t>
+            </a:r>
+          </a:p>
+          <a:p>
+            <a:pPr lvl="1"/>
+            <a:r>
+              <a:rPr lang="en-GB" sz="3800" dirty="0" smtClean="0"/>
+              <a:t>Clear Goal</a:t>
+            </a:r>
+          </a:p>
+          <a:p>
+            <a:pPr lvl="1"/>
+            <a:endParaRPr lang="en-GB" dirty="0" smtClean="0"/>
+          </a:p>
+          <a:p>
+            <a:endParaRPr lang="en-GB" dirty="0" smtClean="0"/>
+          </a:p>
+          <a:p>
+            <a:pPr>
+              <a:buNone/>
+            </a:pPr>
+            <a:endParaRPr lang="en-GB" dirty="0"/>
+          </a:p>
+          <a:p>
+            <a:pPr>
+              <a:buNone/>
+            </a:pPr>
+            <a:endParaRPr lang="en-GB" dirty="0" smtClean="0"/>
+          </a:p>
+          <a:p>
+            <a:pPr>
+              <a:buNone/>
+            </a:pPr>
+            <a:endParaRPr lang="en-GB" dirty="0" smtClean="0"/>
+          </a:p>
+          <a:p>
+            <a:pPr>
+              <a:buNone/>
+            </a:pPr>
+            <a:endParaRPr lang="en-GB" dirty="0" smtClean="0"/>
+          </a:p>
+          <a:p>
+            <a:pPr>
+              <a:buNone/>
+            </a:pPr>
+            <a:endParaRPr lang="en-GB" dirty="0" smtClean="0"/>
+          </a:p>
+          <a:p>
+            <a:pPr>
+              <a:buNone/>
+            </a:pPr>
+            <a:endParaRPr lang="en-GB" dirty="0" smtClean="0"/>
+          </a:p>
+          <a:p>
+            <a:pPr>
+              <a:buNone/>
+            </a:pPr>
+            <a:endParaRPr lang="en-GB" sz="1100" dirty="0" smtClean="0"/>
+          </a:p>
+          <a:p>
+            <a:pPr>
+              <a:buNone/>
+            </a:pPr>
+            <a:endParaRPr lang="en-GB" sz="1100" dirty="0" smtClean="0"/>
+          </a:p>
+          <a:p>
+            <a:pPr>
+              <a:buNone/>
+            </a:pPr>
+            <a:r>
+              <a:rPr lang="en-GB" sz="1100" dirty="0" smtClean="0"/>
+              <a:t>Source: http://www.realitymine.com/myth-busting-mobile-gaming-demographics/</a:t>
+            </a:r>
+          </a:p>
+        </p:txBody>
+      </p:sp>
+      <p:pic>
+        <p:nvPicPr>
+          <p:cNvPr id="24578" name="Picture 2" descr="Mobile gaming: age of mobile gamers"/>
+          <p:cNvPicPr>
+            <a:picLocks noChangeAspect="1" noChangeArrowheads="1"/>
+          </p:cNvPicPr>
+          <p:nvPr/>
+        </p:nvPicPr>
+        <p:blipFill>
+          <a:blip r:embed="rId2" cstate="print"/>
+          <a:srcRect/>
+          <a:stretch>
+            <a:fillRect/>
+          </a:stretch>
+        </p:blipFill>
+        <p:spPr bwMode="auto">
+          <a:xfrm>
+            <a:off x="4499992" y="1934319"/>
+            <a:ext cx="3754047" cy="2286769"/>
+          </a:xfrm>
+          <a:prstGeom prst="rect">
+            <a:avLst/>
+          </a:prstGeom>
+          <a:noFill/>
+        </p:spPr>
+      </p:pic>
+    </p:spTree>
+  </p:cSld>
+  <p:clrMapOvr>
+    <a:masterClrMapping/>
+  </p:clrMapOvr>
+</p:sld>
+</file>
+
+<file path=ppt/slides/slide9.xml><?xml version="1.0" encoding="utf-8"?>
+<p:sld xmlns:a="http://schemas.openxmlformats.org/drawingml/2006/main" xmlns:r="http://schemas.openxmlformats.org/officeDocument/2006/relationships" xmlns:p="http://schemas.openxmlformats.org/presentationml/2006/main">
+  <p:cSld>
+    <p:spTree>
+      <p:nvGrpSpPr>
+        <p:cNvPr id="1" name=""/>
+        <p:cNvGrpSpPr/>
+        <p:nvPr/>
+      </p:nvGrpSpPr>
+      <p:grpSpPr>
+        <a:xfrm>
+          <a:off x="0" y="0"/>
+          <a:ext cx="0" cy="0"/>
+          <a:chOff x="0" y="0"/>
+          <a:chExt cx="0" cy="0"/>
+        </a:xfrm>
+      </p:grpSpPr>
+      <p:sp>
+        <p:nvSpPr>
+          <p:cNvPr id="2" name="Title 1"/>
+          <p:cNvSpPr>
+            <a:spLocks noGrp="1"/>
+          </p:cNvSpPr>
+          <p:nvPr>
+            <p:ph type="title"/>
+          </p:nvPr>
+        </p:nvSpPr>
+        <p:spPr/>
+        <p:txBody>
+          <a:bodyPr/>
+          <a:lstStyle/>
+          <a:p>
+            <a:r>
+              <a:rPr lang="en-GB" dirty="0" smtClean="0"/>
+              <a:t>Idea 2 – Platform and Genre</a:t>
+            </a:r>
+            <a:endParaRPr lang="en-GB" dirty="0"/>
+          </a:p>
+        </p:txBody>
+      </p:sp>
+      <p:sp>
+        <p:nvSpPr>
+          <p:cNvPr id="3" name="Content Placeholder 2"/>
+          <p:cNvSpPr>
+            <a:spLocks noGrp="1"/>
+          </p:cNvSpPr>
+          <p:nvPr>
+            <p:ph idx="1"/>
+          </p:nvPr>
+        </p:nvSpPr>
+        <p:spPr/>
+        <p:txBody>
+          <a:bodyPr>
+            <a:normAutofit/>
+          </a:bodyPr>
+          <a:lstStyle/>
+          <a:p>
+            <a:r>
+              <a:rPr lang="en-GB" dirty="0" smtClean="0"/>
+              <a:t>Platform: Mobile and Tablet</a:t>
+            </a:r>
+          </a:p>
+          <a:p>
+            <a:r>
+              <a:rPr lang="en-GB" dirty="0" smtClean="0"/>
+              <a:t>Genre: Puzzle</a:t>
+            </a:r>
+          </a:p>
+          <a:p>
+            <a:r>
+              <a:rPr lang="en-GB" dirty="0" smtClean="0"/>
+              <a:t>Duration: Up to 2 minutes</a:t>
+            </a:r>
+          </a:p>
+          <a:p>
+            <a:endParaRPr lang="en-GB" dirty="0" smtClean="0"/>
+          </a:p>
+          <a:p>
+            <a:endParaRPr lang="en-GB" dirty="0" smtClean="0"/>
+          </a:p>
+          <a:p>
+            <a:endParaRPr lang="en-GB" dirty="0" smtClean="0"/>
+          </a:p>
+          <a:p>
+            <a:endParaRPr lang="en-GB" dirty="0" smtClean="0"/>
+          </a:p>
+          <a:p>
+            <a:pPr>
+              <a:buNone/>
+            </a:pPr>
+            <a:endParaRPr lang="en-GB" sz="700" dirty="0" smtClean="0"/>
+          </a:p>
+          <a:p>
+            <a:pPr>
+              <a:buNone/>
+            </a:pPr>
+            <a:endParaRPr lang="en-GB" sz="700" dirty="0" smtClean="0"/>
+          </a:p>
+          <a:p>
+            <a:pPr>
+              <a:buNone/>
+            </a:pPr>
+            <a:endParaRPr lang="en-GB" sz="700" dirty="0" smtClean="0"/>
+          </a:p>
+          <a:p>
+            <a:pPr>
+              <a:buNone/>
+            </a:pPr>
+            <a:endParaRPr lang="en-GB" sz="700" dirty="0" smtClean="0"/>
+          </a:p>
+          <a:p>
+            <a:pPr>
+              <a:buNone/>
+            </a:pPr>
+            <a:r>
+              <a:rPr lang="en-GB" sz="700" dirty="0" smtClean="0"/>
+              <a:t>Source: http://www.realitymine.com/myth-busting-mobile-gaming-demographics/</a:t>
+            </a:r>
+          </a:p>
+        </p:txBody>
+      </p:sp>
+      <p:pic>
+        <p:nvPicPr>
+          <p:cNvPr id="23554" name="Picture 2" descr="Mobile gaming:Daily playing patterns"/>
+          <p:cNvPicPr>
+            <a:picLocks noChangeAspect="1" noChangeArrowheads="1"/>
+          </p:cNvPicPr>
+          <p:nvPr/>
+        </p:nvPicPr>
+        <p:blipFill>
+          <a:blip r:embed="rId2" cstate="print"/>
+          <a:srcRect/>
+          <a:stretch>
+            <a:fillRect/>
+          </a:stretch>
+        </p:blipFill>
+        <p:spPr bwMode="auto">
+          <a:xfrm>
+            <a:off x="1835696" y="3501008"/>
+            <a:ext cx="5760640" cy="2647532"/>
           </a:xfrm>
           <a:prstGeom prst="rect">
             <a:avLst/>

--- a/L6 Group-1 Pitch 1.pptx
+++ b/L6 Group-1 Pitch 1.pptx
@@ -4,6 +4,9 @@
   <p:sldMasterIdLst>
     <p:sldMasterId id="2147483840" r:id="rId1"/>
   </p:sldMasterIdLst>
+  <p:notesMasterIdLst>
+    <p:notesMasterId r:id="rId22"/>
+  </p:notesMasterIdLst>
   <p:sldIdLst>
     <p:sldId id="256" r:id="rId2"/>
     <p:sldId id="257" r:id="rId3"/>
@@ -125,7 +128,7 @@
   </p:defaultTextStyle>
   <p:extLst>
     <p:ext uri="{EFAFB233-063F-42B5-8137-9DF3F51BA10A}">
-      <p15:sldGuideLst xmlns:p15="http://schemas.microsoft.com/office/powerpoint/2012/main" xmlns="">
+      <p15:sldGuideLst xmlns:p15="http://schemas.microsoft.com/office/powerpoint/2012/main">
         <p15:guide id="1" orient="horz" pos="2160">
           <p15:clr>
             <a:srgbClr val="A4A3A4"/>
@@ -140,6 +143,3342 @@
     </p:ext>
   </p:extLst>
 </p:presentation>
+</file>
+
+<file path=ppt/revisionInfo.xml><?xml version="1.0" encoding="utf-8"?>
+<p1510:revInfo xmlns:a="http://schemas.openxmlformats.org/drawingml/2006/main" xmlns:r="http://schemas.openxmlformats.org/officeDocument/2006/relationships" xmlns:p1510="http://schemas.microsoft.com/office/powerpoint/2015/10/main"/>
+</file>
+
+<file path=ppt/diagrams/colors1.xml><?xml version="1.0" encoding="utf-8"?>
+<dgm:colorsDef xmlns:dgm="http://schemas.openxmlformats.org/drawingml/2006/diagram" xmlns:a="http://schemas.openxmlformats.org/drawingml/2006/main" uniqueId="urn:microsoft.com/office/officeart/2005/8/colors/accent1_2">
+  <dgm:title val=""/>
+  <dgm:desc val=""/>
+  <dgm:catLst>
+    <dgm:cat type="accent1" pri="11200"/>
+  </dgm:catLst>
+  <dgm:styleLbl name="node0">
+    <dgm:fillClrLst meth="repeat">
+      <a:schemeClr val="accent1"/>
+    </dgm:fillClrLst>
+    <dgm:linClrLst meth="repeat">
+      <a:schemeClr val="lt1"/>
+    </dgm:linClrLst>
+    <dgm:effectClrLst/>
+    <dgm:txLinClrLst/>
+    <dgm:txFillClrLst/>
+    <dgm:txEffectClrLst/>
+  </dgm:styleLbl>
+  <dgm:styleLbl name="alignNode1">
+    <dgm:fillClrLst meth="repeat">
+      <a:schemeClr val="accent1"/>
+    </dgm:fillClrLst>
+    <dgm:linClrLst meth="repeat">
+      <a:schemeClr val="accent1"/>
+    </dgm:linClrLst>
+    <dgm:effectClrLst/>
+    <dgm:txLinClrLst/>
+    <dgm:txFillClrLst/>
+    <dgm:txEffectClrLst/>
+  </dgm:styleLbl>
+  <dgm:styleLbl name="node1">
+    <dgm:fillClrLst meth="repeat">
+      <a:schemeClr val="accent1"/>
+    </dgm:fillClrLst>
+    <dgm:linClrLst meth="repeat">
+      <a:schemeClr val="lt1"/>
+    </dgm:linClrLst>
+    <dgm:effectClrLst/>
+    <dgm:txLinClrLst/>
+    <dgm:txFillClrLst/>
+    <dgm:txEffectClrLst/>
+  </dgm:styleLbl>
+  <dgm:styleLbl name="lnNode1">
+    <dgm:fillClrLst meth="repeat">
+      <a:schemeClr val="accent1"/>
+    </dgm:fillClrLst>
+    <dgm:linClrLst meth="repeat">
+      <a:schemeClr val="lt1"/>
+    </dgm:linClrLst>
+    <dgm:effectClrLst/>
+    <dgm:txLinClrLst/>
+    <dgm:txFillClrLst/>
+    <dgm:txEffectClrLst/>
+  </dgm:styleLbl>
+  <dgm:styleLbl name="vennNode1">
+    <dgm:fillClrLst meth="repeat">
+      <a:schemeClr val="accent1">
+        <a:alpha val="50000"/>
+      </a:schemeClr>
+    </dgm:fillClrLst>
+    <dgm:linClrLst meth="repeat">
+      <a:schemeClr val="lt1"/>
+    </dgm:linClrLst>
+    <dgm:effectClrLst/>
+    <dgm:txLinClrLst/>
+    <dgm:txFillClrLst/>
+    <dgm:txEffectClrLst/>
+  </dgm:styleLbl>
+  <dgm:styleLbl name="node2">
+    <dgm:fillClrLst meth="repeat">
+      <a:schemeClr val="accent1"/>
+    </dgm:fillClrLst>
+    <dgm:linClrLst meth="repeat">
+      <a:schemeClr val="lt1"/>
+    </dgm:linClrLst>
+    <dgm:effectClrLst/>
+    <dgm:txLinClrLst/>
+    <dgm:txFillClrLst/>
+    <dgm:txEffectClrLst/>
+  </dgm:styleLbl>
+  <dgm:styleLbl name="node3">
+    <dgm:fillClrLst meth="repeat">
+      <a:schemeClr val="accent1"/>
+    </dgm:fillClrLst>
+    <dgm:linClrLst meth="repeat">
+      <a:schemeClr val="lt1"/>
+    </dgm:linClrLst>
+    <dgm:effectClrLst/>
+    <dgm:txLinClrLst/>
+    <dgm:txFillClrLst/>
+    <dgm:txEffectClrLst/>
+  </dgm:styleLbl>
+  <dgm:styleLbl name="node4">
+    <dgm:fillClrLst meth="repeat">
+      <a:schemeClr val="accent1"/>
+    </dgm:fillClrLst>
+    <dgm:linClrLst meth="repeat">
+      <a:schemeClr val="lt1"/>
+    </dgm:linClrLst>
+    <dgm:effectClrLst/>
+    <dgm:txLinClrLst/>
+    <dgm:txFillClrLst/>
+    <dgm:txEffectClrLst/>
+  </dgm:styleLbl>
+  <dgm:styleLbl name="fgImgPlace1">
+    <dgm:fillClrLst meth="repeat">
+      <a:schemeClr val="accent1">
+        <a:tint val="50000"/>
+      </a:schemeClr>
+    </dgm:fillClrLst>
+    <dgm:linClrLst meth="repeat">
+      <a:schemeClr val="lt1"/>
+    </dgm:linClrLst>
+    <dgm:effectClrLst/>
+    <dgm:txLinClrLst/>
+    <dgm:txFillClrLst meth="repeat">
+      <a:schemeClr val="lt1"/>
+    </dgm:txFillClrLst>
+    <dgm:txEffectClrLst/>
+  </dgm:styleLbl>
+  <dgm:styleLbl name="alignImgPlace1">
+    <dgm:fillClrLst meth="repeat">
+      <a:schemeClr val="accent1">
+        <a:tint val="50000"/>
+      </a:schemeClr>
+    </dgm:fillClrLst>
+    <dgm:linClrLst meth="repeat">
+      <a:schemeClr val="lt1"/>
+    </dgm:linClrLst>
+    <dgm:effectClrLst/>
+    <dgm:txLinClrLst/>
+    <dgm:txFillClrLst meth="repeat">
+      <a:schemeClr val="lt1"/>
+    </dgm:txFillClrLst>
+    <dgm:txEffectClrLst/>
+  </dgm:styleLbl>
+  <dgm:styleLbl name="bgImgPlace1">
+    <dgm:fillClrLst meth="repeat">
+      <a:schemeClr val="accent1">
+        <a:tint val="50000"/>
+      </a:schemeClr>
+    </dgm:fillClrLst>
+    <dgm:linClrLst meth="repeat">
+      <a:schemeClr val="lt1"/>
+    </dgm:linClrLst>
+    <dgm:effectClrLst/>
+    <dgm:txLinClrLst/>
+    <dgm:txFillClrLst meth="repeat">
+      <a:schemeClr val="lt1"/>
+    </dgm:txFillClrLst>
+    <dgm:txEffectClrLst/>
+  </dgm:styleLbl>
+  <dgm:styleLbl name="sibTrans2D1">
+    <dgm:fillClrLst meth="repeat">
+      <a:schemeClr val="accent1">
+        <a:tint val="60000"/>
+      </a:schemeClr>
+    </dgm:fillClrLst>
+    <dgm:linClrLst meth="repeat">
+      <a:schemeClr val="accent1">
+        <a:tint val="60000"/>
+      </a:schemeClr>
+    </dgm:linClrLst>
+    <dgm:effectClrLst/>
+    <dgm:txLinClrLst/>
+    <dgm:txFillClrLst/>
+    <dgm:txEffectClrLst/>
+  </dgm:styleLbl>
+  <dgm:styleLbl name="fgSibTrans2D1">
+    <dgm:fillClrLst meth="repeat">
+      <a:schemeClr val="accent1">
+        <a:tint val="60000"/>
+      </a:schemeClr>
+    </dgm:fillClrLst>
+    <dgm:linClrLst meth="repeat">
+      <a:schemeClr val="accent1">
+        <a:tint val="60000"/>
+      </a:schemeClr>
+    </dgm:linClrLst>
+    <dgm:effectClrLst/>
+    <dgm:txLinClrLst/>
+    <dgm:txFillClrLst/>
+    <dgm:txEffectClrLst/>
+  </dgm:styleLbl>
+  <dgm:styleLbl name="bgSibTrans2D1">
+    <dgm:fillClrLst meth="repeat">
+      <a:schemeClr val="accent1">
+        <a:tint val="60000"/>
+      </a:schemeClr>
+    </dgm:fillClrLst>
+    <dgm:linClrLst meth="repeat">
+      <a:schemeClr val="accent1">
+        <a:tint val="60000"/>
+      </a:schemeClr>
+    </dgm:linClrLst>
+    <dgm:effectClrLst/>
+    <dgm:txLinClrLst/>
+    <dgm:txFillClrLst/>
+    <dgm:txEffectClrLst/>
+  </dgm:styleLbl>
+  <dgm:styleLbl name="sibTrans1D1">
+    <dgm:fillClrLst meth="repeat">
+      <a:schemeClr val="accent1"/>
+    </dgm:fillClrLst>
+    <dgm:linClrLst meth="repeat">
+      <a:schemeClr val="accent1"/>
+    </dgm:linClrLst>
+    <dgm:effectClrLst/>
+    <dgm:txLinClrLst/>
+    <dgm:txFillClrLst meth="repeat">
+      <a:schemeClr val="tx1"/>
+    </dgm:txFillClrLst>
+    <dgm:txEffectClrLst/>
+  </dgm:styleLbl>
+  <dgm:styleLbl name="callout">
+    <dgm:fillClrLst meth="repeat">
+      <a:schemeClr val="accent1"/>
+    </dgm:fillClrLst>
+    <dgm:linClrLst meth="repeat">
+      <a:schemeClr val="accent1">
+        <a:tint val="50000"/>
+      </a:schemeClr>
+    </dgm:linClrLst>
+    <dgm:effectClrLst/>
+    <dgm:txLinClrLst/>
+    <dgm:txFillClrLst meth="repeat">
+      <a:schemeClr val="tx1"/>
+    </dgm:txFillClrLst>
+    <dgm:txEffectClrLst/>
+  </dgm:styleLbl>
+  <dgm:styleLbl name="asst0">
+    <dgm:fillClrLst meth="repeat">
+      <a:schemeClr val="accent1"/>
+    </dgm:fillClrLst>
+    <dgm:linClrLst meth="repeat">
+      <a:schemeClr val="lt1"/>
+    </dgm:linClrLst>
+    <dgm:effectClrLst/>
+    <dgm:txLinClrLst/>
+    <dgm:txFillClrLst/>
+    <dgm:txEffectClrLst/>
+  </dgm:styleLbl>
+  <dgm:styleLbl name="asst1">
+    <dgm:fillClrLst meth="repeat">
+      <a:schemeClr val="accent1"/>
+    </dgm:fillClrLst>
+    <dgm:linClrLst meth="repeat">
+      <a:schemeClr val="lt1"/>
+    </dgm:linClrLst>
+    <dgm:effectClrLst/>
+    <dgm:txLinClrLst/>
+    <dgm:txFillClrLst/>
+    <dgm:txEffectClrLst/>
+  </dgm:styleLbl>
+  <dgm:styleLbl name="asst2">
+    <dgm:fillClrLst meth="repeat">
+      <a:schemeClr val="accent1"/>
+    </dgm:fillClrLst>
+    <dgm:linClrLst meth="repeat">
+      <a:schemeClr val="lt1"/>
+    </dgm:linClrLst>
+    <dgm:effectClrLst/>
+    <dgm:txLinClrLst/>
+    <dgm:txFillClrLst/>
+    <dgm:txEffectClrLst/>
+  </dgm:styleLbl>
+  <dgm:styleLbl name="asst3">
+    <dgm:fillClrLst meth="repeat">
+      <a:schemeClr val="accent1"/>
+    </dgm:fillClrLst>
+    <dgm:linClrLst meth="repeat">
+      <a:schemeClr val="lt1"/>
+    </dgm:linClrLst>
+    <dgm:effectClrLst/>
+    <dgm:txLinClrLst/>
+    <dgm:txFillClrLst/>
+    <dgm:txEffectClrLst/>
+  </dgm:styleLbl>
+  <dgm:styleLbl name="asst4">
+    <dgm:fillClrLst meth="repeat">
+      <a:schemeClr val="accent1"/>
+    </dgm:fillClrLst>
+    <dgm:linClrLst meth="repeat">
+      <a:schemeClr val="lt1"/>
+    </dgm:linClrLst>
+    <dgm:effectClrLst/>
+    <dgm:txLinClrLst/>
+    <dgm:txFillClrLst/>
+    <dgm:txEffectClrLst/>
+  </dgm:styleLbl>
+  <dgm:styleLbl name="parChTrans2D1">
+    <dgm:fillClrLst meth="repeat">
+      <a:schemeClr val="accent1">
+        <a:tint val="60000"/>
+      </a:schemeClr>
+    </dgm:fillClrLst>
+    <dgm:linClrLst meth="repeat">
+      <a:schemeClr val="accent1">
+        <a:tint val="60000"/>
+      </a:schemeClr>
+    </dgm:linClrLst>
+    <dgm:effectClrLst/>
+    <dgm:txLinClrLst/>
+    <dgm:txFillClrLst meth="repeat">
+      <a:schemeClr val="lt1"/>
+    </dgm:txFillClrLst>
+    <dgm:txEffectClrLst/>
+  </dgm:styleLbl>
+  <dgm:styleLbl name="parChTrans2D2">
+    <dgm:fillClrLst meth="repeat">
+      <a:schemeClr val="accent1"/>
+    </dgm:fillClrLst>
+    <dgm:linClrLst meth="repeat">
+      <a:schemeClr val="accent1"/>
+    </dgm:linClrLst>
+    <dgm:effectClrLst/>
+    <dgm:txLinClrLst/>
+    <dgm:txFillClrLst meth="repeat">
+      <a:schemeClr val="lt1"/>
+    </dgm:txFillClrLst>
+    <dgm:txEffectClrLst/>
+  </dgm:styleLbl>
+  <dgm:styleLbl name="parChTrans2D3">
+    <dgm:fillClrLst meth="repeat">
+      <a:schemeClr val="accent1"/>
+    </dgm:fillClrLst>
+    <dgm:linClrLst meth="repeat">
+      <a:schemeClr val="accent1"/>
+    </dgm:linClrLst>
+    <dgm:effectClrLst/>
+    <dgm:txLinClrLst/>
+    <dgm:txFillClrLst meth="repeat">
+      <a:schemeClr val="lt1"/>
+    </dgm:txFillClrLst>
+    <dgm:txEffectClrLst/>
+  </dgm:styleLbl>
+  <dgm:styleLbl name="parChTrans2D4">
+    <dgm:fillClrLst meth="repeat">
+      <a:schemeClr val="accent1"/>
+    </dgm:fillClrLst>
+    <dgm:linClrLst meth="repeat">
+      <a:schemeClr val="accent1"/>
+    </dgm:linClrLst>
+    <dgm:effectClrLst/>
+    <dgm:txLinClrLst/>
+    <dgm:txFillClrLst meth="repeat">
+      <a:schemeClr val="lt1"/>
+    </dgm:txFillClrLst>
+    <dgm:txEffectClrLst/>
+  </dgm:styleLbl>
+  <dgm:styleLbl name="parChTrans1D1">
+    <dgm:fillClrLst meth="repeat">
+      <a:schemeClr val="accent1"/>
+    </dgm:fillClrLst>
+    <dgm:linClrLst meth="repeat">
+      <a:schemeClr val="accent1">
+        <a:shade val="60000"/>
+      </a:schemeClr>
+    </dgm:linClrLst>
+    <dgm:effectClrLst/>
+    <dgm:txLinClrLst/>
+    <dgm:txFillClrLst meth="repeat">
+      <a:schemeClr val="tx1"/>
+    </dgm:txFillClrLst>
+    <dgm:txEffectClrLst/>
+  </dgm:styleLbl>
+  <dgm:styleLbl name="parChTrans1D2">
+    <dgm:fillClrLst meth="repeat">
+      <a:schemeClr val="accent1"/>
+    </dgm:fillClrLst>
+    <dgm:linClrLst meth="repeat">
+      <a:schemeClr val="accent1">
+        <a:shade val="60000"/>
+      </a:schemeClr>
+    </dgm:linClrLst>
+    <dgm:effectClrLst/>
+    <dgm:txLinClrLst/>
+    <dgm:txFillClrLst meth="repeat">
+      <a:schemeClr val="tx1"/>
+    </dgm:txFillClrLst>
+    <dgm:txEffectClrLst/>
+  </dgm:styleLbl>
+  <dgm:styleLbl name="parChTrans1D3">
+    <dgm:fillClrLst meth="repeat">
+      <a:schemeClr val="accent1"/>
+    </dgm:fillClrLst>
+    <dgm:linClrLst meth="repeat">
+      <a:schemeClr val="accent1">
+        <a:shade val="80000"/>
+      </a:schemeClr>
+    </dgm:linClrLst>
+    <dgm:effectClrLst/>
+    <dgm:txLinClrLst/>
+    <dgm:txFillClrLst meth="repeat">
+      <a:schemeClr val="tx1"/>
+    </dgm:txFillClrLst>
+    <dgm:txEffectClrLst/>
+  </dgm:styleLbl>
+  <dgm:styleLbl name="parChTrans1D4">
+    <dgm:fillClrLst meth="repeat">
+      <a:schemeClr val="accent1"/>
+    </dgm:fillClrLst>
+    <dgm:linClrLst meth="repeat">
+      <a:schemeClr val="accent1">
+        <a:shade val="80000"/>
+      </a:schemeClr>
+    </dgm:linClrLst>
+    <dgm:effectClrLst/>
+    <dgm:txLinClrLst/>
+    <dgm:txFillClrLst meth="repeat">
+      <a:schemeClr val="tx1"/>
+    </dgm:txFillClrLst>
+    <dgm:txEffectClrLst/>
+  </dgm:styleLbl>
+  <dgm:styleLbl name="fgAcc1">
+    <dgm:fillClrLst meth="repeat">
+      <a:schemeClr val="lt1">
+        <a:alpha val="90000"/>
+      </a:schemeClr>
+    </dgm:fillClrLst>
+    <dgm:linClrLst meth="repeat">
+      <a:schemeClr val="accent1"/>
+    </dgm:linClrLst>
+    <dgm:effectClrLst/>
+    <dgm:txLinClrLst/>
+    <dgm:txFillClrLst meth="repeat">
+      <a:schemeClr val="dk1"/>
+    </dgm:txFillClrLst>
+    <dgm:txEffectClrLst/>
+  </dgm:styleLbl>
+  <dgm:styleLbl name="conFgAcc1">
+    <dgm:fillClrLst meth="repeat">
+      <a:schemeClr val="lt1">
+        <a:alpha val="90000"/>
+      </a:schemeClr>
+    </dgm:fillClrLst>
+    <dgm:linClrLst meth="repeat">
+      <a:schemeClr val="accent1"/>
+    </dgm:linClrLst>
+    <dgm:effectClrLst/>
+    <dgm:txLinClrLst/>
+    <dgm:txFillClrLst meth="repeat">
+      <a:schemeClr val="dk1"/>
+    </dgm:txFillClrLst>
+    <dgm:txEffectClrLst/>
+  </dgm:styleLbl>
+  <dgm:styleLbl name="alignAcc1">
+    <dgm:fillClrLst meth="repeat">
+      <a:schemeClr val="lt1">
+        <a:alpha val="90000"/>
+      </a:schemeClr>
+    </dgm:fillClrLst>
+    <dgm:linClrLst meth="repeat">
+      <a:schemeClr val="accent1"/>
+    </dgm:linClrLst>
+    <dgm:effectClrLst/>
+    <dgm:txLinClrLst/>
+    <dgm:txFillClrLst meth="repeat">
+      <a:schemeClr val="dk1"/>
+    </dgm:txFillClrLst>
+    <dgm:txEffectClrLst/>
+  </dgm:styleLbl>
+  <dgm:styleLbl name="trAlignAcc1">
+    <dgm:fillClrLst meth="repeat">
+      <a:schemeClr val="lt1">
+        <a:alpha val="40000"/>
+      </a:schemeClr>
+    </dgm:fillClrLst>
+    <dgm:linClrLst meth="repeat">
+      <a:schemeClr val="accent1"/>
+    </dgm:linClrLst>
+    <dgm:effectClrLst/>
+    <dgm:txLinClrLst/>
+    <dgm:txFillClrLst meth="repeat">
+      <a:schemeClr val="dk1"/>
+    </dgm:txFillClrLst>
+    <dgm:txEffectClrLst/>
+  </dgm:styleLbl>
+  <dgm:styleLbl name="bgAcc1">
+    <dgm:fillClrLst meth="repeat">
+      <a:schemeClr val="lt1">
+        <a:alpha val="90000"/>
+      </a:schemeClr>
+    </dgm:fillClrLst>
+    <dgm:linClrLst meth="repeat">
+      <a:schemeClr val="accent1"/>
+    </dgm:linClrLst>
+    <dgm:effectClrLst/>
+    <dgm:txLinClrLst/>
+    <dgm:txFillClrLst meth="repeat">
+      <a:schemeClr val="dk1"/>
+    </dgm:txFillClrLst>
+    <dgm:txEffectClrLst/>
+  </dgm:styleLbl>
+  <dgm:styleLbl name="solidFgAcc1">
+    <dgm:fillClrLst meth="repeat">
+      <a:schemeClr val="lt1"/>
+    </dgm:fillClrLst>
+    <dgm:linClrLst meth="repeat">
+      <a:schemeClr val="accent1"/>
+    </dgm:linClrLst>
+    <dgm:effectClrLst/>
+    <dgm:txLinClrLst/>
+    <dgm:txFillClrLst meth="repeat">
+      <a:schemeClr val="dk1"/>
+    </dgm:txFillClrLst>
+    <dgm:txEffectClrLst/>
+  </dgm:styleLbl>
+  <dgm:styleLbl name="solidAlignAcc1">
+    <dgm:fillClrLst meth="repeat">
+      <a:schemeClr val="lt1"/>
+    </dgm:fillClrLst>
+    <dgm:linClrLst meth="repeat">
+      <a:schemeClr val="accent1"/>
+    </dgm:linClrLst>
+    <dgm:effectClrLst/>
+    <dgm:txLinClrLst/>
+    <dgm:txFillClrLst meth="repeat">
+      <a:schemeClr val="dk1"/>
+    </dgm:txFillClrLst>
+    <dgm:txEffectClrLst/>
+  </dgm:styleLbl>
+  <dgm:styleLbl name="solidBgAcc1">
+    <dgm:fillClrLst meth="repeat">
+      <a:schemeClr val="lt1"/>
+    </dgm:fillClrLst>
+    <dgm:linClrLst meth="repeat">
+      <a:schemeClr val="accent1"/>
+    </dgm:linClrLst>
+    <dgm:effectClrLst/>
+    <dgm:txLinClrLst/>
+    <dgm:txFillClrLst meth="repeat">
+      <a:schemeClr val="dk1"/>
+    </dgm:txFillClrLst>
+    <dgm:txEffectClrLst/>
+  </dgm:styleLbl>
+  <dgm:styleLbl name="fgAccFollowNode1">
+    <dgm:fillClrLst meth="repeat">
+      <a:schemeClr val="accent1">
+        <a:alpha val="90000"/>
+        <a:tint val="40000"/>
+      </a:schemeClr>
+    </dgm:fillClrLst>
+    <dgm:linClrLst meth="repeat">
+      <a:schemeClr val="accent1">
+        <a:alpha val="90000"/>
+        <a:tint val="40000"/>
+      </a:schemeClr>
+    </dgm:linClrLst>
+    <dgm:effectClrLst/>
+    <dgm:txLinClrLst/>
+    <dgm:txFillClrLst meth="repeat">
+      <a:schemeClr val="dk1"/>
+    </dgm:txFillClrLst>
+    <dgm:txEffectClrLst/>
+  </dgm:styleLbl>
+  <dgm:styleLbl name="alignAccFollowNode1">
+    <dgm:fillClrLst meth="repeat">
+      <a:schemeClr val="accent1">
+        <a:alpha val="90000"/>
+        <a:tint val="40000"/>
+      </a:schemeClr>
+    </dgm:fillClrLst>
+    <dgm:linClrLst meth="repeat">
+      <a:schemeClr val="accent1">
+        <a:alpha val="90000"/>
+        <a:tint val="40000"/>
+      </a:schemeClr>
+    </dgm:linClrLst>
+    <dgm:effectClrLst/>
+    <dgm:txLinClrLst/>
+    <dgm:txFillClrLst meth="repeat">
+      <a:schemeClr val="dk1"/>
+    </dgm:txFillClrLst>
+    <dgm:txEffectClrLst/>
+  </dgm:styleLbl>
+  <dgm:styleLbl name="bgAccFollowNode1">
+    <dgm:fillClrLst meth="repeat">
+      <a:schemeClr val="accent1">
+        <a:alpha val="90000"/>
+        <a:tint val="40000"/>
+      </a:schemeClr>
+    </dgm:fillClrLst>
+    <dgm:linClrLst meth="repeat">
+      <a:schemeClr val="accent1">
+        <a:alpha val="90000"/>
+        <a:tint val="40000"/>
+      </a:schemeClr>
+    </dgm:linClrLst>
+    <dgm:effectClrLst/>
+    <dgm:txLinClrLst/>
+    <dgm:txFillClrLst meth="repeat">
+      <a:schemeClr val="dk1"/>
+    </dgm:txFillClrLst>
+    <dgm:txEffectClrLst/>
+  </dgm:styleLbl>
+  <dgm:styleLbl name="fgAcc0">
+    <dgm:fillClrLst meth="repeat">
+      <a:schemeClr val="lt1">
+        <a:alpha val="90000"/>
+      </a:schemeClr>
+    </dgm:fillClrLst>
+    <dgm:linClrLst meth="repeat">
+      <a:schemeClr val="accent1"/>
+    </dgm:linClrLst>
+    <dgm:effectClrLst/>
+    <dgm:txLinClrLst/>
+    <dgm:txFillClrLst meth="repeat">
+      <a:schemeClr val="dk1"/>
+    </dgm:txFillClrLst>
+    <dgm:txEffectClrLst/>
+  </dgm:styleLbl>
+  <dgm:styleLbl name="fgAcc2">
+    <dgm:fillClrLst meth="repeat">
+      <a:schemeClr val="lt1">
+        <a:alpha val="90000"/>
+      </a:schemeClr>
+    </dgm:fillClrLst>
+    <dgm:linClrLst meth="repeat">
+      <a:schemeClr val="accent1"/>
+    </dgm:linClrLst>
+    <dgm:effectClrLst/>
+    <dgm:txLinClrLst/>
+    <dgm:txFillClrLst meth="repeat">
+      <a:schemeClr val="dk1"/>
+    </dgm:txFillClrLst>
+    <dgm:txEffectClrLst/>
+  </dgm:styleLbl>
+  <dgm:styleLbl name="fgAcc3">
+    <dgm:fillClrLst meth="repeat">
+      <a:schemeClr val="lt1">
+        <a:alpha val="90000"/>
+      </a:schemeClr>
+    </dgm:fillClrLst>
+    <dgm:linClrLst meth="repeat">
+      <a:schemeClr val="accent1"/>
+    </dgm:linClrLst>
+    <dgm:effectClrLst/>
+    <dgm:txLinClrLst/>
+    <dgm:txFillClrLst meth="repeat">
+      <a:schemeClr val="dk1"/>
+    </dgm:txFillClrLst>
+    <dgm:txEffectClrLst/>
+  </dgm:styleLbl>
+  <dgm:styleLbl name="fgAcc4">
+    <dgm:fillClrLst meth="repeat">
+      <a:schemeClr val="lt1">
+        <a:alpha val="90000"/>
+      </a:schemeClr>
+    </dgm:fillClrLst>
+    <dgm:linClrLst meth="repeat">
+      <a:schemeClr val="accent1"/>
+    </dgm:linClrLst>
+    <dgm:effectClrLst/>
+    <dgm:txLinClrLst/>
+    <dgm:txFillClrLst meth="repeat">
+      <a:schemeClr val="dk1"/>
+    </dgm:txFillClrLst>
+    <dgm:txEffectClrLst/>
+  </dgm:styleLbl>
+  <dgm:styleLbl name="bgShp">
+    <dgm:fillClrLst meth="repeat">
+      <a:schemeClr val="accent1">
+        <a:tint val="40000"/>
+      </a:schemeClr>
+    </dgm:fillClrLst>
+    <dgm:linClrLst meth="repeat">
+      <a:schemeClr val="accent1"/>
+    </dgm:linClrLst>
+    <dgm:effectClrLst/>
+    <dgm:txLinClrLst/>
+    <dgm:txFillClrLst meth="repeat">
+      <a:schemeClr val="dk1"/>
+    </dgm:txFillClrLst>
+    <dgm:txEffectClrLst/>
+  </dgm:styleLbl>
+  <dgm:styleLbl name="dkBgShp">
+    <dgm:fillClrLst meth="repeat">
+      <a:schemeClr val="accent1">
+        <a:shade val="80000"/>
+      </a:schemeClr>
+    </dgm:fillClrLst>
+    <dgm:linClrLst meth="repeat">
+      <a:schemeClr val="accent1"/>
+    </dgm:linClrLst>
+    <dgm:effectClrLst/>
+    <dgm:txLinClrLst/>
+    <dgm:txFillClrLst meth="repeat">
+      <a:schemeClr val="lt1"/>
+    </dgm:txFillClrLst>
+    <dgm:txEffectClrLst/>
+  </dgm:styleLbl>
+  <dgm:styleLbl name="trBgShp">
+    <dgm:fillClrLst meth="repeat">
+      <a:schemeClr val="accent1">
+        <a:tint val="50000"/>
+        <a:alpha val="40000"/>
+      </a:schemeClr>
+    </dgm:fillClrLst>
+    <dgm:linClrLst meth="repeat">
+      <a:schemeClr val="accent1"/>
+    </dgm:linClrLst>
+    <dgm:effectClrLst/>
+    <dgm:txLinClrLst/>
+    <dgm:txFillClrLst meth="repeat">
+      <a:schemeClr val="lt1"/>
+    </dgm:txFillClrLst>
+    <dgm:txEffectClrLst/>
+  </dgm:styleLbl>
+  <dgm:styleLbl name="fgShp">
+    <dgm:fillClrLst meth="repeat">
+      <a:schemeClr val="accent1">
+        <a:tint val="60000"/>
+      </a:schemeClr>
+    </dgm:fillClrLst>
+    <dgm:linClrLst meth="repeat">
+      <a:schemeClr val="lt1"/>
+    </dgm:linClrLst>
+    <dgm:effectClrLst/>
+    <dgm:txLinClrLst/>
+    <dgm:txFillClrLst meth="repeat">
+      <a:schemeClr val="dk1"/>
+    </dgm:txFillClrLst>
+    <dgm:txEffectClrLst/>
+  </dgm:styleLbl>
+  <dgm:styleLbl name="revTx">
+    <dgm:fillClrLst meth="repeat">
+      <a:schemeClr val="lt1">
+        <a:alpha val="0"/>
+      </a:schemeClr>
+    </dgm:fillClrLst>
+    <dgm:linClrLst meth="repeat">
+      <a:schemeClr val="dk1">
+        <a:alpha val="0"/>
+      </a:schemeClr>
+    </dgm:linClrLst>
+    <dgm:effectClrLst/>
+    <dgm:txLinClrLst/>
+    <dgm:txFillClrLst meth="repeat">
+      <a:schemeClr val="tx1"/>
+    </dgm:txFillClrLst>
+    <dgm:txEffectClrLst/>
+  </dgm:styleLbl>
+</dgm:colorsDef>
+</file>
+
+<file path=ppt/diagrams/data1.xml><?xml version="1.0" encoding="utf-8"?>
+<dgm:dataModel xmlns:dgm="http://schemas.openxmlformats.org/drawingml/2006/diagram" xmlns:a="http://schemas.openxmlformats.org/drawingml/2006/main">
+  <dgm:ptLst>
+    <dgm:pt modelId="{2845B67A-92C6-4C31-BB88-CA8A042B05E2}" type="doc">
+      <dgm:prSet loTypeId="urn:microsoft.com/office/officeart/2005/8/layout/cycle3" loCatId="cycle" qsTypeId="urn:microsoft.com/office/officeart/2005/8/quickstyle/simple1" qsCatId="simple" csTypeId="urn:microsoft.com/office/officeart/2005/8/colors/accent1_2" csCatId="accent1" phldr="1"/>
+      <dgm:spPr/>
+      <dgm:t>
+        <a:bodyPr/>
+        <a:lstStyle/>
+        <a:p>
+          <a:endParaRPr lang="en-US"/>
+        </a:p>
+      </dgm:t>
+    </dgm:pt>
+    <dgm:pt modelId="{6E76BD92-E0C4-4278-8122-FCEE62189C1C}">
+      <dgm:prSet phldrT="[Text]"/>
+      <dgm:spPr/>
+      <dgm:t>
+        <a:bodyPr/>
+        <a:lstStyle/>
+        <a:p>
+          <a:r>
+            <a:rPr lang="en-US" dirty="0"/>
+            <a:t>Level start</a:t>
+          </a:r>
+        </a:p>
+      </dgm:t>
+    </dgm:pt>
+    <dgm:pt modelId="{E6BD7302-EA76-48D9-A9DF-021359674335}" type="parTrans" cxnId="{73623984-A5C7-41EA-BEFE-3CA552D9FEC7}">
+      <dgm:prSet/>
+      <dgm:spPr/>
+      <dgm:t>
+        <a:bodyPr/>
+        <a:lstStyle/>
+        <a:p>
+          <a:endParaRPr lang="en-US"/>
+        </a:p>
+      </dgm:t>
+    </dgm:pt>
+    <dgm:pt modelId="{FE27E0FF-AED2-429B-9AD3-41A6DF98286F}" type="sibTrans" cxnId="{73623984-A5C7-41EA-BEFE-3CA552D9FEC7}">
+      <dgm:prSet/>
+      <dgm:spPr/>
+      <dgm:t>
+        <a:bodyPr/>
+        <a:lstStyle/>
+        <a:p>
+          <a:endParaRPr lang="en-US"/>
+        </a:p>
+      </dgm:t>
+    </dgm:pt>
+    <dgm:pt modelId="{0450D359-EBCE-4CAD-A13E-3D96EFB8CE53}">
+      <dgm:prSet phldrT="[Text]"/>
+      <dgm:spPr/>
+      <dgm:t>
+        <a:bodyPr/>
+        <a:lstStyle/>
+        <a:p>
+          <a:r>
+            <a:rPr lang="en-US" dirty="0"/>
+            <a:t>Swap tiles</a:t>
+          </a:r>
+        </a:p>
+      </dgm:t>
+    </dgm:pt>
+    <dgm:pt modelId="{F00047B3-4295-4A43-99A2-F77490E48B44}" type="parTrans" cxnId="{FBA3E9A6-324B-46FB-AA3A-C4F19ED069DD}">
+      <dgm:prSet/>
+      <dgm:spPr/>
+      <dgm:t>
+        <a:bodyPr/>
+        <a:lstStyle/>
+        <a:p>
+          <a:endParaRPr lang="en-US"/>
+        </a:p>
+      </dgm:t>
+    </dgm:pt>
+    <dgm:pt modelId="{2515405C-71B0-49D6-833F-296E0310B914}" type="sibTrans" cxnId="{FBA3E9A6-324B-46FB-AA3A-C4F19ED069DD}">
+      <dgm:prSet/>
+      <dgm:spPr/>
+      <dgm:t>
+        <a:bodyPr/>
+        <a:lstStyle/>
+        <a:p>
+          <a:endParaRPr lang="en-US"/>
+        </a:p>
+      </dgm:t>
+    </dgm:pt>
+    <dgm:pt modelId="{240E754E-20B9-4F09-84C6-8564442B797D}">
+      <dgm:prSet phldrT="[Text]"/>
+      <dgm:spPr/>
+      <dgm:t>
+        <a:bodyPr/>
+        <a:lstStyle/>
+        <a:p>
+          <a:r>
+            <a:rPr lang="en-US" dirty="0"/>
+            <a:t>Complete level</a:t>
+          </a:r>
+        </a:p>
+      </dgm:t>
+    </dgm:pt>
+    <dgm:pt modelId="{199EC2E1-3328-4CBC-92A4-1430DF950AC2}" type="parTrans" cxnId="{A04B444C-F5C3-4A6B-9AD8-8210CA861B25}">
+      <dgm:prSet/>
+      <dgm:spPr/>
+      <dgm:t>
+        <a:bodyPr/>
+        <a:lstStyle/>
+        <a:p>
+          <a:endParaRPr lang="en-US"/>
+        </a:p>
+      </dgm:t>
+    </dgm:pt>
+    <dgm:pt modelId="{D39A17A5-E082-490F-9C6F-34F7242EE27B}" type="sibTrans" cxnId="{A04B444C-F5C3-4A6B-9AD8-8210CA861B25}">
+      <dgm:prSet/>
+      <dgm:spPr/>
+      <dgm:t>
+        <a:bodyPr/>
+        <a:lstStyle/>
+        <a:p>
+          <a:endParaRPr lang="en-US"/>
+        </a:p>
+      </dgm:t>
+    </dgm:pt>
+    <dgm:pt modelId="{8715FDDC-399E-4F64-8213-B464D84A69DC}">
+      <dgm:prSet phldrT="[Text]" phldr="1"/>
+      <dgm:spPr/>
+      <dgm:t>
+        <a:bodyPr/>
+        <a:lstStyle/>
+        <a:p>
+          <a:endParaRPr lang="en-US" dirty="0"/>
+        </a:p>
+      </dgm:t>
+    </dgm:pt>
+    <dgm:pt modelId="{B145D1F6-6D9E-432B-B5CE-E9C178D22EE6}" type="parTrans" cxnId="{309B09C1-8FD5-473A-8356-1642E41974F2}">
+      <dgm:prSet/>
+      <dgm:spPr/>
+      <dgm:t>
+        <a:bodyPr/>
+        <a:lstStyle/>
+        <a:p>
+          <a:endParaRPr lang="en-US"/>
+        </a:p>
+      </dgm:t>
+    </dgm:pt>
+    <dgm:pt modelId="{4EC6345D-02CB-41E7-8C3D-95B1D38B6FA0}" type="sibTrans" cxnId="{309B09C1-8FD5-473A-8356-1642E41974F2}">
+      <dgm:prSet/>
+      <dgm:spPr/>
+      <dgm:t>
+        <a:bodyPr/>
+        <a:lstStyle/>
+        <a:p>
+          <a:endParaRPr lang="en-US"/>
+        </a:p>
+      </dgm:t>
+    </dgm:pt>
+    <dgm:pt modelId="{FDB6EE4B-D3DC-4E47-9D6D-76BAB5C6B0CD}">
+      <dgm:prSet phldrT="[Text]" phldr="1"/>
+      <dgm:spPr/>
+      <dgm:t>
+        <a:bodyPr/>
+        <a:lstStyle/>
+        <a:p>
+          <a:endParaRPr lang="en-US"/>
+        </a:p>
+      </dgm:t>
+    </dgm:pt>
+    <dgm:pt modelId="{F07CE661-A2AD-4EFC-A25B-2491FF57A173}" type="parTrans" cxnId="{CEE41EA0-4D28-4AA2-965B-D49F2955080A}">
+      <dgm:prSet/>
+      <dgm:spPr/>
+      <dgm:t>
+        <a:bodyPr/>
+        <a:lstStyle/>
+        <a:p>
+          <a:endParaRPr lang="en-US"/>
+        </a:p>
+      </dgm:t>
+    </dgm:pt>
+    <dgm:pt modelId="{A8EC9455-C67E-45AF-9F80-5B693CC3DB1F}" type="sibTrans" cxnId="{CEE41EA0-4D28-4AA2-965B-D49F2955080A}">
+      <dgm:prSet/>
+      <dgm:spPr/>
+      <dgm:t>
+        <a:bodyPr/>
+        <a:lstStyle/>
+        <a:p>
+          <a:endParaRPr lang="en-US"/>
+        </a:p>
+      </dgm:t>
+    </dgm:pt>
+    <dgm:pt modelId="{E9207BBE-1E4E-4B97-8833-8BD1899DC9B6}" type="pres">
+      <dgm:prSet presAssocID="{2845B67A-92C6-4C31-BB88-CA8A042B05E2}" presName="Name0" presStyleCnt="0">
+        <dgm:presLayoutVars>
+          <dgm:dir/>
+          <dgm:resizeHandles val="exact"/>
+        </dgm:presLayoutVars>
+      </dgm:prSet>
+      <dgm:spPr/>
+    </dgm:pt>
+    <dgm:pt modelId="{E351C160-82F5-4772-8E0F-B59BC93285AC}" type="pres">
+      <dgm:prSet presAssocID="{2845B67A-92C6-4C31-BB88-CA8A042B05E2}" presName="cycle" presStyleCnt="0"/>
+      <dgm:spPr/>
+    </dgm:pt>
+    <dgm:pt modelId="{3C6E4344-2BAF-46B1-911F-87EF0AA480F4}" type="pres">
+      <dgm:prSet presAssocID="{6E76BD92-E0C4-4278-8122-FCEE62189C1C}" presName="nodeFirstNode" presStyleLbl="node1" presStyleIdx="0" presStyleCnt="5">
+        <dgm:presLayoutVars>
+          <dgm:bulletEnabled val="1"/>
+        </dgm:presLayoutVars>
+      </dgm:prSet>
+      <dgm:spPr/>
+    </dgm:pt>
+    <dgm:pt modelId="{FF05EC19-9CBB-4D05-8C94-0B538C585BC0}" type="pres">
+      <dgm:prSet presAssocID="{FE27E0FF-AED2-429B-9AD3-41A6DF98286F}" presName="sibTransFirstNode" presStyleLbl="bgShp" presStyleIdx="0" presStyleCnt="1"/>
+      <dgm:spPr/>
+    </dgm:pt>
+    <dgm:pt modelId="{DB507643-5CAC-4102-80BD-5451C0BDAB27}" type="pres">
+      <dgm:prSet presAssocID="{0450D359-EBCE-4CAD-A13E-3D96EFB8CE53}" presName="nodeFollowingNodes" presStyleLbl="node1" presStyleIdx="1" presStyleCnt="5">
+        <dgm:presLayoutVars>
+          <dgm:bulletEnabled val="1"/>
+        </dgm:presLayoutVars>
+      </dgm:prSet>
+      <dgm:spPr/>
+    </dgm:pt>
+    <dgm:pt modelId="{E1F9D6A7-F885-4940-85EE-CC68623E32C0}" type="pres">
+      <dgm:prSet presAssocID="{240E754E-20B9-4F09-84C6-8564442B797D}" presName="nodeFollowingNodes" presStyleLbl="node1" presStyleIdx="2" presStyleCnt="5">
+        <dgm:presLayoutVars>
+          <dgm:bulletEnabled val="1"/>
+        </dgm:presLayoutVars>
+      </dgm:prSet>
+      <dgm:spPr/>
+    </dgm:pt>
+    <dgm:pt modelId="{4014C1D2-8AB8-4015-9781-85BB5DD161EC}" type="pres">
+      <dgm:prSet presAssocID="{8715FDDC-399E-4F64-8213-B464D84A69DC}" presName="nodeFollowingNodes" presStyleLbl="node1" presStyleIdx="3" presStyleCnt="5">
+        <dgm:presLayoutVars>
+          <dgm:bulletEnabled val="1"/>
+        </dgm:presLayoutVars>
+      </dgm:prSet>
+      <dgm:spPr/>
+    </dgm:pt>
+    <dgm:pt modelId="{B88FAB91-651E-4A3F-81D1-658D94468009}" type="pres">
+      <dgm:prSet presAssocID="{FDB6EE4B-D3DC-4E47-9D6D-76BAB5C6B0CD}" presName="nodeFollowingNodes" presStyleLbl="node1" presStyleIdx="4" presStyleCnt="5">
+        <dgm:presLayoutVars>
+          <dgm:bulletEnabled val="1"/>
+        </dgm:presLayoutVars>
+      </dgm:prSet>
+      <dgm:spPr/>
+    </dgm:pt>
+  </dgm:ptLst>
+  <dgm:cxnLst>
+    <dgm:cxn modelId="{7D928312-0CB3-4F86-AFC1-E2628CBDD976}" type="presOf" srcId="{FE27E0FF-AED2-429B-9AD3-41A6DF98286F}" destId="{FF05EC19-9CBB-4D05-8C94-0B538C585BC0}" srcOrd="0" destOrd="0" presId="urn:microsoft.com/office/officeart/2005/8/layout/cycle3"/>
+    <dgm:cxn modelId="{EAA6D632-101B-42EE-8F7C-77D2D726A0E4}" type="presOf" srcId="{0450D359-EBCE-4CAD-A13E-3D96EFB8CE53}" destId="{DB507643-5CAC-4102-80BD-5451C0BDAB27}" srcOrd="0" destOrd="0" presId="urn:microsoft.com/office/officeart/2005/8/layout/cycle3"/>
+    <dgm:cxn modelId="{68D95A62-6F22-4A83-9A6C-2194E9D2F74B}" type="presOf" srcId="{8715FDDC-399E-4F64-8213-B464D84A69DC}" destId="{4014C1D2-8AB8-4015-9781-85BB5DD161EC}" srcOrd="0" destOrd="0" presId="urn:microsoft.com/office/officeart/2005/8/layout/cycle3"/>
+    <dgm:cxn modelId="{01ED156B-C568-49FB-964D-228F0450C75D}" type="presOf" srcId="{FDB6EE4B-D3DC-4E47-9D6D-76BAB5C6B0CD}" destId="{B88FAB91-651E-4A3F-81D1-658D94468009}" srcOrd="0" destOrd="0" presId="urn:microsoft.com/office/officeart/2005/8/layout/cycle3"/>
+    <dgm:cxn modelId="{A04B444C-F5C3-4A6B-9AD8-8210CA861B25}" srcId="{2845B67A-92C6-4C31-BB88-CA8A042B05E2}" destId="{240E754E-20B9-4F09-84C6-8564442B797D}" srcOrd="2" destOrd="0" parTransId="{199EC2E1-3328-4CBC-92A4-1430DF950AC2}" sibTransId="{D39A17A5-E082-490F-9C6F-34F7242EE27B}"/>
+    <dgm:cxn modelId="{11462B83-ADEC-4271-A84E-1F426549C131}" type="presOf" srcId="{2845B67A-92C6-4C31-BB88-CA8A042B05E2}" destId="{E9207BBE-1E4E-4B97-8833-8BD1899DC9B6}" srcOrd="0" destOrd="0" presId="urn:microsoft.com/office/officeart/2005/8/layout/cycle3"/>
+    <dgm:cxn modelId="{73623984-A5C7-41EA-BEFE-3CA552D9FEC7}" srcId="{2845B67A-92C6-4C31-BB88-CA8A042B05E2}" destId="{6E76BD92-E0C4-4278-8122-FCEE62189C1C}" srcOrd="0" destOrd="0" parTransId="{E6BD7302-EA76-48D9-A9DF-021359674335}" sibTransId="{FE27E0FF-AED2-429B-9AD3-41A6DF98286F}"/>
+    <dgm:cxn modelId="{CEE41EA0-4D28-4AA2-965B-D49F2955080A}" srcId="{2845B67A-92C6-4C31-BB88-CA8A042B05E2}" destId="{FDB6EE4B-D3DC-4E47-9D6D-76BAB5C6B0CD}" srcOrd="4" destOrd="0" parTransId="{F07CE661-A2AD-4EFC-A25B-2491FF57A173}" sibTransId="{A8EC9455-C67E-45AF-9F80-5B693CC3DB1F}"/>
+    <dgm:cxn modelId="{9C43A3A3-CDC8-465C-A58E-4A98D171AE87}" type="presOf" srcId="{240E754E-20B9-4F09-84C6-8564442B797D}" destId="{E1F9D6A7-F885-4940-85EE-CC68623E32C0}" srcOrd="0" destOrd="0" presId="urn:microsoft.com/office/officeart/2005/8/layout/cycle3"/>
+    <dgm:cxn modelId="{FBA3E9A6-324B-46FB-AA3A-C4F19ED069DD}" srcId="{2845B67A-92C6-4C31-BB88-CA8A042B05E2}" destId="{0450D359-EBCE-4CAD-A13E-3D96EFB8CE53}" srcOrd="1" destOrd="0" parTransId="{F00047B3-4295-4A43-99A2-F77490E48B44}" sibTransId="{2515405C-71B0-49D6-833F-296E0310B914}"/>
+    <dgm:cxn modelId="{309B09C1-8FD5-473A-8356-1642E41974F2}" srcId="{2845B67A-92C6-4C31-BB88-CA8A042B05E2}" destId="{8715FDDC-399E-4F64-8213-B464D84A69DC}" srcOrd="3" destOrd="0" parTransId="{B145D1F6-6D9E-432B-B5CE-E9C178D22EE6}" sibTransId="{4EC6345D-02CB-41E7-8C3D-95B1D38B6FA0}"/>
+    <dgm:cxn modelId="{68EC68E2-5A3A-4297-AEF8-68838B9D0B7F}" type="presOf" srcId="{6E76BD92-E0C4-4278-8122-FCEE62189C1C}" destId="{3C6E4344-2BAF-46B1-911F-87EF0AA480F4}" srcOrd="0" destOrd="0" presId="urn:microsoft.com/office/officeart/2005/8/layout/cycle3"/>
+    <dgm:cxn modelId="{80D82425-DCB1-4208-84D4-2CBD96476969}" type="presParOf" srcId="{E9207BBE-1E4E-4B97-8833-8BD1899DC9B6}" destId="{E351C160-82F5-4772-8E0F-B59BC93285AC}" srcOrd="0" destOrd="0" presId="urn:microsoft.com/office/officeart/2005/8/layout/cycle3"/>
+    <dgm:cxn modelId="{403F8DE7-B2E4-4A6E-98B8-AC44D11D5556}" type="presParOf" srcId="{E351C160-82F5-4772-8E0F-B59BC93285AC}" destId="{3C6E4344-2BAF-46B1-911F-87EF0AA480F4}" srcOrd="0" destOrd="0" presId="urn:microsoft.com/office/officeart/2005/8/layout/cycle3"/>
+    <dgm:cxn modelId="{C8AC0AD9-795A-42FF-839F-BFECE41A0680}" type="presParOf" srcId="{E351C160-82F5-4772-8E0F-B59BC93285AC}" destId="{FF05EC19-9CBB-4D05-8C94-0B538C585BC0}" srcOrd="1" destOrd="0" presId="urn:microsoft.com/office/officeart/2005/8/layout/cycle3"/>
+    <dgm:cxn modelId="{94E61358-6C91-43B0-BD9C-8FB9A40B843E}" type="presParOf" srcId="{E351C160-82F5-4772-8E0F-B59BC93285AC}" destId="{DB507643-5CAC-4102-80BD-5451C0BDAB27}" srcOrd="2" destOrd="0" presId="urn:microsoft.com/office/officeart/2005/8/layout/cycle3"/>
+    <dgm:cxn modelId="{A581C96F-6543-4505-89AF-55C6B9A77F37}" type="presParOf" srcId="{E351C160-82F5-4772-8E0F-B59BC93285AC}" destId="{E1F9D6A7-F885-4940-85EE-CC68623E32C0}" srcOrd="3" destOrd="0" presId="urn:microsoft.com/office/officeart/2005/8/layout/cycle3"/>
+    <dgm:cxn modelId="{94D49575-BFB2-4725-897B-F4D82C5DB90F}" type="presParOf" srcId="{E351C160-82F5-4772-8E0F-B59BC93285AC}" destId="{4014C1D2-8AB8-4015-9781-85BB5DD161EC}" srcOrd="4" destOrd="0" presId="urn:microsoft.com/office/officeart/2005/8/layout/cycle3"/>
+    <dgm:cxn modelId="{14C25079-EC52-4824-8AF9-DAC3CB3925D4}" type="presParOf" srcId="{E351C160-82F5-4772-8E0F-B59BC93285AC}" destId="{B88FAB91-651E-4A3F-81D1-658D94468009}" srcOrd="5" destOrd="0" presId="urn:microsoft.com/office/officeart/2005/8/layout/cycle3"/>
+  </dgm:cxnLst>
+  <dgm:bg/>
+  <dgm:whole/>
+  <dgm:extLst>
+    <a:ext uri="http://schemas.microsoft.com/office/drawing/2008/diagram">
+      <dsp:dataModelExt xmlns:dsp="http://schemas.microsoft.com/office/drawing/2008/diagram" relId="rId6" minVer="http://schemas.openxmlformats.org/drawingml/2006/diagram"/>
+    </a:ext>
+  </dgm:extLst>
+</dgm:dataModel>
+</file>
+
+<file path=ppt/diagrams/drawing1.xml><?xml version="1.0" encoding="utf-8"?>
+<dsp:drawing xmlns:dgm="http://schemas.openxmlformats.org/drawingml/2006/diagram" xmlns:dsp="http://schemas.microsoft.com/office/drawing/2008/diagram" xmlns:a="http://schemas.openxmlformats.org/drawingml/2006/main">
+  <dsp:spTree>
+    <dsp:nvGrpSpPr>
+      <dsp:cNvPr id="0" name=""/>
+      <dsp:cNvGrpSpPr/>
+    </dsp:nvGrpSpPr>
+    <dsp:grpSpPr/>
+    <dsp:sp modelId="{FF05EC19-9CBB-4D05-8C94-0B538C585BC0}">
+      <dsp:nvSpPr>
+        <dsp:cNvPr id="0" name=""/>
+        <dsp:cNvSpPr/>
+      </dsp:nvSpPr>
+      <dsp:spPr>
+        <a:xfrm>
+          <a:off x="352524" y="-9605"/>
+          <a:ext cx="2339975" cy="2339975"/>
+        </a:xfrm>
+        <a:prstGeom prst="circularArrow">
+          <a:avLst>
+            <a:gd name="adj1" fmla="val 5544"/>
+            <a:gd name="adj2" fmla="val 330680"/>
+            <a:gd name="adj3" fmla="val 13983361"/>
+            <a:gd name="adj4" fmla="val 17260971"/>
+            <a:gd name="adj5" fmla="val 5757"/>
+          </a:avLst>
+        </a:prstGeom>
+        <a:solidFill>
+          <a:schemeClr val="accent1">
+            <a:tint val="40000"/>
+            <a:hueOff val="0"/>
+            <a:satOff val="0"/>
+            <a:lumOff val="0"/>
+            <a:alphaOff val="0"/>
+          </a:schemeClr>
+        </a:solidFill>
+        <a:ln>
+          <a:noFill/>
+        </a:ln>
+        <a:effectLst/>
+      </dsp:spPr>
+      <dsp:style>
+        <a:lnRef idx="0">
+          <a:scrgbClr r="0" g="0" b="0"/>
+        </a:lnRef>
+        <a:fillRef idx="1">
+          <a:scrgbClr r="0" g="0" b="0"/>
+        </a:fillRef>
+        <a:effectRef idx="0">
+          <a:scrgbClr r="0" g="0" b="0"/>
+        </a:effectRef>
+        <a:fontRef idx="minor"/>
+      </dsp:style>
+    </dsp:sp>
+    <dsp:sp modelId="{3C6E4344-2BAF-46B1-911F-87EF0AA480F4}">
+      <dsp:nvSpPr>
+        <dsp:cNvPr id="0" name=""/>
+        <dsp:cNvSpPr/>
+      </dsp:nvSpPr>
+      <dsp:spPr>
+        <a:xfrm>
+          <a:off x="1024424" y="910"/>
+          <a:ext cx="996174" cy="498087"/>
+        </a:xfrm>
+        <a:prstGeom prst="roundRect">
+          <a:avLst/>
+        </a:prstGeom>
+        <a:solidFill>
+          <a:schemeClr val="accent1">
+            <a:hueOff val="0"/>
+            <a:satOff val="0"/>
+            <a:lumOff val="0"/>
+            <a:alphaOff val="0"/>
+          </a:schemeClr>
+        </a:solidFill>
+        <a:ln w="25400" cap="flat" cmpd="sng" algn="ctr">
+          <a:solidFill>
+            <a:schemeClr val="lt1">
+              <a:hueOff val="0"/>
+              <a:satOff val="0"/>
+              <a:lumOff val="0"/>
+              <a:alphaOff val="0"/>
+            </a:schemeClr>
+          </a:solidFill>
+          <a:prstDash val="solid"/>
+        </a:ln>
+        <a:effectLst/>
+      </dsp:spPr>
+      <dsp:style>
+        <a:lnRef idx="2">
+          <a:scrgbClr r="0" g="0" b="0"/>
+        </a:lnRef>
+        <a:fillRef idx="1">
+          <a:scrgbClr r="0" g="0" b="0"/>
+        </a:fillRef>
+        <a:effectRef idx="0">
+          <a:scrgbClr r="0" g="0" b="0"/>
+        </a:effectRef>
+        <a:fontRef idx="minor">
+          <a:schemeClr val="lt1"/>
+        </a:fontRef>
+      </dsp:style>
+      <dsp:txBody>
+        <a:bodyPr spcFirstLastPara="0" vert="horz" wrap="square" lIns="45720" tIns="45720" rIns="45720" bIns="45720" numCol="1" spcCol="1270" anchor="ctr" anchorCtr="0">
+          <a:noAutofit/>
+        </a:bodyPr>
+        <a:lstStyle/>
+        <a:p>
+          <a:pPr marL="0" lvl="0" indent="0" algn="ctr" defTabSz="533400">
+            <a:lnSpc>
+              <a:spcPct val="90000"/>
+            </a:lnSpc>
+            <a:spcBef>
+              <a:spcPct val="0"/>
+            </a:spcBef>
+            <a:spcAft>
+              <a:spcPct val="35000"/>
+            </a:spcAft>
+            <a:buNone/>
+          </a:pPr>
+          <a:r>
+            <a:rPr lang="en-US" sz="1200" kern="1200" dirty="0"/>
+            <a:t>Level start</a:t>
+          </a:r>
+        </a:p>
+      </dsp:txBody>
+      <dsp:txXfrm>
+        <a:off x="1048739" y="25225"/>
+        <a:ext cx="947544" cy="449457"/>
+      </dsp:txXfrm>
+    </dsp:sp>
+    <dsp:sp modelId="{DB507643-5CAC-4102-80BD-5451C0BDAB27}">
+      <dsp:nvSpPr>
+        <dsp:cNvPr id="0" name=""/>
+        <dsp:cNvSpPr/>
+      </dsp:nvSpPr>
+      <dsp:spPr>
+        <a:xfrm>
+          <a:off x="1973443" y="690413"/>
+          <a:ext cx="996174" cy="498087"/>
+        </a:xfrm>
+        <a:prstGeom prst="roundRect">
+          <a:avLst/>
+        </a:prstGeom>
+        <a:solidFill>
+          <a:schemeClr val="accent1">
+            <a:hueOff val="0"/>
+            <a:satOff val="0"/>
+            <a:lumOff val="0"/>
+            <a:alphaOff val="0"/>
+          </a:schemeClr>
+        </a:solidFill>
+        <a:ln w="25400" cap="flat" cmpd="sng" algn="ctr">
+          <a:solidFill>
+            <a:schemeClr val="lt1">
+              <a:hueOff val="0"/>
+              <a:satOff val="0"/>
+              <a:lumOff val="0"/>
+              <a:alphaOff val="0"/>
+            </a:schemeClr>
+          </a:solidFill>
+          <a:prstDash val="solid"/>
+        </a:ln>
+        <a:effectLst/>
+      </dsp:spPr>
+      <dsp:style>
+        <a:lnRef idx="2">
+          <a:scrgbClr r="0" g="0" b="0"/>
+        </a:lnRef>
+        <a:fillRef idx="1">
+          <a:scrgbClr r="0" g="0" b="0"/>
+        </a:fillRef>
+        <a:effectRef idx="0">
+          <a:scrgbClr r="0" g="0" b="0"/>
+        </a:effectRef>
+        <a:fontRef idx="minor">
+          <a:schemeClr val="lt1"/>
+        </a:fontRef>
+      </dsp:style>
+      <dsp:txBody>
+        <a:bodyPr spcFirstLastPara="0" vert="horz" wrap="square" lIns="45720" tIns="45720" rIns="45720" bIns="45720" numCol="1" spcCol="1270" anchor="ctr" anchorCtr="0">
+          <a:noAutofit/>
+        </a:bodyPr>
+        <a:lstStyle/>
+        <a:p>
+          <a:pPr marL="0" lvl="0" indent="0" algn="ctr" defTabSz="533400">
+            <a:lnSpc>
+              <a:spcPct val="90000"/>
+            </a:lnSpc>
+            <a:spcBef>
+              <a:spcPct val="0"/>
+            </a:spcBef>
+            <a:spcAft>
+              <a:spcPct val="35000"/>
+            </a:spcAft>
+            <a:buNone/>
+          </a:pPr>
+          <a:r>
+            <a:rPr lang="en-US" sz="1200" kern="1200" dirty="0"/>
+            <a:t>Swap tiles</a:t>
+          </a:r>
+        </a:p>
+      </dsp:txBody>
+      <dsp:txXfrm>
+        <a:off x="1997758" y="714728"/>
+        <a:ext cx="947544" cy="449457"/>
+      </dsp:txXfrm>
+    </dsp:sp>
+    <dsp:sp modelId="{E1F9D6A7-F885-4940-85EE-CC68623E32C0}">
+      <dsp:nvSpPr>
+        <dsp:cNvPr id="0" name=""/>
+        <dsp:cNvSpPr/>
+      </dsp:nvSpPr>
+      <dsp:spPr>
+        <a:xfrm>
+          <a:off x="1610950" y="1806051"/>
+          <a:ext cx="996174" cy="498087"/>
+        </a:xfrm>
+        <a:prstGeom prst="roundRect">
+          <a:avLst/>
+        </a:prstGeom>
+        <a:solidFill>
+          <a:schemeClr val="accent1">
+            <a:hueOff val="0"/>
+            <a:satOff val="0"/>
+            <a:lumOff val="0"/>
+            <a:alphaOff val="0"/>
+          </a:schemeClr>
+        </a:solidFill>
+        <a:ln w="25400" cap="flat" cmpd="sng" algn="ctr">
+          <a:solidFill>
+            <a:schemeClr val="lt1">
+              <a:hueOff val="0"/>
+              <a:satOff val="0"/>
+              <a:lumOff val="0"/>
+              <a:alphaOff val="0"/>
+            </a:schemeClr>
+          </a:solidFill>
+          <a:prstDash val="solid"/>
+        </a:ln>
+        <a:effectLst/>
+      </dsp:spPr>
+      <dsp:style>
+        <a:lnRef idx="2">
+          <a:scrgbClr r="0" g="0" b="0"/>
+        </a:lnRef>
+        <a:fillRef idx="1">
+          <a:scrgbClr r="0" g="0" b="0"/>
+        </a:fillRef>
+        <a:effectRef idx="0">
+          <a:scrgbClr r="0" g="0" b="0"/>
+        </a:effectRef>
+        <a:fontRef idx="minor">
+          <a:schemeClr val="lt1"/>
+        </a:fontRef>
+      </dsp:style>
+      <dsp:txBody>
+        <a:bodyPr spcFirstLastPara="0" vert="horz" wrap="square" lIns="45720" tIns="45720" rIns="45720" bIns="45720" numCol="1" spcCol="1270" anchor="ctr" anchorCtr="0">
+          <a:noAutofit/>
+        </a:bodyPr>
+        <a:lstStyle/>
+        <a:p>
+          <a:pPr marL="0" lvl="0" indent="0" algn="ctr" defTabSz="533400">
+            <a:lnSpc>
+              <a:spcPct val="90000"/>
+            </a:lnSpc>
+            <a:spcBef>
+              <a:spcPct val="0"/>
+            </a:spcBef>
+            <a:spcAft>
+              <a:spcPct val="35000"/>
+            </a:spcAft>
+            <a:buNone/>
+          </a:pPr>
+          <a:r>
+            <a:rPr lang="en-US" sz="1200" kern="1200" dirty="0"/>
+            <a:t>Complete level</a:t>
+          </a:r>
+        </a:p>
+      </dsp:txBody>
+      <dsp:txXfrm>
+        <a:off x="1635265" y="1830366"/>
+        <a:ext cx="947544" cy="449457"/>
+      </dsp:txXfrm>
+    </dsp:sp>
+    <dsp:sp modelId="{4014C1D2-8AB8-4015-9781-85BB5DD161EC}">
+      <dsp:nvSpPr>
+        <dsp:cNvPr id="0" name=""/>
+        <dsp:cNvSpPr/>
+      </dsp:nvSpPr>
+      <dsp:spPr>
+        <a:xfrm>
+          <a:off x="437898" y="1806051"/>
+          <a:ext cx="996174" cy="498087"/>
+        </a:xfrm>
+        <a:prstGeom prst="roundRect">
+          <a:avLst/>
+        </a:prstGeom>
+        <a:solidFill>
+          <a:schemeClr val="accent1">
+            <a:hueOff val="0"/>
+            <a:satOff val="0"/>
+            <a:lumOff val="0"/>
+            <a:alphaOff val="0"/>
+          </a:schemeClr>
+        </a:solidFill>
+        <a:ln w="25400" cap="flat" cmpd="sng" algn="ctr">
+          <a:solidFill>
+            <a:schemeClr val="lt1">
+              <a:hueOff val="0"/>
+              <a:satOff val="0"/>
+              <a:lumOff val="0"/>
+              <a:alphaOff val="0"/>
+            </a:schemeClr>
+          </a:solidFill>
+          <a:prstDash val="solid"/>
+        </a:ln>
+        <a:effectLst/>
+      </dsp:spPr>
+      <dsp:style>
+        <a:lnRef idx="2">
+          <a:scrgbClr r="0" g="0" b="0"/>
+        </a:lnRef>
+        <a:fillRef idx="1">
+          <a:scrgbClr r="0" g="0" b="0"/>
+        </a:fillRef>
+        <a:effectRef idx="0">
+          <a:scrgbClr r="0" g="0" b="0"/>
+        </a:effectRef>
+        <a:fontRef idx="minor">
+          <a:schemeClr val="lt1"/>
+        </a:fontRef>
+      </dsp:style>
+      <dsp:txBody>
+        <a:bodyPr spcFirstLastPara="0" vert="horz" wrap="square" lIns="45720" tIns="45720" rIns="45720" bIns="45720" numCol="1" spcCol="1270" anchor="ctr" anchorCtr="0">
+          <a:noAutofit/>
+        </a:bodyPr>
+        <a:lstStyle/>
+        <a:p>
+          <a:pPr marL="0" lvl="0" indent="0" algn="ctr" defTabSz="533400">
+            <a:lnSpc>
+              <a:spcPct val="90000"/>
+            </a:lnSpc>
+            <a:spcBef>
+              <a:spcPct val="0"/>
+            </a:spcBef>
+            <a:spcAft>
+              <a:spcPct val="35000"/>
+            </a:spcAft>
+            <a:buNone/>
+          </a:pPr>
+          <a:endParaRPr lang="en-US" sz="1200" kern="1200"/>
+        </a:p>
+      </dsp:txBody>
+      <dsp:txXfrm>
+        <a:off x="462213" y="1830366"/>
+        <a:ext cx="947544" cy="449457"/>
+      </dsp:txXfrm>
+    </dsp:sp>
+    <dsp:sp modelId="{B88FAB91-651E-4A3F-81D1-658D94468009}">
+      <dsp:nvSpPr>
+        <dsp:cNvPr id="0" name=""/>
+        <dsp:cNvSpPr/>
+      </dsp:nvSpPr>
+      <dsp:spPr>
+        <a:xfrm>
+          <a:off x="75405" y="690413"/>
+          <a:ext cx="996174" cy="498087"/>
+        </a:xfrm>
+        <a:prstGeom prst="roundRect">
+          <a:avLst/>
+        </a:prstGeom>
+        <a:solidFill>
+          <a:schemeClr val="accent1">
+            <a:hueOff val="0"/>
+            <a:satOff val="0"/>
+            <a:lumOff val="0"/>
+            <a:alphaOff val="0"/>
+          </a:schemeClr>
+        </a:solidFill>
+        <a:ln w="25400" cap="flat" cmpd="sng" algn="ctr">
+          <a:solidFill>
+            <a:schemeClr val="lt1">
+              <a:hueOff val="0"/>
+              <a:satOff val="0"/>
+              <a:lumOff val="0"/>
+              <a:alphaOff val="0"/>
+            </a:schemeClr>
+          </a:solidFill>
+          <a:prstDash val="solid"/>
+        </a:ln>
+        <a:effectLst/>
+      </dsp:spPr>
+      <dsp:style>
+        <a:lnRef idx="2">
+          <a:scrgbClr r="0" g="0" b="0"/>
+        </a:lnRef>
+        <a:fillRef idx="1">
+          <a:scrgbClr r="0" g="0" b="0"/>
+        </a:fillRef>
+        <a:effectRef idx="0">
+          <a:scrgbClr r="0" g="0" b="0"/>
+        </a:effectRef>
+        <a:fontRef idx="minor">
+          <a:schemeClr val="lt1"/>
+        </a:fontRef>
+      </dsp:style>
+      <dsp:txBody>
+        <a:bodyPr spcFirstLastPara="0" vert="horz" wrap="square" lIns="45720" tIns="45720" rIns="45720" bIns="45720" numCol="1" spcCol="1270" anchor="ctr" anchorCtr="0">
+          <a:noAutofit/>
+        </a:bodyPr>
+        <a:lstStyle/>
+        <a:p>
+          <a:pPr marL="0" lvl="0" indent="0" algn="ctr" defTabSz="533400">
+            <a:lnSpc>
+              <a:spcPct val="90000"/>
+            </a:lnSpc>
+            <a:spcBef>
+              <a:spcPct val="0"/>
+            </a:spcBef>
+            <a:spcAft>
+              <a:spcPct val="35000"/>
+            </a:spcAft>
+            <a:buNone/>
+          </a:pPr>
+          <a:endParaRPr lang="en-US" sz="1200" kern="1200"/>
+        </a:p>
+      </dsp:txBody>
+      <dsp:txXfrm>
+        <a:off x="99720" y="714728"/>
+        <a:ext cx="947544" cy="449457"/>
+      </dsp:txXfrm>
+    </dsp:sp>
+  </dsp:spTree>
+</dsp:drawing>
+</file>
+
+<file path=ppt/diagrams/layout1.xml><?xml version="1.0" encoding="utf-8"?>
+<dgm:layoutDef xmlns:dgm="http://schemas.openxmlformats.org/drawingml/2006/diagram" xmlns:a="http://schemas.openxmlformats.org/drawingml/2006/main" uniqueId="urn:microsoft.com/office/officeart/2005/8/layout/cycle3">
+  <dgm:title val=""/>
+  <dgm:desc val=""/>
+  <dgm:catLst>
+    <dgm:cat type="cycle" pri="5000"/>
+  </dgm:catLst>
+  <dgm:sampData>
+    <dgm:dataModel>
+      <dgm:ptLst>
+        <dgm:pt modelId="0" type="doc"/>
+        <dgm:pt modelId="1">
+          <dgm:prSet phldr="1"/>
+        </dgm:pt>
+        <dgm:pt modelId="2">
+          <dgm:prSet phldr="1"/>
+        </dgm:pt>
+        <dgm:pt modelId="3">
+          <dgm:prSet phldr="1"/>
+        </dgm:pt>
+        <dgm:pt modelId="4">
+          <dgm:prSet phldr="1"/>
+        </dgm:pt>
+        <dgm:pt modelId="5">
+          <dgm:prSet phldr="1"/>
+        </dgm:pt>
+      </dgm:ptLst>
+      <dgm:cxnLst>
+        <dgm:cxn modelId="6" srcId="0" destId="1" srcOrd="0" destOrd="0"/>
+        <dgm:cxn modelId="7" srcId="0" destId="2" srcOrd="1" destOrd="0"/>
+        <dgm:cxn modelId="8" srcId="0" destId="3" srcOrd="2" destOrd="0"/>
+        <dgm:cxn modelId="9" srcId="0" destId="4" srcOrd="3" destOrd="0"/>
+        <dgm:cxn modelId="10" srcId="0" destId="5" srcOrd="4" destOrd="0"/>
+      </dgm:cxnLst>
+      <dgm:bg/>
+      <dgm:whole/>
+    </dgm:dataModel>
+  </dgm:sampData>
+  <dgm:styleData>
+    <dgm:dataModel>
+      <dgm:ptLst>
+        <dgm:pt modelId="0" type="doc"/>
+        <dgm:pt modelId="1"/>
+        <dgm:pt modelId="2"/>
+        <dgm:pt modelId="3"/>
+      </dgm:ptLst>
+      <dgm:cxnLst>
+        <dgm:cxn modelId="4" srcId="0" destId="1" srcOrd="0" destOrd="0"/>
+        <dgm:cxn modelId="5" srcId="0" destId="2" srcOrd="1" destOrd="0"/>
+        <dgm:cxn modelId="6" srcId="0" destId="3" srcOrd="2" destOrd="0"/>
+      </dgm:cxnLst>
+      <dgm:bg/>
+      <dgm:whole/>
+    </dgm:dataModel>
+  </dgm:styleData>
+  <dgm:clrData>
+    <dgm:dataModel>
+      <dgm:ptLst>
+        <dgm:pt modelId="0" type="doc"/>
+        <dgm:pt modelId="1"/>
+        <dgm:pt modelId="2"/>
+        <dgm:pt modelId="3"/>
+        <dgm:pt modelId="4"/>
+        <dgm:pt modelId="5"/>
+        <dgm:pt modelId="6"/>
+      </dgm:ptLst>
+      <dgm:cxnLst>
+        <dgm:cxn modelId="7" srcId="0" destId="1" srcOrd="0" destOrd="0"/>
+        <dgm:cxn modelId="8" srcId="0" destId="2" srcOrd="1" destOrd="0"/>
+        <dgm:cxn modelId="9" srcId="0" destId="3" srcOrd="2" destOrd="0"/>
+        <dgm:cxn modelId="10" srcId="0" destId="4" srcOrd="3" destOrd="0"/>
+        <dgm:cxn modelId="11" srcId="0" destId="5" srcOrd="4" destOrd="0"/>
+        <dgm:cxn modelId="12" srcId="0" destId="6" srcOrd="5" destOrd="0"/>
+      </dgm:cxnLst>
+      <dgm:bg/>
+      <dgm:whole/>
+    </dgm:dataModel>
+  </dgm:clrData>
+  <dgm:layoutNode name="Name0">
+    <dgm:varLst>
+      <dgm:dir/>
+      <dgm:resizeHandles val="exact"/>
+    </dgm:varLst>
+    <dgm:choose name="Name1">
+      <dgm:if name="Name2" axis="ch" ptType="node" func="cnt" op="equ" val="2">
+        <dgm:alg type="composite">
+          <dgm:param type="ar" val="0.9"/>
+        </dgm:alg>
+        <dgm:shape xmlns:r="http://schemas.openxmlformats.org/officeDocument/2006/relationships" r:blip="">
+          <dgm:adjLst/>
+        </dgm:shape>
+        <dgm:presOf/>
+        <dgm:constrLst>
+          <dgm:constr type="primFontSz" for="ch" ptType="node" op="equ" val="65"/>
+          <dgm:constr type="ctrX" for="ch" forName="node1" refType="w" fact="0.5"/>
+          <dgm:constr type="t" for="ch" forName="node1"/>
+          <dgm:constr type="w" for="ch" forName="node1" refType="w" fact="0.8"/>
+          <dgm:constr type="h" for="ch" forName="node1" refType="w" refFor="ch" refForName="node1" fact="0.5"/>
+          <dgm:constr type="ctrX" for="ch" forName="sibTrans" refType="w" fact="0.5"/>
+          <dgm:constr type="t" for="ch" forName="sibTrans"/>
+          <dgm:constr type="w" for="ch" forName="sibTrans" refType="w" fact="0.8"/>
+          <dgm:constr type="h" for="ch" forName="sibTrans" refType="w" refFor="ch" refForName="node1" fact="0.5"/>
+          <dgm:constr type="userA" for="ch" forName="sibTrans" refType="w" fact="1.07"/>
+          <dgm:constr type="ctrX" for="ch" forName="node2" refType="w" fact="0.5"/>
+          <dgm:constr type="b" for="ch" forName="node2" refType="h"/>
+          <dgm:constr type="w" for="ch" forName="node2" refType="w" fact="0.8"/>
+          <dgm:constr type="h" for="ch" forName="node2" refType="w" refFor="ch" refForName="node1" fact="0.5"/>
+          <dgm:constr type="l" for="ch" forName="sp1"/>
+          <dgm:constr type="t" for="ch" forName="sp1" refType="h" fact="0.5"/>
+          <dgm:constr type="w" for="ch" forName="sp1" val="1"/>
+          <dgm:constr type="h" for="ch" forName="sp1" val="1"/>
+          <dgm:constr type="r" for="ch" forName="sp2" refType="w"/>
+          <dgm:constr type="t" for="ch" forName="sp2" refType="h" fact="0.5"/>
+          <dgm:constr type="w" for="ch" forName="sp2" val="1"/>
+          <dgm:constr type="h" for="ch" forName="sp2" val="1"/>
+        </dgm:constrLst>
+        <dgm:ruleLst/>
+      </dgm:if>
+      <dgm:else name="Name3">
+        <dgm:alg type="composite"/>
+        <dgm:shape xmlns:r="http://schemas.openxmlformats.org/officeDocument/2006/relationships" r:blip="">
+          <dgm:adjLst/>
+        </dgm:shape>
+        <dgm:presOf/>
+        <dgm:constrLst>
+          <dgm:constr type="primFontSz" for="ch" ptType="node" op="equ" val="65"/>
+        </dgm:constrLst>
+        <dgm:ruleLst/>
+      </dgm:else>
+    </dgm:choose>
+    <dgm:choose name="Name4">
+      <dgm:if name="Name5" axis="ch" ptType="node" func="cnt" op="equ" val="2">
+        <dgm:layoutNode name="node1">
+          <dgm:varLst>
+            <dgm:bulletEnabled val="1"/>
+          </dgm:varLst>
+          <dgm:alg type="tx"/>
+          <dgm:shape xmlns:r="http://schemas.openxmlformats.org/officeDocument/2006/relationships" type="roundRect" r:blip="">
+            <dgm:adjLst/>
+          </dgm:shape>
+          <dgm:presOf axis="ch desOrSelf" ptType="node node" st="1 1" cnt="1 0"/>
+          <dgm:constrLst>
+            <dgm:constr type="tMarg" refType="primFontSz" fact="0.3"/>
+            <dgm:constr type="bMarg" refType="primFontSz" fact="0.3"/>
+            <dgm:constr type="lMarg" refType="primFontSz" fact="0.3"/>
+            <dgm:constr type="rMarg" refType="primFontSz" fact="0.3"/>
+          </dgm:constrLst>
+          <dgm:ruleLst>
+            <dgm:rule type="primFontSz" val="5" fact="NaN" max="NaN"/>
+          </dgm:ruleLst>
+        </dgm:layoutNode>
+        <dgm:layoutNode name="sibTrans" styleLbl="bgShp">
+          <dgm:choose name="Name6">
+            <dgm:if name="Name7" func="var" arg="dir" op="equ" val="norm">
+              <dgm:alg type="conn">
+                <dgm:param type="connRout" val="longCurve"/>
+                <dgm:param type="begPts" val="midR"/>
+                <dgm:param type="endPts" val="midL"/>
+                <dgm:param type="dstNode" val="node1"/>
+              </dgm:alg>
+              <dgm:shape xmlns:r="http://schemas.openxmlformats.org/officeDocument/2006/relationships" type="conn" r:blip="" zOrderOff="-2">
+                <dgm:adjLst/>
+              </dgm:shape>
+              <dgm:presOf axis="ch" ptType="sibTrans"/>
+              <dgm:constrLst>
+                <dgm:constr type="userA"/>
+                <dgm:constr type="diam" refType="userA" fact="-1"/>
+                <dgm:constr type="wArH" refType="userA" fact="0.05"/>
+                <dgm:constr type="hArH" refType="userA" fact="0.1"/>
+                <dgm:constr type="stemThick" refType="userA" fact="0.06"/>
+                <dgm:constr type="begPad" refType="connDist" fact="-0.2"/>
+                <dgm:constr type="endPad" refType="connDist" fact="0.05"/>
+              </dgm:constrLst>
+            </dgm:if>
+            <dgm:else name="Name8">
+              <dgm:alg type="conn">
+                <dgm:param type="connRout" val="longCurve"/>
+                <dgm:param type="begPts" val="midL"/>
+                <dgm:param type="endPts" val="midR"/>
+                <dgm:param type="dstNode" val="node1"/>
+              </dgm:alg>
+              <dgm:shape xmlns:r="http://schemas.openxmlformats.org/officeDocument/2006/relationships" type="conn" r:blip="" zOrderOff="-2">
+                <dgm:adjLst/>
+              </dgm:shape>
+              <dgm:presOf axis="ch" ptType="sibTrans"/>
+              <dgm:constrLst>
+                <dgm:constr type="userA"/>
+                <dgm:constr type="diam" refType="userA"/>
+                <dgm:constr type="wArH" refType="userA" fact="0.05"/>
+                <dgm:constr type="hArH" refType="userA" fact="0.1"/>
+                <dgm:constr type="stemThick" refType="userA" fact="0.06"/>
+                <dgm:constr type="begPad" refType="connDist" fact="-0.2"/>
+                <dgm:constr type="endPad" refType="connDist" fact="0.05"/>
+              </dgm:constrLst>
+            </dgm:else>
+          </dgm:choose>
+          <dgm:ruleLst/>
+        </dgm:layoutNode>
+        <dgm:layoutNode name="node2">
+          <dgm:varLst>
+            <dgm:bulletEnabled val="1"/>
+          </dgm:varLst>
+          <dgm:alg type="tx"/>
+          <dgm:shape xmlns:r="http://schemas.openxmlformats.org/officeDocument/2006/relationships" type="roundRect" r:blip="">
+            <dgm:adjLst/>
+          </dgm:shape>
+          <dgm:presOf axis="ch desOrSelf" ptType="node node" st="2 1" cnt="1 0"/>
+          <dgm:constrLst>
+            <dgm:constr type="tMarg" refType="primFontSz" fact="0.3"/>
+            <dgm:constr type="bMarg" refType="primFontSz" fact="0.3"/>
+            <dgm:constr type="lMarg" refType="primFontSz" fact="0.3"/>
+            <dgm:constr type="rMarg" refType="primFontSz" fact="0.3"/>
+          </dgm:constrLst>
+          <dgm:ruleLst>
+            <dgm:rule type="primFontSz" val="5" fact="NaN" max="NaN"/>
+          </dgm:ruleLst>
+        </dgm:layoutNode>
+        <dgm:layoutNode name="sp1">
+          <dgm:alg type="sp"/>
+          <dgm:shape xmlns:r="http://schemas.openxmlformats.org/officeDocument/2006/relationships" r:blip="">
+            <dgm:adjLst/>
+          </dgm:shape>
+          <dgm:presOf/>
+          <dgm:constrLst/>
+          <dgm:ruleLst/>
+        </dgm:layoutNode>
+        <dgm:layoutNode name="sp2">
+          <dgm:alg type="sp"/>
+          <dgm:shape xmlns:r="http://schemas.openxmlformats.org/officeDocument/2006/relationships" r:blip="">
+            <dgm:adjLst/>
+          </dgm:shape>
+          <dgm:presOf/>
+          <dgm:constrLst/>
+          <dgm:ruleLst/>
+        </dgm:layoutNode>
+      </dgm:if>
+      <dgm:else name="Name9">
+        <dgm:layoutNode name="cycle">
+          <dgm:choose name="Name10">
+            <dgm:if name="Name11" func="var" arg="dir" op="equ" val="norm">
+              <dgm:alg type="cycle">
+                <dgm:param type="stAng" val="0"/>
+                <dgm:param type="spanAng" val="360"/>
+              </dgm:alg>
+              <dgm:shape xmlns:r="http://schemas.openxmlformats.org/officeDocument/2006/relationships" r:blip="">
+                <dgm:adjLst/>
+              </dgm:shape>
+              <dgm:presOf/>
+              <dgm:constrLst>
+                <dgm:constr type="diam" refType="w"/>
+                <dgm:constr type="w" for="ch" ptType="node" refType="w"/>
+                <dgm:constr type="sibSp" val="15"/>
+                <dgm:constr type="userA" for="ch" ptType="sibTrans" refType="diam" op="equ" fact="-1"/>
+                <dgm:constr type="wArH" for="ch" ptType="sibTrans" refType="diam" op="equ" fact="0.05"/>
+                <dgm:constr type="hArH" for="ch" ptType="sibTrans" refType="diam" op="equ" fact="0.1"/>
+                <dgm:constr type="stemThick" for="ch" ptType="sibTrans" refType="diam" op="equ" fact="0.065"/>
+                <dgm:constr type="primFontSz" for="ch" ptType="node" op="equ"/>
+              </dgm:constrLst>
+            </dgm:if>
+            <dgm:else name="Name12">
+              <dgm:alg type="cycle">
+                <dgm:param type="stAng" val="0"/>
+                <dgm:param type="spanAng" val="-360"/>
+              </dgm:alg>
+              <dgm:shape xmlns:r="http://schemas.openxmlformats.org/officeDocument/2006/relationships" r:blip="">
+                <dgm:adjLst/>
+              </dgm:shape>
+              <dgm:presOf/>
+              <dgm:constrLst>
+                <dgm:constr type="diam" refType="w"/>
+                <dgm:constr type="w" for="ch" ptType="node" refType="w"/>
+                <dgm:constr type="sibSp" val="15"/>
+                <dgm:constr type="userA" for="ch" ptType="sibTrans" refType="diam" op="equ"/>
+                <dgm:constr type="wArH" for="ch" ptType="sibTrans" refType="diam" op="equ" fact="0.05"/>
+                <dgm:constr type="hArH" for="ch" ptType="sibTrans" refType="diam" op="equ" fact="0.1"/>
+                <dgm:constr type="stemThick" for="ch" ptType="sibTrans" refType="diam" op="equ" fact="0.065"/>
+                <dgm:constr type="primFontSz" for="ch" ptType="node" op="equ"/>
+              </dgm:constrLst>
+            </dgm:else>
+          </dgm:choose>
+          <dgm:ruleLst/>
+          <dgm:forEach name="nodesFirstNodeForEach" axis="ch" ptType="node" cnt="1">
+            <dgm:layoutNode name="nodeFirstNode">
+              <dgm:varLst>
+                <dgm:bulletEnabled val="1"/>
+              </dgm:varLst>
+              <dgm:alg type="tx"/>
+              <dgm:shape xmlns:r="http://schemas.openxmlformats.org/officeDocument/2006/relationships" type="roundRect" r:blip="">
+                <dgm:adjLst/>
+              </dgm:shape>
+              <dgm:presOf axis="desOrSelf" ptType="node"/>
+              <dgm:constrLst>
+                <dgm:constr type="h" refType="w" fact="0.5"/>
+                <dgm:constr type="primFontSz" val="65"/>
+                <dgm:constr type="tMarg" refType="primFontSz" fact="0.3"/>
+                <dgm:constr type="bMarg" refType="primFontSz" fact="0.3"/>
+                <dgm:constr type="lMarg" refType="primFontSz" fact="0.3"/>
+                <dgm:constr type="rMarg" refType="primFontSz" fact="0.3"/>
+              </dgm:constrLst>
+              <dgm:ruleLst>
+                <dgm:rule type="primFontSz" val="5" fact="NaN" max="NaN"/>
+              </dgm:ruleLst>
+            </dgm:layoutNode>
+            <dgm:forEach name="sibTransForEach" axis="followSib" ptType="sibTrans" cnt="1">
+              <dgm:layoutNode name="sibTransFirstNode" styleLbl="bgShp">
+                <dgm:choose name="Name13">
+                  <dgm:if name="Name14" func="var" arg="dir" op="equ" val="norm">
+                    <dgm:alg type="conn">
+                      <dgm:param type="connRout" val="longCurve"/>
+                      <dgm:param type="begPts" val="midR"/>
+                      <dgm:param type="endPts" val="midL"/>
+                      <dgm:param type="dstNode" val="nodeFirstNode"/>
+                    </dgm:alg>
+                  </dgm:if>
+                  <dgm:else name="Name15">
+                    <dgm:alg type="conn">
+                      <dgm:param type="connRout" val="longCurve"/>
+                      <dgm:param type="begPts" val="midL"/>
+                      <dgm:param type="endPts" val="midR"/>
+                      <dgm:param type="dstNode" val="nodeFirstNode"/>
+                    </dgm:alg>
+                  </dgm:else>
+                </dgm:choose>
+                <dgm:shape xmlns:r="http://schemas.openxmlformats.org/officeDocument/2006/relationships" type="conn" r:blip="" zOrderOff="-2">
+                  <dgm:adjLst/>
+                </dgm:shape>
+                <dgm:presOf axis="self"/>
+                <dgm:choose name="Name16">
+                  <dgm:if name="Name17" axis="par ch" ptType="doc node" func="cnt" op="equ" val="3">
+                    <dgm:constrLst>
+                      <dgm:constr type="userA"/>
+                      <dgm:constr type="diam" refType="userA" fact="1.01"/>
+                      <dgm:constr type="begPad" refType="connDist" fact="-0.2"/>
+                      <dgm:constr type="endPad" refType="connDist" fact="0.05"/>
+                    </dgm:constrLst>
+                  </dgm:if>
+                  <dgm:if name="Name18" axis="par ch" ptType="doc node" func="cnt" op="equ" val="4">
+                    <dgm:constrLst>
+                      <dgm:constr type="userA"/>
+                      <dgm:constr type="diam" refType="userA" fact="1.26"/>
+                      <dgm:constr type="begPad" refType="connDist" fact="-0.2"/>
+                      <dgm:constr type="endPad" refType="connDist" fact="0.05"/>
+                    </dgm:constrLst>
+                  </dgm:if>
+                  <dgm:if name="Name19" axis="par ch" ptType="doc node" func="cnt" op="equ" val="5">
+                    <dgm:constrLst>
+                      <dgm:constr type="userA"/>
+                      <dgm:constr type="diam" refType="userA" fact="1.04"/>
+                      <dgm:constr type="begPad" refType="connDist" fact="-0.2"/>
+                      <dgm:constr type="endPad" refType="connDist" fact="0.05"/>
+                    </dgm:constrLst>
+                  </dgm:if>
+                  <dgm:if name="Name20" axis="par ch" ptType="doc node" func="cnt" op="equ" val="6">
+                    <dgm:constrLst>
+                      <dgm:constr type="userA"/>
+                      <dgm:constr type="diam" refType="userA" fact="1.1"/>
+                      <dgm:constr type="begPad" refType="connDist" fact="-0.2"/>
+                      <dgm:constr type="endPad" refType="connDist" fact="0.05"/>
+                    </dgm:constrLst>
+                  </dgm:if>
+                  <dgm:else name="Name21">
+                    <dgm:constrLst>
+                      <dgm:constr type="userA"/>
+                      <dgm:constr type="diam" refType="userA" fact="1.04"/>
+                      <dgm:constr type="begPad" refType="connDist" fact="-0.2"/>
+                      <dgm:constr type="endPad" refType="connDist" fact="0.05"/>
+                    </dgm:constrLst>
+                  </dgm:else>
+                </dgm:choose>
+                <dgm:ruleLst/>
+              </dgm:layoutNode>
+            </dgm:forEach>
+          </dgm:forEach>
+          <dgm:forEach name="followingNodesForEach" axis="ch" ptType="node" st="2">
+            <dgm:layoutNode name="nodeFollowingNodes">
+              <dgm:varLst>
+                <dgm:bulletEnabled val="1"/>
+              </dgm:varLst>
+              <dgm:alg type="tx"/>
+              <dgm:shape xmlns:r="http://schemas.openxmlformats.org/officeDocument/2006/relationships" type="roundRect" r:blip="">
+                <dgm:adjLst/>
+              </dgm:shape>
+              <dgm:presOf axis="desOrSelf" ptType="node"/>
+              <dgm:constrLst>
+                <dgm:constr type="h" refType="w" fact="0.5"/>
+                <dgm:constr type="primFontSz" val="65"/>
+                <dgm:constr type="tMarg" refType="primFontSz" fact="0.3"/>
+                <dgm:constr type="bMarg" refType="primFontSz" fact="0.3"/>
+                <dgm:constr type="lMarg" refType="primFontSz" fact="0.3"/>
+                <dgm:constr type="rMarg" refType="primFontSz" fact="0.3"/>
+              </dgm:constrLst>
+              <dgm:ruleLst>
+                <dgm:rule type="primFontSz" val="5" fact="NaN" max="NaN"/>
+              </dgm:ruleLst>
+            </dgm:layoutNode>
+          </dgm:forEach>
+        </dgm:layoutNode>
+      </dgm:else>
+    </dgm:choose>
+  </dgm:layoutNode>
+</dgm:layoutDef>
+</file>
+
+<file path=ppt/diagrams/quickStyle1.xml><?xml version="1.0" encoding="utf-8"?>
+<dgm:styleDef xmlns:dgm="http://schemas.openxmlformats.org/drawingml/2006/diagram" xmlns:a="http://schemas.openxmlformats.org/drawingml/2006/main" uniqueId="urn:microsoft.com/office/officeart/2005/8/quickstyle/simple1">
+  <dgm:title val=""/>
+  <dgm:desc val=""/>
+  <dgm:catLst>
+    <dgm:cat type="simple" pri="10100"/>
+  </dgm:catLst>
+  <dgm:scene3d>
+    <a:camera prst="orthographicFront"/>
+    <a:lightRig rig="threePt" dir="t"/>
+  </dgm:scene3d>
+  <dgm:styleLbl name="node0">
+    <dgm:scene3d>
+      <a:camera prst="orthographicFront"/>
+      <a:lightRig rig="threePt" dir="t"/>
+    </dgm:scene3d>
+    <dgm:sp3d/>
+    <dgm:txPr/>
+    <dgm:style>
+      <a:lnRef idx="2">
+        <a:scrgbClr r="0" g="0" b="0"/>
+      </a:lnRef>
+      <a:fillRef idx="1">
+        <a:scrgbClr r="0" g="0" b="0"/>
+      </a:fillRef>
+      <a:effectRef idx="0">
+        <a:scrgbClr r="0" g="0" b="0"/>
+      </a:effectRef>
+      <a:fontRef idx="minor">
+        <a:schemeClr val="lt1"/>
+      </a:fontRef>
+    </dgm:style>
+  </dgm:styleLbl>
+  <dgm:styleLbl name="lnNode1">
+    <dgm:scene3d>
+      <a:camera prst="orthographicFront"/>
+      <a:lightRig rig="threePt" dir="t"/>
+    </dgm:scene3d>
+    <dgm:sp3d/>
+    <dgm:txPr/>
+    <dgm:style>
+      <a:lnRef idx="2">
+        <a:scrgbClr r="0" g="0" b="0"/>
+      </a:lnRef>
+      <a:fillRef idx="1">
+        <a:scrgbClr r="0" g="0" b="0"/>
+      </a:fillRef>
+      <a:effectRef idx="0">
+        <a:scrgbClr r="0" g="0" b="0"/>
+      </a:effectRef>
+      <a:fontRef idx="minor">
+        <a:schemeClr val="lt1"/>
+      </a:fontRef>
+    </dgm:style>
+  </dgm:styleLbl>
+  <dgm:styleLbl name="vennNode1">
+    <dgm:scene3d>
+      <a:camera prst="orthographicFront"/>
+      <a:lightRig rig="threePt" dir="t"/>
+    </dgm:scene3d>
+    <dgm:sp3d/>
+    <dgm:txPr/>
+    <dgm:style>
+      <a:lnRef idx="2">
+        <a:scrgbClr r="0" g="0" b="0"/>
+      </a:lnRef>
+      <a:fillRef idx="1">
+        <a:scrgbClr r="0" g="0" b="0"/>
+      </a:fillRef>
+      <a:effectRef idx="0">
+        <a:scrgbClr r="0" g="0" b="0"/>
+      </a:effectRef>
+      <a:fontRef idx="minor">
+        <a:schemeClr val="tx1"/>
+      </a:fontRef>
+    </dgm:style>
+  </dgm:styleLbl>
+  <dgm:styleLbl name="alignNode1">
+    <dgm:scene3d>
+      <a:camera prst="orthographicFront"/>
+      <a:lightRig rig="threePt" dir="t"/>
+    </dgm:scene3d>
+    <dgm:sp3d/>
+    <dgm:txPr/>
+    <dgm:style>
+      <a:lnRef idx="2">
+        <a:scrgbClr r="0" g="0" b="0"/>
+      </a:lnRef>
+      <a:fillRef idx="1">
+        <a:scrgbClr r="0" g="0" b="0"/>
+      </a:fillRef>
+      <a:effectRef idx="0">
+        <a:scrgbClr r="0" g="0" b="0"/>
+      </a:effectRef>
+      <a:fontRef idx="minor">
+        <a:schemeClr val="lt1"/>
+      </a:fontRef>
+    </dgm:style>
+  </dgm:styleLbl>
+  <dgm:styleLbl name="node1">
+    <dgm:scene3d>
+      <a:camera prst="orthographicFront"/>
+      <a:lightRig rig="threePt" dir="t"/>
+    </dgm:scene3d>
+    <dgm:sp3d/>
+    <dgm:txPr/>
+    <dgm:style>
+      <a:lnRef idx="2">
+        <a:scrgbClr r="0" g="0" b="0"/>
+      </a:lnRef>
+      <a:fillRef idx="1">
+        <a:scrgbClr r="0" g="0" b="0"/>
+      </a:fillRef>
+      <a:effectRef idx="0">
+        <a:scrgbClr r="0" g="0" b="0"/>
+      </a:effectRef>
+      <a:fontRef idx="minor">
+        <a:schemeClr val="lt1"/>
+      </a:fontRef>
+    </dgm:style>
+  </dgm:styleLbl>
+  <dgm:styleLbl name="node2">
+    <dgm:scene3d>
+      <a:camera prst="orthographicFront"/>
+      <a:lightRig rig="threePt" dir="t"/>
+    </dgm:scene3d>
+    <dgm:sp3d/>
+    <dgm:txPr/>
+    <dgm:style>
+      <a:lnRef idx="2">
+        <a:scrgbClr r="0" g="0" b="0"/>
+      </a:lnRef>
+      <a:fillRef idx="1">
+        <a:scrgbClr r="0" g="0" b="0"/>
+      </a:fillRef>
+      <a:effectRef idx="0">
+        <a:scrgbClr r="0" g="0" b="0"/>
+      </a:effectRef>
+      <a:fontRef idx="minor">
+        <a:schemeClr val="lt1"/>
+      </a:fontRef>
+    </dgm:style>
+  </dgm:styleLbl>
+  <dgm:styleLbl name="node3">
+    <dgm:scene3d>
+      <a:camera prst="orthographicFront"/>
+      <a:lightRig rig="threePt" dir="t"/>
+    </dgm:scene3d>
+    <dgm:sp3d/>
+    <dgm:txPr/>
+    <dgm:style>
+      <a:lnRef idx="2">
+        <a:scrgbClr r="0" g="0" b="0"/>
+      </a:lnRef>
+      <a:fillRef idx="1">
+        <a:scrgbClr r="0" g="0" b="0"/>
+      </a:fillRef>
+      <a:effectRef idx="0">
+        <a:scrgbClr r="0" g="0" b="0"/>
+      </a:effectRef>
+      <a:fontRef idx="minor">
+        <a:schemeClr val="lt1"/>
+      </a:fontRef>
+    </dgm:style>
+  </dgm:styleLbl>
+  <dgm:styleLbl name="node4">
+    <dgm:scene3d>
+      <a:camera prst="orthographicFront"/>
+      <a:lightRig rig="threePt" dir="t"/>
+    </dgm:scene3d>
+    <dgm:sp3d/>
+    <dgm:txPr/>
+    <dgm:style>
+      <a:lnRef idx="2">
+        <a:scrgbClr r="0" g="0" b="0"/>
+      </a:lnRef>
+      <a:fillRef idx="1">
+        <a:scrgbClr r="0" g="0" b="0"/>
+      </a:fillRef>
+      <a:effectRef idx="0">
+        <a:scrgbClr r="0" g="0" b="0"/>
+      </a:effectRef>
+      <a:fontRef idx="minor">
+        <a:schemeClr val="lt1"/>
+      </a:fontRef>
+    </dgm:style>
+  </dgm:styleLbl>
+  <dgm:styleLbl name="fgImgPlace1">
+    <dgm:scene3d>
+      <a:camera prst="orthographicFront"/>
+      <a:lightRig rig="threePt" dir="t"/>
+    </dgm:scene3d>
+    <dgm:sp3d/>
+    <dgm:txPr/>
+    <dgm:style>
+      <a:lnRef idx="2">
+        <a:scrgbClr r="0" g="0" b="0"/>
+      </a:lnRef>
+      <a:fillRef idx="1">
+        <a:scrgbClr r="0" g="0" b="0"/>
+      </a:fillRef>
+      <a:effectRef idx="0">
+        <a:scrgbClr r="0" g="0" b="0"/>
+      </a:effectRef>
+      <a:fontRef idx="minor"/>
+    </dgm:style>
+  </dgm:styleLbl>
+  <dgm:styleLbl name="alignImgPlace1">
+    <dgm:scene3d>
+      <a:camera prst="orthographicFront"/>
+      <a:lightRig rig="threePt" dir="t"/>
+    </dgm:scene3d>
+    <dgm:sp3d/>
+    <dgm:txPr/>
+    <dgm:style>
+      <a:lnRef idx="2">
+        <a:scrgbClr r="0" g="0" b="0"/>
+      </a:lnRef>
+      <a:fillRef idx="1">
+        <a:scrgbClr r="0" g="0" b="0"/>
+      </a:fillRef>
+      <a:effectRef idx="0">
+        <a:scrgbClr r="0" g="0" b="0"/>
+      </a:effectRef>
+      <a:fontRef idx="minor"/>
+    </dgm:style>
+  </dgm:styleLbl>
+  <dgm:styleLbl name="bgImgPlace1">
+    <dgm:scene3d>
+      <a:camera prst="orthographicFront"/>
+      <a:lightRig rig="threePt" dir="t"/>
+    </dgm:scene3d>
+    <dgm:sp3d/>
+    <dgm:txPr/>
+    <dgm:style>
+      <a:lnRef idx="2">
+        <a:scrgbClr r="0" g="0" b="0"/>
+      </a:lnRef>
+      <a:fillRef idx="1">
+        <a:scrgbClr r="0" g="0" b="0"/>
+      </a:fillRef>
+      <a:effectRef idx="0">
+        <a:scrgbClr r="0" g="0" b="0"/>
+      </a:effectRef>
+      <a:fontRef idx="minor"/>
+    </dgm:style>
+  </dgm:styleLbl>
+  <dgm:styleLbl name="sibTrans2D1">
+    <dgm:scene3d>
+      <a:camera prst="orthographicFront"/>
+      <a:lightRig rig="threePt" dir="t"/>
+    </dgm:scene3d>
+    <dgm:sp3d/>
+    <dgm:txPr/>
+    <dgm:style>
+      <a:lnRef idx="0">
+        <a:scrgbClr r="0" g="0" b="0"/>
+      </a:lnRef>
+      <a:fillRef idx="1">
+        <a:scrgbClr r="0" g="0" b="0"/>
+      </a:fillRef>
+      <a:effectRef idx="0">
+        <a:scrgbClr r="0" g="0" b="0"/>
+      </a:effectRef>
+      <a:fontRef idx="minor">
+        <a:schemeClr val="lt1"/>
+      </a:fontRef>
+    </dgm:style>
+  </dgm:styleLbl>
+  <dgm:styleLbl name="fgSibTrans2D1">
+    <dgm:scene3d>
+      <a:camera prst="orthographicFront"/>
+      <a:lightRig rig="threePt" dir="t"/>
+    </dgm:scene3d>
+    <dgm:sp3d/>
+    <dgm:txPr/>
+    <dgm:style>
+      <a:lnRef idx="0">
+        <a:scrgbClr r="0" g="0" b="0"/>
+      </a:lnRef>
+      <a:fillRef idx="1">
+        <a:scrgbClr r="0" g="0" b="0"/>
+      </a:fillRef>
+      <a:effectRef idx="0">
+        <a:scrgbClr r="0" g="0" b="0"/>
+      </a:effectRef>
+      <a:fontRef idx="minor">
+        <a:schemeClr val="lt1"/>
+      </a:fontRef>
+    </dgm:style>
+  </dgm:styleLbl>
+  <dgm:styleLbl name="bgSibTrans2D1">
+    <dgm:scene3d>
+      <a:camera prst="orthographicFront"/>
+      <a:lightRig rig="threePt" dir="t"/>
+    </dgm:scene3d>
+    <dgm:sp3d/>
+    <dgm:txPr/>
+    <dgm:style>
+      <a:lnRef idx="0">
+        <a:scrgbClr r="0" g="0" b="0"/>
+      </a:lnRef>
+      <a:fillRef idx="1">
+        <a:scrgbClr r="0" g="0" b="0"/>
+      </a:fillRef>
+      <a:effectRef idx="0">
+        <a:scrgbClr r="0" g="0" b="0"/>
+      </a:effectRef>
+      <a:fontRef idx="minor">
+        <a:schemeClr val="lt1"/>
+      </a:fontRef>
+    </dgm:style>
+  </dgm:styleLbl>
+  <dgm:styleLbl name="sibTrans1D1">
+    <dgm:scene3d>
+      <a:camera prst="orthographicFront"/>
+      <a:lightRig rig="threePt" dir="t"/>
+    </dgm:scene3d>
+    <dgm:sp3d/>
+    <dgm:txPr/>
+    <dgm:style>
+      <a:lnRef idx="1">
+        <a:scrgbClr r="0" g="0" b="0"/>
+      </a:lnRef>
+      <a:fillRef idx="0">
+        <a:scrgbClr r="0" g="0" b="0"/>
+      </a:fillRef>
+      <a:effectRef idx="0">
+        <a:scrgbClr r="0" g="0" b="0"/>
+      </a:effectRef>
+      <a:fontRef idx="minor"/>
+    </dgm:style>
+  </dgm:styleLbl>
+  <dgm:styleLbl name="callout">
+    <dgm:scene3d>
+      <a:camera prst="orthographicFront"/>
+      <a:lightRig rig="threePt" dir="t"/>
+    </dgm:scene3d>
+    <dgm:sp3d/>
+    <dgm:txPr/>
+    <dgm:style>
+      <a:lnRef idx="2">
+        <a:scrgbClr r="0" g="0" b="0"/>
+      </a:lnRef>
+      <a:fillRef idx="1">
+        <a:scrgbClr r="0" g="0" b="0"/>
+      </a:fillRef>
+      <a:effectRef idx="0">
+        <a:scrgbClr r="0" g="0" b="0"/>
+      </a:effectRef>
+      <a:fontRef idx="minor"/>
+    </dgm:style>
+  </dgm:styleLbl>
+  <dgm:styleLbl name="asst0">
+    <dgm:scene3d>
+      <a:camera prst="orthographicFront"/>
+      <a:lightRig rig="threePt" dir="t"/>
+    </dgm:scene3d>
+    <dgm:sp3d/>
+    <dgm:txPr/>
+    <dgm:style>
+      <a:lnRef idx="2">
+        <a:scrgbClr r="0" g="0" b="0"/>
+      </a:lnRef>
+      <a:fillRef idx="1">
+        <a:scrgbClr r="0" g="0" b="0"/>
+      </a:fillRef>
+      <a:effectRef idx="0">
+        <a:scrgbClr r="0" g="0" b="0"/>
+      </a:effectRef>
+      <a:fontRef idx="minor">
+        <a:schemeClr val="lt1"/>
+      </a:fontRef>
+    </dgm:style>
+  </dgm:styleLbl>
+  <dgm:styleLbl name="asst1">
+    <dgm:scene3d>
+      <a:camera prst="orthographicFront"/>
+      <a:lightRig rig="threePt" dir="t"/>
+    </dgm:scene3d>
+    <dgm:sp3d/>
+    <dgm:txPr/>
+    <dgm:style>
+      <a:lnRef idx="2">
+        <a:scrgbClr r="0" g="0" b="0"/>
+      </a:lnRef>
+      <a:fillRef idx="1">
+        <a:scrgbClr r="0" g="0" b="0"/>
+      </a:fillRef>
+      <a:effectRef idx="0">
+        <a:scrgbClr r="0" g="0" b="0"/>
+      </a:effectRef>
+      <a:fontRef idx="minor">
+        <a:schemeClr val="lt1"/>
+      </a:fontRef>
+    </dgm:style>
+  </dgm:styleLbl>
+  <dgm:styleLbl name="asst2">
+    <dgm:scene3d>
+      <a:camera prst="orthographicFront"/>
+      <a:lightRig rig="threePt" dir="t"/>
+    </dgm:scene3d>
+    <dgm:sp3d/>
+    <dgm:txPr/>
+    <dgm:style>
+      <a:lnRef idx="2">
+        <a:scrgbClr r="0" g="0" b="0"/>
+      </a:lnRef>
+      <a:fillRef idx="1">
+        <a:scrgbClr r="0" g="0" b="0"/>
+      </a:fillRef>
+      <a:effectRef idx="0">
+        <a:scrgbClr r="0" g="0" b="0"/>
+      </a:effectRef>
+      <a:fontRef idx="minor">
+        <a:schemeClr val="lt1"/>
+      </a:fontRef>
+    </dgm:style>
+  </dgm:styleLbl>
+  <dgm:styleLbl name="asst3">
+    <dgm:scene3d>
+      <a:camera prst="orthographicFront"/>
+      <a:lightRig rig="threePt" dir="t"/>
+    </dgm:scene3d>
+    <dgm:sp3d/>
+    <dgm:txPr/>
+    <dgm:style>
+      <a:lnRef idx="2">
+        <a:scrgbClr r="0" g="0" b="0"/>
+      </a:lnRef>
+      <a:fillRef idx="1">
+        <a:scrgbClr r="0" g="0" b="0"/>
+      </a:fillRef>
+      <a:effectRef idx="0">
+        <a:scrgbClr r="0" g="0" b="0"/>
+      </a:effectRef>
+      <a:fontRef idx="minor">
+        <a:schemeClr val="lt1"/>
+      </a:fontRef>
+    </dgm:style>
+  </dgm:styleLbl>
+  <dgm:styleLbl name="asst4">
+    <dgm:scene3d>
+      <a:camera prst="orthographicFront"/>
+      <a:lightRig rig="threePt" dir="t"/>
+    </dgm:scene3d>
+    <dgm:sp3d/>
+    <dgm:txPr/>
+    <dgm:style>
+      <a:lnRef idx="2">
+        <a:scrgbClr r="0" g="0" b="0"/>
+      </a:lnRef>
+      <a:fillRef idx="1">
+        <a:scrgbClr r="0" g="0" b="0"/>
+      </a:fillRef>
+      <a:effectRef idx="0">
+        <a:scrgbClr r="0" g="0" b="0"/>
+      </a:effectRef>
+      <a:fontRef idx="minor">
+        <a:schemeClr val="lt1"/>
+      </a:fontRef>
+    </dgm:style>
+  </dgm:styleLbl>
+  <dgm:styleLbl name="parChTrans2D1">
+    <dgm:scene3d>
+      <a:camera prst="orthographicFront"/>
+      <a:lightRig rig="threePt" dir="t"/>
+    </dgm:scene3d>
+    <dgm:sp3d/>
+    <dgm:txPr/>
+    <dgm:style>
+      <a:lnRef idx="2">
+        <a:scrgbClr r="0" g="0" b="0"/>
+      </a:lnRef>
+      <a:fillRef idx="1">
+        <a:scrgbClr r="0" g="0" b="0"/>
+      </a:fillRef>
+      <a:effectRef idx="0">
+        <a:scrgbClr r="0" g="0" b="0"/>
+      </a:effectRef>
+      <a:fontRef idx="minor">
+        <a:schemeClr val="lt1"/>
+      </a:fontRef>
+    </dgm:style>
+  </dgm:styleLbl>
+  <dgm:styleLbl name="parChTrans2D2">
+    <dgm:scene3d>
+      <a:camera prst="orthographicFront"/>
+      <a:lightRig rig="threePt" dir="t"/>
+    </dgm:scene3d>
+    <dgm:sp3d/>
+    <dgm:txPr/>
+    <dgm:style>
+      <a:lnRef idx="2">
+        <a:scrgbClr r="0" g="0" b="0"/>
+      </a:lnRef>
+      <a:fillRef idx="1">
+        <a:scrgbClr r="0" g="0" b="0"/>
+      </a:fillRef>
+      <a:effectRef idx="0">
+        <a:scrgbClr r="0" g="0" b="0"/>
+      </a:effectRef>
+      <a:fontRef idx="minor">
+        <a:schemeClr val="lt1"/>
+      </a:fontRef>
+    </dgm:style>
+  </dgm:styleLbl>
+  <dgm:styleLbl name="parChTrans2D3">
+    <dgm:scene3d>
+      <a:camera prst="orthographicFront"/>
+      <a:lightRig rig="threePt" dir="t"/>
+    </dgm:scene3d>
+    <dgm:sp3d/>
+    <dgm:txPr/>
+    <dgm:style>
+      <a:lnRef idx="2">
+        <a:scrgbClr r="0" g="0" b="0"/>
+      </a:lnRef>
+      <a:fillRef idx="1">
+        <a:scrgbClr r="0" g="0" b="0"/>
+      </a:fillRef>
+      <a:effectRef idx="0">
+        <a:scrgbClr r="0" g="0" b="0"/>
+      </a:effectRef>
+      <a:fontRef idx="minor">
+        <a:schemeClr val="lt1"/>
+      </a:fontRef>
+    </dgm:style>
+  </dgm:styleLbl>
+  <dgm:styleLbl name="parChTrans2D4">
+    <dgm:scene3d>
+      <a:camera prst="orthographicFront"/>
+      <a:lightRig rig="threePt" dir="t"/>
+    </dgm:scene3d>
+    <dgm:sp3d/>
+    <dgm:txPr/>
+    <dgm:style>
+      <a:lnRef idx="2">
+        <a:scrgbClr r="0" g="0" b="0"/>
+      </a:lnRef>
+      <a:fillRef idx="1">
+        <a:scrgbClr r="0" g="0" b="0"/>
+      </a:fillRef>
+      <a:effectRef idx="0">
+        <a:scrgbClr r="0" g="0" b="0"/>
+      </a:effectRef>
+      <a:fontRef idx="minor">
+        <a:schemeClr val="lt1"/>
+      </a:fontRef>
+    </dgm:style>
+  </dgm:styleLbl>
+  <dgm:styleLbl name="parChTrans1D1">
+    <dgm:scene3d>
+      <a:camera prst="orthographicFront"/>
+      <a:lightRig rig="threePt" dir="t"/>
+    </dgm:scene3d>
+    <dgm:sp3d/>
+    <dgm:txPr/>
+    <dgm:style>
+      <a:lnRef idx="2">
+        <a:scrgbClr r="0" g="0" b="0"/>
+      </a:lnRef>
+      <a:fillRef idx="0">
+        <a:scrgbClr r="0" g="0" b="0"/>
+      </a:fillRef>
+      <a:effectRef idx="0">
+        <a:scrgbClr r="0" g="0" b="0"/>
+      </a:effectRef>
+      <a:fontRef idx="minor"/>
+    </dgm:style>
+  </dgm:styleLbl>
+  <dgm:styleLbl name="parChTrans1D2">
+    <dgm:scene3d>
+      <a:camera prst="orthographicFront"/>
+      <a:lightRig rig="threePt" dir="t"/>
+    </dgm:scene3d>
+    <dgm:sp3d/>
+    <dgm:txPr/>
+    <dgm:style>
+      <a:lnRef idx="2">
+        <a:scrgbClr r="0" g="0" b="0"/>
+      </a:lnRef>
+      <a:fillRef idx="0">
+        <a:scrgbClr r="0" g="0" b="0"/>
+      </a:fillRef>
+      <a:effectRef idx="0">
+        <a:scrgbClr r="0" g="0" b="0"/>
+      </a:effectRef>
+      <a:fontRef idx="minor"/>
+    </dgm:style>
+  </dgm:styleLbl>
+  <dgm:styleLbl name="parChTrans1D3">
+    <dgm:scene3d>
+      <a:camera prst="orthographicFront"/>
+      <a:lightRig rig="threePt" dir="t"/>
+    </dgm:scene3d>
+    <dgm:sp3d/>
+    <dgm:txPr/>
+    <dgm:style>
+      <a:lnRef idx="2">
+        <a:scrgbClr r="0" g="0" b="0"/>
+      </a:lnRef>
+      <a:fillRef idx="0">
+        <a:scrgbClr r="0" g="0" b="0"/>
+      </a:fillRef>
+      <a:effectRef idx="0">
+        <a:scrgbClr r="0" g="0" b="0"/>
+      </a:effectRef>
+      <a:fontRef idx="minor"/>
+    </dgm:style>
+  </dgm:styleLbl>
+  <dgm:styleLbl name="parChTrans1D4">
+    <dgm:scene3d>
+      <a:camera prst="orthographicFront"/>
+      <a:lightRig rig="threePt" dir="t"/>
+    </dgm:scene3d>
+    <dgm:sp3d/>
+    <dgm:txPr/>
+    <dgm:style>
+      <a:lnRef idx="2">
+        <a:scrgbClr r="0" g="0" b="0"/>
+      </a:lnRef>
+      <a:fillRef idx="0">
+        <a:scrgbClr r="0" g="0" b="0"/>
+      </a:fillRef>
+      <a:effectRef idx="0">
+        <a:scrgbClr r="0" g="0" b="0"/>
+      </a:effectRef>
+      <a:fontRef idx="minor"/>
+    </dgm:style>
+  </dgm:styleLbl>
+  <dgm:styleLbl name="fgAcc1">
+    <dgm:scene3d>
+      <a:camera prst="orthographicFront"/>
+      <a:lightRig rig="threePt" dir="t"/>
+    </dgm:scene3d>
+    <dgm:sp3d/>
+    <dgm:txPr/>
+    <dgm:style>
+      <a:lnRef idx="2">
+        <a:scrgbClr r="0" g="0" b="0"/>
+      </a:lnRef>
+      <a:fillRef idx="1">
+        <a:scrgbClr r="0" g="0" b="0"/>
+      </a:fillRef>
+      <a:effectRef idx="0">
+        <a:scrgbClr r="0" g="0" b="0"/>
+      </a:effectRef>
+      <a:fontRef idx="minor"/>
+    </dgm:style>
+  </dgm:styleLbl>
+  <dgm:styleLbl name="conFgAcc1">
+    <dgm:scene3d>
+      <a:camera prst="orthographicFront"/>
+      <a:lightRig rig="threePt" dir="t"/>
+    </dgm:scene3d>
+    <dgm:sp3d/>
+    <dgm:txPr/>
+    <dgm:style>
+      <a:lnRef idx="2">
+        <a:scrgbClr r="0" g="0" b="0"/>
+      </a:lnRef>
+      <a:fillRef idx="1">
+        <a:scrgbClr r="0" g="0" b="0"/>
+      </a:fillRef>
+      <a:effectRef idx="0">
+        <a:scrgbClr r="0" g="0" b="0"/>
+      </a:effectRef>
+      <a:fontRef idx="minor"/>
+    </dgm:style>
+  </dgm:styleLbl>
+  <dgm:styleLbl name="alignAcc1">
+    <dgm:scene3d>
+      <a:camera prst="orthographicFront"/>
+      <a:lightRig rig="threePt" dir="t"/>
+    </dgm:scene3d>
+    <dgm:sp3d/>
+    <dgm:txPr/>
+    <dgm:style>
+      <a:lnRef idx="2">
+        <a:scrgbClr r="0" g="0" b="0"/>
+      </a:lnRef>
+      <a:fillRef idx="1">
+        <a:scrgbClr r="0" g="0" b="0"/>
+      </a:fillRef>
+      <a:effectRef idx="0">
+        <a:scrgbClr r="0" g="0" b="0"/>
+      </a:effectRef>
+      <a:fontRef idx="minor"/>
+    </dgm:style>
+  </dgm:styleLbl>
+  <dgm:styleLbl name="trAlignAcc1">
+    <dgm:scene3d>
+      <a:camera prst="orthographicFront"/>
+      <a:lightRig rig="threePt" dir="t"/>
+    </dgm:scene3d>
+    <dgm:sp3d/>
+    <dgm:txPr/>
+    <dgm:style>
+      <a:lnRef idx="1">
+        <a:scrgbClr r="0" g="0" b="0"/>
+      </a:lnRef>
+      <a:fillRef idx="1">
+        <a:scrgbClr r="0" g="0" b="0"/>
+      </a:fillRef>
+      <a:effectRef idx="0">
+        <a:scrgbClr r="0" g="0" b="0"/>
+      </a:effectRef>
+      <a:fontRef idx="minor"/>
+    </dgm:style>
+  </dgm:styleLbl>
+  <dgm:styleLbl name="bgAcc1">
+    <dgm:scene3d>
+      <a:camera prst="orthographicFront"/>
+      <a:lightRig rig="threePt" dir="t"/>
+    </dgm:scene3d>
+    <dgm:sp3d/>
+    <dgm:txPr/>
+    <dgm:style>
+      <a:lnRef idx="2">
+        <a:scrgbClr r="0" g="0" b="0"/>
+      </a:lnRef>
+      <a:fillRef idx="1">
+        <a:scrgbClr r="0" g="0" b="0"/>
+      </a:fillRef>
+      <a:effectRef idx="0">
+        <a:scrgbClr r="0" g="0" b="0"/>
+      </a:effectRef>
+      <a:fontRef idx="minor"/>
+    </dgm:style>
+  </dgm:styleLbl>
+  <dgm:styleLbl name="solidFgAcc1">
+    <dgm:scene3d>
+      <a:camera prst="orthographicFront"/>
+      <a:lightRig rig="threePt" dir="t"/>
+    </dgm:scene3d>
+    <dgm:sp3d/>
+    <dgm:txPr/>
+    <dgm:style>
+      <a:lnRef idx="2">
+        <a:scrgbClr r="0" g="0" b="0"/>
+      </a:lnRef>
+      <a:fillRef idx="1">
+        <a:scrgbClr r="0" g="0" b="0"/>
+      </a:fillRef>
+      <a:effectRef idx="0">
+        <a:scrgbClr r="0" g="0" b="0"/>
+      </a:effectRef>
+      <a:fontRef idx="minor"/>
+    </dgm:style>
+  </dgm:styleLbl>
+  <dgm:styleLbl name="solidAlignAcc1">
+    <dgm:scene3d>
+      <a:camera prst="orthographicFront"/>
+      <a:lightRig rig="threePt" dir="t"/>
+    </dgm:scene3d>
+    <dgm:sp3d/>
+    <dgm:txPr/>
+    <dgm:style>
+      <a:lnRef idx="2">
+        <a:scrgbClr r="0" g="0" b="0"/>
+      </a:lnRef>
+      <a:fillRef idx="1">
+        <a:scrgbClr r="0" g="0" b="0"/>
+      </a:fillRef>
+      <a:effectRef idx="0">
+        <a:scrgbClr r="0" g="0" b="0"/>
+      </a:effectRef>
+      <a:fontRef idx="minor"/>
+    </dgm:style>
+  </dgm:styleLbl>
+  <dgm:styleLbl name="solidBgAcc1">
+    <dgm:scene3d>
+      <a:camera prst="orthographicFront"/>
+      <a:lightRig rig="threePt" dir="t"/>
+    </dgm:scene3d>
+    <dgm:sp3d/>
+    <dgm:txPr/>
+    <dgm:style>
+      <a:lnRef idx="2">
+        <a:scrgbClr r="0" g="0" b="0"/>
+      </a:lnRef>
+      <a:fillRef idx="1">
+        <a:scrgbClr r="0" g="0" b="0"/>
+      </a:fillRef>
+      <a:effectRef idx="0">
+        <a:scrgbClr r="0" g="0" b="0"/>
+      </a:effectRef>
+      <a:fontRef idx="minor"/>
+    </dgm:style>
+  </dgm:styleLbl>
+  <dgm:styleLbl name="fgAccFollowNode1">
+    <dgm:scene3d>
+      <a:camera prst="orthographicFront"/>
+      <a:lightRig rig="threePt" dir="t"/>
+    </dgm:scene3d>
+    <dgm:sp3d/>
+    <dgm:txPr/>
+    <dgm:style>
+      <a:lnRef idx="2">
+        <a:scrgbClr r="0" g="0" b="0"/>
+      </a:lnRef>
+      <a:fillRef idx="1">
+        <a:scrgbClr r="0" g="0" b="0"/>
+      </a:fillRef>
+      <a:effectRef idx="0">
+        <a:scrgbClr r="0" g="0" b="0"/>
+      </a:effectRef>
+      <a:fontRef idx="minor"/>
+    </dgm:style>
+  </dgm:styleLbl>
+  <dgm:styleLbl name="alignAccFollowNode1">
+    <dgm:scene3d>
+      <a:camera prst="orthographicFront"/>
+      <a:lightRig rig="threePt" dir="t"/>
+    </dgm:scene3d>
+    <dgm:sp3d/>
+    <dgm:txPr/>
+    <dgm:style>
+      <a:lnRef idx="2">
+        <a:scrgbClr r="0" g="0" b="0"/>
+      </a:lnRef>
+      <a:fillRef idx="1">
+        <a:scrgbClr r="0" g="0" b="0"/>
+      </a:fillRef>
+      <a:effectRef idx="0">
+        <a:scrgbClr r="0" g="0" b="0"/>
+      </a:effectRef>
+      <a:fontRef idx="minor"/>
+    </dgm:style>
+  </dgm:styleLbl>
+  <dgm:styleLbl name="bgAccFollowNode1">
+    <dgm:scene3d>
+      <a:camera prst="orthographicFront"/>
+      <a:lightRig rig="threePt" dir="t"/>
+    </dgm:scene3d>
+    <dgm:sp3d/>
+    <dgm:txPr/>
+    <dgm:style>
+      <a:lnRef idx="2">
+        <a:scrgbClr r="0" g="0" b="0"/>
+      </a:lnRef>
+      <a:fillRef idx="1">
+        <a:scrgbClr r="0" g="0" b="0"/>
+      </a:fillRef>
+      <a:effectRef idx="0">
+        <a:scrgbClr r="0" g="0" b="0"/>
+      </a:effectRef>
+      <a:fontRef idx="minor"/>
+    </dgm:style>
+  </dgm:styleLbl>
+  <dgm:styleLbl name="fgAcc0">
+    <dgm:scene3d>
+      <a:camera prst="orthographicFront"/>
+      <a:lightRig rig="threePt" dir="t"/>
+    </dgm:scene3d>
+    <dgm:sp3d/>
+    <dgm:txPr/>
+    <dgm:style>
+      <a:lnRef idx="2">
+        <a:scrgbClr r="0" g="0" b="0"/>
+      </a:lnRef>
+      <a:fillRef idx="1">
+        <a:scrgbClr r="0" g="0" b="0"/>
+      </a:fillRef>
+      <a:effectRef idx="0">
+        <a:scrgbClr r="0" g="0" b="0"/>
+      </a:effectRef>
+      <a:fontRef idx="minor"/>
+    </dgm:style>
+  </dgm:styleLbl>
+  <dgm:styleLbl name="fgAcc2">
+    <dgm:scene3d>
+      <a:camera prst="orthographicFront"/>
+      <a:lightRig rig="threePt" dir="t"/>
+    </dgm:scene3d>
+    <dgm:sp3d/>
+    <dgm:txPr/>
+    <dgm:style>
+      <a:lnRef idx="2">
+        <a:scrgbClr r="0" g="0" b="0"/>
+      </a:lnRef>
+      <a:fillRef idx="1">
+        <a:scrgbClr r="0" g="0" b="0"/>
+      </a:fillRef>
+      <a:effectRef idx="0">
+        <a:scrgbClr r="0" g="0" b="0"/>
+      </a:effectRef>
+      <a:fontRef idx="minor"/>
+    </dgm:style>
+  </dgm:styleLbl>
+  <dgm:styleLbl name="fgAcc3">
+    <dgm:scene3d>
+      <a:camera prst="orthographicFront"/>
+      <a:lightRig rig="threePt" dir="t"/>
+    </dgm:scene3d>
+    <dgm:sp3d/>
+    <dgm:txPr/>
+    <dgm:style>
+      <a:lnRef idx="2">
+        <a:scrgbClr r="0" g="0" b="0"/>
+      </a:lnRef>
+      <a:fillRef idx="1">
+        <a:scrgbClr r="0" g="0" b="0"/>
+      </a:fillRef>
+      <a:effectRef idx="0">
+        <a:scrgbClr r="0" g="0" b="0"/>
+      </a:effectRef>
+      <a:fontRef idx="minor"/>
+    </dgm:style>
+  </dgm:styleLbl>
+  <dgm:styleLbl name="fgAcc4">
+    <dgm:scene3d>
+      <a:camera prst="orthographicFront"/>
+      <a:lightRig rig="threePt" dir="t"/>
+    </dgm:scene3d>
+    <dgm:sp3d/>
+    <dgm:txPr/>
+    <dgm:style>
+      <a:lnRef idx="2">
+        <a:scrgbClr r="0" g="0" b="0"/>
+      </a:lnRef>
+      <a:fillRef idx="1">
+        <a:scrgbClr r="0" g="0" b="0"/>
+      </a:fillRef>
+      <a:effectRef idx="0">
+        <a:scrgbClr r="0" g="0" b="0"/>
+      </a:effectRef>
+      <a:fontRef idx="minor"/>
+    </dgm:style>
+  </dgm:styleLbl>
+  <dgm:styleLbl name="bgShp">
+    <dgm:scene3d>
+      <a:camera prst="orthographicFront"/>
+      <a:lightRig rig="threePt" dir="t"/>
+    </dgm:scene3d>
+    <dgm:sp3d/>
+    <dgm:txPr/>
+    <dgm:style>
+      <a:lnRef idx="0">
+        <a:scrgbClr r="0" g="0" b="0"/>
+      </a:lnRef>
+      <a:fillRef idx="1">
+        <a:scrgbClr r="0" g="0" b="0"/>
+      </a:fillRef>
+      <a:effectRef idx="0">
+        <a:scrgbClr r="0" g="0" b="0"/>
+      </a:effectRef>
+      <a:fontRef idx="minor"/>
+    </dgm:style>
+  </dgm:styleLbl>
+  <dgm:styleLbl name="dkBgShp">
+    <dgm:scene3d>
+      <a:camera prst="orthographicFront"/>
+      <a:lightRig rig="threePt" dir="t"/>
+    </dgm:scene3d>
+    <dgm:sp3d/>
+    <dgm:txPr/>
+    <dgm:style>
+      <a:lnRef idx="0">
+        <a:scrgbClr r="0" g="0" b="0"/>
+      </a:lnRef>
+      <a:fillRef idx="1">
+        <a:scrgbClr r="0" g="0" b="0"/>
+      </a:fillRef>
+      <a:effectRef idx="0">
+        <a:scrgbClr r="0" g="0" b="0"/>
+      </a:effectRef>
+      <a:fontRef idx="minor"/>
+    </dgm:style>
+  </dgm:styleLbl>
+  <dgm:styleLbl name="trBgShp">
+    <dgm:scene3d>
+      <a:camera prst="orthographicFront"/>
+      <a:lightRig rig="threePt" dir="t"/>
+    </dgm:scene3d>
+    <dgm:sp3d/>
+    <dgm:txPr/>
+    <dgm:style>
+      <a:lnRef idx="0">
+        <a:scrgbClr r="0" g="0" b="0"/>
+      </a:lnRef>
+      <a:fillRef idx="1">
+        <a:scrgbClr r="0" g="0" b="0"/>
+      </a:fillRef>
+      <a:effectRef idx="0">
+        <a:scrgbClr r="0" g="0" b="0"/>
+      </a:effectRef>
+      <a:fontRef idx="minor"/>
+    </dgm:style>
+  </dgm:styleLbl>
+  <dgm:styleLbl name="fgShp">
+    <dgm:scene3d>
+      <a:camera prst="orthographicFront"/>
+      <a:lightRig rig="threePt" dir="t"/>
+    </dgm:scene3d>
+    <dgm:sp3d/>
+    <dgm:txPr/>
+    <dgm:style>
+      <a:lnRef idx="2">
+        <a:scrgbClr r="0" g="0" b="0"/>
+      </a:lnRef>
+      <a:fillRef idx="1">
+        <a:scrgbClr r="0" g="0" b="0"/>
+      </a:fillRef>
+      <a:effectRef idx="0">
+        <a:scrgbClr r="0" g="0" b="0"/>
+      </a:effectRef>
+      <a:fontRef idx="minor"/>
+    </dgm:style>
+  </dgm:styleLbl>
+  <dgm:styleLbl name="revTx">
+    <dgm:scene3d>
+      <a:camera prst="orthographicFront"/>
+      <a:lightRig rig="threePt" dir="t"/>
+    </dgm:scene3d>
+    <dgm:sp3d/>
+    <dgm:txPr/>
+    <dgm:style>
+      <a:lnRef idx="0">
+        <a:scrgbClr r="0" g="0" b="0"/>
+      </a:lnRef>
+      <a:fillRef idx="0">
+        <a:scrgbClr r="0" g="0" b="0"/>
+      </a:fillRef>
+      <a:effectRef idx="0">
+        <a:scrgbClr r="0" g="0" b="0"/>
+      </a:effectRef>
+      <a:fontRef idx="minor"/>
+    </dgm:style>
+  </dgm:styleLbl>
+</dgm:styleDef>
+</file>
+
+<file path=ppt/notesMasters/notesMaster1.xml><?xml version="1.0" encoding="utf-8"?>
+<p:notesMaster xmlns:a="http://schemas.openxmlformats.org/drawingml/2006/main" xmlns:r="http://schemas.openxmlformats.org/officeDocument/2006/relationships" xmlns:p="http://schemas.openxmlformats.org/presentationml/2006/main">
+  <p:cSld>
+    <p:bg>
+      <p:bgRef idx="1001">
+        <a:schemeClr val="bg1"/>
+      </p:bgRef>
+    </p:bg>
+    <p:spTree>
+      <p:nvGrpSpPr>
+        <p:cNvPr id="1" name=""/>
+        <p:cNvGrpSpPr/>
+        <p:nvPr/>
+      </p:nvGrpSpPr>
+      <p:grpSpPr>
+        <a:xfrm>
+          <a:off x="0" y="0"/>
+          <a:ext cx="0" cy="0"/>
+          <a:chOff x="0" y="0"/>
+          <a:chExt cx="0" cy="0"/>
+        </a:xfrm>
+      </p:grpSpPr>
+      <p:sp>
+        <p:nvSpPr>
+          <p:cNvPr id="2" name="Header Placeholder 1"/>
+          <p:cNvSpPr>
+            <a:spLocks noGrp="1"/>
+          </p:cNvSpPr>
+          <p:nvPr>
+            <p:ph type="hdr" sz="quarter"/>
+          </p:nvPr>
+        </p:nvSpPr>
+        <p:spPr>
+          <a:xfrm>
+            <a:off x="0" y="0"/>
+            <a:ext cx="2971800" cy="458788"/>
+          </a:xfrm>
+          <a:prstGeom prst="rect">
+            <a:avLst/>
+          </a:prstGeom>
+        </p:spPr>
+        <p:txBody>
+          <a:bodyPr vert="horz" lIns="91440" tIns="45720" rIns="91440" bIns="45720" rtlCol="0"/>
+          <a:lstStyle>
+            <a:lvl1pPr algn="l">
+              <a:defRPr sz="1200"/>
+            </a:lvl1pPr>
+          </a:lstStyle>
+          <a:p>
+            <a:endParaRPr lang="en-GB"/>
+          </a:p>
+        </p:txBody>
+      </p:sp>
+      <p:sp>
+        <p:nvSpPr>
+          <p:cNvPr id="3" name="Date Placeholder 2"/>
+          <p:cNvSpPr>
+            <a:spLocks noGrp="1"/>
+          </p:cNvSpPr>
+          <p:nvPr>
+            <p:ph type="dt" idx="1"/>
+          </p:nvPr>
+        </p:nvSpPr>
+        <p:spPr>
+          <a:xfrm>
+            <a:off x="3884613" y="0"/>
+            <a:ext cx="2971800" cy="458788"/>
+          </a:xfrm>
+          <a:prstGeom prst="rect">
+            <a:avLst/>
+          </a:prstGeom>
+        </p:spPr>
+        <p:txBody>
+          <a:bodyPr vert="horz" lIns="91440" tIns="45720" rIns="91440" bIns="45720" rtlCol="0"/>
+          <a:lstStyle>
+            <a:lvl1pPr algn="r">
+              <a:defRPr sz="1200"/>
+            </a:lvl1pPr>
+          </a:lstStyle>
+          <a:p>
+            <a:fld id="{BB0B70CF-ED1C-4664-B00B-D2A72B01F4A2}" type="datetimeFigureOut">
+              <a:rPr lang="en-GB" smtClean="0"/>
+              <a:t>10/10/2017</a:t>
+            </a:fld>
+            <a:endParaRPr lang="en-GB"/>
+          </a:p>
+        </p:txBody>
+      </p:sp>
+      <p:sp>
+        <p:nvSpPr>
+          <p:cNvPr id="4" name="Slide Image Placeholder 3"/>
+          <p:cNvSpPr>
+            <a:spLocks noGrp="1" noRot="1" noChangeAspect="1"/>
+          </p:cNvSpPr>
+          <p:nvPr>
+            <p:ph type="sldImg" idx="2"/>
+          </p:nvPr>
+        </p:nvSpPr>
+        <p:spPr>
+          <a:xfrm>
+            <a:off x="1371600" y="1143000"/>
+            <a:ext cx="4114800" cy="3086100"/>
+          </a:xfrm>
+          <a:prstGeom prst="rect">
+            <a:avLst/>
+          </a:prstGeom>
+          <a:noFill/>
+          <a:ln w="12700">
+            <a:solidFill>
+              <a:prstClr val="black"/>
+            </a:solidFill>
+          </a:ln>
+        </p:spPr>
+        <p:txBody>
+          <a:bodyPr vert="horz" lIns="91440" tIns="45720" rIns="91440" bIns="45720" rtlCol="0" anchor="ctr"/>
+          <a:lstStyle/>
+          <a:p>
+            <a:endParaRPr lang="en-GB"/>
+          </a:p>
+        </p:txBody>
+      </p:sp>
+      <p:sp>
+        <p:nvSpPr>
+          <p:cNvPr id="5" name="Notes Placeholder 4"/>
+          <p:cNvSpPr>
+            <a:spLocks noGrp="1"/>
+          </p:cNvSpPr>
+          <p:nvPr>
+            <p:ph type="body" sz="quarter" idx="3"/>
+          </p:nvPr>
+        </p:nvSpPr>
+        <p:spPr>
+          <a:xfrm>
+            <a:off x="685800" y="4400550"/>
+            <a:ext cx="5486400" cy="3600450"/>
+          </a:xfrm>
+          <a:prstGeom prst="rect">
+            <a:avLst/>
+          </a:prstGeom>
+        </p:spPr>
+        <p:txBody>
+          <a:bodyPr vert="horz" lIns="91440" tIns="45720" rIns="91440" bIns="45720" rtlCol="0"/>
+          <a:lstStyle/>
+          <a:p>
+            <a:pPr lvl="0"/>
+            <a:r>
+              <a:rPr lang="en-US"/>
+              <a:t>Edit Master text styles</a:t>
+            </a:r>
+          </a:p>
+          <a:p>
+            <a:pPr lvl="1"/>
+            <a:r>
+              <a:rPr lang="en-US"/>
+              <a:t>Second level</a:t>
+            </a:r>
+          </a:p>
+          <a:p>
+            <a:pPr lvl="2"/>
+            <a:r>
+              <a:rPr lang="en-US"/>
+              <a:t>Third level</a:t>
+            </a:r>
+          </a:p>
+          <a:p>
+            <a:pPr lvl="3"/>
+            <a:r>
+              <a:rPr lang="en-US"/>
+              <a:t>Fourth level</a:t>
+            </a:r>
+          </a:p>
+          <a:p>
+            <a:pPr lvl="4"/>
+            <a:r>
+              <a:rPr lang="en-US"/>
+              <a:t>Fifth level</a:t>
+            </a:r>
+            <a:endParaRPr lang="en-GB"/>
+          </a:p>
+        </p:txBody>
+      </p:sp>
+      <p:sp>
+        <p:nvSpPr>
+          <p:cNvPr id="6" name="Footer Placeholder 5"/>
+          <p:cNvSpPr>
+            <a:spLocks noGrp="1"/>
+          </p:cNvSpPr>
+          <p:nvPr>
+            <p:ph type="ftr" sz="quarter" idx="4"/>
+          </p:nvPr>
+        </p:nvSpPr>
+        <p:spPr>
+          <a:xfrm>
+            <a:off x="0" y="8685213"/>
+            <a:ext cx="2971800" cy="458787"/>
+          </a:xfrm>
+          <a:prstGeom prst="rect">
+            <a:avLst/>
+          </a:prstGeom>
+        </p:spPr>
+        <p:txBody>
+          <a:bodyPr vert="horz" lIns="91440" tIns="45720" rIns="91440" bIns="45720" rtlCol="0" anchor="b"/>
+          <a:lstStyle>
+            <a:lvl1pPr algn="l">
+              <a:defRPr sz="1200"/>
+            </a:lvl1pPr>
+          </a:lstStyle>
+          <a:p>
+            <a:endParaRPr lang="en-GB"/>
+          </a:p>
+        </p:txBody>
+      </p:sp>
+      <p:sp>
+        <p:nvSpPr>
+          <p:cNvPr id="7" name="Slide Number Placeholder 6"/>
+          <p:cNvSpPr>
+            <a:spLocks noGrp="1"/>
+          </p:cNvSpPr>
+          <p:nvPr>
+            <p:ph type="sldNum" sz="quarter" idx="5"/>
+          </p:nvPr>
+        </p:nvSpPr>
+        <p:spPr>
+          <a:xfrm>
+            <a:off x="3884613" y="8685213"/>
+            <a:ext cx="2971800" cy="458787"/>
+          </a:xfrm>
+          <a:prstGeom prst="rect">
+            <a:avLst/>
+          </a:prstGeom>
+        </p:spPr>
+        <p:txBody>
+          <a:bodyPr vert="horz" lIns="91440" tIns="45720" rIns="91440" bIns="45720" rtlCol="0" anchor="b"/>
+          <a:lstStyle>
+            <a:lvl1pPr algn="r">
+              <a:defRPr sz="1200"/>
+            </a:lvl1pPr>
+          </a:lstStyle>
+          <a:p>
+            <a:fld id="{2C3E7158-80D8-49F1-9FD5-353DCC37C606}" type="slidenum">
+              <a:rPr lang="en-GB" smtClean="0"/>
+              <a:t>‹#›</a:t>
+            </a:fld>
+            <a:endParaRPr lang="en-GB"/>
+          </a:p>
+        </p:txBody>
+      </p:sp>
+    </p:spTree>
+    <p:extLst>
+      <p:ext uri="{BB962C8B-B14F-4D97-AF65-F5344CB8AC3E}">
+        <p14:creationId xmlns:p14="http://schemas.microsoft.com/office/powerpoint/2010/main" val="4274486856"/>
+      </p:ext>
+    </p:extLst>
+  </p:cSld>
+  <p:clrMap bg1="lt1" tx1="dk1" bg2="lt2" tx2="dk2" accent1="accent1" accent2="accent2" accent3="accent3" accent4="accent4" accent5="accent5" accent6="accent6" hlink="hlink" folHlink="folHlink"/>
+  <p:notesStyle>
+    <a:lvl1pPr marL="0" algn="l" defTabSz="914400" rtl="0" eaLnBrk="1" latinLnBrk="0" hangingPunct="1">
+      <a:defRPr sz="1200" kern="1200">
+        <a:solidFill>
+          <a:schemeClr val="tx1"/>
+        </a:solidFill>
+        <a:latin typeface="+mn-lt"/>
+        <a:ea typeface="+mn-ea"/>
+        <a:cs typeface="+mn-cs"/>
+      </a:defRPr>
+    </a:lvl1pPr>
+    <a:lvl2pPr marL="457200" algn="l" defTabSz="914400" rtl="0" eaLnBrk="1" latinLnBrk="0" hangingPunct="1">
+      <a:defRPr sz="1200" kern="1200">
+        <a:solidFill>
+          <a:schemeClr val="tx1"/>
+        </a:solidFill>
+        <a:latin typeface="+mn-lt"/>
+        <a:ea typeface="+mn-ea"/>
+        <a:cs typeface="+mn-cs"/>
+      </a:defRPr>
+    </a:lvl2pPr>
+    <a:lvl3pPr marL="914400" algn="l" defTabSz="914400" rtl="0" eaLnBrk="1" latinLnBrk="0" hangingPunct="1">
+      <a:defRPr sz="1200" kern="1200">
+        <a:solidFill>
+          <a:schemeClr val="tx1"/>
+        </a:solidFill>
+        <a:latin typeface="+mn-lt"/>
+        <a:ea typeface="+mn-ea"/>
+        <a:cs typeface="+mn-cs"/>
+      </a:defRPr>
+    </a:lvl3pPr>
+    <a:lvl4pPr marL="1371600" algn="l" defTabSz="914400" rtl="0" eaLnBrk="1" latinLnBrk="0" hangingPunct="1">
+      <a:defRPr sz="1200" kern="1200">
+        <a:solidFill>
+          <a:schemeClr val="tx1"/>
+        </a:solidFill>
+        <a:latin typeface="+mn-lt"/>
+        <a:ea typeface="+mn-ea"/>
+        <a:cs typeface="+mn-cs"/>
+      </a:defRPr>
+    </a:lvl4pPr>
+    <a:lvl5pPr marL="1828800" algn="l" defTabSz="914400" rtl="0" eaLnBrk="1" latinLnBrk="0" hangingPunct="1">
+      <a:defRPr sz="1200" kern="1200">
+        <a:solidFill>
+          <a:schemeClr val="tx1"/>
+        </a:solidFill>
+        <a:latin typeface="+mn-lt"/>
+        <a:ea typeface="+mn-ea"/>
+        <a:cs typeface="+mn-cs"/>
+      </a:defRPr>
+    </a:lvl5pPr>
+    <a:lvl6pPr marL="2286000" algn="l" defTabSz="914400" rtl="0" eaLnBrk="1" latinLnBrk="0" hangingPunct="1">
+      <a:defRPr sz="1200" kern="1200">
+        <a:solidFill>
+          <a:schemeClr val="tx1"/>
+        </a:solidFill>
+        <a:latin typeface="+mn-lt"/>
+        <a:ea typeface="+mn-ea"/>
+        <a:cs typeface="+mn-cs"/>
+      </a:defRPr>
+    </a:lvl6pPr>
+    <a:lvl7pPr marL="2743200" algn="l" defTabSz="914400" rtl="0" eaLnBrk="1" latinLnBrk="0" hangingPunct="1">
+      <a:defRPr sz="1200" kern="1200">
+        <a:solidFill>
+          <a:schemeClr val="tx1"/>
+        </a:solidFill>
+        <a:latin typeface="+mn-lt"/>
+        <a:ea typeface="+mn-ea"/>
+        <a:cs typeface="+mn-cs"/>
+      </a:defRPr>
+    </a:lvl7pPr>
+    <a:lvl8pPr marL="3200400" algn="l" defTabSz="914400" rtl="0" eaLnBrk="1" latinLnBrk="0" hangingPunct="1">
+      <a:defRPr sz="1200" kern="1200">
+        <a:solidFill>
+          <a:schemeClr val="tx1"/>
+        </a:solidFill>
+        <a:latin typeface="+mn-lt"/>
+        <a:ea typeface="+mn-ea"/>
+        <a:cs typeface="+mn-cs"/>
+      </a:defRPr>
+    </a:lvl8pPr>
+    <a:lvl9pPr marL="3657600" algn="l" defTabSz="914400" rtl="0" eaLnBrk="1" latinLnBrk="0" hangingPunct="1">
+      <a:defRPr sz="1200" kern="1200">
+        <a:solidFill>
+          <a:schemeClr val="tx1"/>
+        </a:solidFill>
+        <a:latin typeface="+mn-lt"/>
+        <a:ea typeface="+mn-ea"/>
+        <a:cs typeface="+mn-cs"/>
+      </a:defRPr>
+    </a:lvl9pPr>
+  </p:notesStyle>
+</p:notesMaster>
+</file>
+
+<file path=ppt/notesSlides/notesSlide1.xml><?xml version="1.0" encoding="utf-8"?>
+<p:notes xmlns:a="http://schemas.openxmlformats.org/drawingml/2006/main" xmlns:r="http://schemas.openxmlformats.org/officeDocument/2006/relationships" xmlns:p="http://schemas.openxmlformats.org/presentationml/2006/main">
+  <p:cSld>
+    <p:spTree>
+      <p:nvGrpSpPr>
+        <p:cNvPr id="1" name=""/>
+        <p:cNvGrpSpPr/>
+        <p:nvPr/>
+      </p:nvGrpSpPr>
+      <p:grpSpPr>
+        <a:xfrm>
+          <a:off x="0" y="0"/>
+          <a:ext cx="0" cy="0"/>
+          <a:chOff x="0" y="0"/>
+          <a:chExt cx="0" cy="0"/>
+        </a:xfrm>
+      </p:grpSpPr>
+      <p:sp>
+        <p:nvSpPr>
+          <p:cNvPr id="2" name="Slide Image Placeholder 1"/>
+          <p:cNvSpPr>
+            <a:spLocks noGrp="1" noRot="1" noChangeAspect="1"/>
+          </p:cNvSpPr>
+          <p:nvPr>
+            <p:ph type="sldImg"/>
+          </p:nvPr>
+        </p:nvSpPr>
+        <p:spPr/>
+      </p:sp>
+      <p:sp>
+        <p:nvSpPr>
+          <p:cNvPr id="3" name="Notes Placeholder 2"/>
+          <p:cNvSpPr>
+            <a:spLocks noGrp="1"/>
+          </p:cNvSpPr>
+          <p:nvPr>
+            <p:ph type="body" idx="1"/>
+          </p:nvPr>
+        </p:nvSpPr>
+        <p:spPr/>
+        <p:txBody>
+          <a:bodyPr/>
+          <a:lstStyle/>
+          <a:p>
+            <a:endParaRPr lang="en-GB" dirty="0"/>
+          </a:p>
+        </p:txBody>
+      </p:sp>
+      <p:sp>
+        <p:nvSpPr>
+          <p:cNvPr id="4" name="Slide Number Placeholder 3"/>
+          <p:cNvSpPr>
+            <a:spLocks noGrp="1"/>
+          </p:cNvSpPr>
+          <p:nvPr>
+            <p:ph type="sldNum" sz="quarter" idx="10"/>
+          </p:nvPr>
+        </p:nvSpPr>
+        <p:spPr/>
+        <p:txBody>
+          <a:bodyPr/>
+          <a:lstStyle/>
+          <a:p>
+            <a:fld id="{2C3E7158-80D8-49F1-9FD5-353DCC37C606}" type="slidenum">
+              <a:rPr lang="en-GB" smtClean="0"/>
+              <a:t>2</a:t>
+            </a:fld>
+            <a:endParaRPr lang="en-GB"/>
+          </a:p>
+        </p:txBody>
+      </p:sp>
+    </p:spTree>
+    <p:extLst>
+      <p:ext uri="{BB962C8B-B14F-4D97-AF65-F5344CB8AC3E}">
+        <p14:creationId xmlns:p14="http://schemas.microsoft.com/office/powerpoint/2010/main" val="1210449891"/>
+      </p:ext>
+    </p:extLst>
+  </p:cSld>
+  <p:clrMapOvr>
+    <a:masterClrMapping/>
+  </p:clrMapOvr>
+</p:notes>
 </file>
 
 <file path=ppt/slideLayouts/slideLayout1.xml><?xml version="1.0" encoding="utf-8"?>
@@ -257,10 +3596,9 @@
           </a:lstStyle>
           <a:p>
             <a:r>
-              <a:rPr kumimoji="0" lang="en-US" smtClean="0"/>
+              <a:rPr kumimoji="0" lang="en-US"/>
               <a:t>Click to edit Master title style</a:t>
             </a:r>
-            <a:endParaRPr kumimoji="0" lang="en-US"/>
           </a:p>
         </p:txBody>
       </p:sp>
@@ -328,10 +3666,9 @@
           </a:lstStyle>
           <a:p>
             <a:r>
-              <a:rPr kumimoji="0" lang="en-US" smtClean="0"/>
+              <a:rPr kumimoji="0" lang="en-US"/>
               <a:t>Click to edit Master subtitle style</a:t>
             </a:r>
-            <a:endParaRPr kumimoji="0" lang="en-US"/>
           </a:p>
         </p:txBody>
       </p:sp>
@@ -362,7 +3699,7 @@
             <a:fld id="{59890AA0-6485-43C3-A3E1-2183D380AD4D}" type="datetimeFigureOut">
               <a:rPr lang="en-GB" smtClean="0"/>
               <a:pPr/>
-              <a:t>09/10/2017</a:t>
+              <a:t>10/10/2017</a:t>
             </a:fld>
             <a:endParaRPr lang="en-GB"/>
           </a:p>
@@ -474,10 +3811,9 @@
           <a:lstStyle/>
           <a:p>
             <a:r>
-              <a:rPr kumimoji="0" lang="en-US" smtClean="0"/>
+              <a:rPr kumimoji="0" lang="en-US"/>
               <a:t>Click to edit Master title style</a:t>
             </a:r>
-            <a:endParaRPr kumimoji="0" lang="en-US"/>
           </a:p>
         </p:txBody>
       </p:sp>
@@ -498,35 +3834,35 @@
           <a:p>
             <a:pPr lvl="0" eaLnBrk="1" latinLnBrk="0" hangingPunct="1"/>
             <a:r>
-              <a:rPr lang="en-US" smtClean="0"/>
+              <a:rPr lang="en-US"/>
               <a:t>Click to edit Master text styles</a:t>
             </a:r>
           </a:p>
           <a:p>
             <a:pPr lvl="1" eaLnBrk="1" latinLnBrk="0" hangingPunct="1"/>
             <a:r>
-              <a:rPr lang="en-US" smtClean="0"/>
+              <a:rPr lang="en-US"/>
               <a:t>Second level</a:t>
             </a:r>
           </a:p>
           <a:p>
             <a:pPr lvl="2" eaLnBrk="1" latinLnBrk="0" hangingPunct="1"/>
             <a:r>
-              <a:rPr lang="en-US" smtClean="0"/>
+              <a:rPr lang="en-US"/>
               <a:t>Third level</a:t>
             </a:r>
           </a:p>
           <a:p>
             <a:pPr lvl="3" eaLnBrk="1" latinLnBrk="0" hangingPunct="1"/>
             <a:r>
-              <a:rPr lang="en-US" smtClean="0"/>
+              <a:rPr lang="en-US"/>
               <a:t>Fourth level</a:t>
             </a:r>
           </a:p>
           <a:p>
             <a:pPr lvl="4" eaLnBrk="1" latinLnBrk="0" hangingPunct="1"/>
             <a:r>
-              <a:rPr lang="en-US" smtClean="0"/>
+              <a:rPr lang="en-US"/>
               <a:t>Fifth level</a:t>
             </a:r>
             <a:endParaRPr kumimoji="0" lang="en-US"/>
@@ -551,7 +3887,7 @@
             <a:fld id="{59890AA0-6485-43C3-A3E1-2183D380AD4D}" type="datetimeFigureOut">
               <a:rPr lang="en-GB" smtClean="0"/>
               <a:pPr/>
-              <a:t>09/10/2017</a:t>
+              <a:t>10/10/2017</a:t>
             </a:fld>
             <a:endParaRPr lang="en-GB"/>
           </a:p>
@@ -646,10 +3982,9 @@
           <a:lstStyle/>
           <a:p>
             <a:r>
-              <a:rPr kumimoji="0" lang="en-US" smtClean="0"/>
+              <a:rPr kumimoji="0" lang="en-US"/>
               <a:t>Click to edit Master title style</a:t>
             </a:r>
-            <a:endParaRPr kumimoji="0" lang="en-US"/>
           </a:p>
         </p:txBody>
       </p:sp>
@@ -675,35 +4010,35 @@
           <a:p>
             <a:pPr lvl="0" eaLnBrk="1" latinLnBrk="0" hangingPunct="1"/>
             <a:r>
-              <a:rPr lang="en-US" smtClean="0"/>
+              <a:rPr lang="en-US"/>
               <a:t>Click to edit Master text styles</a:t>
             </a:r>
           </a:p>
           <a:p>
             <a:pPr lvl="1" eaLnBrk="1" latinLnBrk="0" hangingPunct="1"/>
             <a:r>
-              <a:rPr lang="en-US" smtClean="0"/>
+              <a:rPr lang="en-US"/>
               <a:t>Second level</a:t>
             </a:r>
           </a:p>
           <a:p>
             <a:pPr lvl="2" eaLnBrk="1" latinLnBrk="0" hangingPunct="1"/>
             <a:r>
-              <a:rPr lang="en-US" smtClean="0"/>
+              <a:rPr lang="en-US"/>
               <a:t>Third level</a:t>
             </a:r>
           </a:p>
           <a:p>
             <a:pPr lvl="3" eaLnBrk="1" latinLnBrk="0" hangingPunct="1"/>
             <a:r>
-              <a:rPr lang="en-US" smtClean="0"/>
+              <a:rPr lang="en-US"/>
               <a:t>Fourth level</a:t>
             </a:r>
           </a:p>
           <a:p>
             <a:pPr lvl="4" eaLnBrk="1" latinLnBrk="0" hangingPunct="1"/>
             <a:r>
-              <a:rPr lang="en-US" smtClean="0"/>
+              <a:rPr lang="en-US"/>
               <a:t>Fifth level</a:t>
             </a:r>
             <a:endParaRPr kumimoji="0" lang="en-US"/>
@@ -728,7 +4063,7 @@
             <a:fld id="{59890AA0-6485-43C3-A3E1-2183D380AD4D}" type="datetimeFigureOut">
               <a:rPr lang="en-GB" smtClean="0"/>
               <a:pPr/>
-              <a:t>09/10/2017</a:t>
+              <a:t>10/10/2017</a:t>
             </a:fld>
             <a:endParaRPr lang="en-GB"/>
           </a:p>
@@ -823,10 +4158,9 @@
           <a:lstStyle/>
           <a:p>
             <a:r>
-              <a:rPr kumimoji="0" lang="en-US" smtClean="0"/>
+              <a:rPr kumimoji="0" lang="en-US"/>
               <a:t>Click to edit Master title style</a:t>
             </a:r>
-            <a:endParaRPr kumimoji="0" lang="en-US"/>
           </a:p>
         </p:txBody>
       </p:sp>
@@ -852,35 +4186,35 @@
           <a:p>
             <a:pPr lvl="0" eaLnBrk="1" latinLnBrk="0" hangingPunct="1"/>
             <a:r>
-              <a:rPr lang="en-US" smtClean="0"/>
+              <a:rPr lang="en-US"/>
               <a:t>Click to edit Master text styles</a:t>
             </a:r>
           </a:p>
           <a:p>
             <a:pPr lvl="1" eaLnBrk="1" latinLnBrk="0" hangingPunct="1"/>
             <a:r>
-              <a:rPr lang="en-US" smtClean="0"/>
+              <a:rPr lang="en-US"/>
               <a:t>Second level</a:t>
             </a:r>
           </a:p>
           <a:p>
             <a:pPr lvl="2" eaLnBrk="1" latinLnBrk="0" hangingPunct="1"/>
             <a:r>
-              <a:rPr lang="en-US" smtClean="0"/>
+              <a:rPr lang="en-US"/>
               <a:t>Third level</a:t>
             </a:r>
           </a:p>
           <a:p>
             <a:pPr lvl="3" eaLnBrk="1" latinLnBrk="0" hangingPunct="1"/>
             <a:r>
-              <a:rPr lang="en-US" smtClean="0"/>
+              <a:rPr lang="en-US"/>
               <a:t>Fourth level</a:t>
             </a:r>
           </a:p>
           <a:p>
             <a:pPr lvl="4" eaLnBrk="1" latinLnBrk="0" hangingPunct="1"/>
             <a:r>
-              <a:rPr lang="en-US" smtClean="0"/>
+              <a:rPr lang="en-US"/>
               <a:t>Fifth level</a:t>
             </a:r>
             <a:endParaRPr kumimoji="0" lang="en-US"/>
@@ -910,7 +4244,7 @@
             <a:fld id="{59890AA0-6485-43C3-A3E1-2183D380AD4D}" type="datetimeFigureOut">
               <a:rPr lang="en-GB" smtClean="0"/>
               <a:pPr/>
-              <a:t>09/10/2017</a:t>
+              <a:t>10/10/2017</a:t>
             </a:fld>
             <a:endParaRPr lang="en-GB"/>
           </a:p>
@@ -1159,7 +4493,7 @@
             <a:fld id="{59890AA0-6485-43C3-A3E1-2183D380AD4D}" type="datetimeFigureOut">
               <a:rPr lang="en-GB" smtClean="0"/>
               <a:pPr/>
-              <a:t>09/10/2017</a:t>
+              <a:t>10/10/2017</a:t>
             </a:fld>
             <a:endParaRPr lang="en-GB"/>
           </a:p>
@@ -1328,10 +4662,9 @@
           </a:lstStyle>
           <a:p>
             <a:r>
-              <a:rPr kumimoji="0" lang="en-US" smtClean="0"/>
+              <a:rPr kumimoji="0" lang="en-US"/>
               <a:t>Click to edit Master title style</a:t>
             </a:r>
-            <a:endParaRPr kumimoji="0" lang="en-US"/>
           </a:p>
         </p:txBody>
       </p:sp>
@@ -1408,7 +4741,7 @@
           <a:p>
             <a:pPr lvl="0" eaLnBrk="1" latinLnBrk="0" hangingPunct="1"/>
             <a:r>
-              <a:rPr kumimoji="0" lang="en-US" smtClean="0"/>
+              <a:rPr kumimoji="0" lang="en-US"/>
               <a:t>Click to edit Master text styles</a:t>
             </a:r>
           </a:p>
@@ -1459,10 +4792,9 @@
           </a:lstStyle>
           <a:p>
             <a:r>
-              <a:rPr kumimoji="0" lang="en-US" smtClean="0"/>
+              <a:rPr kumimoji="0" lang="en-US"/>
               <a:t>Click to edit Master title style</a:t>
             </a:r>
-            <a:endParaRPr kumimoji="0" lang="en-US"/>
           </a:p>
         </p:txBody>
       </p:sp>
@@ -1504,35 +4836,35 @@
           <a:p>
             <a:pPr lvl="0" eaLnBrk="1" latinLnBrk="0" hangingPunct="1"/>
             <a:r>
-              <a:rPr lang="en-US" smtClean="0"/>
+              <a:rPr lang="en-US"/>
               <a:t>Click to edit Master text styles</a:t>
             </a:r>
           </a:p>
           <a:p>
             <a:pPr lvl="1" eaLnBrk="1" latinLnBrk="0" hangingPunct="1"/>
             <a:r>
-              <a:rPr lang="en-US" smtClean="0"/>
+              <a:rPr lang="en-US"/>
               <a:t>Second level</a:t>
             </a:r>
           </a:p>
           <a:p>
             <a:pPr lvl="2" eaLnBrk="1" latinLnBrk="0" hangingPunct="1"/>
             <a:r>
-              <a:rPr lang="en-US" smtClean="0"/>
+              <a:rPr lang="en-US"/>
               <a:t>Third level</a:t>
             </a:r>
           </a:p>
           <a:p>
             <a:pPr lvl="3" eaLnBrk="1" latinLnBrk="0" hangingPunct="1"/>
             <a:r>
-              <a:rPr lang="en-US" smtClean="0"/>
+              <a:rPr lang="en-US"/>
               <a:t>Fourth level</a:t>
             </a:r>
           </a:p>
           <a:p>
             <a:pPr lvl="4" eaLnBrk="1" latinLnBrk="0" hangingPunct="1"/>
             <a:r>
-              <a:rPr lang="en-US" smtClean="0"/>
+              <a:rPr lang="en-US"/>
               <a:t>Fifth level</a:t>
             </a:r>
             <a:endParaRPr kumimoji="0" lang="en-US"/>
@@ -1577,35 +4909,35 @@
           <a:p>
             <a:pPr lvl="0" eaLnBrk="1" latinLnBrk="0" hangingPunct="1"/>
             <a:r>
-              <a:rPr lang="en-US" smtClean="0"/>
+              <a:rPr lang="en-US"/>
               <a:t>Click to edit Master text styles</a:t>
             </a:r>
           </a:p>
           <a:p>
             <a:pPr lvl="1" eaLnBrk="1" latinLnBrk="0" hangingPunct="1"/>
             <a:r>
-              <a:rPr lang="en-US" smtClean="0"/>
+              <a:rPr lang="en-US"/>
               <a:t>Second level</a:t>
             </a:r>
           </a:p>
           <a:p>
             <a:pPr lvl="2" eaLnBrk="1" latinLnBrk="0" hangingPunct="1"/>
             <a:r>
-              <a:rPr lang="en-US" smtClean="0"/>
+              <a:rPr lang="en-US"/>
               <a:t>Third level</a:t>
             </a:r>
           </a:p>
           <a:p>
             <a:pPr lvl="3" eaLnBrk="1" latinLnBrk="0" hangingPunct="1"/>
             <a:r>
-              <a:rPr lang="en-US" smtClean="0"/>
+              <a:rPr lang="en-US"/>
               <a:t>Fourth level</a:t>
             </a:r>
           </a:p>
           <a:p>
             <a:pPr lvl="4" eaLnBrk="1" latinLnBrk="0" hangingPunct="1"/>
             <a:r>
-              <a:rPr lang="en-US" smtClean="0"/>
+              <a:rPr lang="en-US"/>
               <a:t>Fifth level</a:t>
             </a:r>
             <a:endParaRPr kumimoji="0" lang="en-US"/>
@@ -1635,7 +4967,7 @@
             <a:fld id="{59890AA0-6485-43C3-A3E1-2183D380AD4D}" type="datetimeFigureOut">
               <a:rPr lang="en-GB" smtClean="0"/>
               <a:pPr/>
-              <a:t>09/10/2017</a:t>
+              <a:t>10/10/2017</a:t>
             </a:fld>
             <a:endParaRPr lang="en-GB"/>
           </a:p>
@@ -1758,10 +5090,9 @@
           </a:lstStyle>
           <a:p>
             <a:r>
-              <a:rPr kumimoji="0" lang="en-US" smtClean="0"/>
+              <a:rPr kumimoji="0" lang="en-US"/>
               <a:t>Click to edit Master title style</a:t>
             </a:r>
-            <a:endParaRPr kumimoji="0" lang="en-US"/>
           </a:p>
         </p:txBody>
       </p:sp>
@@ -1818,7 +5149,7 @@
           <a:p>
             <a:pPr lvl="0" eaLnBrk="1" latinLnBrk="0" hangingPunct="1"/>
             <a:r>
-              <a:rPr kumimoji="0" lang="en-US" smtClean="0"/>
+              <a:rPr kumimoji="0" lang="en-US"/>
               <a:t>Click to edit Master text styles</a:t>
             </a:r>
           </a:p>
@@ -1877,7 +5208,7 @@
           <a:p>
             <a:pPr lvl="0" eaLnBrk="1" latinLnBrk="0" hangingPunct="1"/>
             <a:r>
-              <a:rPr kumimoji="0" lang="en-US" smtClean="0"/>
+              <a:rPr kumimoji="0" lang="en-US"/>
               <a:t>Click to edit Master text styles</a:t>
             </a:r>
           </a:p>
@@ -1921,35 +5252,35 @@
           <a:p>
             <a:pPr lvl="0" eaLnBrk="1" latinLnBrk="0" hangingPunct="1"/>
             <a:r>
-              <a:rPr lang="en-US" smtClean="0"/>
+              <a:rPr lang="en-US"/>
               <a:t>Click to edit Master text styles</a:t>
             </a:r>
           </a:p>
           <a:p>
             <a:pPr lvl="1" eaLnBrk="1" latinLnBrk="0" hangingPunct="1"/>
             <a:r>
-              <a:rPr lang="en-US" smtClean="0"/>
+              <a:rPr lang="en-US"/>
               <a:t>Second level</a:t>
             </a:r>
           </a:p>
           <a:p>
             <a:pPr lvl="2" eaLnBrk="1" latinLnBrk="0" hangingPunct="1"/>
             <a:r>
-              <a:rPr lang="en-US" smtClean="0"/>
+              <a:rPr lang="en-US"/>
               <a:t>Third level</a:t>
             </a:r>
           </a:p>
           <a:p>
             <a:pPr lvl="3" eaLnBrk="1" latinLnBrk="0" hangingPunct="1"/>
             <a:r>
-              <a:rPr lang="en-US" smtClean="0"/>
+              <a:rPr lang="en-US"/>
               <a:t>Fourth level</a:t>
             </a:r>
           </a:p>
           <a:p>
             <a:pPr lvl="4" eaLnBrk="1" latinLnBrk="0" hangingPunct="1"/>
             <a:r>
-              <a:rPr lang="en-US" smtClean="0"/>
+              <a:rPr lang="en-US"/>
               <a:t>Fifth level</a:t>
             </a:r>
             <a:endParaRPr kumimoji="0" lang="en-US"/>
@@ -1994,35 +5325,35 @@
           <a:p>
             <a:pPr lvl="0" eaLnBrk="1" latinLnBrk="0" hangingPunct="1"/>
             <a:r>
-              <a:rPr lang="en-US" smtClean="0"/>
+              <a:rPr lang="en-US"/>
               <a:t>Click to edit Master text styles</a:t>
             </a:r>
           </a:p>
           <a:p>
             <a:pPr lvl="1" eaLnBrk="1" latinLnBrk="0" hangingPunct="1"/>
             <a:r>
-              <a:rPr lang="en-US" smtClean="0"/>
+              <a:rPr lang="en-US"/>
               <a:t>Second level</a:t>
             </a:r>
           </a:p>
           <a:p>
             <a:pPr lvl="2" eaLnBrk="1" latinLnBrk="0" hangingPunct="1"/>
             <a:r>
-              <a:rPr lang="en-US" smtClean="0"/>
+              <a:rPr lang="en-US"/>
               <a:t>Third level</a:t>
             </a:r>
           </a:p>
           <a:p>
             <a:pPr lvl="3" eaLnBrk="1" latinLnBrk="0" hangingPunct="1"/>
             <a:r>
-              <a:rPr lang="en-US" smtClean="0"/>
+              <a:rPr lang="en-US"/>
               <a:t>Fourth level</a:t>
             </a:r>
           </a:p>
           <a:p>
             <a:pPr lvl="4" eaLnBrk="1" latinLnBrk="0" hangingPunct="1"/>
             <a:r>
-              <a:rPr lang="en-US" smtClean="0"/>
+              <a:rPr lang="en-US"/>
               <a:t>Fifth level</a:t>
             </a:r>
             <a:endParaRPr kumimoji="0" lang="en-US"/>
@@ -2052,7 +5383,7 @@
             <a:fld id="{59890AA0-6485-43C3-A3E1-2183D380AD4D}" type="datetimeFigureOut">
               <a:rPr lang="en-GB" smtClean="0"/>
               <a:pPr/>
-              <a:t>09/10/2017</a:t>
+              <a:t>10/10/2017</a:t>
             </a:fld>
             <a:endParaRPr lang="en-GB"/>
           </a:p>
@@ -2160,10 +5491,9 @@
           </a:lstStyle>
           <a:p>
             <a:r>
-              <a:rPr kumimoji="0" lang="en-US" smtClean="0"/>
+              <a:rPr kumimoji="0" lang="en-US"/>
               <a:t>Click to edit Master title style</a:t>
             </a:r>
-            <a:endParaRPr kumimoji="0" lang="en-US"/>
           </a:p>
         </p:txBody>
       </p:sp>
@@ -2185,7 +5515,7 @@
             <a:fld id="{59890AA0-6485-43C3-A3E1-2183D380AD4D}" type="datetimeFigureOut">
               <a:rPr lang="en-GB" smtClean="0"/>
               <a:pPr/>
-              <a:t>09/10/2017</a:t>
+              <a:t>10/10/2017</a:t>
             </a:fld>
             <a:endParaRPr lang="en-GB"/>
           </a:p>
@@ -2282,7 +5612,7 @@
             <a:fld id="{59890AA0-6485-43C3-A3E1-2183D380AD4D}" type="datetimeFigureOut">
               <a:rPr lang="en-GB" smtClean="0"/>
               <a:pPr/>
-              <a:t>09/10/2017</a:t>
+              <a:t>10/10/2017</a:t>
             </a:fld>
             <a:endParaRPr lang="en-GB"/>
           </a:p>
@@ -2400,10 +5730,9 @@
           </a:lstStyle>
           <a:p>
             <a:r>
-              <a:rPr kumimoji="0" lang="en-US" smtClean="0"/>
+              <a:rPr kumimoji="0" lang="en-US"/>
               <a:t>Click to edit Master title style</a:t>
             </a:r>
-            <a:endParaRPr kumimoji="0" lang="en-US"/>
           </a:p>
         </p:txBody>
       </p:sp>
@@ -2453,7 +5782,7 @@
           <a:p>
             <a:pPr lvl="0" eaLnBrk="1" latinLnBrk="0" hangingPunct="1"/>
             <a:r>
-              <a:rPr kumimoji="0" lang="en-US" smtClean="0"/>
+              <a:rPr kumimoji="0" lang="en-US"/>
               <a:t>Click to edit Master text styles</a:t>
             </a:r>
           </a:p>
@@ -2500,35 +5829,35 @@
           <a:p>
             <a:pPr lvl="0" eaLnBrk="1" latinLnBrk="0" hangingPunct="1"/>
             <a:r>
-              <a:rPr lang="en-US" smtClean="0"/>
+              <a:rPr lang="en-US"/>
               <a:t>Click to edit Master text styles</a:t>
             </a:r>
           </a:p>
           <a:p>
             <a:pPr lvl="1" eaLnBrk="1" latinLnBrk="0" hangingPunct="1"/>
             <a:r>
-              <a:rPr lang="en-US" smtClean="0"/>
+              <a:rPr lang="en-US"/>
               <a:t>Second level</a:t>
             </a:r>
           </a:p>
           <a:p>
             <a:pPr lvl="2" eaLnBrk="1" latinLnBrk="0" hangingPunct="1"/>
             <a:r>
-              <a:rPr lang="en-US" smtClean="0"/>
+              <a:rPr lang="en-US"/>
               <a:t>Third level</a:t>
             </a:r>
           </a:p>
           <a:p>
             <a:pPr lvl="3" eaLnBrk="1" latinLnBrk="0" hangingPunct="1"/>
             <a:r>
-              <a:rPr lang="en-US" smtClean="0"/>
+              <a:rPr lang="en-US"/>
               <a:t>Fourth level</a:t>
             </a:r>
           </a:p>
           <a:p>
             <a:pPr lvl="4" eaLnBrk="1" latinLnBrk="0" hangingPunct="1"/>
             <a:r>
-              <a:rPr lang="en-US" smtClean="0"/>
+              <a:rPr lang="en-US"/>
               <a:t>Fifth level</a:t>
             </a:r>
             <a:endParaRPr kumimoji="0" lang="en-US"/>
@@ -2562,7 +5891,7 @@
             <a:fld id="{59890AA0-6485-43C3-A3E1-2183D380AD4D}" type="datetimeFigureOut">
               <a:rPr lang="en-GB" smtClean="0"/>
               <a:pPr/>
-              <a:t>09/10/2017</a:t>
+              <a:t>10/10/2017</a:t>
             </a:fld>
             <a:endParaRPr lang="en-GB"/>
           </a:p>
@@ -2685,10 +6014,9 @@
           </a:lstStyle>
           <a:p>
             <a:r>
-              <a:rPr kumimoji="0" lang="en-US" smtClean="0"/>
+              <a:rPr kumimoji="0" lang="en-US"/>
               <a:t>Click to edit Master title style</a:t>
             </a:r>
-            <a:endParaRPr kumimoji="0" lang="en-US"/>
           </a:p>
         </p:txBody>
       </p:sp>
@@ -2723,7 +6051,7 @@
           </a:lstStyle>
           <a:p>
             <a:r>
-              <a:rPr kumimoji="0" lang="en-US" smtClean="0"/>
+              <a:rPr kumimoji="0" lang="en-US"/>
               <a:t>Click icon to add picture</a:t>
             </a:r>
             <a:endParaRPr kumimoji="0" lang="en-US" dirty="0"/>
@@ -2783,7 +6111,7 @@
           <a:p>
             <a:pPr lvl="0" eaLnBrk="1" latinLnBrk="0" hangingPunct="1"/>
             <a:r>
-              <a:rPr kumimoji="0" lang="en-US" smtClean="0"/>
+              <a:rPr kumimoji="0" lang="en-US"/>
               <a:t>Click to edit Master text styles</a:t>
             </a:r>
           </a:p>
@@ -2816,7 +6144,7 @@
             <a:fld id="{59890AA0-6485-43C3-A3E1-2183D380AD4D}" type="datetimeFigureOut">
               <a:rPr lang="en-GB" smtClean="0"/>
               <a:pPr/>
-              <a:t>09/10/2017</a:t>
+              <a:t>10/10/2017</a:t>
             </a:fld>
             <a:endParaRPr lang="en-GB"/>
           </a:p>
@@ -3087,10 +6415,9 @@
           <a:lstStyle/>
           <a:p>
             <a:r>
-              <a:rPr kumimoji="0" lang="en-US" smtClean="0"/>
+              <a:rPr kumimoji="0" lang="en-US"/>
               <a:t>Click to edit Master title style</a:t>
             </a:r>
-            <a:endParaRPr kumimoji="0" lang="en-US"/>
           </a:p>
         </p:txBody>
       </p:sp>
@@ -3121,38 +6448,37 @@
           <a:p>
             <a:pPr lvl="0" eaLnBrk="1" latinLnBrk="0" hangingPunct="1"/>
             <a:r>
-              <a:rPr kumimoji="0" lang="en-US" smtClean="0"/>
+              <a:rPr kumimoji="0" lang="en-US"/>
               <a:t>Click to edit Master text styles</a:t>
             </a:r>
           </a:p>
           <a:p>
             <a:pPr lvl="1" eaLnBrk="1" latinLnBrk="0" hangingPunct="1"/>
             <a:r>
-              <a:rPr kumimoji="0" lang="en-US" smtClean="0"/>
+              <a:rPr kumimoji="0" lang="en-US"/>
               <a:t>Second level</a:t>
             </a:r>
           </a:p>
           <a:p>
             <a:pPr lvl="2" eaLnBrk="1" latinLnBrk="0" hangingPunct="1"/>
             <a:r>
-              <a:rPr kumimoji="0" lang="en-US" smtClean="0"/>
+              <a:rPr kumimoji="0" lang="en-US"/>
               <a:t>Third level</a:t>
             </a:r>
           </a:p>
           <a:p>
             <a:pPr lvl="3" eaLnBrk="1" latinLnBrk="0" hangingPunct="1"/>
             <a:r>
-              <a:rPr kumimoji="0" lang="en-US" smtClean="0"/>
+              <a:rPr kumimoji="0" lang="en-US"/>
               <a:t>Fourth level</a:t>
             </a:r>
           </a:p>
           <a:p>
             <a:pPr lvl="4" eaLnBrk="1" latinLnBrk="0" hangingPunct="1"/>
             <a:r>
-              <a:rPr kumimoji="0" lang="en-US" smtClean="0"/>
+              <a:rPr kumimoji="0" lang="en-US"/>
               <a:t>Fifth level</a:t>
             </a:r>
-            <a:endParaRPr kumimoji="0" lang="en-US"/>
           </a:p>
         </p:txBody>
       </p:sp>
@@ -3190,7 +6516,7 @@
             <a:fld id="{59890AA0-6485-43C3-A3E1-2183D380AD4D}" type="datetimeFigureOut">
               <a:rPr lang="en-GB" smtClean="0"/>
               <a:pPr/>
-              <a:t>09/10/2017</a:t>
+              <a:t>10/10/2017</a:t>
             </a:fld>
             <a:endParaRPr lang="en-GB"/>
           </a:p>
@@ -3632,10 +6958,9 @@
           <a:p>
             <a:pPr algn="ctr"/>
             <a:r>
-              <a:rPr lang="en-GB" dirty="0" smtClean="0"/>
+              <a:rPr lang="en-GB" dirty="0"/>
               <a:t>L6 Group-1 Pitch 1</a:t>
             </a:r>
-            <a:endParaRPr lang="en-GB" dirty="0"/>
           </a:p>
         </p:txBody>
       </p:sp>
@@ -3663,10 +6988,9 @@
           <a:p>
             <a:pPr algn="ctr"/>
             <a:r>
-              <a:rPr lang="en-GB" dirty="0" smtClean="0"/>
+              <a:rPr lang="en-GB" dirty="0"/>
               <a:t>Caitlin White, Connor Wilby, Jamie Chandler and Jordan Marks</a:t>
             </a:r>
-            <a:endParaRPr lang="en-GB" dirty="0"/>
           </a:p>
         </p:txBody>
       </p:sp>
@@ -3711,10 +7035,9 @@
           <a:lstStyle/>
           <a:p>
             <a:r>
-              <a:rPr lang="en-GB" dirty="0" smtClean="0"/>
+              <a:rPr lang="en-GB" dirty="0"/>
               <a:t>Idea 2 – Game Loop</a:t>
             </a:r>
-            <a:endParaRPr lang="en-GB" dirty="0"/>
           </a:p>
         </p:txBody>
       </p:sp>
@@ -3741,25 +7064,25 @@
           <a:lstStyle/>
           <a:p>
             <a:r>
-              <a:rPr lang="en-GB" dirty="0" smtClean="0"/>
+              <a:rPr lang="en-GB" dirty="0"/>
               <a:t>Direct character through level to the goal</a:t>
             </a:r>
           </a:p>
           <a:p>
             <a:r>
-              <a:rPr lang="en-GB" dirty="0" smtClean="0"/>
+              <a:rPr lang="en-GB" dirty="0"/>
               <a:t>Tap to change direction of tiles</a:t>
             </a:r>
           </a:p>
           <a:p>
             <a:r>
-              <a:rPr lang="en-GB" dirty="0" smtClean="0"/>
+              <a:rPr lang="en-GB" dirty="0"/>
               <a:t>Soft Currency – Power Ups</a:t>
             </a:r>
           </a:p>
           <a:p>
             <a:r>
-              <a:rPr lang="en-GB" dirty="0" smtClean="0"/>
+              <a:rPr lang="en-GB" dirty="0"/>
               <a:t>Hard Currency - Cosmetics</a:t>
             </a:r>
           </a:p>
@@ -3996,10 +7319,9 @@
           <a:lstStyle/>
           <a:p>
             <a:r>
-              <a:rPr lang="en-GB" dirty="0" smtClean="0"/>
+              <a:rPr lang="en-GB" dirty="0"/>
               <a:t>Idea 2 - Challenges </a:t>
             </a:r>
-            <a:endParaRPr lang="en-GB" dirty="0"/>
           </a:p>
         </p:txBody>
       </p:sp>
@@ -4019,31 +7341,31 @@
           <a:lstStyle/>
           <a:p>
             <a:r>
-              <a:rPr lang="en-GB" dirty="0" smtClean="0"/>
+              <a:rPr lang="en-GB" dirty="0"/>
               <a:t>Directing characters to matching goal platform</a:t>
             </a:r>
           </a:p>
           <a:p>
             <a:r>
-              <a:rPr lang="en-GB" dirty="0" smtClean="0"/>
+              <a:rPr lang="en-GB" dirty="0"/>
               <a:t>Multiple characters to direct</a:t>
             </a:r>
           </a:p>
           <a:p>
             <a:r>
-              <a:rPr lang="en-GB" dirty="0" smtClean="0"/>
+              <a:rPr lang="en-GB" dirty="0"/>
               <a:t>Varying Speed</a:t>
             </a:r>
           </a:p>
           <a:p>
             <a:r>
-              <a:rPr lang="en-GB" dirty="0" smtClean="0"/>
+              <a:rPr lang="en-GB" dirty="0"/>
               <a:t>Level Complexity</a:t>
             </a:r>
           </a:p>
           <a:p>
             <a:r>
-              <a:rPr lang="en-GB" dirty="0" smtClean="0"/>
+              <a:rPr lang="en-GB" dirty="0"/>
               <a:t>Varying Platforms</a:t>
             </a:r>
           </a:p>
@@ -4096,10 +7418,9 @@
           <a:lstStyle/>
           <a:p>
             <a:r>
-              <a:rPr lang="en-GB" dirty="0" smtClean="0"/>
+              <a:rPr lang="en-GB" dirty="0"/>
               <a:t>Idea 2 – Moodboards and Style Guide</a:t>
             </a:r>
-            <a:endParaRPr lang="en-GB" dirty="0"/>
           </a:p>
         </p:txBody>
       </p:sp>
@@ -4164,17 +7485,12 @@
           <a:p>
             <a:r>
               <a:rPr lang="en-GB"/>
-              <a:t>Idea </a:t>
-            </a:r>
-            <a:r>
-              <a:rPr lang="en-GB" smtClean="0"/>
-              <a:t>3- </a:t>
-            </a:r>
-            <a:r>
-              <a:rPr lang="en-GB" dirty="0" smtClean="0"/>
+              <a:t>Idea 3- </a:t>
+            </a:r>
+            <a:r>
+              <a:rPr lang="en-GB" dirty="0"/>
               <a:t>Game?</a:t>
             </a:r>
-            <a:endParaRPr lang="en-GB" dirty="0"/>
           </a:p>
         </p:txBody>
       </p:sp>
@@ -4200,7 +7516,7 @@
     </p:spTree>
     <p:extLst>
       <p:ext uri="{BB962C8B-B14F-4D97-AF65-F5344CB8AC3E}">
-        <p14:creationId xmlns:p14="http://schemas.microsoft.com/office/powerpoint/2010/main" xmlns="" val="650876939"/>
+        <p14:creationId xmlns:p14="http://schemas.microsoft.com/office/powerpoint/2010/main" val="650876939"/>
       </p:ext>
     </p:extLst>
   </p:cSld>
@@ -4243,12 +7559,8 @@
           <a:lstStyle/>
           <a:p>
             <a:r>
-              <a:rPr lang="en-GB" dirty="0" smtClean="0"/>
-              <a:t>Idea </a:t>
-            </a:r>
-            <a:r>
               <a:rPr lang="en-GB" dirty="0"/>
-              <a:t>3- Demographic</a:t>
+              <a:t>Idea 3- Demographic</a:t>
             </a:r>
           </a:p>
         </p:txBody>
@@ -4281,10 +7593,9 @@
           </a:p>
           <a:p>
             <a:r>
-              <a:rPr lang="en-GB" dirty="0" smtClean="0"/>
+              <a:rPr lang="en-GB" dirty="0"/>
               <a:t>Hard Fun:</a:t>
             </a:r>
-            <a:endParaRPr lang="en-GB" dirty="0"/>
           </a:p>
         </p:txBody>
       </p:sp>
@@ -4330,15 +7641,7 @@
           <a:p>
             <a:r>
               <a:rPr lang="en-GB" dirty="0"/>
-              <a:t>Idea 3- </a:t>
-            </a:r>
-            <a:r>
-              <a:rPr lang="en-GB" dirty="0" smtClean="0"/>
-              <a:t>Platform </a:t>
-            </a:r>
-            <a:r>
-              <a:rPr lang="en-GB" dirty="0"/>
-              <a:t>and Genre</a:t>
+              <a:t>Idea 3- Platform and Genre</a:t>
             </a:r>
           </a:p>
         </p:txBody>
@@ -4372,13 +7675,8 @@
           <a:p>
             <a:r>
               <a:rPr lang="en-GB" dirty="0"/>
-              <a:t>Duration: 1</a:t>
-            </a:r>
-            <a:r>
-              <a:rPr lang="en-GB" dirty="0" smtClean="0"/>
-              <a:t> minutes per life with up to 6 mins of play when all lives are used at once</a:t>
-            </a:r>
-            <a:endParaRPr lang="en-GB" dirty="0"/>
+              <a:t>Duration: 1 minutes per life with up to 6 mins of play when all lives are used at once</a:t>
+            </a:r>
           </a:p>
           <a:p>
             <a:endParaRPr lang="en-GB" dirty="0"/>
@@ -4426,12 +7724,8 @@
           <a:lstStyle/>
           <a:p>
             <a:r>
-              <a:rPr lang="en-GB" dirty="0" smtClean="0"/>
-              <a:t>Idea 3- Game </a:t>
-            </a:r>
-            <a:r>
               <a:rPr lang="en-GB" dirty="0"/>
-              <a:t>Loop</a:t>
+              <a:t>Idea 3- Game Loop</a:t>
             </a:r>
           </a:p>
         </p:txBody>
@@ -4459,30 +7753,21 @@
           <a:lstStyle/>
           <a:p>
             <a:r>
-              <a:rPr lang="en-GB" dirty="0" smtClean="0"/>
+              <a:rPr lang="en-GB" dirty="0"/>
               <a:t>Player’s have a minute to come up with as many words as they can using the giving letters</a:t>
             </a:r>
           </a:p>
           <a:p>
             <a:r>
-              <a:rPr lang="en-GB" dirty="0" smtClean="0"/>
-              <a:t>Soft </a:t>
-            </a:r>
-            <a:r>
               <a:rPr lang="en-GB" dirty="0"/>
-              <a:t>Currency – Power Ups</a:t>
+              <a:t>Soft Currency – Power Ups</a:t>
             </a:r>
           </a:p>
           <a:p>
             <a:r>
               <a:rPr lang="en-GB" dirty="0"/>
-              <a:t>Hard Currency </a:t>
-            </a:r>
-            <a:r>
-              <a:rPr lang="en-GB" dirty="0" smtClean="0"/>
-              <a:t>– Refill your lives</a:t>
-            </a:r>
-            <a:endParaRPr lang="en-GB" dirty="0"/>
+              <a:t>Hard Currency – Refill your lives</a:t>
+            </a:r>
           </a:p>
         </p:txBody>
       </p:sp>
@@ -4629,10 +7914,9 @@
           <a:lstStyle/>
           <a:p>
             <a:r>
-              <a:rPr lang="en-GB" dirty="0" smtClean="0"/>
+              <a:rPr lang="en-GB" dirty="0"/>
               <a:t>Use a Life</a:t>
             </a:r>
-            <a:endParaRPr lang="en-GB" dirty="0"/>
           </a:p>
         </p:txBody>
       </p:sp>
@@ -4659,10 +7943,9 @@
           <a:lstStyle/>
           <a:p>
             <a:r>
-              <a:rPr lang="en-GB" dirty="0" smtClean="0"/>
+              <a:rPr lang="en-GB" dirty="0"/>
               <a:t>Earn rewards</a:t>
             </a:r>
-            <a:endParaRPr lang="en-GB" dirty="0"/>
           </a:p>
         </p:txBody>
       </p:sp>
@@ -4689,10 +7972,9 @@
           <a:lstStyle/>
           <a:p>
             <a:r>
-              <a:rPr lang="en-GB" dirty="0" smtClean="0"/>
+              <a:rPr lang="en-GB" dirty="0"/>
               <a:t>Make as many words as you can in a minute</a:t>
             </a:r>
-            <a:endParaRPr lang="en-GB" dirty="0"/>
           </a:p>
         </p:txBody>
       </p:sp>
@@ -4738,15 +8020,7 @@
           <a:p>
             <a:r>
               <a:rPr lang="en-GB" dirty="0"/>
-              <a:t>Idea </a:t>
-            </a:r>
-            <a:r>
-              <a:rPr lang="en-GB" dirty="0" smtClean="0"/>
-              <a:t>3 </a:t>
-            </a:r>
-            <a:r>
-              <a:rPr lang="en-GB" dirty="0"/>
-              <a:t>- Challenges</a:t>
+              <a:t>Idea 3 - Challenges</a:t>
             </a:r>
           </a:p>
         </p:txBody>
@@ -4767,27 +8041,27 @@
           <a:lstStyle/>
           <a:p>
             <a:r>
-              <a:rPr lang="en-GB" dirty="0" smtClean="0"/>
+              <a:rPr lang="en-GB" dirty="0"/>
               <a:t>Fast paced</a:t>
             </a:r>
           </a:p>
           <a:p>
             <a:r>
-              <a:rPr lang="en-GB" dirty="0" smtClean="0"/>
+              <a:rPr lang="en-GB" dirty="0"/>
               <a:t>Mental challenge</a:t>
             </a:r>
           </a:p>
           <a:p>
             <a:r>
-              <a:rPr lang="en-GB" dirty="0" smtClean="0"/>
+              <a:rPr lang="en-GB" dirty="0"/>
               <a:t>Varying amount of letters</a:t>
             </a:r>
           </a:p>
           <a:p>
-            <a:endParaRPr lang="en-GB" dirty="0" smtClean="0"/>
-          </a:p>
-          <a:p>
-            <a:endParaRPr lang="en-GB" dirty="0" smtClean="0"/>
+            <a:endParaRPr lang="en-GB" dirty="0"/>
+          </a:p>
+          <a:p>
+            <a:endParaRPr lang="en-GB" dirty="0"/>
           </a:p>
         </p:txBody>
       </p:sp>
@@ -4833,15 +8107,7 @@
           <a:p>
             <a:r>
               <a:rPr lang="en-GB" dirty="0"/>
-              <a:t>Idea </a:t>
-            </a:r>
-            <a:r>
-              <a:rPr lang="en-GB" dirty="0" smtClean="0"/>
-              <a:t>3 </a:t>
-            </a:r>
-            <a:r>
-              <a:rPr lang="en-GB" dirty="0"/>
-              <a:t>– </a:t>
+              <a:t>Idea 3 – </a:t>
             </a:r>
             <a:r>
               <a:rPr lang="en-GB" dirty="0" err="1"/>
@@ -4919,7 +8185,7 @@
           <a:lstStyle/>
           <a:p>
             <a:r>
-              <a:rPr lang="en-GB" dirty="0" smtClean="0">
+              <a:rPr lang="en-GB" dirty="0">
                 <a:effectLst>
                   <a:outerShdw blurRad="38100" dist="38100" dir="2700000" algn="tl">
                     <a:srgbClr val="000000">
@@ -4930,22 +8196,13 @@
               </a:rPr>
               <a:t>Questions?</a:t>
             </a:r>
-            <a:endParaRPr lang="en-GB" dirty="0">
-              <a:effectLst>
-                <a:outerShdw blurRad="38100" dist="38100" dir="2700000" algn="tl">
-                  <a:srgbClr val="000000">
-                    <a:alpha val="43137"/>
-                  </a:srgbClr>
-                </a:outerShdw>
-              </a:effectLst>
-            </a:endParaRPr>
           </a:p>
         </p:txBody>
       </p:sp>
     </p:spTree>
     <p:extLst>
       <p:ext uri="{BB962C8B-B14F-4D97-AF65-F5344CB8AC3E}">
-        <p14:creationId xmlns:p14="http://schemas.microsoft.com/office/powerpoint/2010/main" xmlns="" val="3579189080"/>
+        <p14:creationId xmlns:p14="http://schemas.microsoft.com/office/powerpoint/2010/main" val="3579189080"/>
       </p:ext>
     </p:extLst>
   </p:cSld>
@@ -4988,36 +8245,47 @@
           <a:lstStyle/>
           <a:p>
             <a:r>
-              <a:rPr lang="en-GB" dirty="0" smtClean="0"/>
-              <a:t>Idea 1- </a:t>
-            </a:r>
-            <a:r>
-              <a:rPr lang="en-GB" dirty="0" smtClean="0"/>
-              <a:t>Hex Switching</a:t>
-            </a:r>
-            <a:endParaRPr lang="en-GB" dirty="0"/>
-          </a:p>
-        </p:txBody>
-      </p:sp>
-      <p:sp>
-        <p:nvSpPr>
-          <p:cNvPr id="3" name="Content Placeholder 2"/>
-          <p:cNvSpPr>
-            <a:spLocks noGrp="1"/>
-          </p:cNvSpPr>
+              <a:rPr lang="en-GB" dirty="0"/>
+              <a:t>Idea 1- Hex Switching</a:t>
+            </a:r>
+          </a:p>
+        </p:txBody>
+      </p:sp>
+      <p:pic>
+        <p:nvPicPr>
+          <p:cNvPr id="5" name="Content Placeholder 4">
+            <a:extLst>
+              <a:ext uri="{FF2B5EF4-FFF2-40B4-BE49-F238E27FC236}">
+                <a16:creationId xmlns:a16="http://schemas.microsoft.com/office/drawing/2014/main" id="{0090F44B-6CFF-4EC9-83A3-F75FD76A3B57}"/>
+              </a:ext>
+            </a:extLst>
+          </p:cNvPr>
+          <p:cNvPicPr>
+            <a:picLocks noGrp="1" noChangeAspect="1"/>
+          </p:cNvPicPr>
           <p:nvPr>
             <p:ph idx="1"/>
           </p:nvPr>
-        </p:nvSpPr>
-        <p:spPr/>
-        <p:txBody>
-          <a:bodyPr/>
-          <a:lstStyle/>
-          <a:p>
-            <a:endParaRPr lang="en-GB" dirty="0"/>
-          </a:p>
-        </p:txBody>
-      </p:sp>
+        </p:nvPicPr>
+        <p:blipFill>
+          <a:blip r:embed="rId3">
+            <a:extLst>
+              <a:ext uri="{28A0092B-C50C-407E-A947-70E740481C1C}">
+                <a14:useLocalDpi xmlns:a14="http://schemas.microsoft.com/office/drawing/2010/main" val="0"/>
+              </a:ext>
+            </a:extLst>
+          </a:blip>
+          <a:stretch>
+            <a:fillRect/>
+          </a:stretch>
+        </p:blipFill>
+        <p:spPr>
+          <a:xfrm>
+            <a:off x="500990" y="1772816"/>
+            <a:ext cx="8142019" cy="4572000"/>
+          </a:xfrm>
+        </p:spPr>
+      </p:pic>
     </p:spTree>
   </p:cSld>
   <p:clrMapOvr>
@@ -5080,48 +8348,48 @@
           <a:lstStyle/>
           <a:p>
             <a:r>
-              <a:rPr lang="en-GB" dirty="0" smtClean="0">
+              <a:rPr lang="en-GB" dirty="0">
                 <a:hlinkClick r:id="rId2"/>
               </a:rPr>
               <a:t>http://www.ampush.com/blog/the-fastest-growing-mobile-gaming-audience-women/</a:t>
             </a:r>
-            <a:endParaRPr lang="en-GB" dirty="0" smtClean="0"/>
-          </a:p>
-          <a:p>
-            <a:r>
-              <a:rPr lang="en-GB" dirty="0" smtClean="0">
+            <a:endParaRPr lang="en-GB" dirty="0"/>
+          </a:p>
+          <a:p>
+            <a:r>
+              <a:rPr lang="en-GB" dirty="0">
                 <a:hlinkClick r:id="rId3"/>
               </a:rPr>
               <a:t>http://www.realitymine.com/myth-busting-mobile-gaming-demographics/</a:t>
             </a:r>
-            <a:endParaRPr lang="en-GB" dirty="0" smtClean="0"/>
-          </a:p>
-          <a:p>
-            <a:r>
-              <a:rPr lang="en-GB" dirty="0" smtClean="0">
+            <a:endParaRPr lang="en-GB" dirty="0"/>
+          </a:p>
+          <a:p>
+            <a:r>
+              <a:rPr lang="en-GB" dirty="0">
                 <a:hlinkClick r:id="rId4"/>
               </a:rPr>
               <a:t>http://www.adweek.com/brand-marketing/infographic-how-mobile-use-varies-across-generations-166426/</a:t>
             </a:r>
-            <a:endParaRPr lang="en-GB" dirty="0" smtClean="0"/>
-          </a:p>
-          <a:p>
-            <a:r>
-              <a:rPr lang="en-GB" dirty="0" smtClean="0">
+            <a:endParaRPr lang="en-GB" dirty="0"/>
+          </a:p>
+          <a:p>
+            <a:r>
+              <a:rPr lang="en-GB" dirty="0">
                 <a:hlinkClick r:id="rId5"/>
               </a:rPr>
               <a:t>https://www.nyfa.edu/student-resources/learning-from-the-best-puzzle-games/</a:t>
             </a:r>
-            <a:endParaRPr lang="en-GB" dirty="0" smtClean="0"/>
-          </a:p>
-          <a:p>
-            <a:r>
-              <a:rPr lang="en-GB" dirty="0" smtClean="0">
+            <a:endParaRPr lang="en-GB" dirty="0"/>
+          </a:p>
+          <a:p>
+            <a:r>
+              <a:rPr lang="en-GB" dirty="0">
                 <a:hlinkClick r:id="rId6"/>
               </a:rPr>
               <a:t>https://vungle.com/blog/2015/04/27/the-6-rules-of-a-hit-puzzle-game/</a:t>
             </a:r>
-            <a:endParaRPr lang="en-GB" dirty="0" smtClean="0"/>
+            <a:endParaRPr lang="en-GB" dirty="0"/>
           </a:p>
           <a:p>
             <a:endParaRPr lang="en-GB" dirty="0"/>
@@ -5170,13 +8438,8 @@
           <a:p>
             <a:r>
               <a:rPr lang="en-GB" dirty="0"/>
-              <a:t>Idea 1- </a:t>
-            </a:r>
-            <a:r>
-              <a:rPr lang="en-GB" dirty="0" smtClean="0"/>
-              <a:t>Demographic</a:t>
-            </a:r>
-            <a:endParaRPr lang="en-GB" dirty="0"/>
+              <a:t>Idea 1- Demographic</a:t>
+            </a:r>
           </a:p>
         </p:txBody>
       </p:sp>
@@ -5195,7 +8458,19 @@
           <a:bodyPr/>
           <a:lstStyle/>
           <a:p>
-            <a:endParaRPr lang="en-GB"/>
+            <a:r>
+              <a:rPr lang="en-GB" dirty="0"/>
+              <a:t>Age: 25-34</a:t>
+            </a:r>
+          </a:p>
+          <a:p>
+            <a:r>
+              <a:rPr lang="en-GB" dirty="0"/>
+              <a:t>Gender: Male</a:t>
+            </a:r>
+          </a:p>
+          <a:p>
+            <a:endParaRPr lang="en-GB" dirty="0"/>
           </a:p>
         </p:txBody>
       </p:sp>
@@ -5241,13 +8516,8 @@
           <a:p>
             <a:r>
               <a:rPr lang="en-GB" dirty="0"/>
-              <a:t>Idea 1- </a:t>
-            </a:r>
-            <a:r>
-              <a:rPr lang="en-GB" dirty="0" smtClean="0"/>
-              <a:t>Platform and Genre</a:t>
-            </a:r>
-            <a:endParaRPr lang="en-GB" dirty="0"/>
+              <a:t>Idea 1- Platform and Genre</a:t>
+            </a:r>
           </a:p>
         </p:txBody>
       </p:sp>
@@ -5312,35 +8582,42 @@
           <a:p>
             <a:r>
               <a:rPr lang="en-GB" dirty="0"/>
-              <a:t>Idea 1- </a:t>
-            </a:r>
-            <a:r>
-              <a:rPr lang="en-GB" dirty="0" smtClean="0"/>
-              <a:t>Game Loop</a:t>
-            </a:r>
-            <a:endParaRPr lang="en-GB" dirty="0"/>
-          </a:p>
-        </p:txBody>
-      </p:sp>
-      <p:sp>
-        <p:nvSpPr>
-          <p:cNvPr id="3" name="Content Placeholder 2"/>
-          <p:cNvSpPr>
-            <a:spLocks noGrp="1"/>
-          </p:cNvSpPr>
+              <a:t>Idea 1- Game Loop</a:t>
+            </a:r>
+          </a:p>
+        </p:txBody>
+      </p:sp>
+      <p:graphicFrame>
+        <p:nvGraphicFramePr>
+          <p:cNvPr id="11" name="Content Placeholder 10">
+            <a:extLst>
+              <a:ext uri="{FF2B5EF4-FFF2-40B4-BE49-F238E27FC236}">
+                <a16:creationId xmlns:a16="http://schemas.microsoft.com/office/drawing/2014/main" id="{63D884F9-9DAF-4078-8A03-C9579CA1824C}"/>
+              </a:ext>
+            </a:extLst>
+          </p:cNvPr>
+          <p:cNvGraphicFramePr>
+            <a:graphicFrameLocks noGrp="1"/>
+          </p:cNvGraphicFramePr>
           <p:nvPr>
             <p:ph idx="1"/>
-          </p:nvPr>
-        </p:nvSpPr>
-        <p:spPr/>
-        <p:txBody>
-          <a:bodyPr/>
-          <a:lstStyle/>
-          <a:p>
-            <a:endParaRPr lang="en-GB"/>
-          </a:p>
-        </p:txBody>
-      </p:sp>
+            <p:extLst>
+              <p:ext uri="{D42A27DB-BD31-4B8C-83A1-F6EECF244321}">
+                <p14:modId xmlns:p14="http://schemas.microsoft.com/office/powerpoint/2010/main" val="1320179991"/>
+              </p:ext>
+            </p:extLst>
+          </p:nvPr>
+        </p:nvGraphicFramePr>
+        <p:xfrm>
+          <a:off x="755576" y="1412776"/>
+          <a:ext cx="3045024" cy="2305050"/>
+        </p:xfrm>
+        <a:graphic>
+          <a:graphicData uri="http://schemas.openxmlformats.org/drawingml/2006/diagram">
+            <dgm:relIds xmlns:dgm="http://schemas.openxmlformats.org/drawingml/2006/diagram" xmlns:r="http://schemas.openxmlformats.org/officeDocument/2006/relationships" r:dm="rId2" r:lo="rId3" r:qs="rId4" r:cs="rId5"/>
+          </a:graphicData>
+        </a:graphic>
+      </p:graphicFrame>
     </p:spTree>
   </p:cSld>
   <p:clrMapOvr>
@@ -5383,13 +8660,8 @@
           <a:p>
             <a:r>
               <a:rPr lang="en-GB" dirty="0"/>
-              <a:t>Idea 1- </a:t>
-            </a:r>
-            <a:r>
-              <a:rPr lang="en-GB" dirty="0" smtClean="0"/>
-              <a:t>Challenges</a:t>
-            </a:r>
-            <a:endParaRPr lang="en-GB" dirty="0"/>
+              <a:t>Idea 1- Challenges</a:t>
+            </a:r>
           </a:p>
         </p:txBody>
       </p:sp>
@@ -5408,14 +8680,29 @@
           <a:bodyPr/>
           <a:lstStyle/>
           <a:p>
-            <a:endParaRPr lang="en-GB"/>
+            <a:r>
+              <a:rPr lang="en-GB" dirty="0"/>
+              <a:t>Creating an unbroken chain of hexes</a:t>
+            </a:r>
+          </a:p>
+          <a:p>
+            <a:r>
+              <a:rPr lang="en-GB" dirty="0"/>
+              <a:t>Using different hex types to reduce the number of moves this takes</a:t>
+            </a:r>
+          </a:p>
+          <a:p>
+            <a:r>
+              <a:rPr lang="en-GB" dirty="0"/>
+              <a:t>Optimisation game</a:t>
+            </a:r>
           </a:p>
         </p:txBody>
       </p:sp>
     </p:spTree>
     <p:extLst>
       <p:ext uri="{BB962C8B-B14F-4D97-AF65-F5344CB8AC3E}">
-        <p14:creationId xmlns:p14="http://schemas.microsoft.com/office/powerpoint/2010/main" xmlns="" val="650876939"/>
+        <p14:creationId xmlns:p14="http://schemas.microsoft.com/office/powerpoint/2010/main" val="650876939"/>
       </p:ext>
     </p:extLst>
   </p:cSld>
@@ -5459,17 +8746,8 @@
           <a:p>
             <a:r>
               <a:rPr lang="en-GB" dirty="0"/>
-              <a:t>Idea </a:t>
-            </a:r>
-            <a:r>
-              <a:rPr lang="en-GB" dirty="0" smtClean="0"/>
-              <a:t>2- </a:t>
-            </a:r>
-            <a:r>
-              <a:rPr lang="en-GB" dirty="0" smtClean="0"/>
-              <a:t>Game?</a:t>
-            </a:r>
-            <a:endParaRPr lang="en-GB" dirty="0"/>
+              <a:t>Idea 2- Game?</a:t>
+            </a:r>
           </a:p>
         </p:txBody>
       </p:sp>
@@ -5495,7 +8773,7 @@
     </p:spTree>
     <p:extLst>
       <p:ext uri="{BB962C8B-B14F-4D97-AF65-F5344CB8AC3E}">
-        <p14:creationId xmlns:p14="http://schemas.microsoft.com/office/powerpoint/2010/main" xmlns="" val="650876939"/>
+        <p14:creationId xmlns:p14="http://schemas.microsoft.com/office/powerpoint/2010/main" val="650876939"/>
       </p:ext>
     </p:extLst>
   </p:cSld>
@@ -5538,10 +8816,9 @@
           <a:lstStyle/>
           <a:p>
             <a:r>
-              <a:rPr lang="en-GB" dirty="0" smtClean="0"/>
+              <a:rPr lang="en-GB" dirty="0"/>
               <a:t>Idea 2 - Demographic</a:t>
             </a:r>
-            <a:endParaRPr lang="en-GB" dirty="0"/>
           </a:p>
         </p:txBody>
       </p:sp>
@@ -5563,49 +8840,49 @@
           <a:lstStyle/>
           <a:p>
             <a:r>
-              <a:rPr lang="en-GB" sz="3800" dirty="0" smtClean="0"/>
+              <a:rPr lang="en-GB" sz="3800" dirty="0"/>
               <a:t>Age: 25-34</a:t>
             </a:r>
           </a:p>
           <a:p>
             <a:r>
-              <a:rPr lang="en-GB" sz="3800" dirty="0" smtClean="0"/>
+              <a:rPr lang="en-GB" sz="3800" dirty="0"/>
               <a:t>Gender: Female</a:t>
             </a:r>
           </a:p>
           <a:p>
             <a:r>
-              <a:rPr lang="en-GB" sz="3800" dirty="0" smtClean="0"/>
+              <a:rPr lang="en-GB" sz="3800" dirty="0"/>
               <a:t>Hard Fun: </a:t>
             </a:r>
           </a:p>
           <a:p>
             <a:pPr lvl="1"/>
             <a:r>
-              <a:rPr lang="en-GB" sz="3800" dirty="0" smtClean="0"/>
+              <a:rPr lang="en-GB" sz="3800" dirty="0"/>
               <a:t>Accomplishment</a:t>
             </a:r>
           </a:p>
           <a:p>
             <a:pPr lvl="1"/>
             <a:r>
-              <a:rPr lang="en-GB" sz="3800" dirty="0" smtClean="0"/>
+              <a:rPr lang="en-GB" sz="3800" dirty="0"/>
               <a:t>Strategy</a:t>
             </a:r>
           </a:p>
           <a:p>
             <a:pPr lvl="1"/>
             <a:r>
-              <a:rPr lang="en-GB" sz="3800" dirty="0" smtClean="0"/>
+              <a:rPr lang="en-GB" sz="3800" dirty="0"/>
               <a:t>Clear Goal</a:t>
             </a:r>
           </a:p>
           <a:p>
             <a:pPr lvl="1"/>
-            <a:endParaRPr lang="en-GB" dirty="0" smtClean="0"/>
-          </a:p>
-          <a:p>
-            <a:endParaRPr lang="en-GB" dirty="0" smtClean="0"/>
+            <a:endParaRPr lang="en-GB" dirty="0"/>
+          </a:p>
+          <a:p>
+            <a:endParaRPr lang="en-GB" dirty="0"/>
           </a:p>
           <a:p>
             <a:pPr>
@@ -5617,50 +8894,50 @@
             <a:pPr>
               <a:buNone/>
             </a:pPr>
-            <a:endParaRPr lang="en-GB" dirty="0" smtClean="0"/>
+            <a:endParaRPr lang="en-GB" dirty="0"/>
           </a:p>
           <a:p>
             <a:pPr>
               <a:buNone/>
             </a:pPr>
-            <a:endParaRPr lang="en-GB" dirty="0" smtClean="0"/>
+            <a:endParaRPr lang="en-GB" dirty="0"/>
           </a:p>
           <a:p>
             <a:pPr>
               <a:buNone/>
             </a:pPr>
-            <a:endParaRPr lang="en-GB" dirty="0" smtClean="0"/>
+            <a:endParaRPr lang="en-GB" dirty="0"/>
           </a:p>
           <a:p>
             <a:pPr>
               <a:buNone/>
             </a:pPr>
-            <a:endParaRPr lang="en-GB" dirty="0" smtClean="0"/>
+            <a:endParaRPr lang="en-GB" dirty="0"/>
           </a:p>
           <a:p>
             <a:pPr>
               <a:buNone/>
             </a:pPr>
-            <a:endParaRPr lang="en-GB" dirty="0" smtClean="0"/>
+            <a:endParaRPr lang="en-GB" dirty="0"/>
           </a:p>
           <a:p>
             <a:pPr>
               <a:buNone/>
             </a:pPr>
-            <a:endParaRPr lang="en-GB" sz="1100" dirty="0" smtClean="0"/>
+            <a:endParaRPr lang="en-GB" sz="1100" dirty="0"/>
           </a:p>
           <a:p>
             <a:pPr>
               <a:buNone/>
             </a:pPr>
-            <a:endParaRPr lang="en-GB" sz="1100" dirty="0" smtClean="0"/>
+            <a:endParaRPr lang="en-GB" sz="1100" dirty="0"/>
           </a:p>
           <a:p>
             <a:pPr>
               <a:buNone/>
             </a:pPr>
             <a:r>
-              <a:rPr lang="en-GB" sz="1100" dirty="0" smtClean="0"/>
+              <a:rPr lang="en-GB" sz="1100" dirty="0"/>
               <a:t>Source: http://www.realitymine.com/myth-busting-mobile-gaming-demographics/</a:t>
             </a:r>
           </a:p>
@@ -5733,10 +9010,9 @@
           <a:lstStyle/>
           <a:p>
             <a:r>
-              <a:rPr lang="en-GB" dirty="0" smtClean="0"/>
+              <a:rPr lang="en-GB" dirty="0"/>
               <a:t>Idea 2 – Platform and Genre</a:t>
             </a:r>
-            <a:endParaRPr lang="en-GB" dirty="0"/>
           </a:p>
         </p:txBody>
       </p:sp>
@@ -5758,64 +9034,64 @@
           <a:lstStyle/>
           <a:p>
             <a:r>
-              <a:rPr lang="en-GB" dirty="0" smtClean="0"/>
+              <a:rPr lang="en-GB" dirty="0"/>
               <a:t>Platform: Mobile and Tablet</a:t>
             </a:r>
           </a:p>
           <a:p>
             <a:r>
-              <a:rPr lang="en-GB" dirty="0" smtClean="0"/>
+              <a:rPr lang="en-GB" dirty="0"/>
               <a:t>Genre: Puzzle</a:t>
             </a:r>
           </a:p>
           <a:p>
             <a:r>
-              <a:rPr lang="en-GB" dirty="0" smtClean="0"/>
+              <a:rPr lang="en-GB" dirty="0"/>
               <a:t>Duration: Up to 2 minutes</a:t>
             </a:r>
           </a:p>
           <a:p>
-            <a:endParaRPr lang="en-GB" dirty="0" smtClean="0"/>
-          </a:p>
-          <a:p>
-            <a:endParaRPr lang="en-GB" dirty="0" smtClean="0"/>
-          </a:p>
-          <a:p>
-            <a:endParaRPr lang="en-GB" dirty="0" smtClean="0"/>
-          </a:p>
-          <a:p>
-            <a:endParaRPr lang="en-GB" dirty="0" smtClean="0"/>
+            <a:endParaRPr lang="en-GB" dirty="0"/>
+          </a:p>
+          <a:p>
+            <a:endParaRPr lang="en-GB" dirty="0"/>
+          </a:p>
+          <a:p>
+            <a:endParaRPr lang="en-GB" dirty="0"/>
+          </a:p>
+          <a:p>
+            <a:endParaRPr lang="en-GB" dirty="0"/>
           </a:p>
           <a:p>
             <a:pPr>
               <a:buNone/>
             </a:pPr>
-            <a:endParaRPr lang="en-GB" sz="700" dirty="0" smtClean="0"/>
+            <a:endParaRPr lang="en-GB" sz="700" dirty="0"/>
           </a:p>
           <a:p>
             <a:pPr>
               <a:buNone/>
             </a:pPr>
-            <a:endParaRPr lang="en-GB" sz="700" dirty="0" smtClean="0"/>
+            <a:endParaRPr lang="en-GB" sz="700" dirty="0"/>
           </a:p>
           <a:p>
             <a:pPr>
               <a:buNone/>
             </a:pPr>
-            <a:endParaRPr lang="en-GB" sz="700" dirty="0" smtClean="0"/>
+            <a:endParaRPr lang="en-GB" sz="700" dirty="0"/>
           </a:p>
           <a:p>
             <a:pPr>
               <a:buNone/>
             </a:pPr>
-            <a:endParaRPr lang="en-GB" sz="700" dirty="0" smtClean="0"/>
+            <a:endParaRPr lang="en-GB" sz="700" dirty="0"/>
           </a:p>
           <a:p>
             <a:pPr>
               <a:buNone/>
             </a:pPr>
             <a:r>
-              <a:rPr lang="en-GB" sz="700" dirty="0" smtClean="0"/>
+              <a:rPr lang="en-GB" sz="700" dirty="0"/>
               <a:t>Source: http://www.realitymine.com/myth-busting-mobile-gaming-demographics/</a:t>
             </a:r>
           </a:p>
@@ -6135,4 +9411,299 @@
   <a:objectDefaults/>
   <a:extraClrSchemeLst/>
 </a:theme>
+</file>
+
+<file path=ppt/theme/theme2.xml><?xml version="1.0" encoding="utf-8"?>
+<a:theme xmlns:a="http://schemas.openxmlformats.org/drawingml/2006/main" name="Office Theme">
+  <a:themeElements>
+    <a:clrScheme name="Office">
+      <a:dk1>
+        <a:sysClr val="windowText" lastClr="000000"/>
+      </a:dk1>
+      <a:lt1>
+        <a:sysClr val="window" lastClr="FFFFFF"/>
+      </a:lt1>
+      <a:dk2>
+        <a:srgbClr val="44546A"/>
+      </a:dk2>
+      <a:lt2>
+        <a:srgbClr val="E7E6E6"/>
+      </a:lt2>
+      <a:accent1>
+        <a:srgbClr val="4472C4"/>
+      </a:accent1>
+      <a:accent2>
+        <a:srgbClr val="ED7D31"/>
+      </a:accent2>
+      <a:accent3>
+        <a:srgbClr val="A5A5A5"/>
+      </a:accent3>
+      <a:accent4>
+        <a:srgbClr val="FFC000"/>
+      </a:accent4>
+      <a:accent5>
+        <a:srgbClr val="5B9BD5"/>
+      </a:accent5>
+      <a:accent6>
+        <a:srgbClr val="70AD47"/>
+      </a:accent6>
+      <a:hlink>
+        <a:srgbClr val="0563C1"/>
+      </a:hlink>
+      <a:folHlink>
+        <a:srgbClr val="954F72"/>
+      </a:folHlink>
+    </a:clrScheme>
+    <a:fontScheme name="Office">
+      <a:majorFont>
+        <a:latin typeface="Calibri Light" panose="020F0302020204030204"/>
+        <a:ea typeface=""/>
+        <a:cs typeface=""/>
+        <a:font script="Jpan" typeface="游ゴシック Light"/>
+        <a:font script="Hang" typeface="맑은 고딕"/>
+        <a:font script="Hans" typeface="等线 Light"/>
+        <a:font script="Hant" typeface="新細明體"/>
+        <a:font script="Arab" typeface="Times New Roman"/>
+        <a:font script="Hebr" typeface="Times New Roman"/>
+        <a:font script="Thai" typeface="Angsana New"/>
+        <a:font script="Ethi" typeface="Nyala"/>
+        <a:font script="Beng" typeface="Vrinda"/>
+        <a:font script="Gujr" typeface="Shruti"/>
+        <a:font script="Khmr" typeface="MoolBoran"/>
+        <a:font script="Knda" typeface="Tunga"/>
+        <a:font script="Guru" typeface="Raavi"/>
+        <a:font script="Cans" typeface="Euphemia"/>
+        <a:font script="Cher" typeface="Plantagenet Cherokee"/>
+        <a:font script="Yiii" typeface="Microsoft Yi Baiti"/>
+        <a:font script="Tibt" typeface="Microsoft Himalaya"/>
+        <a:font script="Thaa" typeface="MV Boli"/>
+        <a:font script="Deva" typeface="Mangal"/>
+        <a:font script="Telu" typeface="Gautami"/>
+        <a:font script="Taml" typeface="Latha"/>
+        <a:font script="Syrc" typeface="Estrangelo Edessa"/>
+        <a:font script="Orya" typeface="Kalinga"/>
+        <a:font script="Mlym" typeface="Kartika"/>
+        <a:font script="Laoo" typeface="DokChampa"/>
+        <a:font script="Sinh" typeface="Iskoola Pota"/>
+        <a:font script="Mong" typeface="Mongolian Baiti"/>
+        <a:font script="Viet" typeface="Times New Roman"/>
+        <a:font script="Uigh" typeface="Microsoft Uighur"/>
+        <a:font script="Geor" typeface="Sylfaen"/>
+        <a:font script="Armn" typeface="Arial"/>
+        <a:font script="Bugi" typeface="Leelawadee UI"/>
+        <a:font script="Bopo" typeface="Microsoft JhengHei"/>
+        <a:font script="Java" typeface="Javanese Text"/>
+        <a:font script="Lisu" typeface="Segoe UI"/>
+        <a:font script="Mymr" typeface="Myanmar Text"/>
+        <a:font script="Nkoo" typeface="Ebrima"/>
+        <a:font script="Olck" typeface="Nirmala UI"/>
+        <a:font script="Osma" typeface="Ebrima"/>
+        <a:font script="Phag" typeface="Phagspa"/>
+        <a:font script="Syrn" typeface="Estrangelo Edessa"/>
+        <a:font script="Syrj" typeface="Estrangelo Edessa"/>
+        <a:font script="Syre" typeface="Estrangelo Edessa"/>
+        <a:font script="Sora" typeface="Nirmala UI"/>
+        <a:font script="Tale" typeface="Microsoft Tai Le"/>
+        <a:font script="Talu" typeface="Microsoft New Tai Lue"/>
+        <a:font script="Tfng" typeface="Ebrima"/>
+      </a:majorFont>
+      <a:minorFont>
+        <a:latin typeface="Calibri" panose="020F0502020204030204"/>
+        <a:ea typeface=""/>
+        <a:cs typeface=""/>
+        <a:font script="Jpan" typeface="游ゴシック"/>
+        <a:font script="Hang" typeface="맑은 고딕"/>
+        <a:font script="Hans" typeface="等线"/>
+        <a:font script="Hant" typeface="新細明體"/>
+        <a:font script="Arab" typeface="Arial"/>
+        <a:font script="Hebr" typeface="Arial"/>
+        <a:font script="Thai" typeface="Cordia New"/>
+        <a:font script="Ethi" typeface="Nyala"/>
+        <a:font script="Beng" typeface="Vrinda"/>
+        <a:font script="Gujr" typeface="Shruti"/>
+        <a:font script="Khmr" typeface="DaunPenh"/>
+        <a:font script="Knda" typeface="Tunga"/>
+        <a:font script="Guru" typeface="Raavi"/>
+        <a:font script="Cans" typeface="Euphemia"/>
+        <a:font script="Cher" typeface="Plantagenet Cherokee"/>
+        <a:font script="Yiii" typeface="Microsoft Yi Baiti"/>
+        <a:font script="Tibt" typeface="Microsoft Himalaya"/>
+        <a:font script="Thaa" typeface="MV Boli"/>
+        <a:font script="Deva" typeface="Mangal"/>
+        <a:font script="Telu" typeface="Gautami"/>
+        <a:font script="Taml" typeface="Latha"/>
+        <a:font script="Syrc" typeface="Estrangelo Edessa"/>
+        <a:font script="Orya" typeface="Kalinga"/>
+        <a:font script="Mlym" typeface="Kartika"/>
+        <a:font script="Laoo" typeface="DokChampa"/>
+        <a:font script="Sinh" typeface="Iskoola Pota"/>
+        <a:font script="Mong" typeface="Mongolian Baiti"/>
+        <a:font script="Viet" typeface="Arial"/>
+        <a:font script="Uigh" typeface="Microsoft Uighur"/>
+        <a:font script="Geor" typeface="Sylfaen"/>
+        <a:font script="Armn" typeface="Arial"/>
+        <a:font script="Bugi" typeface="Leelawadee UI"/>
+        <a:font script="Bopo" typeface="Microsoft JhengHei"/>
+        <a:font script="Java" typeface="Javanese Text"/>
+        <a:font script="Lisu" typeface="Segoe UI"/>
+        <a:font script="Mymr" typeface="Myanmar Text"/>
+        <a:font script="Nkoo" typeface="Ebrima"/>
+        <a:font script="Olck" typeface="Nirmala UI"/>
+        <a:font script="Osma" typeface="Ebrima"/>
+        <a:font script="Phag" typeface="Phagspa"/>
+        <a:font script="Syrn" typeface="Estrangelo Edessa"/>
+        <a:font script="Syrj" typeface="Estrangelo Edessa"/>
+        <a:font script="Syre" typeface="Estrangelo Edessa"/>
+        <a:font script="Sora" typeface="Nirmala UI"/>
+        <a:font script="Tale" typeface="Microsoft Tai Le"/>
+        <a:font script="Talu" typeface="Microsoft New Tai Lue"/>
+        <a:font script="Tfng" typeface="Ebrima"/>
+      </a:minorFont>
+    </a:fontScheme>
+    <a:fmtScheme name="Office">
+      <a:fillStyleLst>
+        <a:solidFill>
+          <a:schemeClr val="phClr"/>
+        </a:solidFill>
+        <a:gradFill rotWithShape="1">
+          <a:gsLst>
+            <a:gs pos="0">
+              <a:schemeClr val="phClr">
+                <a:lumMod val="110000"/>
+                <a:satMod val="105000"/>
+                <a:tint val="67000"/>
+              </a:schemeClr>
+            </a:gs>
+            <a:gs pos="50000">
+              <a:schemeClr val="phClr">
+                <a:lumMod val="105000"/>
+                <a:satMod val="103000"/>
+                <a:tint val="73000"/>
+              </a:schemeClr>
+            </a:gs>
+            <a:gs pos="100000">
+              <a:schemeClr val="phClr">
+                <a:lumMod val="105000"/>
+                <a:satMod val="109000"/>
+                <a:tint val="81000"/>
+              </a:schemeClr>
+            </a:gs>
+          </a:gsLst>
+          <a:lin ang="5400000" scaled="0"/>
+        </a:gradFill>
+        <a:gradFill rotWithShape="1">
+          <a:gsLst>
+            <a:gs pos="0">
+              <a:schemeClr val="phClr">
+                <a:satMod val="103000"/>
+                <a:lumMod val="102000"/>
+                <a:tint val="94000"/>
+              </a:schemeClr>
+            </a:gs>
+            <a:gs pos="50000">
+              <a:schemeClr val="phClr">
+                <a:satMod val="110000"/>
+                <a:lumMod val="100000"/>
+                <a:shade val="100000"/>
+              </a:schemeClr>
+            </a:gs>
+            <a:gs pos="100000">
+              <a:schemeClr val="phClr">
+                <a:lumMod val="99000"/>
+                <a:satMod val="120000"/>
+                <a:shade val="78000"/>
+              </a:schemeClr>
+            </a:gs>
+          </a:gsLst>
+          <a:lin ang="5400000" scaled="0"/>
+        </a:gradFill>
+      </a:fillStyleLst>
+      <a:lnStyleLst>
+        <a:ln w="6350" cap="flat" cmpd="sng" algn="ctr">
+          <a:solidFill>
+            <a:schemeClr val="phClr"/>
+          </a:solidFill>
+          <a:prstDash val="solid"/>
+          <a:miter lim="800000"/>
+        </a:ln>
+        <a:ln w="12700" cap="flat" cmpd="sng" algn="ctr">
+          <a:solidFill>
+            <a:schemeClr val="phClr"/>
+          </a:solidFill>
+          <a:prstDash val="solid"/>
+          <a:miter lim="800000"/>
+        </a:ln>
+        <a:ln w="19050" cap="flat" cmpd="sng" algn="ctr">
+          <a:solidFill>
+            <a:schemeClr val="phClr"/>
+          </a:solidFill>
+          <a:prstDash val="solid"/>
+          <a:miter lim="800000"/>
+        </a:ln>
+      </a:lnStyleLst>
+      <a:effectStyleLst>
+        <a:effectStyle>
+          <a:effectLst/>
+        </a:effectStyle>
+        <a:effectStyle>
+          <a:effectLst/>
+        </a:effectStyle>
+        <a:effectStyle>
+          <a:effectLst>
+            <a:outerShdw blurRad="57150" dist="19050" dir="5400000" algn="ctr" rotWithShape="0">
+              <a:srgbClr val="000000">
+                <a:alpha val="63000"/>
+              </a:srgbClr>
+            </a:outerShdw>
+          </a:effectLst>
+        </a:effectStyle>
+      </a:effectStyleLst>
+      <a:bgFillStyleLst>
+        <a:solidFill>
+          <a:schemeClr val="phClr"/>
+        </a:solidFill>
+        <a:solidFill>
+          <a:schemeClr val="phClr">
+            <a:tint val="95000"/>
+            <a:satMod val="170000"/>
+          </a:schemeClr>
+        </a:solidFill>
+        <a:gradFill rotWithShape="1">
+          <a:gsLst>
+            <a:gs pos="0">
+              <a:schemeClr val="phClr">
+                <a:tint val="93000"/>
+                <a:satMod val="150000"/>
+                <a:shade val="98000"/>
+                <a:lumMod val="102000"/>
+              </a:schemeClr>
+            </a:gs>
+            <a:gs pos="50000">
+              <a:schemeClr val="phClr">
+                <a:tint val="98000"/>
+                <a:satMod val="130000"/>
+                <a:shade val="90000"/>
+                <a:lumMod val="103000"/>
+              </a:schemeClr>
+            </a:gs>
+            <a:gs pos="100000">
+              <a:schemeClr val="phClr">
+                <a:shade val="63000"/>
+                <a:satMod val="120000"/>
+              </a:schemeClr>
+            </a:gs>
+          </a:gsLst>
+          <a:lin ang="5400000" scaled="0"/>
+        </a:gradFill>
+      </a:bgFillStyleLst>
+    </a:fmtScheme>
+  </a:themeElements>
+  <a:objectDefaults/>
+  <a:extraClrSchemeLst/>
+  <a:extLst>
+    <a:ext uri="{05A4C25C-085E-4340-85A3-A5531E510DB2}">
+      <thm15:themeFamily xmlns:thm15="http://schemas.microsoft.com/office/thememl/2012/main" name="Office Theme" id="{62F939B6-93AF-4DB8-9C6B-D6C7DFDC589F}" vid="{4A3C46E8-61CC-4603-A589-7422A47A8E4A}"/>
+    </a:ext>
+  </a:extLst>
+</a:theme>
 </file>
--- a/L6 Group-1 Pitch 1.pptx
+++ b/L6 Group-1 Pitch 1.pptx
@@ -1524,7 +1524,7 @@
             </a:spcAft>
             <a:buNone/>
           </a:pPr>
-          <a:endParaRPr lang="en-US" sz="1200" kern="1200"/>
+          <a:endParaRPr lang="en-US" sz="1200" kern="1200" dirty="0"/>
         </a:p>
       </dsp:txBody>
       <dsp:txXfrm>
@@ -7597,6 +7597,34 @@
               <a:t>Hard Fun:</a:t>
             </a:r>
           </a:p>
+          <a:p>
+            <a:pPr lvl="1"/>
+            <a:r>
+              <a:rPr lang="en-GB" dirty="0"/>
+              <a:t>Accomplishment</a:t>
+            </a:r>
+          </a:p>
+          <a:p>
+            <a:pPr lvl="1"/>
+            <a:r>
+              <a:rPr lang="en-GB" dirty="0"/>
+              <a:t>Clear Goal</a:t>
+            </a:r>
+          </a:p>
+          <a:p>
+            <a:pPr lvl="1"/>
+            <a:r>
+              <a:rPr lang="en-GB" dirty="0"/>
+              <a:t>Fast paced</a:t>
+            </a:r>
+          </a:p>
+          <a:p>
+            <a:pPr lvl="1"/>
+            <a:endParaRPr lang="en-GB" dirty="0"/>
+          </a:p>
+          <a:p>
+            <a:endParaRPr lang="en-GB" dirty="0"/>
+          </a:p>
         </p:txBody>
       </p:sp>
     </p:spTree>
@@ -8042,12 +8070,6 @@
           <a:p>
             <a:r>
               <a:rPr lang="en-GB" dirty="0"/>
-              <a:t>Fast paced</a:t>
-            </a:r>
-          </a:p>
-          <a:p>
-            <a:r>
-              <a:rPr lang="en-GB" dirty="0"/>
               <a:t>Mental challenge</a:t>
             </a:r>
           </a:p>
@@ -8058,7 +8080,10 @@
             </a:r>
           </a:p>
           <a:p>
-            <a:endParaRPr lang="en-GB" dirty="0"/>
+            <a:r>
+              <a:rPr lang="en-GB" dirty="0"/>
+              <a:t>Letters based point scoring</a:t>
+            </a:r>
           </a:p>
           <a:p>
             <a:endParaRPr lang="en-GB" dirty="0"/>
@@ -8470,6 +8495,33 @@
             </a:r>
           </a:p>
           <a:p>
+            <a:r>
+              <a:rPr lang="en-GB" dirty="0"/>
+              <a:t>Hard Fun: </a:t>
+            </a:r>
+          </a:p>
+          <a:p>
+            <a:pPr lvl="1"/>
+            <a:r>
+              <a:rPr lang="en-GB" dirty="0"/>
+              <a:t>Accomplishment</a:t>
+            </a:r>
+          </a:p>
+          <a:p>
+            <a:pPr lvl="1"/>
+            <a:r>
+              <a:rPr lang="en-GB" dirty="0"/>
+              <a:t>Strategy</a:t>
+            </a:r>
+          </a:p>
+          <a:p>
+            <a:pPr lvl="1"/>
+            <a:r>
+              <a:rPr lang="en-GB" dirty="0"/>
+              <a:t>Clear Goal</a:t>
+            </a:r>
+          </a:p>
+          <a:p>
             <a:endParaRPr lang="en-GB" dirty="0"/>
           </a:p>
         </p:txBody>
@@ -8536,7 +8588,25 @@
           <a:bodyPr/>
           <a:lstStyle/>
           <a:p>
-            <a:endParaRPr lang="en-GB"/>
+            <a:r>
+              <a:rPr lang="en-GB" dirty="0"/>
+              <a:t>Platform: Mobile and Tablet</a:t>
+            </a:r>
+          </a:p>
+          <a:p>
+            <a:r>
+              <a:rPr lang="en-GB" dirty="0"/>
+              <a:t>Genre: Puzzle</a:t>
+            </a:r>
+          </a:p>
+          <a:p>
+            <a:r>
+              <a:rPr lang="en-GB" dirty="0"/>
+              <a:t>Duration: Up to 5 minutes</a:t>
+            </a:r>
+          </a:p>
+          <a:p>
+            <a:endParaRPr lang="en-GB" dirty="0"/>
           </a:p>
         </p:txBody>
       </p:sp>
@@ -8575,7 +8645,12 @@
             <p:ph type="title"/>
           </p:nvPr>
         </p:nvSpPr>
-        <p:spPr/>
+        <p:spPr>
+          <a:xfrm>
+            <a:off x="457200" y="267494"/>
+            <a:ext cx="8229600" cy="1399032"/>
+          </a:xfrm>
+        </p:spPr>
         <p:txBody>
           <a:bodyPr/>
           <a:lstStyle/>
@@ -8603,13 +8678,13 @@
             <p:ph idx="1"/>
             <p:extLst>
               <p:ext uri="{D42A27DB-BD31-4B8C-83A1-F6EECF244321}">
-                <p14:modId xmlns:p14="http://schemas.microsoft.com/office/powerpoint/2010/main" val="1320179991"/>
+                <p14:modId xmlns:p14="http://schemas.microsoft.com/office/powerpoint/2010/main" val="1497943985"/>
               </p:ext>
             </p:extLst>
           </p:nvPr>
         </p:nvGraphicFramePr>
         <p:xfrm>
-          <a:off x="755576" y="1412776"/>
+          <a:off x="3049488" y="1484784"/>
           <a:ext cx="3045024" cy="2305050"/>
         </p:xfrm>
         <a:graphic>
@@ -8618,6 +8693,226 @@
           </a:graphicData>
         </a:graphic>
       </p:graphicFrame>
+      <p:sp>
+        <p:nvSpPr>
+          <p:cNvPr id="5" name="Content Placeholder 2">
+            <a:extLst>
+              <a:ext uri="{FF2B5EF4-FFF2-40B4-BE49-F238E27FC236}">
+                <a16:creationId xmlns:a16="http://schemas.microsoft.com/office/drawing/2014/main" id="{604A22F6-A5CD-424E-B23E-C6E5CD747FB1}"/>
+              </a:ext>
+            </a:extLst>
+          </p:cNvPr>
+          <p:cNvSpPr txBox="1">
+            <a:spLocks/>
+          </p:cNvSpPr>
+          <p:nvPr/>
+        </p:nvSpPr>
+        <p:spPr>
+          <a:xfrm>
+            <a:off x="323528" y="3933056"/>
+            <a:ext cx="8363272" cy="2521752"/>
+          </a:xfrm>
+          <a:prstGeom prst="rect">
+            <a:avLst/>
+          </a:prstGeom>
+        </p:spPr>
+        <p:txBody>
+          <a:bodyPr vert="horz" anchor="t">
+            <a:normAutofit/>
+          </a:bodyPr>
+          <a:lstStyle>
+            <a:lvl1pPr marL="448056" indent="-384048" algn="l" rtl="0" eaLnBrk="1" latinLnBrk="0" hangingPunct="1">
+              <a:spcBef>
+                <a:spcPct val="20000"/>
+              </a:spcBef>
+              <a:buClr>
+                <a:schemeClr val="accent1"/>
+              </a:buClr>
+              <a:buSzPct val="80000"/>
+              <a:buFont typeface="Wingdings 2"/>
+              <a:buChar char=""/>
+              <a:defRPr kumimoji="0" sz="3000" kern="1200">
+                <a:solidFill>
+                  <a:schemeClr val="tx1"/>
+                </a:solidFill>
+                <a:latin typeface="+mn-lt"/>
+                <a:ea typeface="+mn-ea"/>
+                <a:cs typeface="+mn-cs"/>
+              </a:defRPr>
+            </a:lvl1pPr>
+            <a:lvl2pPr marL="822960" indent="-285750" algn="l" rtl="0" eaLnBrk="1" latinLnBrk="0" hangingPunct="1">
+              <a:spcBef>
+                <a:spcPct val="20000"/>
+              </a:spcBef>
+              <a:buClr>
+                <a:schemeClr val="accent1"/>
+              </a:buClr>
+              <a:buSzPct val="95000"/>
+              <a:buFont typeface="Verdana"/>
+              <a:buChar char="›"/>
+              <a:defRPr kumimoji="0" sz="2600" kern="1200">
+                <a:solidFill>
+                  <a:schemeClr val="tx1"/>
+                </a:solidFill>
+                <a:latin typeface="+mn-lt"/>
+                <a:ea typeface="+mn-ea"/>
+                <a:cs typeface="+mn-cs"/>
+              </a:defRPr>
+            </a:lvl2pPr>
+            <a:lvl3pPr marL="1106424" indent="-228600" algn="l" rtl="0" eaLnBrk="1" latinLnBrk="0" hangingPunct="1">
+              <a:spcBef>
+                <a:spcPct val="20000"/>
+              </a:spcBef>
+              <a:buClr>
+                <a:schemeClr val="accent1"/>
+              </a:buClr>
+              <a:buFont typeface="Wingdings 2"/>
+              <a:buChar char=""/>
+              <a:defRPr kumimoji="0" sz="2400" kern="1200">
+                <a:solidFill>
+                  <a:schemeClr val="tx1"/>
+                </a:solidFill>
+                <a:latin typeface="+mn-lt"/>
+                <a:ea typeface="+mn-ea"/>
+                <a:cs typeface="+mn-cs"/>
+              </a:defRPr>
+            </a:lvl3pPr>
+            <a:lvl4pPr marL="1371600" indent="-210312" algn="l" rtl="0" eaLnBrk="1" latinLnBrk="0" hangingPunct="1">
+              <a:spcBef>
+                <a:spcPct val="20000"/>
+              </a:spcBef>
+              <a:buClr>
+                <a:schemeClr val="accent1"/>
+              </a:buClr>
+              <a:buFont typeface="Wingdings 2"/>
+              <a:buChar char=""/>
+              <a:defRPr kumimoji="0" sz="2000" kern="1200">
+                <a:solidFill>
+                  <a:schemeClr val="tx1"/>
+                </a:solidFill>
+                <a:latin typeface="+mn-lt"/>
+                <a:ea typeface="+mn-ea"/>
+                <a:cs typeface="+mn-cs"/>
+              </a:defRPr>
+            </a:lvl4pPr>
+            <a:lvl5pPr marL="1600200" indent="-210312" algn="l" rtl="0" eaLnBrk="1" latinLnBrk="0" hangingPunct="1">
+              <a:spcBef>
+                <a:spcPct val="20000"/>
+              </a:spcBef>
+              <a:buClr>
+                <a:schemeClr val="accent1">
+                  <a:tint val="75000"/>
+                </a:schemeClr>
+              </a:buClr>
+              <a:buFont typeface="Wingdings 2"/>
+              <a:buChar char=""/>
+              <a:defRPr kumimoji="0" sz="1900" kern="1200">
+                <a:solidFill>
+                  <a:schemeClr val="tx1"/>
+                </a:solidFill>
+                <a:latin typeface="+mn-lt"/>
+                <a:ea typeface="+mn-ea"/>
+                <a:cs typeface="+mn-cs"/>
+              </a:defRPr>
+            </a:lvl5pPr>
+            <a:lvl6pPr marL="1828800" indent="-210312" algn="l" rtl="0" eaLnBrk="1" latinLnBrk="0" hangingPunct="1">
+              <a:spcBef>
+                <a:spcPct val="20000"/>
+              </a:spcBef>
+              <a:buClr>
+                <a:schemeClr val="accent1">
+                  <a:tint val="75000"/>
+                </a:schemeClr>
+              </a:buClr>
+              <a:buFont typeface="Wingdings 2"/>
+              <a:buChar char=""/>
+              <a:defRPr kumimoji="0" sz="1800" kern="1200">
+                <a:solidFill>
+                  <a:schemeClr val="tx1"/>
+                </a:solidFill>
+                <a:latin typeface="+mn-lt"/>
+                <a:ea typeface="+mn-ea"/>
+                <a:cs typeface="+mn-cs"/>
+              </a:defRPr>
+            </a:lvl6pPr>
+            <a:lvl7pPr marL="2084832" indent="-210312" algn="l" rtl="0" eaLnBrk="1" latinLnBrk="0" hangingPunct="1">
+              <a:spcBef>
+                <a:spcPct val="20000"/>
+              </a:spcBef>
+              <a:buClr>
+                <a:schemeClr val="accent1">
+                  <a:tint val="75000"/>
+                </a:schemeClr>
+              </a:buClr>
+              <a:buFont typeface="Wingdings 2"/>
+              <a:buChar char=""/>
+              <a:defRPr kumimoji="0" sz="1600" kern="1200">
+                <a:solidFill>
+                  <a:schemeClr val="tx1"/>
+                </a:solidFill>
+                <a:latin typeface="+mn-lt"/>
+                <a:ea typeface="+mn-ea"/>
+                <a:cs typeface="+mn-cs"/>
+              </a:defRPr>
+            </a:lvl7pPr>
+            <a:lvl8pPr marL="2286000" indent="-182880" algn="l" rtl="0" eaLnBrk="1" latinLnBrk="0" hangingPunct="1">
+              <a:spcBef>
+                <a:spcPct val="20000"/>
+              </a:spcBef>
+              <a:buClr>
+                <a:schemeClr val="accent1">
+                  <a:tint val="75000"/>
+                </a:schemeClr>
+              </a:buClr>
+              <a:buFont typeface="Wingdings 2"/>
+              <a:buChar char=""/>
+              <a:defRPr kumimoji="0" sz="1600" kern="1200">
+                <a:solidFill>
+                  <a:schemeClr val="tx1"/>
+                </a:solidFill>
+                <a:latin typeface="+mn-lt"/>
+                <a:ea typeface="+mn-ea"/>
+                <a:cs typeface="+mn-cs"/>
+              </a:defRPr>
+            </a:lvl8pPr>
+            <a:lvl9pPr marL="2514600" indent="-182880" algn="l" rtl="0" eaLnBrk="1" latinLnBrk="0" hangingPunct="1">
+              <a:spcBef>
+                <a:spcPct val="20000"/>
+              </a:spcBef>
+              <a:buClr>
+                <a:schemeClr val="accent1">
+                  <a:tint val="75000"/>
+                </a:schemeClr>
+              </a:buClr>
+              <a:buFont typeface="Wingdings 2"/>
+              <a:buChar char=""/>
+              <a:defRPr kumimoji="0" sz="1600" kern="1200">
+                <a:solidFill>
+                  <a:schemeClr val="tx1"/>
+                </a:solidFill>
+                <a:latin typeface="+mn-lt"/>
+                <a:ea typeface="+mn-ea"/>
+                <a:cs typeface="+mn-cs"/>
+              </a:defRPr>
+            </a:lvl9pPr>
+          </a:lstStyle>
+          <a:p>
+            <a:endParaRPr lang="en-GB" dirty="0"/>
+          </a:p>
+          <a:p>
+            <a:r>
+              <a:rPr lang="en-GB" dirty="0"/>
+              <a:t>Soft currency- Power ups </a:t>
+            </a:r>
+          </a:p>
+          <a:p>
+            <a:r>
+              <a:rPr lang="en-GB" dirty="0"/>
+              <a:t>Hard currency-  Cosmetics</a:t>
+            </a:r>
+          </a:p>
+        </p:txBody>
+      </p:sp>
     </p:spTree>
   </p:cSld>
   <p:clrMapOvr>
@@ -8766,7 +9061,7 @@
           <a:bodyPr/>
           <a:lstStyle/>
           <a:p>
-            <a:endParaRPr lang="en-GB"/>
+            <a:endParaRPr lang="en-GB" dirty="0"/>
           </a:p>
         </p:txBody>
       </p:sp>
